--- a/toolkit/phone-assessment-interviews/phone-interview-training-presentation.pptx
+++ b/toolkit/phone-assessment-interviews/phone-interview-training-presentation.pptx
@@ -1,14 +1,14 @@
 
 <file path=ppt/presentation.xml><?xml version="1.0" encoding="utf-8"?>
-<p:presentation xmlns:a="http://schemas.openxmlformats.org/drawingml/2006/main" xmlns:r="http://schemas.openxmlformats.org/officeDocument/2006/relationships" xmlns:p="http://schemas.openxmlformats.org/presentationml/2006/main" showSpecialPlsOnTitleSld="0" strictFirstAndLastChars="0" embedTrueTypeFonts="1" autoCompressPictures="0">
+<p:presentation xmlns:a="http://schemas.openxmlformats.org/drawingml/2006/main" xmlns:r="http://schemas.openxmlformats.org/officeDocument/2006/relationships" xmlns:p="http://schemas.openxmlformats.org/presentationml/2006/main" showSpecialPlsOnTitleSld="0" strictFirstAndLastChars="0" embedTrueTypeFonts="1" saveSubsetFonts="1" autoCompressPictures="0">
   <p:sldMasterIdLst>
     <p:sldMasterId id="2147483666" r:id="rId1"/>
   </p:sldMasterIdLst>
   <p:notesMasterIdLst>
-    <p:notesMasterId r:id="rId28"/>
+    <p:notesMasterId r:id="rId26"/>
   </p:notesMasterIdLst>
   <p:handoutMasterIdLst>
-    <p:handoutMasterId r:id="rId29"/>
+    <p:handoutMasterId r:id="rId27"/>
   </p:handoutMasterIdLst>
   <p:sldIdLst>
     <p:sldId id="256" r:id="rId2"/>
@@ -18,54 +18,52 @@
     <p:sldId id="345" r:id="rId6"/>
     <p:sldId id="298" r:id="rId7"/>
     <p:sldId id="346" r:id="rId8"/>
-    <p:sldId id="358" r:id="rId9"/>
+    <p:sldId id="347" r:id="rId9"/>
     <p:sldId id="348" r:id="rId10"/>
-    <p:sldId id="347" r:id="rId11"/>
-    <p:sldId id="364" r:id="rId12"/>
-    <p:sldId id="349" r:id="rId13"/>
-    <p:sldId id="350" r:id="rId14"/>
-    <p:sldId id="338" r:id="rId15"/>
-    <p:sldId id="352" r:id="rId16"/>
-    <p:sldId id="353" r:id="rId17"/>
-    <p:sldId id="354" r:id="rId18"/>
-    <p:sldId id="361" r:id="rId19"/>
-    <p:sldId id="359" r:id="rId20"/>
-    <p:sldId id="355" r:id="rId21"/>
-    <p:sldId id="281" r:id="rId22"/>
-    <p:sldId id="333" r:id="rId23"/>
-    <p:sldId id="356" r:id="rId24"/>
-    <p:sldId id="357" r:id="rId25"/>
-    <p:sldId id="363" r:id="rId26"/>
-    <p:sldId id="291" r:id="rId27"/>
+    <p:sldId id="349" r:id="rId11"/>
+    <p:sldId id="350" r:id="rId12"/>
+    <p:sldId id="351" r:id="rId13"/>
+    <p:sldId id="338" r:id="rId14"/>
+    <p:sldId id="352" r:id="rId15"/>
+    <p:sldId id="353" r:id="rId16"/>
+    <p:sldId id="354" r:id="rId17"/>
+    <p:sldId id="335" r:id="rId18"/>
+    <p:sldId id="355" r:id="rId19"/>
+    <p:sldId id="281" r:id="rId20"/>
+    <p:sldId id="331" r:id="rId21"/>
+    <p:sldId id="333" r:id="rId22"/>
+    <p:sldId id="356" r:id="rId23"/>
+    <p:sldId id="357" r:id="rId24"/>
+    <p:sldId id="291" r:id="rId25"/>
   </p:sldIdLst>
   <p:sldSz cx="17340263" cy="9753600"/>
   <p:notesSz cx="6881813" cy="9296400"/>
   <p:embeddedFontLst>
     <p:embeddedFont>
       <p:font typeface="Avenir" panose="02000503020000020003" pitchFamily="2" charset="0"/>
-      <p:regular r:id="rId30"/>
-      <p:italic r:id="rId31"/>
+      <p:regular r:id="rId28"/>
+      <p:italic r:id="rId29"/>
     </p:embeddedFont>
     <p:embeddedFont>
       <p:font typeface="Merriweather Sans" pitchFamily="2" charset="77"/>
-      <p:regular r:id="rId32"/>
-      <p:bold r:id="rId33"/>
-      <p:italic r:id="rId34"/>
-      <p:boldItalic r:id="rId35"/>
+      <p:regular r:id="rId30"/>
+      <p:bold r:id="rId31"/>
+      <p:italic r:id="rId32"/>
+      <p:boldItalic r:id="rId33"/>
     </p:embeddedFont>
     <p:embeddedFont>
       <p:font typeface="Rockwell" panose="02060603020205020403" pitchFamily="18" charset="77"/>
-      <p:regular r:id="rId36"/>
-      <p:bold r:id="rId37"/>
-      <p:italic r:id="rId38"/>
-      <p:boldItalic r:id="rId39"/>
+      <p:regular r:id="rId34"/>
+      <p:bold r:id="rId35"/>
+      <p:italic r:id="rId36"/>
+      <p:boldItalic r:id="rId37"/>
     </p:embeddedFont>
     <p:embeddedFont>
       <p:font typeface="Source Sans Pro" panose="020B0503030403020204" pitchFamily="34" charset="0"/>
-      <p:regular r:id="rId40"/>
-      <p:bold r:id="rId41"/>
-      <p:italic r:id="rId42"/>
-      <p:boldItalic r:id="rId43"/>
+      <p:regular r:id="rId38"/>
+      <p:bold r:id="rId39"/>
+      <p:italic r:id="rId40"/>
+      <p:boldItalic r:id="rId41"/>
     </p:embeddedFont>
   </p:embeddedFontLst>
   <p:defaultTextStyle>
@@ -328,154 +326,7 @@
       </p:ext>
     </p:extLst>
   </p:cmAuthor>
-  <p:cmAuthor id="2" name="Microsoft Office User" initials="MOU" lastIdx="15" clrIdx="1">
-    <p:extLst>
-      <p:ext uri="{19B8F6BF-5375-455C-9EA6-DF929625EA0E}">
-        <p15:presenceInfo xmlns:p15="http://schemas.microsoft.com/office/powerpoint/2012/main" userId="Microsoft Office User" providerId="None"/>
-      </p:ext>
-    </p:extLst>
-  </p:cmAuthor>
 </p:cmAuthorLst>
-</file>
-
-<file path=ppt/comments/comment1.xml><?xml version="1.0" encoding="utf-8"?>
-<p:cmLst xmlns:a="http://schemas.openxmlformats.org/drawingml/2006/main" xmlns:r="http://schemas.openxmlformats.org/officeDocument/2006/relationships" xmlns:p="http://schemas.openxmlformats.org/presentationml/2006/main">
-  <p:cm authorId="2" dt="2019-09-25T10:52:33.350" idx="3">
-    <p:pos x="10" y="10"/>
-    <p:text>idea: just jump into the mock interview now. Half the team asks the other half a question and the other half responds. Based on these responses, we adjust the questions/good responses/follow ups. Switch halves for the next question</p:text>
-    <p:extLst>
-      <p:ext uri="{C676402C-5697-4E1C-873F-D02D1690AC5C}">
-        <p15:threadingInfo xmlns:p15="http://schemas.microsoft.com/office/powerpoint/2012/main" timeZoneBias="240"/>
-      </p:ext>
-    </p:extLst>
-  </p:cm>
-  <p:cm authorId="2" dt="2019-09-25T14:18:03.198" idx="14">
-    <p:pos x="106" y="106"/>
-    <p:text>Rename "Ratings Template". I</p:text>
-    <p:extLst>
-      <p:ext uri="{C676402C-5697-4E1C-873F-D02D1690AC5C}">
-        <p15:threadingInfo xmlns:p15="http://schemas.microsoft.com/office/powerpoint/2012/main" timeZoneBias="240"/>
-      </p:ext>
-    </p:extLst>
-  </p:cm>
-  <p:cm authorId="2" dt="2019-09-25T14:19:03.907" idx="15">
-    <p:pos x="106" y="202"/>
-    <p:text>suggestion: Interview Assessment pdf</p:text>
-    <p:extLst>
-      <p:ext uri="{C676402C-5697-4E1C-873F-D02D1690AC5C}">
-        <p15:threadingInfo xmlns:p15="http://schemas.microsoft.com/office/powerpoint/2012/main" timeZoneBias="240">
-          <p15:parentCm authorId="2" idx="14"/>
-        </p15:threadingInfo>
-      </p:ext>
-    </p:extLst>
-  </p:cm>
-</p:cmLst>
-</file>
-
-<file path=ppt/comments/comment2.xml><?xml version="1.0" encoding="utf-8"?>
-<p:cmLst xmlns:a="http://schemas.openxmlformats.org/drawingml/2006/main" xmlns:r="http://schemas.openxmlformats.org/officeDocument/2006/relationships" xmlns:p="http://schemas.openxmlformats.org/presentationml/2006/main">
-  <p:cm authorId="2" dt="2019-09-25T10:52:33.350" idx="3">
-    <p:pos x="10" y="10"/>
-    <p:text>idea: just jump into the mock interview now. Half the team asks the other half a question and the other half responds. Based on these responses, we adjust the questions/good responses/follow ups. Switch halves for the next question</p:text>
-    <p:extLst>
-      <p:ext uri="{C676402C-5697-4E1C-873F-D02D1690AC5C}">
-        <p15:threadingInfo xmlns:p15="http://schemas.microsoft.com/office/powerpoint/2012/main" timeZoneBias="240"/>
-      </p:ext>
-    </p:extLst>
-  </p:cm>
-  <p:cm authorId="2" dt="2019-09-25T11:07:41.298" idx="6">
-    <p:pos x="10" y="106"/>
-    <p:text>Flesh out good responses while we're doing this</p:text>
-    <p:extLst>
-      <p:ext uri="{C676402C-5697-4E1C-873F-D02D1690AC5C}">
-        <p15:threadingInfo xmlns:p15="http://schemas.microsoft.com/office/powerpoint/2012/main" timeZoneBias="240">
-          <p15:parentCm authorId="2" idx="3"/>
-        </p15:threadingInfo>
-      </p:ext>
-    </p:extLst>
-  </p:cm>
-  <p:cm authorId="2" dt="2019-09-25T11:09:08.992" idx="7">
-    <p:pos x="10" y="202"/>
-    <p:text>also, refine "exceeds" level</p:text>
-    <p:extLst>
-      <p:ext uri="{C676402C-5697-4E1C-873F-D02D1690AC5C}">
-        <p15:threadingInfo xmlns:p15="http://schemas.microsoft.com/office/powerpoint/2012/main" timeZoneBias="240">
-          <p15:parentCm authorId="2" idx="3"/>
-        </p15:threadingInfo>
-      </p:ext>
-    </p:extLst>
-  </p:cm>
-</p:cmLst>
-</file>
-
-<file path=ppt/comments/comment3.xml><?xml version="1.0" encoding="utf-8"?>
-<p:cmLst xmlns:a="http://schemas.openxmlformats.org/drawingml/2006/main" xmlns:r="http://schemas.openxmlformats.org/officeDocument/2006/relationships" xmlns:p="http://schemas.openxmlformats.org/presentationml/2006/main">
-  <p:cm authorId="2" dt="2019-09-25T10:55:09.320" idx="4">
-    <p:pos x="10" y="10"/>
-    <p:text>This is no longer true. We are potentially redefining them right now</p:text>
-    <p:extLst>
-      <p:ext uri="{C676402C-5697-4E1C-873F-D02D1690AC5C}">
-        <p15:threadingInfo xmlns:p15="http://schemas.microsoft.com/office/powerpoint/2012/main" timeZoneBias="240"/>
-      </p:ext>
-    </p:extLst>
-  </p:cm>
-</p:cmLst>
-</file>
-
-<file path=ppt/comments/comment4.xml><?xml version="1.0" encoding="utf-8"?>
-<p:cmLst xmlns:a="http://schemas.openxmlformats.org/drawingml/2006/main" xmlns:r="http://schemas.openxmlformats.org/officeDocument/2006/relationships" xmlns:p="http://schemas.openxmlformats.org/presentationml/2006/main">
-  <p:cm authorId="2" dt="2019-09-25T10:55:09.320" idx="4">
-    <p:pos x="10" y="10"/>
-    <p:text>This is no longer true. We are potentially redefining them right now</p:text>
-    <p:extLst>
-      <p:ext uri="{C676402C-5697-4E1C-873F-D02D1690AC5C}">
-        <p15:threadingInfo xmlns:p15="http://schemas.microsoft.com/office/powerpoint/2012/main" timeZoneBias="240"/>
-      </p:ext>
-    </p:extLst>
-  </p:cm>
-</p:cmLst>
-</file>
-
-<file path=ppt/comments/comment5.xml><?xml version="1.0" encoding="utf-8"?>
-<p:cmLst xmlns:a="http://schemas.openxmlformats.org/drawingml/2006/main" xmlns:r="http://schemas.openxmlformats.org/officeDocument/2006/relationships" xmlns:p="http://schemas.openxmlformats.org/presentationml/2006/main">
-  <p:cm authorId="2" dt="2019-09-25T14:11:34.009" idx="13">
-    <p:pos x="10" y="10"/>
-    <p:text>I don't know what "Your transcript and proficiency determination should be aligned" means</p:text>
-    <p:extLst>
-      <p:ext uri="{C676402C-5697-4E1C-873F-D02D1690AC5C}">
-        <p15:threadingInfo xmlns:p15="http://schemas.microsoft.com/office/powerpoint/2012/main" timeZoneBias="240"/>
-      </p:ext>
-    </p:extLst>
-  </p:cm>
-</p:cmLst>
-</file>
-
-<file path=ppt/comments/comment6.xml><?xml version="1.0" encoding="utf-8"?>
-<p:cmLst xmlns:a="http://schemas.openxmlformats.org/drawingml/2006/main" xmlns:r="http://schemas.openxmlformats.org/officeDocument/2006/relationships" xmlns:p="http://schemas.openxmlformats.org/presentationml/2006/main">
-  <p:cm authorId="2" dt="2019-09-25T11:17:27.431" idx="8">
-    <p:pos x="10" y="10"/>
-    <p:text>KILL</p:text>
-    <p:extLst>
-      <p:ext uri="{C676402C-5697-4E1C-873F-D02D1690AC5C}">
-        <p15:threadingInfo xmlns:p15="http://schemas.microsoft.com/office/powerpoint/2012/main" timeZoneBias="240"/>
-      </p:ext>
-    </p:extLst>
-  </p:cm>
-</p:cmLst>
-</file>
-
-<file path=ppt/comments/comment7.xml><?xml version="1.0" encoding="utf-8"?>
-<p:cmLst xmlns:a="http://schemas.openxmlformats.org/drawingml/2006/main" xmlns:r="http://schemas.openxmlformats.org/officeDocument/2006/relationships" xmlns:p="http://schemas.openxmlformats.org/presentationml/2006/main">
-  <p:cm authorId="2" dt="2019-09-25T10:55:09.320" idx="4">
-    <p:pos x="10" y="10"/>
-    <p:text>This is no longer true. We are potentially redefining them right now</p:text>
-    <p:extLst>
-      <p:ext uri="{C676402C-5697-4E1C-873F-D02D1690AC5C}">
-        <p15:threadingInfo xmlns:p15="http://schemas.microsoft.com/office/powerpoint/2012/main" timeZoneBias="240"/>
-      </p:ext>
-    </p:extLst>
-  </p:cm>
-</p:cmLst>
 </file>
 
 <file path=ppt/handoutMasters/handoutMaster1.xml><?xml version="1.0" encoding="utf-8"?>
@@ -572,7 +423,7 @@
           <a:p>
             <a:fld id="{5F1244B9-655E-9143-8F11-143B7EBD7CDE}" type="datetimeFigureOut">
               <a:rPr lang="en-US" smtClean="0"/>
-              <a:t>9/25/19</a:t>
+              <a:t>9/6/19</a:t>
             </a:fld>
             <a:endParaRPr lang="en-US"/>
           </a:p>
@@ -1398,7 +1249,25 @@
           <a:bodyPr/>
           <a:lstStyle/>
           <a:p>
-            <a:pPr marL="457200" marR="0" indent="-228600" algn="l" defTabSz="914400" rtl="0" eaLnBrk="1" fontAlgn="auto" latinLnBrk="0" hangingPunct="1">
+            <a:r>
+              <a:rPr lang="en-US" dirty="0"/>
+              <a:t>This is a good</a:t>
+            </a:r>
+            <a:r>
+              <a:rPr lang="en-US" baseline="0" dirty="0"/>
+              <a:t> example</a:t>
+            </a:r>
+            <a:r>
+              <a:rPr lang="en-US" dirty="0"/>
+              <a:t>.</a:t>
+            </a:r>
+            <a:r>
+              <a:rPr lang="en-US" baseline="0" dirty="0"/>
+              <a:t> Reasons:</a:t>
+            </a:r>
+          </a:p>
+          <a:p>
+            <a:pPr marL="571500" marR="0" indent="-342900" algn="l" defTabSz="914400" rtl="0" eaLnBrk="1" fontAlgn="auto" latinLnBrk="0" hangingPunct="1">
               <a:lnSpc>
                 <a:spcPct val="100000"/>
               </a:lnSpc>
@@ -1412,151 +1281,49 @@
                 <a:srgbClr val="000000"/>
               </a:buClr>
               <a:buSzPts val="1400"/>
-              <a:buFont typeface="Arial"/>
-              <a:buNone/>
+              <a:buFontTx/>
+              <a:buChar char="-"/>
               <a:tabLst/>
               <a:defRPr/>
             </a:pPr>
             <a:r>
-              <a:rPr lang="en-US" sz="2200" b="0" i="0" u="none" strike="noStrike" cap="none" baseline="0" dirty="0">
-                <a:solidFill>
-                  <a:srgbClr val="000000"/>
-                </a:solidFill>
-                <a:effectLst/>
-                <a:latin typeface="Merriweather Sans"/>
-                <a:ea typeface="Merriweather Sans"/>
-                <a:cs typeface="Merriweather Sans"/>
-                <a:sym typeface="Merriweather Sans"/>
-              </a:rPr>
-              <a:t>This is not a good example. Reasons:</a:t>
-            </a:r>
-          </a:p>
-          <a:p>
-            <a:pPr marL="457200" marR="0" indent="-228600" algn="l" defTabSz="914400" rtl="0" eaLnBrk="1" fontAlgn="auto" latinLnBrk="0" hangingPunct="1">
-              <a:lnSpc>
-                <a:spcPct val="100000"/>
-              </a:lnSpc>
-              <a:spcBef>
-                <a:spcPts val="0"/>
-              </a:spcBef>
-              <a:spcAft>
-                <a:spcPts val="0"/>
-              </a:spcAft>
-              <a:buClr>
-                <a:srgbClr val="000000"/>
-              </a:buClr>
-              <a:buSzPts val="1400"/>
-              <a:buFont typeface="Arial"/>
-              <a:buNone/>
-              <a:tabLst/>
-              <a:defRPr/>
+              <a:rPr lang="en-US" baseline="0" dirty="0"/>
+              <a:t>Transcription with details? Yes, this is a transcription</a:t>
+            </a:r>
+          </a:p>
+          <a:p>
+            <a:pPr marL="571500" indent="-342900">
+              <a:buFontTx/>
+              <a:buChar char="-"/>
             </a:pPr>
             <a:r>
-              <a:rPr lang="en-US" sz="2200" b="0" i="0" u="none" strike="noStrike" cap="none" baseline="0" dirty="0">
-                <a:solidFill>
-                  <a:srgbClr val="000000"/>
-                </a:solidFill>
-                <a:effectLst/>
-                <a:latin typeface="Merriweather Sans"/>
-                <a:ea typeface="Merriweather Sans"/>
-                <a:cs typeface="Merriweather Sans"/>
-                <a:sym typeface="Merriweather Sans"/>
-              </a:rPr>
-              <a:t>- Transcription with details? no -- the notes are high-level and overly summarized.</a:t>
-            </a:r>
-          </a:p>
-          <a:p>
-            <a:pPr marL="457200" marR="0" indent="-228600" algn="l" defTabSz="914400" rtl="0" eaLnBrk="1" fontAlgn="auto" latinLnBrk="0" hangingPunct="1">
-              <a:lnSpc>
-                <a:spcPct val="100000"/>
-              </a:lnSpc>
-              <a:spcBef>
-                <a:spcPts val="0"/>
-              </a:spcBef>
-              <a:spcAft>
-                <a:spcPts val="0"/>
-              </a:spcAft>
-              <a:buClr>
-                <a:srgbClr val="000000"/>
-              </a:buClr>
-              <a:buSzPts val="1400"/>
-              <a:buFont typeface="Arial"/>
-              <a:buNone/>
-              <a:tabLst/>
-              <a:defRPr/>
+              <a:rPr lang="en-US" baseline="0" dirty="0"/>
+              <a:t>Analysis: yes. Short but separate</a:t>
+            </a:r>
+          </a:p>
+          <a:p>
+            <a:pPr marL="571500" indent="-342900">
+              <a:buFontTx/>
+              <a:buChar char="-"/>
             </a:pPr>
             <a:r>
-              <a:rPr lang="en-US" sz="2200" b="0" i="0" u="none" strike="noStrike" cap="none" baseline="0" dirty="0">
-                <a:solidFill>
-                  <a:srgbClr val="000000"/>
-                </a:solidFill>
-                <a:effectLst/>
-                <a:latin typeface="Merriweather Sans"/>
-                <a:ea typeface="Merriweather Sans"/>
-                <a:cs typeface="Merriweather Sans"/>
-                <a:sym typeface="Merriweather Sans"/>
-              </a:rPr>
-              <a:t>- Analysis at the end? yes</a:t>
-            </a:r>
-          </a:p>
-          <a:p>
-            <a:pPr marL="457200" marR="0" indent="-228600" algn="l" defTabSz="914400" rtl="0" eaLnBrk="1" fontAlgn="auto" latinLnBrk="0" hangingPunct="1">
-              <a:lnSpc>
-                <a:spcPct val="100000"/>
-              </a:lnSpc>
-              <a:spcBef>
-                <a:spcPts val="0"/>
-              </a:spcBef>
-              <a:spcAft>
-                <a:spcPts val="0"/>
-              </a:spcAft>
-              <a:buClr>
-                <a:srgbClr val="000000"/>
-              </a:buClr>
-              <a:buSzPts val="1400"/>
-              <a:buFont typeface="Arial"/>
-              <a:buNone/>
-              <a:tabLst/>
-              <a:defRPr/>
+              <a:rPr lang="en-US" baseline="0" dirty="0"/>
+              <a:t>Can another SME make a determination? yes, because details are provided</a:t>
+            </a:r>
+          </a:p>
+          <a:p>
+            <a:pPr marL="571500" indent="-342900">
+              <a:buFontTx/>
+              <a:buChar char="-"/>
             </a:pPr>
-            <a:r>
-              <a:rPr lang="en-US" sz="2200" b="0" i="0" u="none" strike="noStrike" cap="none" baseline="0" dirty="0">
-                <a:solidFill>
-                  <a:srgbClr val="000000"/>
-                </a:solidFill>
-                <a:effectLst/>
-                <a:latin typeface="Merriweather Sans"/>
-                <a:ea typeface="Merriweather Sans"/>
-                <a:cs typeface="Merriweather Sans"/>
-                <a:sym typeface="Merriweather Sans"/>
-              </a:rPr>
-              <a:t>- </a:t>
-            </a:r>
-            <a:r>
-              <a:rPr lang="en-US" baseline="0" dirty="0"/>
-              <a:t>Can another SME make a determination?</a:t>
-            </a:r>
-            <a:r>
-              <a:rPr lang="en-US" sz="2200" b="0" i="0" u="none" strike="noStrike" cap="none" baseline="0" dirty="0">
-                <a:solidFill>
-                  <a:srgbClr val="000000"/>
-                </a:solidFill>
-                <a:effectLst/>
-                <a:latin typeface="Merriweather Sans"/>
-                <a:ea typeface="Merriweather Sans"/>
-                <a:cs typeface="Merriweather Sans"/>
-                <a:sym typeface="Merriweather Sans"/>
-              </a:rPr>
-              <a:t> no, not without details</a:t>
-            </a:r>
-            <a:endParaRPr lang="en-US" dirty="0"/>
+            <a:endParaRPr lang="en-US" baseline="0" dirty="0"/>
           </a:p>
         </p:txBody>
       </p:sp>
     </p:spTree>
     <p:extLst>
       <p:ext uri="{BB962C8B-B14F-4D97-AF65-F5344CB8AC3E}">
-        <p14:creationId xmlns:p14="http://schemas.microsoft.com/office/powerpoint/2010/main" val="344949007"/>
+        <p14:creationId xmlns:p14="http://schemas.microsoft.com/office/powerpoint/2010/main" val="2932580209"/>
       </p:ext>
     </p:extLst>
   </p:cSld>
@@ -1612,64 +1379,7 @@
           <a:p>
             <a:r>
               <a:rPr lang="en-US" dirty="0"/>
-              <a:t>This is a good</a:t>
-            </a:r>
-            <a:r>
-              <a:rPr lang="en-US" baseline="0" dirty="0"/>
-              <a:t> example</a:t>
-            </a:r>
-            <a:r>
-              <a:rPr lang="en-US" dirty="0"/>
-              <a:t>.</a:t>
-            </a:r>
-            <a:r>
-              <a:rPr lang="en-US" baseline="0" dirty="0"/>
-              <a:t> Reasons:</a:t>
-            </a:r>
-          </a:p>
-          <a:p>
-            <a:pPr marL="571500" marR="0" indent="-342900" algn="l" defTabSz="914400" rtl="0" eaLnBrk="1" fontAlgn="auto" latinLnBrk="0" hangingPunct="1">
-              <a:lnSpc>
-                <a:spcPct val="100000"/>
-              </a:lnSpc>
-              <a:spcBef>
-                <a:spcPts val="0"/>
-              </a:spcBef>
-              <a:spcAft>
-                <a:spcPts val="0"/>
-              </a:spcAft>
-              <a:buClr>
-                <a:srgbClr val="000000"/>
-              </a:buClr>
-              <a:buSzPts val="1400"/>
-              <a:buFontTx/>
-              <a:buChar char="-"/>
-              <a:tabLst/>
-              <a:defRPr/>
-            </a:pPr>
-            <a:r>
-              <a:rPr lang="en-US" baseline="0" dirty="0"/>
-              <a:t>Transcription with details? Yes, this is a transcription</a:t>
-            </a:r>
-          </a:p>
-          <a:p>
-            <a:pPr marL="571500" indent="-342900">
-              <a:buFontTx/>
-              <a:buChar char="-"/>
-            </a:pPr>
-            <a:r>
-              <a:rPr lang="en-US" baseline="0" dirty="0"/>
-              <a:t>Analysis: yes. Short but separate</a:t>
-            </a:r>
-          </a:p>
-          <a:p>
-            <a:pPr marL="571500" indent="-342900">
-              <a:buFontTx/>
-              <a:buChar char="-"/>
-            </a:pPr>
-            <a:r>
-              <a:rPr lang="en-US" baseline="0" dirty="0"/>
-              <a:t>Can another SME make a determination? yes, because details are provided</a:t>
+              <a:t>Refer back to your interview transcript to determine proficiency level for each competency.</a:t>
             </a:r>
           </a:p>
         </p:txBody>
@@ -1677,7 +1387,7 @@
     </p:spTree>
     <p:extLst>
       <p:ext uri="{BB962C8B-B14F-4D97-AF65-F5344CB8AC3E}">
-        <p14:creationId xmlns:p14="http://schemas.microsoft.com/office/powerpoint/2010/main" val="2191510207"/>
+        <p14:creationId xmlns:p14="http://schemas.microsoft.com/office/powerpoint/2010/main" val="2731592162"/>
       </p:ext>
     </p:extLst>
   </p:cSld>
@@ -1688,350 +1398,6 @@
 </file>
 
 <file path=ppt/notesSlides/notesSlide12.xml><?xml version="1.0" encoding="utf-8"?>
-<p:notes xmlns:a="http://schemas.openxmlformats.org/drawingml/2006/main" xmlns:r="http://schemas.openxmlformats.org/officeDocument/2006/relationships" xmlns:p="http://schemas.openxmlformats.org/presentationml/2006/main">
-  <p:cSld>
-    <p:spTree>
-      <p:nvGrpSpPr>
-        <p:cNvPr id="1" name=""/>
-        <p:cNvGrpSpPr/>
-        <p:nvPr/>
-      </p:nvGrpSpPr>
-      <p:grpSpPr>
-        <a:xfrm>
-          <a:off x="0" y="0"/>
-          <a:ext cx="0" cy="0"/>
-          <a:chOff x="0" y="0"/>
-          <a:chExt cx="0" cy="0"/>
-        </a:xfrm>
-      </p:grpSpPr>
-      <p:sp>
-        <p:nvSpPr>
-          <p:cNvPr id="2" name="Slide Image Placeholder 1"/>
-          <p:cNvSpPr>
-            <a:spLocks noGrp="1" noRot="1" noChangeAspect="1"/>
-          </p:cNvSpPr>
-          <p:nvPr>
-            <p:ph type="sldImg"/>
-          </p:nvPr>
-        </p:nvSpPr>
-        <p:spPr/>
-      </p:sp>
-      <p:sp>
-        <p:nvSpPr>
-          <p:cNvPr id="3" name="Notes Placeholder 2"/>
-          <p:cNvSpPr>
-            <a:spLocks noGrp="1"/>
-          </p:cNvSpPr>
-          <p:nvPr>
-            <p:ph type="body" idx="1"/>
-          </p:nvPr>
-        </p:nvSpPr>
-        <p:spPr/>
-        <p:txBody>
-          <a:bodyPr/>
-          <a:lstStyle/>
-          <a:p>
-            <a:r>
-              <a:rPr lang="en-US" dirty="0"/>
-              <a:t>This is a good</a:t>
-            </a:r>
-            <a:r>
-              <a:rPr lang="en-US" baseline="0" dirty="0"/>
-              <a:t> example</a:t>
-            </a:r>
-            <a:r>
-              <a:rPr lang="en-US" dirty="0"/>
-              <a:t>.</a:t>
-            </a:r>
-            <a:r>
-              <a:rPr lang="en-US" baseline="0" dirty="0"/>
-              <a:t> Reasons:</a:t>
-            </a:r>
-          </a:p>
-          <a:p>
-            <a:pPr marL="571500" marR="0" indent="-342900" algn="l" defTabSz="914400" rtl="0" eaLnBrk="1" fontAlgn="auto" latinLnBrk="0" hangingPunct="1">
-              <a:lnSpc>
-                <a:spcPct val="100000"/>
-              </a:lnSpc>
-              <a:spcBef>
-                <a:spcPts val="0"/>
-              </a:spcBef>
-              <a:spcAft>
-                <a:spcPts val="0"/>
-              </a:spcAft>
-              <a:buClr>
-                <a:srgbClr val="000000"/>
-              </a:buClr>
-              <a:buSzPts val="1400"/>
-              <a:buFontTx/>
-              <a:buChar char="-"/>
-              <a:tabLst/>
-              <a:defRPr/>
-            </a:pPr>
-            <a:r>
-              <a:rPr lang="en-US" baseline="0" dirty="0"/>
-              <a:t>Transcription with details? Yes, this is a transcription</a:t>
-            </a:r>
-          </a:p>
-          <a:p>
-            <a:pPr marL="571500" indent="-342900">
-              <a:buFontTx/>
-              <a:buChar char="-"/>
-            </a:pPr>
-            <a:r>
-              <a:rPr lang="en-US" baseline="0" dirty="0"/>
-              <a:t>Analysis: yes. Short but separate</a:t>
-            </a:r>
-          </a:p>
-          <a:p>
-            <a:pPr marL="571500" indent="-342900">
-              <a:buFontTx/>
-              <a:buChar char="-"/>
-            </a:pPr>
-            <a:r>
-              <a:rPr lang="en-US" baseline="0" dirty="0"/>
-              <a:t>Can another SME make a determination? yes, because details are provided</a:t>
-            </a:r>
-          </a:p>
-          <a:p>
-            <a:pPr marL="571500" indent="-342900">
-              <a:buFontTx/>
-              <a:buChar char="-"/>
-            </a:pPr>
-            <a:endParaRPr lang="en-US" baseline="0" dirty="0"/>
-          </a:p>
-        </p:txBody>
-      </p:sp>
-    </p:spTree>
-    <p:extLst>
-      <p:ext uri="{BB962C8B-B14F-4D97-AF65-F5344CB8AC3E}">
-        <p14:creationId xmlns:p14="http://schemas.microsoft.com/office/powerpoint/2010/main" val="2932580209"/>
-      </p:ext>
-    </p:extLst>
-  </p:cSld>
-  <p:clrMapOvr>
-    <a:masterClrMapping/>
-  </p:clrMapOvr>
-</p:notes>
-</file>
-
-<file path=ppt/notesSlides/notesSlide13.xml><?xml version="1.0" encoding="utf-8"?>
-<p:notes xmlns:a="http://schemas.openxmlformats.org/drawingml/2006/main" xmlns:r="http://schemas.openxmlformats.org/officeDocument/2006/relationships" xmlns:p="http://schemas.openxmlformats.org/presentationml/2006/main">
-  <p:cSld>
-    <p:spTree>
-      <p:nvGrpSpPr>
-        <p:cNvPr id="1" name=""/>
-        <p:cNvGrpSpPr/>
-        <p:nvPr/>
-      </p:nvGrpSpPr>
-      <p:grpSpPr>
-        <a:xfrm>
-          <a:off x="0" y="0"/>
-          <a:ext cx="0" cy="0"/>
-          <a:chOff x="0" y="0"/>
-          <a:chExt cx="0" cy="0"/>
-        </a:xfrm>
-      </p:grpSpPr>
-      <p:sp>
-        <p:nvSpPr>
-          <p:cNvPr id="2" name="Slide Image Placeholder 1"/>
-          <p:cNvSpPr>
-            <a:spLocks noGrp="1" noRot="1" noChangeAspect="1"/>
-          </p:cNvSpPr>
-          <p:nvPr>
-            <p:ph type="sldImg"/>
-          </p:nvPr>
-        </p:nvSpPr>
-        <p:spPr/>
-      </p:sp>
-      <p:sp>
-        <p:nvSpPr>
-          <p:cNvPr id="3" name="Notes Placeholder 2"/>
-          <p:cNvSpPr>
-            <a:spLocks noGrp="1"/>
-          </p:cNvSpPr>
-          <p:nvPr>
-            <p:ph type="body" idx="1"/>
-          </p:nvPr>
-        </p:nvSpPr>
-        <p:spPr/>
-        <p:txBody>
-          <a:bodyPr/>
-          <a:lstStyle/>
-          <a:p>
-            <a:endParaRPr lang="en-US" dirty="0"/>
-          </a:p>
-        </p:txBody>
-      </p:sp>
-    </p:spTree>
-    <p:extLst>
-      <p:ext uri="{BB962C8B-B14F-4D97-AF65-F5344CB8AC3E}">
-        <p14:creationId xmlns:p14="http://schemas.microsoft.com/office/powerpoint/2010/main" val="1943242387"/>
-      </p:ext>
-    </p:extLst>
-  </p:cSld>
-  <p:clrMapOvr>
-    <a:masterClrMapping/>
-  </p:clrMapOvr>
-</p:notes>
-</file>
-
-<file path=ppt/notesSlides/notesSlide14.xml><?xml version="1.0" encoding="utf-8"?>
-<p:notes xmlns:a="http://schemas.openxmlformats.org/drawingml/2006/main" xmlns:r="http://schemas.openxmlformats.org/officeDocument/2006/relationships" xmlns:p="http://schemas.openxmlformats.org/presentationml/2006/main">
-  <p:cSld>
-    <p:spTree>
-      <p:nvGrpSpPr>
-        <p:cNvPr id="1" name=""/>
-        <p:cNvGrpSpPr/>
-        <p:nvPr/>
-      </p:nvGrpSpPr>
-      <p:grpSpPr>
-        <a:xfrm>
-          <a:off x="0" y="0"/>
-          <a:ext cx="0" cy="0"/>
-          <a:chOff x="0" y="0"/>
-          <a:chExt cx="0" cy="0"/>
-        </a:xfrm>
-      </p:grpSpPr>
-      <p:sp>
-        <p:nvSpPr>
-          <p:cNvPr id="2" name="Slide Image Placeholder 1"/>
-          <p:cNvSpPr>
-            <a:spLocks noGrp="1" noRot="1" noChangeAspect="1"/>
-          </p:cNvSpPr>
-          <p:nvPr>
-            <p:ph type="sldImg"/>
-          </p:nvPr>
-        </p:nvSpPr>
-        <p:spPr/>
-      </p:sp>
-      <p:sp>
-        <p:nvSpPr>
-          <p:cNvPr id="3" name="Notes Placeholder 2"/>
-          <p:cNvSpPr>
-            <a:spLocks noGrp="1"/>
-          </p:cNvSpPr>
-          <p:nvPr>
-            <p:ph type="body" idx="1"/>
-          </p:nvPr>
-        </p:nvSpPr>
-        <p:spPr/>
-        <p:txBody>
-          <a:bodyPr/>
-          <a:lstStyle/>
-          <a:p>
-            <a:r>
-              <a:rPr lang="en-US" dirty="0"/>
-              <a:t>If the applicant does not meet the proficiency level, you *must* give them a Does not Meet. Each interview is its own filter step.</a:t>
-            </a:r>
-          </a:p>
-          <a:p>
-            <a:endParaRPr lang="en-US" dirty="0"/>
-          </a:p>
-          <a:p>
-            <a:r>
-              <a:rPr lang="en-US" dirty="0"/>
-              <a:t>If an applicant does not do well, do not pass them along to be filtered later</a:t>
-            </a:r>
-          </a:p>
-          <a:p>
-            <a:endParaRPr lang="en-US" dirty="0"/>
-          </a:p>
-          <a:p>
-            <a:r>
-              <a:rPr lang="en-US" dirty="0"/>
-              <a:t>An applicant that gets one or more “exceeds” in an interview will be placed in a higher rating category compared to an applicant that just got “meets” across the board</a:t>
-            </a:r>
-          </a:p>
-        </p:txBody>
-      </p:sp>
-    </p:spTree>
-    <p:extLst>
-      <p:ext uri="{BB962C8B-B14F-4D97-AF65-F5344CB8AC3E}">
-        <p14:creationId xmlns:p14="http://schemas.microsoft.com/office/powerpoint/2010/main" val="3225495847"/>
-      </p:ext>
-    </p:extLst>
-  </p:cSld>
-  <p:clrMapOvr>
-    <a:masterClrMapping/>
-  </p:clrMapOvr>
-</p:notes>
-</file>
-
-<file path=ppt/notesSlides/notesSlide15.xml><?xml version="1.0" encoding="utf-8"?>
-<p:notes xmlns:a="http://schemas.openxmlformats.org/drawingml/2006/main" xmlns:r="http://schemas.openxmlformats.org/officeDocument/2006/relationships" xmlns:p="http://schemas.openxmlformats.org/presentationml/2006/main">
-  <p:cSld>
-    <p:spTree>
-      <p:nvGrpSpPr>
-        <p:cNvPr id="1" name=""/>
-        <p:cNvGrpSpPr/>
-        <p:nvPr/>
-      </p:nvGrpSpPr>
-      <p:grpSpPr>
-        <a:xfrm>
-          <a:off x="0" y="0"/>
-          <a:ext cx="0" cy="0"/>
-          <a:chOff x="0" y="0"/>
-          <a:chExt cx="0" cy="0"/>
-        </a:xfrm>
-      </p:grpSpPr>
-      <p:sp>
-        <p:nvSpPr>
-          <p:cNvPr id="2" name="Slide Image Placeholder 1"/>
-          <p:cNvSpPr>
-            <a:spLocks noGrp="1" noRot="1" noChangeAspect="1"/>
-          </p:cNvSpPr>
-          <p:nvPr>
-            <p:ph type="sldImg"/>
-          </p:nvPr>
-        </p:nvSpPr>
-        <p:spPr/>
-      </p:sp>
-      <p:sp>
-        <p:nvSpPr>
-          <p:cNvPr id="3" name="Notes Placeholder 2"/>
-          <p:cNvSpPr>
-            <a:spLocks noGrp="1"/>
-          </p:cNvSpPr>
-          <p:nvPr>
-            <p:ph type="body" idx="1"/>
-          </p:nvPr>
-        </p:nvSpPr>
-        <p:spPr/>
-        <p:txBody>
-          <a:bodyPr/>
-          <a:lstStyle/>
-          <a:p>
-            <a:r>
-              <a:rPr lang="en-US" dirty="0"/>
-              <a:t>If no one meets the bar, no one should pass. </a:t>
-            </a:r>
-          </a:p>
-          <a:p>
-            <a:endParaRPr lang="en-US" dirty="0"/>
-          </a:p>
-          <a:p>
-            <a:r>
-              <a:rPr lang="en-US" dirty="0"/>
-              <a:t>If everyone meets the bar, everyone should pass. </a:t>
-            </a:r>
-          </a:p>
-        </p:txBody>
-      </p:sp>
-    </p:spTree>
-    <p:extLst>
-      <p:ext uri="{BB962C8B-B14F-4D97-AF65-F5344CB8AC3E}">
-        <p14:creationId xmlns:p14="http://schemas.microsoft.com/office/powerpoint/2010/main" val="3491890565"/>
-      </p:ext>
-    </p:extLst>
-  </p:cSld>
-  <p:clrMapOvr>
-    <a:masterClrMapping/>
-  </p:clrMapOvr>
-</p:notes>
-</file>
-
-<file path=ppt/notesSlides/notesSlide16.xml><?xml version="1.0" encoding="utf-8"?>
 <p:notes xmlns:a="http://schemas.openxmlformats.org/drawingml/2006/main" xmlns:r="http://schemas.openxmlformats.org/officeDocument/2006/relationships" xmlns:p="http://schemas.openxmlformats.org/presentationml/2006/main" showMasterSp="0" showMasterPhAnim="0">
   <p:cSld>
     <p:spTree>
@@ -2152,7 +1518,76 @@
 </p:notes>
 </file>
 
-<file path=ppt/notesSlides/notesSlide17.xml><?xml version="1.0" encoding="utf-8"?>
+<file path=ppt/notesSlides/notesSlide13.xml><?xml version="1.0" encoding="utf-8"?>
+<p:notes xmlns:a="http://schemas.openxmlformats.org/drawingml/2006/main" xmlns:r="http://schemas.openxmlformats.org/officeDocument/2006/relationships" xmlns:p="http://schemas.openxmlformats.org/presentationml/2006/main">
+  <p:cSld>
+    <p:spTree>
+      <p:nvGrpSpPr>
+        <p:cNvPr id="1" name=""/>
+        <p:cNvGrpSpPr/>
+        <p:nvPr/>
+      </p:nvGrpSpPr>
+      <p:grpSpPr>
+        <a:xfrm>
+          <a:off x="0" y="0"/>
+          <a:ext cx="0" cy="0"/>
+          <a:chOff x="0" y="0"/>
+          <a:chExt cx="0" cy="0"/>
+        </a:xfrm>
+      </p:grpSpPr>
+      <p:sp>
+        <p:nvSpPr>
+          <p:cNvPr id="2" name="Slide Image Placeholder 1"/>
+          <p:cNvSpPr>
+            <a:spLocks noGrp="1" noRot="1" noChangeAspect="1"/>
+          </p:cNvSpPr>
+          <p:nvPr>
+            <p:ph type="sldImg"/>
+          </p:nvPr>
+        </p:nvSpPr>
+        <p:spPr/>
+      </p:sp>
+      <p:sp>
+        <p:nvSpPr>
+          <p:cNvPr id="3" name="Notes Placeholder 2"/>
+          <p:cNvSpPr>
+            <a:spLocks noGrp="1"/>
+          </p:cNvSpPr>
+          <p:nvPr>
+            <p:ph type="body" idx="1"/>
+          </p:nvPr>
+        </p:nvSpPr>
+        <p:spPr/>
+        <p:txBody>
+          <a:bodyPr/>
+          <a:lstStyle/>
+          <a:p>
+            <a:r>
+              <a:rPr lang="en-US" dirty="0"/>
+              <a:t>TODO:</a:t>
+            </a:r>
+            <a:r>
+              <a:rPr lang="en-US" baseline="0" dirty="0"/>
+              <a:t> give a script to SMEs, or get a volunteer. </a:t>
+            </a:r>
+            <a:endParaRPr lang="en-US" dirty="0"/>
+          </a:p>
+        </p:txBody>
+      </p:sp>
+    </p:spTree>
+    <p:extLst>
+      <p:ext uri="{BB962C8B-B14F-4D97-AF65-F5344CB8AC3E}">
+        <p14:creationId xmlns:p14="http://schemas.microsoft.com/office/powerpoint/2010/main" val="1380038752"/>
+      </p:ext>
+    </p:extLst>
+  </p:cSld>
+  <p:clrMapOvr>
+    <a:masterClrMapping/>
+  </p:clrMapOvr>
+</p:notes>
+</file>
+
+<file path=ppt/notesSlides/notesSlide14.xml><?xml version="1.0" encoding="utf-8"?>
 <p:notes xmlns:a="http://schemas.openxmlformats.org/drawingml/2006/main" xmlns:r="http://schemas.openxmlformats.org/officeDocument/2006/relationships" xmlns:p="http://schemas.openxmlformats.org/presentationml/2006/main" showMasterSp="0" showMasterPhAnim="0">
   <p:cSld>
     <p:spTree>
@@ -2277,7 +1712,7 @@
 </p:notes>
 </file>
 
-<file path=ppt/notesSlides/notesSlide18.xml><?xml version="1.0" encoding="utf-8"?>
+<file path=ppt/notesSlides/notesSlide15.xml><?xml version="1.0" encoding="utf-8"?>
 <p:notes xmlns:a="http://schemas.openxmlformats.org/drawingml/2006/main" xmlns:r="http://schemas.openxmlformats.org/officeDocument/2006/relationships" xmlns:p="http://schemas.openxmlformats.org/presentationml/2006/main" showMasterSp="0" showMasterPhAnim="0">
   <p:cSld>
     <p:spTree>
@@ -2437,7 +1872,7 @@
 </p:notes>
 </file>
 
-<file path=ppt/notesSlides/notesSlide19.xml><?xml version="1.0" encoding="utf-8"?>
+<file path=ppt/notesSlides/notesSlide16.xml><?xml version="1.0" encoding="utf-8"?>
 <p:notes xmlns:a="http://schemas.openxmlformats.org/drawingml/2006/main" xmlns:r="http://schemas.openxmlformats.org/officeDocument/2006/relationships" xmlns:p="http://schemas.openxmlformats.org/presentationml/2006/main" showMasterSp="0" showMasterPhAnim="0">
   <p:cSld>
     <p:spTree>
@@ -3030,24 +2465,6 @@
               <a:t>Reminder of relevant legal requirements around personnel practices</a:t>
             </a:r>
           </a:p>
-          <a:p>
-            <a:endParaRPr lang="en-US" dirty="0"/>
-          </a:p>
-          <a:p>
-            <a:r>
-              <a:rPr lang="en-US" dirty="0"/>
-              <a:t>Cannot discriminate for or against vets</a:t>
-            </a:r>
-          </a:p>
-          <a:p>
-            <a:endParaRPr lang="en-US" dirty="0"/>
-          </a:p>
-          <a:p>
-            <a:r>
-              <a:rPr lang="en-US" dirty="0"/>
-              <a:t>Cannot bias for or against internal applicants or internal contractors</a:t>
-            </a:r>
-          </a:p>
         </p:txBody>
       </p:sp>
       <p:sp>
@@ -3133,7 +2550,7 @@
           <a:p>
             <a:r>
               <a:rPr lang="en-US" dirty="0"/>
-              <a:t>This should take about 5 min. </a:t>
+              <a:t>This should take about an hour to review the template in-depth. </a:t>
             </a:r>
           </a:p>
         </p:txBody>
@@ -3197,51 +2614,29 @@
           <a:p>
             <a:r>
               <a:rPr lang="en-US" dirty="0"/>
-              <a:t>Split the group in two. One asks questions and the other answers. Take turns asking/answering the question.</a:t>
-            </a:r>
-          </a:p>
-          <a:p>
+              <a:t>Reference the competency/target</a:t>
+            </a:r>
+            <a:r>
+              <a:rPr lang="en-US" baseline="0" dirty="0"/>
+              <a:t> proficiency after reviewing *each* question.</a:t>
+            </a:r>
+          </a:p>
+          <a:p>
+            <a:endParaRPr lang="en-US" baseline="0" dirty="0"/>
+          </a:p>
+          <a:p>
+            <a:r>
+              <a:rPr lang="en-US" baseline="0" dirty="0"/>
+              <a:t>Talking point: cannot deviate from probe questions to be fair to all applicants.</a:t>
+            </a:r>
             <a:endParaRPr lang="en-US" dirty="0"/>
-          </a:p>
-          <a:p>
-            <a:r>
-              <a:rPr lang="en-US" dirty="0"/>
-              <a:t>No one should be put on the spot</a:t>
-            </a:r>
-          </a:p>
-          <a:p>
-            <a:endParaRPr lang="en-US" dirty="0"/>
-          </a:p>
-          <a:p>
-            <a:r>
-              <a:rPr lang="en-US" dirty="0"/>
-              <a:t>Go through the whole process from start to finish – everything from script to analysis</a:t>
-            </a:r>
-          </a:p>
-          <a:p>
-            <a:endParaRPr lang="en-US" dirty="0"/>
-          </a:p>
-          <a:p>
-            <a:r>
-              <a:rPr lang="en-US" dirty="0"/>
-              <a:t>Have the SMEs read the “expected good responses” to answer the questions</a:t>
-            </a:r>
-          </a:p>
-          <a:p>
-            <a:endParaRPr lang="en-US" dirty="0"/>
-          </a:p>
-          <a:p>
-            <a:r>
-              <a:rPr lang="en-US" dirty="0"/>
-              <a:t>Get on the same page about what the questions are asking for</a:t>
-            </a:r>
           </a:p>
         </p:txBody>
       </p:sp>
     </p:spTree>
     <p:extLst>
       <p:ext uri="{BB962C8B-B14F-4D97-AF65-F5344CB8AC3E}">
-        <p14:creationId xmlns:p14="http://schemas.microsoft.com/office/powerpoint/2010/main" val="3014894637"/>
+        <p14:creationId xmlns:p14="http://schemas.microsoft.com/office/powerpoint/2010/main" val="3118806151"/>
       </p:ext>
     </p:extLst>
   </p:cSld>
@@ -3252,11 +2647,11 @@
 </file>
 
 <file path=ppt/notesSlides/notesSlide7.xml><?xml version="1.0" encoding="utf-8"?>
-<p:notes xmlns:a="http://schemas.openxmlformats.org/drawingml/2006/main" xmlns:r="http://schemas.openxmlformats.org/officeDocument/2006/relationships" xmlns:p="http://schemas.openxmlformats.org/presentationml/2006/main">
+<p:notes xmlns:a="http://schemas.openxmlformats.org/drawingml/2006/main" xmlns:r="http://schemas.openxmlformats.org/officeDocument/2006/relationships" xmlns:p="http://schemas.openxmlformats.org/presentationml/2006/main" showMasterSp="0" showMasterPhAnim="0">
   <p:cSld>
     <p:spTree>
       <p:nvGrpSpPr>
-        <p:cNvPr id="1" name=""/>
+        <p:cNvPr id="1" name="Shape 239"/>
         <p:cNvGrpSpPr/>
         <p:nvPr/>
       </p:nvGrpSpPr>
@@ -3270,56 +2665,99 @@
       </p:grpSpPr>
       <p:sp>
         <p:nvSpPr>
-          <p:cNvPr id="2" name="Slide Image Placeholder 1"/>
-          <p:cNvSpPr>
-            <a:spLocks noGrp="1" noRot="1" noChangeAspect="1"/>
-          </p:cNvSpPr>
-          <p:nvPr>
-            <p:ph type="sldImg"/>
-          </p:nvPr>
-        </p:nvSpPr>
-        <p:spPr/>
-      </p:sp>
-      <p:sp>
-        <p:nvSpPr>
-          <p:cNvPr id="3" name="Notes Placeholder 2"/>
-          <p:cNvSpPr>
+          <p:cNvPr id="240" name="Google Shape;240;p24:notes"/>
+          <p:cNvSpPr txBox="1">
             <a:spLocks noGrp="1"/>
           </p:cNvSpPr>
           <p:nvPr>
             <p:ph type="body" idx="1"/>
           </p:nvPr>
         </p:nvSpPr>
-        <p:spPr/>
+        <p:spPr>
+          <a:xfrm>
+            <a:off x="917575" y="4415790"/>
+            <a:ext cx="5046663" cy="4183380"/>
+          </a:xfrm>
+          <a:prstGeom prst="rect">
+            <a:avLst/>
+          </a:prstGeom>
+          <a:noFill/>
+          <a:ln>
+            <a:noFill/>
+          </a:ln>
+        </p:spPr>
         <p:txBody>
-          <a:bodyPr/>
+          <a:bodyPr spcFirstLastPara="1" wrap="square" lIns="92425" tIns="46200" rIns="92425" bIns="46200" anchor="t" anchorCtr="0">
+            <a:noAutofit/>
+          </a:bodyPr>
           <a:lstStyle/>
           <a:p>
-            <a:r>
-              <a:rPr lang="en-US" dirty="0"/>
-              <a:t>Reference the competency/target</a:t>
-            </a:r>
-            <a:r>
-              <a:rPr lang="en-US" baseline="0" dirty="0"/>
-              <a:t> proficiency after reviewing *each* question.</a:t>
-            </a:r>
-          </a:p>
-          <a:p>
-            <a:endParaRPr lang="en-US" baseline="0" dirty="0"/>
-          </a:p>
-          <a:p>
-            <a:r>
-              <a:rPr lang="en-US" baseline="0" dirty="0"/>
-              <a:t>Talking point: cannot deviate from probe questions to be fair to all applicants.</a:t>
-            </a:r>
-            <a:endParaRPr lang="en-US" dirty="0"/>
+            <a:pPr marL="0" lvl="0" indent="0" algn="l" rtl="0">
+              <a:lnSpc>
+                <a:spcPct val="100000"/>
+              </a:lnSpc>
+              <a:spcBef>
+                <a:spcPts val="0"/>
+              </a:spcBef>
+              <a:spcAft>
+                <a:spcPts val="0"/>
+              </a:spcAft>
+              <a:buSzPts val="1400"/>
+              <a:buNone/>
+            </a:pPr>
+            <a:endParaRPr/>
           </a:p>
         </p:txBody>
+      </p:sp>
+      <p:sp>
+        <p:nvSpPr>
+          <p:cNvPr id="241" name="Google Shape;241;p24:notes"/>
+          <p:cNvSpPr>
+            <a:spLocks noGrp="1" noRot="1" noChangeAspect="1"/>
+          </p:cNvSpPr>
+          <p:nvPr>
+            <p:ph type="sldImg" idx="2"/>
+          </p:nvPr>
+        </p:nvSpPr>
+        <p:spPr>
+          <a:xfrm>
+            <a:off x="342900" y="696913"/>
+            <a:ext cx="6197600" cy="3486150"/>
+          </a:xfrm>
+          <a:custGeom>
+            <a:avLst/>
+            <a:gdLst/>
+            <a:ahLst/>
+            <a:cxnLst/>
+            <a:rect l="l" t="t" r="r" b="b"/>
+            <a:pathLst>
+              <a:path w="120000" h="120000" extrusionOk="0">
+                <a:moveTo>
+                  <a:pt x="0" y="0"/>
+                </a:moveTo>
+                <a:lnTo>
+                  <a:pt x="120000" y="0"/>
+                </a:lnTo>
+                <a:lnTo>
+                  <a:pt x="120000" y="120000"/>
+                </a:lnTo>
+                <a:lnTo>
+                  <a:pt x="0" y="120000"/>
+                </a:lnTo>
+                <a:close/>
+              </a:path>
+            </a:pathLst>
+          </a:custGeom>
+          <a:noFill/>
+          <a:ln>
+            <a:noFill/>
+          </a:ln>
+        </p:spPr>
       </p:sp>
     </p:spTree>
     <p:extLst>
       <p:ext uri="{BB962C8B-B14F-4D97-AF65-F5344CB8AC3E}">
-        <p14:creationId xmlns:p14="http://schemas.microsoft.com/office/powerpoint/2010/main" val="3118806151"/>
+        <p14:creationId xmlns:p14="http://schemas.microsoft.com/office/powerpoint/2010/main" val="3455970479"/>
       </p:ext>
     </p:extLst>
   </p:cSld>
@@ -3373,17 +2811,165 @@
           <a:bodyPr/>
           <a:lstStyle/>
           <a:p>
-            <a:r>
-              <a:rPr lang="en-US" dirty="0"/>
-              <a:t>You can ask questions like “tell me more about that” more than once</a:t>
-            </a:r>
+            <a:pPr marL="457200" marR="0" indent="-228600" algn="l" defTabSz="914400" rtl="0" eaLnBrk="1" fontAlgn="auto" latinLnBrk="0" hangingPunct="1">
+              <a:lnSpc>
+                <a:spcPct val="100000"/>
+              </a:lnSpc>
+              <a:spcBef>
+                <a:spcPts val="0"/>
+              </a:spcBef>
+              <a:spcAft>
+                <a:spcPts val="0"/>
+              </a:spcAft>
+              <a:buClr>
+                <a:srgbClr val="000000"/>
+              </a:buClr>
+              <a:buSzPts val="1400"/>
+              <a:buFont typeface="Arial"/>
+              <a:buNone/>
+              <a:tabLst/>
+              <a:defRPr/>
+            </a:pPr>
+            <a:r>
+              <a:rPr lang="en-US" sz="2200" b="0" i="0" u="none" strike="noStrike" cap="none" baseline="0" dirty="0">
+                <a:solidFill>
+                  <a:srgbClr val="000000"/>
+                </a:solidFill>
+                <a:effectLst/>
+                <a:latin typeface="Merriweather Sans"/>
+                <a:ea typeface="Merriweather Sans"/>
+                <a:cs typeface="Merriweather Sans"/>
+                <a:sym typeface="Merriweather Sans"/>
+              </a:rPr>
+              <a:t>This is not a good example. Reasons:</a:t>
+            </a:r>
+          </a:p>
+          <a:p>
+            <a:pPr marL="457200" marR="0" indent="-228600" algn="l" defTabSz="914400" rtl="0" eaLnBrk="1" fontAlgn="auto" latinLnBrk="0" hangingPunct="1">
+              <a:lnSpc>
+                <a:spcPct val="100000"/>
+              </a:lnSpc>
+              <a:spcBef>
+                <a:spcPts val="0"/>
+              </a:spcBef>
+              <a:spcAft>
+                <a:spcPts val="0"/>
+              </a:spcAft>
+              <a:buClr>
+                <a:srgbClr val="000000"/>
+              </a:buClr>
+              <a:buSzPts val="1400"/>
+              <a:buFont typeface="Arial"/>
+              <a:buNone/>
+              <a:tabLst/>
+              <a:defRPr/>
+            </a:pPr>
+            <a:r>
+              <a:rPr lang="en-US" sz="2200" b="0" i="0" u="none" strike="noStrike" cap="none" baseline="0" dirty="0">
+                <a:solidFill>
+                  <a:srgbClr val="000000"/>
+                </a:solidFill>
+                <a:effectLst/>
+                <a:latin typeface="Merriweather Sans"/>
+                <a:ea typeface="Merriweather Sans"/>
+                <a:cs typeface="Merriweather Sans"/>
+                <a:sym typeface="Merriweather Sans"/>
+              </a:rPr>
+              <a:t>- Transcription with details? no -- the notes are high-level and overly summarized.</a:t>
+            </a:r>
+          </a:p>
+          <a:p>
+            <a:pPr marL="457200" marR="0" indent="-228600" algn="l" defTabSz="914400" rtl="0" eaLnBrk="1" fontAlgn="auto" latinLnBrk="0" hangingPunct="1">
+              <a:lnSpc>
+                <a:spcPct val="100000"/>
+              </a:lnSpc>
+              <a:spcBef>
+                <a:spcPts val="0"/>
+              </a:spcBef>
+              <a:spcAft>
+                <a:spcPts val="0"/>
+              </a:spcAft>
+              <a:buClr>
+                <a:srgbClr val="000000"/>
+              </a:buClr>
+              <a:buSzPts val="1400"/>
+              <a:buFont typeface="Arial"/>
+              <a:buNone/>
+              <a:tabLst/>
+              <a:defRPr/>
+            </a:pPr>
+            <a:r>
+              <a:rPr lang="en-US" sz="2200" b="0" i="0" u="none" strike="noStrike" cap="none" baseline="0" dirty="0">
+                <a:solidFill>
+                  <a:srgbClr val="000000"/>
+                </a:solidFill>
+                <a:effectLst/>
+                <a:latin typeface="Merriweather Sans"/>
+                <a:ea typeface="Merriweather Sans"/>
+                <a:cs typeface="Merriweather Sans"/>
+                <a:sym typeface="Merriweather Sans"/>
+              </a:rPr>
+              <a:t>- Analysis at the end? yes</a:t>
+            </a:r>
+          </a:p>
+          <a:p>
+            <a:pPr marL="457200" marR="0" indent="-228600" algn="l" defTabSz="914400" rtl="0" eaLnBrk="1" fontAlgn="auto" latinLnBrk="0" hangingPunct="1">
+              <a:lnSpc>
+                <a:spcPct val="100000"/>
+              </a:lnSpc>
+              <a:spcBef>
+                <a:spcPts val="0"/>
+              </a:spcBef>
+              <a:spcAft>
+                <a:spcPts val="0"/>
+              </a:spcAft>
+              <a:buClr>
+                <a:srgbClr val="000000"/>
+              </a:buClr>
+              <a:buSzPts val="1400"/>
+              <a:buFont typeface="Arial"/>
+              <a:buNone/>
+              <a:tabLst/>
+              <a:defRPr/>
+            </a:pPr>
+            <a:r>
+              <a:rPr lang="en-US" sz="2200" b="0" i="0" u="none" strike="noStrike" cap="none" baseline="0" dirty="0">
+                <a:solidFill>
+                  <a:srgbClr val="000000"/>
+                </a:solidFill>
+                <a:effectLst/>
+                <a:latin typeface="Merriweather Sans"/>
+                <a:ea typeface="Merriweather Sans"/>
+                <a:cs typeface="Merriweather Sans"/>
+                <a:sym typeface="Merriweather Sans"/>
+              </a:rPr>
+              <a:t>- </a:t>
+            </a:r>
+            <a:r>
+              <a:rPr lang="en-US" baseline="0" dirty="0"/>
+              <a:t>Can another SME make a determination?</a:t>
+            </a:r>
+            <a:r>
+              <a:rPr lang="en-US" sz="2200" b="0" i="0" u="none" strike="noStrike" cap="none" baseline="0" dirty="0">
+                <a:solidFill>
+                  <a:srgbClr val="000000"/>
+                </a:solidFill>
+                <a:effectLst/>
+                <a:latin typeface="Merriweather Sans"/>
+                <a:ea typeface="Merriweather Sans"/>
+                <a:cs typeface="Merriweather Sans"/>
+                <a:sym typeface="Merriweather Sans"/>
+              </a:rPr>
+              <a:t> no, not without details</a:t>
+            </a:r>
+            <a:endParaRPr lang="en-US" dirty="0"/>
           </a:p>
         </p:txBody>
       </p:sp>
     </p:spTree>
     <p:extLst>
       <p:ext uri="{BB962C8B-B14F-4D97-AF65-F5344CB8AC3E}">
-        <p14:creationId xmlns:p14="http://schemas.microsoft.com/office/powerpoint/2010/main" val="2935044806"/>
+        <p14:creationId xmlns:p14="http://schemas.microsoft.com/office/powerpoint/2010/main" val="344949007"/>
       </p:ext>
     </p:extLst>
   </p:cSld>
@@ -3439,7 +3025,44 @@
           <a:p>
             <a:r>
               <a:rPr lang="en-US" dirty="0"/>
-              <a:t>Example:</a:t>
+              <a:t>This is a good</a:t>
+            </a:r>
+            <a:r>
+              <a:rPr lang="en-US" baseline="0" dirty="0"/>
+              <a:t> example</a:t>
+            </a:r>
+            <a:r>
+              <a:rPr lang="en-US" dirty="0"/>
+              <a:t>.</a:t>
+            </a:r>
+            <a:r>
+              <a:rPr lang="en-US" baseline="0" dirty="0"/>
+              <a:t> Reasons:</a:t>
+            </a:r>
+          </a:p>
+          <a:p>
+            <a:pPr marL="571500" marR="0" indent="-342900" algn="l" defTabSz="914400" rtl="0" eaLnBrk="1" fontAlgn="auto" latinLnBrk="0" hangingPunct="1">
+              <a:lnSpc>
+                <a:spcPct val="100000"/>
+              </a:lnSpc>
+              <a:spcBef>
+                <a:spcPts val="0"/>
+              </a:spcBef>
+              <a:spcAft>
+                <a:spcPts val="0"/>
+              </a:spcAft>
+              <a:buClr>
+                <a:srgbClr val="000000"/>
+              </a:buClr>
+              <a:buSzPts val="1400"/>
+              <a:buFontTx/>
+              <a:buChar char="-"/>
+              <a:tabLst/>
+              <a:defRPr/>
+            </a:pPr>
+            <a:r>
+              <a:rPr lang="en-US" baseline="0" dirty="0"/>
+              <a:t>Transcription with details? Yes, this is a transcription</a:t>
             </a:r>
           </a:p>
           <a:p>
@@ -3448,8 +3071,18 @@
               <a:buChar char="-"/>
             </a:pPr>
             <a:r>
-              <a:rPr lang="en-US" dirty="0"/>
-              <a:t>If the transcript shows a poor response, you can’t give them a “meets”</a:t>
+              <a:rPr lang="en-US" baseline="0" dirty="0"/>
+              <a:t>Analysis: yes. Short but separate</a:t>
+            </a:r>
+          </a:p>
+          <a:p>
+            <a:pPr marL="571500" indent="-342900">
+              <a:buFontTx/>
+              <a:buChar char="-"/>
+            </a:pPr>
+            <a:r>
+              <a:rPr lang="en-US" baseline="0" dirty="0"/>
+              <a:t>Can another SME make a determination? yes, because details are provided</a:t>
             </a:r>
           </a:p>
         </p:txBody>
@@ -3457,7 +3090,7 @@
     </p:spTree>
     <p:extLst>
       <p:ext uri="{BB962C8B-B14F-4D97-AF65-F5344CB8AC3E}">
-        <p14:creationId xmlns:p14="http://schemas.microsoft.com/office/powerpoint/2010/main" val="256299654"/>
+        <p14:creationId xmlns:p14="http://schemas.microsoft.com/office/powerpoint/2010/main" val="2191510207"/>
       </p:ext>
     </p:extLst>
   </p:cSld>
@@ -5505,7 +5138,7 @@
             <a:fld id="{42D41BD8-F932-40AA-8DAC-647898DB09A3}" type="datetime1">
               <a:rPr lang="en-US" smtClean="0"/>
               <a:pPr/>
-              <a:t>9/25/19</a:t>
+              <a:t>9/6/19</a:t>
             </a:fld>
             <a:endParaRPr lang="en-US" dirty="0"/>
           </a:p>
@@ -7213,122 +6846,6 @@
           <p:cNvPr id="2" name="Title 1">
             <a:extLst>
               <a:ext uri="{FF2B5EF4-FFF2-40B4-BE49-F238E27FC236}">
-                <a16:creationId xmlns:a16="http://schemas.microsoft.com/office/drawing/2014/main" id="{4D5CCF48-DC4B-DD49-88F7-241CFCA64AB0}"/>
-              </a:ext>
-            </a:extLst>
-          </p:cNvPr>
-          <p:cNvSpPr>
-            <a:spLocks noGrp="1"/>
-          </p:cNvSpPr>
-          <p:nvPr>
-            <p:ph type="title"/>
-          </p:nvPr>
-        </p:nvSpPr>
-        <p:spPr/>
-        <p:txBody>
-          <a:bodyPr/>
-          <a:lstStyle/>
-          <a:p>
-            <a:r>
-              <a:rPr lang="en-US" dirty="0"/>
-              <a:t>During the interview, you can’t change questions, but you can repeat and clarify questions if needed.</a:t>
-            </a:r>
-          </a:p>
-        </p:txBody>
-      </p:sp>
-    </p:spTree>
-    <p:extLst>
-      <p:ext uri="{BB962C8B-B14F-4D97-AF65-F5344CB8AC3E}">
-        <p14:creationId xmlns:p14="http://schemas.microsoft.com/office/powerpoint/2010/main" val="2642887974"/>
-      </p:ext>
-    </p:extLst>
-  </p:cSld>
-  <p:clrMapOvr>
-    <a:masterClrMapping/>
-  </p:clrMapOvr>
-</p:sld>
-</file>
-
-<file path=ppt/slides/slide11.xml><?xml version="1.0" encoding="utf-8"?>
-<p:sld xmlns:a="http://schemas.openxmlformats.org/drawingml/2006/main" xmlns:r="http://schemas.openxmlformats.org/officeDocument/2006/relationships" xmlns:p="http://schemas.openxmlformats.org/presentationml/2006/main">
-  <p:cSld>
-    <p:spTree>
-      <p:nvGrpSpPr>
-        <p:cNvPr id="1" name=""/>
-        <p:cNvGrpSpPr/>
-        <p:nvPr/>
-      </p:nvGrpSpPr>
-      <p:grpSpPr>
-        <a:xfrm>
-          <a:off x="0" y="0"/>
-          <a:ext cx="0" cy="0"/>
-          <a:chOff x="0" y="0"/>
-          <a:chExt cx="0" cy="0"/>
-        </a:xfrm>
-      </p:grpSpPr>
-      <p:sp>
-        <p:nvSpPr>
-          <p:cNvPr id="2" name="Title 1">
-            <a:extLst>
-              <a:ext uri="{FF2B5EF4-FFF2-40B4-BE49-F238E27FC236}">
-                <a16:creationId xmlns:a16="http://schemas.microsoft.com/office/drawing/2014/main" id="{4D5CCF48-DC4B-DD49-88F7-241CFCA64AB0}"/>
-              </a:ext>
-            </a:extLst>
-          </p:cNvPr>
-          <p:cNvSpPr>
-            <a:spLocks noGrp="1"/>
-          </p:cNvSpPr>
-          <p:nvPr>
-            <p:ph type="title"/>
-          </p:nvPr>
-        </p:nvSpPr>
-        <p:spPr/>
-        <p:txBody>
-          <a:bodyPr/>
-          <a:lstStyle/>
-          <a:p>
-            <a:r>
-              <a:rPr lang="en-US" dirty="0"/>
-              <a:t>Take advantage of probe questions</a:t>
-            </a:r>
-          </a:p>
-        </p:txBody>
-      </p:sp>
-    </p:spTree>
-    <p:extLst>
-      <p:ext uri="{BB962C8B-B14F-4D97-AF65-F5344CB8AC3E}">
-        <p14:creationId xmlns:p14="http://schemas.microsoft.com/office/powerpoint/2010/main" val="3089427177"/>
-      </p:ext>
-    </p:extLst>
-  </p:cSld>
-  <p:clrMapOvr>
-    <a:masterClrMapping/>
-  </p:clrMapOvr>
-</p:sld>
-</file>
-
-<file path=ppt/slides/slide12.xml><?xml version="1.0" encoding="utf-8"?>
-<p:sld xmlns:a="http://schemas.openxmlformats.org/drawingml/2006/main" xmlns:r="http://schemas.openxmlformats.org/officeDocument/2006/relationships" xmlns:p="http://schemas.openxmlformats.org/presentationml/2006/main">
-  <p:cSld>
-    <p:spTree>
-      <p:nvGrpSpPr>
-        <p:cNvPr id="1" name=""/>
-        <p:cNvGrpSpPr/>
-        <p:nvPr/>
-      </p:nvGrpSpPr>
-      <p:grpSpPr>
-        <a:xfrm>
-          <a:off x="0" y="0"/>
-          <a:ext cx="0" cy="0"/>
-          <a:chOff x="0" y="0"/>
-          <a:chExt cx="0" cy="0"/>
-        </a:xfrm>
-      </p:grpSpPr>
-      <p:sp>
-        <p:nvSpPr>
-          <p:cNvPr id="2" name="Title 1">
-            <a:extLst>
-              <a:ext uri="{FF2B5EF4-FFF2-40B4-BE49-F238E27FC236}">
                 <a16:creationId xmlns:a16="http://schemas.microsoft.com/office/drawing/2014/main" id="{7DA0374D-F5D3-0A43-8539-D4FEAF6E0214}"/>
               </a:ext>
             </a:extLst>
@@ -7347,13 +6864,6 @@
           <a:p>
             <a:r>
               <a:rPr lang="en-US" dirty="0"/>
-              <a:t>DURING THE INTERVIEW:</a:t>
-            </a:r>
-            <a:br>
-              <a:rPr lang="en-US" dirty="0"/>
-            </a:br>
-            <a:r>
-              <a:rPr lang="en-US" dirty="0"/>
               <a:t>Transcribing responses</a:t>
             </a:r>
           </a:p>
@@ -7372,7 +6882,7 @@
 </p:sld>
 </file>
 
-<file path=ppt/slides/slide13.xml><?xml version="1.0" encoding="utf-8"?>
+<file path=ppt/slides/slide11.xml><?xml version="1.0" encoding="utf-8"?>
 <p:sld xmlns:a="http://schemas.openxmlformats.org/drawingml/2006/main" xmlns:r="http://schemas.openxmlformats.org/officeDocument/2006/relationships" xmlns:p="http://schemas.openxmlformats.org/presentationml/2006/main">
   <p:cSld>
     <p:spTree>
@@ -7456,12 +6966,397 @@
               <a:t>Transcript does not have to be a verbatim transcription, but do it to the best of your ability.</a:t>
             </a:r>
           </a:p>
+          <a:p>
+            <a:r>
+              <a:rPr lang="en-US" dirty="0"/>
+              <a:t>Your transcript and proficiency determination should be aligned.</a:t>
+            </a:r>
+          </a:p>
         </p:txBody>
       </p:sp>
     </p:spTree>
     <p:extLst>
       <p:ext uri="{BB962C8B-B14F-4D97-AF65-F5344CB8AC3E}">
         <p14:creationId xmlns:p14="http://schemas.microsoft.com/office/powerpoint/2010/main" val="1841999195"/>
+      </p:ext>
+    </p:extLst>
+  </p:cSld>
+  <p:clrMapOvr>
+    <a:masterClrMapping/>
+  </p:clrMapOvr>
+</p:sld>
+</file>
+
+<file path=ppt/slides/slide12.xml><?xml version="1.0" encoding="utf-8"?>
+<p:sld xmlns:a="http://schemas.openxmlformats.org/drawingml/2006/main" xmlns:r="http://schemas.openxmlformats.org/officeDocument/2006/relationships" xmlns:p="http://schemas.openxmlformats.org/presentationml/2006/main">
+  <p:cSld>
+    <p:spTree>
+      <p:nvGrpSpPr>
+        <p:cNvPr id="1" name="Shape 242"/>
+        <p:cNvGrpSpPr/>
+        <p:nvPr/>
+      </p:nvGrpSpPr>
+      <p:grpSpPr>
+        <a:xfrm>
+          <a:off x="0" y="0"/>
+          <a:ext cx="0" cy="0"/>
+          <a:chOff x="0" y="0"/>
+          <a:chExt cx="0" cy="0"/>
+        </a:xfrm>
+      </p:grpSpPr>
+      <p:sp>
+        <p:nvSpPr>
+          <p:cNvPr id="243" name="Google Shape;243;p45"/>
+          <p:cNvSpPr txBox="1">
+            <a:spLocks noGrp="1"/>
+          </p:cNvSpPr>
+          <p:nvPr>
+            <p:ph type="title"/>
+          </p:nvPr>
+        </p:nvSpPr>
+        <p:spPr>
+          <a:prstGeom prst="rect">
+            <a:avLst/>
+          </a:prstGeom>
+          <a:noFill/>
+          <a:ln>
+            <a:noFill/>
+          </a:ln>
+        </p:spPr>
+        <p:txBody>
+          <a:bodyPr spcFirstLastPara="1" wrap="square" lIns="121904" tIns="60935" rIns="121904" bIns="60935" anchor="t" anchorCtr="0">
+            <a:noAutofit/>
+          </a:bodyPr>
+          <a:lstStyle/>
+          <a:p>
+            <a:r>
+              <a:rPr lang="en-US" dirty="0"/>
+              <a:t>Jot down your reaction (optional)</a:t>
+            </a:r>
+            <a:endParaRPr dirty="0"/>
+          </a:p>
+        </p:txBody>
+      </p:sp>
+      <p:sp>
+        <p:nvSpPr>
+          <p:cNvPr id="2" name="Text Placeholder 1">
+            <a:extLst>
+              <a:ext uri="{FF2B5EF4-FFF2-40B4-BE49-F238E27FC236}">
+                <a16:creationId xmlns:a16="http://schemas.microsoft.com/office/drawing/2014/main" id="{0B6FBA02-17EB-9B44-9451-15D976348E1B}"/>
+              </a:ext>
+            </a:extLst>
+          </p:cNvPr>
+          <p:cNvSpPr>
+            <a:spLocks noGrp="1"/>
+          </p:cNvSpPr>
+          <p:nvPr>
+            <p:ph type="body" idx="1"/>
+          </p:nvPr>
+        </p:nvSpPr>
+        <p:spPr/>
+        <p:txBody>
+          <a:bodyPr>
+            <a:normAutofit/>
+          </a:bodyPr>
+          <a:lstStyle/>
+          <a:p>
+            <a:pPr marL="228611" indent="0">
+              <a:buNone/>
+            </a:pPr>
+            <a:r>
+              <a:rPr lang="en-US" dirty="0"/>
+              <a:t>	“Great example – shows expertise”</a:t>
+            </a:r>
+          </a:p>
+          <a:p>
+            <a:pPr marL="228611" indent="0">
+              <a:buNone/>
+            </a:pPr>
+            <a:r>
+              <a:rPr lang="en-US" dirty="0"/>
+              <a:t>	“Right terms but is not making sense”</a:t>
+            </a:r>
+          </a:p>
+          <a:p>
+            <a:pPr marL="228611" indent="0">
+              <a:buNone/>
+            </a:pPr>
+            <a:r>
+              <a:rPr lang="en-US" dirty="0"/>
+              <a:t>	“Response lacked sufficient detail to meet proficiency level”</a:t>
+            </a:r>
+          </a:p>
+        </p:txBody>
+      </p:sp>
+    </p:spTree>
+    <p:extLst>
+      <p:ext uri="{BB962C8B-B14F-4D97-AF65-F5344CB8AC3E}">
+        <p14:creationId xmlns:p14="http://schemas.microsoft.com/office/powerpoint/2010/main" val="1789250179"/>
+      </p:ext>
+    </p:extLst>
+  </p:cSld>
+  <p:clrMapOvr>
+    <a:masterClrMapping/>
+  </p:clrMapOvr>
+</p:sld>
+</file>
+
+<file path=ppt/slides/slide13.xml><?xml version="1.0" encoding="utf-8"?>
+<p:sld xmlns:a="http://schemas.openxmlformats.org/drawingml/2006/main" xmlns:r="http://schemas.openxmlformats.org/officeDocument/2006/relationships" xmlns:p="http://schemas.openxmlformats.org/presentationml/2006/main">
+  <p:cSld>
+    <p:spTree>
+      <p:nvGrpSpPr>
+        <p:cNvPr id="1" name=""/>
+        <p:cNvGrpSpPr/>
+        <p:nvPr/>
+      </p:nvGrpSpPr>
+      <p:grpSpPr>
+        <a:xfrm>
+          <a:off x="0" y="0"/>
+          <a:ext cx="0" cy="0"/>
+          <a:chOff x="0" y="0"/>
+          <a:chExt cx="0" cy="0"/>
+        </a:xfrm>
+      </p:grpSpPr>
+      <p:sp>
+        <p:nvSpPr>
+          <p:cNvPr id="2" name="Title 1">
+            <a:extLst>
+              <a:ext uri="{FF2B5EF4-FFF2-40B4-BE49-F238E27FC236}">
+                <a16:creationId xmlns:a16="http://schemas.microsoft.com/office/drawing/2014/main" id="{0416B85F-4789-7349-885A-3A9736185D78}"/>
+              </a:ext>
+            </a:extLst>
+          </p:cNvPr>
+          <p:cNvSpPr>
+            <a:spLocks noGrp="1"/>
+          </p:cNvSpPr>
+          <p:nvPr>
+            <p:ph type="title"/>
+          </p:nvPr>
+        </p:nvSpPr>
+        <p:spPr/>
+        <p:txBody>
+          <a:bodyPr/>
+          <a:lstStyle/>
+          <a:p>
+            <a:r>
+              <a:rPr lang="en-US" dirty="0"/>
+              <a:t>Transcript Example 1</a:t>
+            </a:r>
+          </a:p>
+        </p:txBody>
+      </p:sp>
+      <p:sp>
+        <p:nvSpPr>
+          <p:cNvPr id="3" name="Text Placeholder 2">
+            <a:extLst>
+              <a:ext uri="{FF2B5EF4-FFF2-40B4-BE49-F238E27FC236}">
+                <a16:creationId xmlns:a16="http://schemas.microsoft.com/office/drawing/2014/main" id="{66BF03FA-C93D-B241-A6A3-12292798BBE4}"/>
+              </a:ext>
+            </a:extLst>
+          </p:cNvPr>
+          <p:cNvSpPr>
+            <a:spLocks noGrp="1"/>
+          </p:cNvSpPr>
+          <p:nvPr>
+            <p:ph type="body" idx="1"/>
+          </p:nvPr>
+        </p:nvSpPr>
+        <p:spPr/>
+        <p:txBody>
+          <a:bodyPr>
+            <a:normAutofit lnSpcReduction="10000"/>
+          </a:bodyPr>
+          <a:lstStyle/>
+          <a:p>
+            <a:pPr marL="0" indent="0">
+              <a:spcBef>
+                <a:spcPts val="0"/>
+              </a:spcBef>
+              <a:buClrTx/>
+              <a:buSzTx/>
+              <a:buNone/>
+            </a:pPr>
+            <a:r>
+              <a:rPr lang="en-US" dirty="0"/>
+              <a:t>Question (Communication and Collaboration): </a:t>
+            </a:r>
+          </a:p>
+          <a:p>
+            <a:pPr marL="0" indent="0">
+              <a:spcBef>
+                <a:spcPts val="0"/>
+              </a:spcBef>
+              <a:buClrTx/>
+              <a:buSzTx/>
+              <a:buNone/>
+            </a:pPr>
+            <a:r>
+              <a:rPr lang="en-US" b="1" dirty="0"/>
+              <a:t>Tell me about a time you worked with a team to solve a technical issue? How was the problem identified and how did your group communicate your findings?</a:t>
+            </a:r>
+          </a:p>
+          <a:p>
+            <a:pPr marL="0" marR="0" lvl="0" indent="0" defTabSz="914400" eaLnBrk="1" fontAlgn="auto" latinLnBrk="0" hangingPunct="1">
+              <a:lnSpc>
+                <a:spcPct val="100000"/>
+              </a:lnSpc>
+              <a:spcBef>
+                <a:spcPts val="0"/>
+              </a:spcBef>
+              <a:spcAft>
+                <a:spcPts val="0"/>
+              </a:spcAft>
+              <a:buClrTx/>
+              <a:buSzTx/>
+              <a:buFontTx/>
+              <a:buNone/>
+              <a:tabLst/>
+              <a:defRPr/>
+            </a:pPr>
+            <a:endParaRPr lang="en-US" dirty="0"/>
+          </a:p>
+          <a:p>
+            <a:pPr marL="0" marR="0" lvl="0" indent="0" defTabSz="914400" eaLnBrk="1" fontAlgn="auto" latinLnBrk="0" hangingPunct="1">
+              <a:lnSpc>
+                <a:spcPct val="100000"/>
+              </a:lnSpc>
+              <a:spcBef>
+                <a:spcPts val="0"/>
+              </a:spcBef>
+              <a:spcAft>
+                <a:spcPts val="0"/>
+              </a:spcAft>
+              <a:buClrTx/>
+              <a:buSzTx/>
+              <a:buFontTx/>
+              <a:buNone/>
+              <a:tabLst/>
+              <a:defRPr/>
+            </a:pPr>
+            <a:endParaRPr lang="en-US" dirty="0"/>
+          </a:p>
+          <a:p>
+            <a:pPr marL="0" marR="0" lvl="0" indent="0" defTabSz="914400" eaLnBrk="1" fontAlgn="auto" latinLnBrk="0" hangingPunct="1">
+              <a:lnSpc>
+                <a:spcPct val="100000"/>
+              </a:lnSpc>
+              <a:spcBef>
+                <a:spcPts val="0"/>
+              </a:spcBef>
+              <a:spcAft>
+                <a:spcPts val="0"/>
+              </a:spcAft>
+              <a:buClrTx/>
+              <a:buSzTx/>
+              <a:buFontTx/>
+              <a:buNone/>
+              <a:tabLst/>
+              <a:defRPr/>
+            </a:pPr>
+            <a:r>
+              <a:rPr lang="en-US" dirty="0"/>
+              <a:t>Transcript:</a:t>
+            </a:r>
+          </a:p>
+          <a:p>
+            <a:pPr marL="571500" marR="0" lvl="0" indent="-571500" defTabSz="914400" eaLnBrk="1" fontAlgn="auto" latinLnBrk="0" hangingPunct="1">
+              <a:lnSpc>
+                <a:spcPct val="100000"/>
+              </a:lnSpc>
+              <a:spcBef>
+                <a:spcPts val="0"/>
+              </a:spcBef>
+              <a:spcAft>
+                <a:spcPts val="0"/>
+              </a:spcAft>
+              <a:buClrTx/>
+              <a:buSzTx/>
+              <a:buFontTx/>
+              <a:buChar char="-"/>
+              <a:tabLst/>
+              <a:defRPr/>
+            </a:pPr>
+            <a:r>
+              <a:rPr lang="en-US" dirty="0"/>
+              <a:t>Able to give a detailed description of an issue and its resolution</a:t>
+            </a:r>
+          </a:p>
+          <a:p>
+            <a:pPr marL="571500" marR="0" lvl="0" indent="-571500" defTabSz="914400" eaLnBrk="1" fontAlgn="auto" latinLnBrk="0" hangingPunct="1">
+              <a:lnSpc>
+                <a:spcPct val="100000"/>
+              </a:lnSpc>
+              <a:spcBef>
+                <a:spcPts val="0"/>
+              </a:spcBef>
+              <a:spcAft>
+                <a:spcPts val="0"/>
+              </a:spcAft>
+              <a:buClrTx/>
+              <a:buSzTx/>
+              <a:buFontTx/>
+              <a:buChar char="-"/>
+              <a:tabLst/>
+              <a:defRPr/>
+            </a:pPr>
+            <a:r>
+              <a:rPr lang="en-US" dirty="0"/>
+              <a:t>Describes that they played an active role in finding and mitigating the risk (vs watching their team find and solve the problem)</a:t>
+            </a:r>
+          </a:p>
+          <a:p>
+            <a:pPr marL="571500" marR="0" lvl="0" indent="-571500" defTabSz="914400" eaLnBrk="1" fontAlgn="auto" latinLnBrk="0" hangingPunct="1">
+              <a:lnSpc>
+                <a:spcPct val="100000"/>
+              </a:lnSpc>
+              <a:spcBef>
+                <a:spcPts val="0"/>
+              </a:spcBef>
+              <a:spcAft>
+                <a:spcPts val="0"/>
+              </a:spcAft>
+              <a:buClrTx/>
+              <a:buSzTx/>
+              <a:buFontTx/>
+              <a:buChar char="-"/>
+              <a:tabLst/>
+              <a:defRPr/>
+            </a:pPr>
+            <a:r>
+              <a:rPr lang="en-US" dirty="0"/>
+              <a:t>Candidate identified size and scope of risk and how it would affect users</a:t>
+            </a:r>
+          </a:p>
+          <a:p>
+            <a:pPr marL="571500" marR="0" lvl="0" indent="-571500" defTabSz="914400" eaLnBrk="1" fontAlgn="auto" latinLnBrk="0" hangingPunct="1">
+              <a:lnSpc>
+                <a:spcPct val="100000"/>
+              </a:lnSpc>
+              <a:spcBef>
+                <a:spcPts val="0"/>
+              </a:spcBef>
+              <a:spcAft>
+                <a:spcPts val="0"/>
+              </a:spcAft>
+              <a:buClrTx/>
+              <a:buSzTx/>
+              <a:buFontTx/>
+              <a:buChar char="-"/>
+              <a:tabLst/>
+              <a:defRPr/>
+            </a:pPr>
+            <a:r>
+              <a:rPr lang="en-US" dirty="0"/>
+              <a:t>Candidate mentioned informing stakeholders</a:t>
+            </a:r>
+          </a:p>
+        </p:txBody>
+      </p:sp>
+    </p:spTree>
+    <p:extLst>
+      <p:ext uri="{BB962C8B-B14F-4D97-AF65-F5344CB8AC3E}">
+        <p14:creationId xmlns:p14="http://schemas.microsoft.com/office/powerpoint/2010/main" val="4208729609"/>
       </p:ext>
     </p:extLst>
   </p:cSld>
@@ -7511,7 +7406,7 @@
           <a:p>
             <a:r>
               <a:rPr lang="en-US" dirty="0"/>
-              <a:t>Good or bad Transcript: Example 1</a:t>
+              <a:t>Transcript Example 2</a:t>
             </a:r>
           </a:p>
         </p:txBody>
@@ -7549,7 +7444,7 @@
             </a:pPr>
             <a:r>
               <a:rPr lang="en-US" dirty="0"/>
-              <a:t>Question (Communication and Collaboration): </a:t>
+              <a:t>Question (Active Directory): </a:t>
             </a:r>
           </a:p>
           <a:p>
@@ -7563,7 +7458,7 @@
             </a:pPr>
             <a:r>
               <a:rPr lang="en-US" b="1" dirty="0"/>
-              <a:t>Tell me about a time you worked with a team to solve a technical issue? How was the problem identified and how did your group communicate your findings?</a:t>
+              <a:t>How does DNS resolution work?</a:t>
             </a:r>
           </a:p>
           <a:p>
@@ -7630,7 +7525,77 @@
             </a:r>
           </a:p>
           <a:p>
-            <a:pPr marL="571500" marR="0" lvl="0" indent="-571500" defTabSz="914400" eaLnBrk="1" fontAlgn="auto" latinLnBrk="0" hangingPunct="1">
+            <a:pPr marL="571500" indent="-571500">
+              <a:spcBef>
+                <a:spcPts val="0"/>
+              </a:spcBef>
+              <a:buClrTx/>
+              <a:buSzTx/>
+              <a:defRPr/>
+            </a:pPr>
+            <a:r>
+              <a:rPr lang="en-US" dirty="0"/>
+              <a:t>User makes a request to a URL</a:t>
+            </a:r>
+          </a:p>
+          <a:p>
+            <a:pPr marL="571500" indent="-571500">
+              <a:spcBef>
+                <a:spcPts val="0"/>
+              </a:spcBef>
+              <a:buClrTx/>
+              <a:buSzTx/>
+              <a:defRPr/>
+            </a:pPr>
+            <a:r>
+              <a:rPr lang="en-US" dirty="0"/>
+              <a:t>DNS caches along the way</a:t>
+            </a:r>
+          </a:p>
+          <a:p>
+            <a:pPr marL="571500" indent="-571500">
+              <a:spcBef>
+                <a:spcPts val="0"/>
+              </a:spcBef>
+              <a:buClrTx/>
+              <a:buSzTx/>
+              <a:defRPr/>
+            </a:pPr>
+            <a:r>
+              <a:rPr lang="en-US" dirty="0"/>
+              <a:t>Local machine, network, and ISP have them</a:t>
+            </a:r>
+          </a:p>
+          <a:p>
+            <a:pPr marL="571500" indent="-571500">
+              <a:spcBef>
+                <a:spcPts val="0"/>
+              </a:spcBef>
+              <a:buClrTx/>
+              <a:buSzTx/>
+              <a:defRPr/>
+            </a:pPr>
+            <a:r>
+              <a:rPr lang="en-US" dirty="0"/>
+              <a:t>There are DNS lookup providers out there</a:t>
+            </a:r>
+          </a:p>
+          <a:p>
+            <a:pPr marL="571500" indent="-571500">
+              <a:spcBef>
+                <a:spcPts val="0"/>
+              </a:spcBef>
+              <a:buClrTx/>
+              <a:buSzTx/>
+              <a:defRPr/>
+            </a:pPr>
+            <a:r>
+              <a:rPr lang="en-US" dirty="0"/>
+              <a:t>Essentially what they are doing is mapping the domain name that you put in with the correct IP address that you're trying to go to.</a:t>
+            </a:r>
+          </a:p>
+          <a:p>
+            <a:pPr marL="0" marR="0" lvl="0" indent="0" defTabSz="914400" eaLnBrk="1" fontAlgn="auto" latinLnBrk="0" hangingPunct="1">
               <a:lnSpc>
                 <a:spcPct val="100000"/>
               </a:lnSpc>
@@ -7643,82 +7608,19 @@
               <a:buClrTx/>
               <a:buSzTx/>
               <a:buFontTx/>
-              <a:buChar char="-"/>
+              <a:buNone/>
               <a:tabLst/>
               <a:defRPr/>
             </a:pPr>
-            <a:r>
+            <a:br>
               <a:rPr lang="en-US" dirty="0"/>
-              <a:t>Able to give a detailed description of an issue and its resolution</a:t>
-            </a:r>
-          </a:p>
-          <a:p>
-            <a:pPr marL="571500" marR="0" lvl="0" indent="-571500" defTabSz="914400" eaLnBrk="1" fontAlgn="auto" latinLnBrk="0" hangingPunct="1">
-              <a:lnSpc>
-                <a:spcPct val="100000"/>
-              </a:lnSpc>
-              <a:spcBef>
-                <a:spcPts val="0"/>
-              </a:spcBef>
-              <a:spcAft>
-                <a:spcPts val="0"/>
-              </a:spcAft>
-              <a:buClrTx/>
-              <a:buSzTx/>
-              <a:buFontTx/>
-              <a:buChar char="-"/>
-              <a:tabLst/>
-              <a:defRPr/>
-            </a:pPr>
-            <a:r>
+            </a:br>
+            <a:br>
               <a:rPr lang="en-US" dirty="0"/>
-              <a:t>Describes that they played an active role in finding and mitigating the risk (vs watching their team find and solve the problem)</a:t>
-            </a:r>
-          </a:p>
-          <a:p>
-            <a:pPr marL="571500" marR="0" lvl="0" indent="-571500" defTabSz="914400" eaLnBrk="1" fontAlgn="auto" latinLnBrk="0" hangingPunct="1">
-              <a:lnSpc>
-                <a:spcPct val="100000"/>
-              </a:lnSpc>
-              <a:spcBef>
-                <a:spcPts val="0"/>
-              </a:spcBef>
-              <a:spcAft>
-                <a:spcPts val="0"/>
-              </a:spcAft>
-              <a:buClrTx/>
-              <a:buSzTx/>
-              <a:buFontTx/>
-              <a:buChar char="-"/>
-              <a:tabLst/>
-              <a:defRPr/>
-            </a:pPr>
+            </a:br>
             <a:r>
               <a:rPr lang="en-US" dirty="0"/>
-              <a:t>Candidate identified size and scope of risk and how it would affect users</a:t>
-            </a:r>
-          </a:p>
-          <a:p>
-            <a:pPr marL="571500" marR="0" lvl="0" indent="-571500" defTabSz="914400" eaLnBrk="1" fontAlgn="auto" latinLnBrk="0" hangingPunct="1">
-              <a:lnSpc>
-                <a:spcPct val="100000"/>
-              </a:lnSpc>
-              <a:spcBef>
-                <a:spcPts val="0"/>
-              </a:spcBef>
-              <a:spcAft>
-                <a:spcPts val="0"/>
-              </a:spcAft>
-              <a:buClrTx/>
-              <a:buSzTx/>
-              <a:buFontTx/>
-              <a:buChar char="-"/>
-              <a:tabLst/>
-              <a:defRPr/>
-            </a:pPr>
-            <a:r>
-              <a:rPr lang="en-US" dirty="0"/>
-              <a:t>Candidate mentioned informing stakeholders</a:t>
+              <a:t>Impression: Covers basics, but lacks details </a:t>
             </a:r>
           </a:p>
         </p:txBody>
@@ -7726,7 +7628,7 @@
     </p:spTree>
     <p:extLst>
       <p:ext uri="{BB962C8B-B14F-4D97-AF65-F5344CB8AC3E}">
-        <p14:creationId xmlns:p14="http://schemas.microsoft.com/office/powerpoint/2010/main" val="4208729609"/>
+        <p14:creationId xmlns:p14="http://schemas.microsoft.com/office/powerpoint/2010/main" val="3935892684"/>
       </p:ext>
     </p:extLst>
   </p:cSld>
@@ -7776,279 +7678,7 @@
           <a:p>
             <a:r>
               <a:rPr lang="en-US" dirty="0"/>
-              <a:t>Good or bad Transcript: Example 2</a:t>
-            </a:r>
-          </a:p>
-        </p:txBody>
-      </p:sp>
-      <p:sp>
-        <p:nvSpPr>
-          <p:cNvPr id="3" name="Text Placeholder 2">
-            <a:extLst>
-              <a:ext uri="{FF2B5EF4-FFF2-40B4-BE49-F238E27FC236}">
-                <a16:creationId xmlns:a16="http://schemas.microsoft.com/office/drawing/2014/main" id="{66BF03FA-C93D-B241-A6A3-12292798BBE4}"/>
-              </a:ext>
-            </a:extLst>
-          </p:cNvPr>
-          <p:cNvSpPr>
-            <a:spLocks noGrp="1"/>
-          </p:cNvSpPr>
-          <p:nvPr>
-            <p:ph type="body" idx="1"/>
-          </p:nvPr>
-        </p:nvSpPr>
-        <p:spPr/>
-        <p:txBody>
-          <a:bodyPr>
-            <a:normAutofit lnSpcReduction="10000"/>
-          </a:bodyPr>
-          <a:lstStyle/>
-          <a:p>
-            <a:pPr marL="0" indent="0">
-              <a:spcBef>
-                <a:spcPts val="0"/>
-              </a:spcBef>
-              <a:buClrTx/>
-              <a:buSzTx/>
-              <a:buNone/>
-            </a:pPr>
-            <a:r>
-              <a:rPr lang="en-US" dirty="0"/>
-              <a:t>Question (Active Directory): </a:t>
-            </a:r>
-          </a:p>
-          <a:p>
-            <a:pPr marL="0" indent="0">
-              <a:spcBef>
-                <a:spcPts val="0"/>
-              </a:spcBef>
-              <a:buClrTx/>
-              <a:buSzTx/>
-              <a:buNone/>
-            </a:pPr>
-            <a:r>
-              <a:rPr lang="en-US" b="1" dirty="0"/>
-              <a:t>How does DNS resolution work?</a:t>
-            </a:r>
-          </a:p>
-          <a:p>
-            <a:pPr marL="0" marR="0" lvl="0" indent="0" defTabSz="914400" eaLnBrk="1" fontAlgn="auto" latinLnBrk="0" hangingPunct="1">
-              <a:lnSpc>
-                <a:spcPct val="100000"/>
-              </a:lnSpc>
-              <a:spcBef>
-                <a:spcPts val="0"/>
-              </a:spcBef>
-              <a:spcAft>
-                <a:spcPts val="0"/>
-              </a:spcAft>
-              <a:buClrTx/>
-              <a:buSzTx/>
-              <a:buFontTx/>
-              <a:buNone/>
-              <a:tabLst/>
-              <a:defRPr/>
-            </a:pPr>
-            <a:endParaRPr lang="en-US" dirty="0"/>
-          </a:p>
-          <a:p>
-            <a:pPr marL="0" marR="0" lvl="0" indent="0" defTabSz="914400" eaLnBrk="1" fontAlgn="auto" latinLnBrk="0" hangingPunct="1">
-              <a:lnSpc>
-                <a:spcPct val="100000"/>
-              </a:lnSpc>
-              <a:spcBef>
-                <a:spcPts val="0"/>
-              </a:spcBef>
-              <a:spcAft>
-                <a:spcPts val="0"/>
-              </a:spcAft>
-              <a:buClrTx/>
-              <a:buSzTx/>
-              <a:buFontTx/>
-              <a:buNone/>
-              <a:tabLst/>
-              <a:defRPr/>
-            </a:pPr>
-            <a:endParaRPr lang="en-US" dirty="0"/>
-          </a:p>
-          <a:p>
-            <a:pPr marL="0" marR="0" lvl="0" indent="0" defTabSz="914400" eaLnBrk="1" fontAlgn="auto" latinLnBrk="0" hangingPunct="1">
-              <a:lnSpc>
-                <a:spcPct val="100000"/>
-              </a:lnSpc>
-              <a:spcBef>
-                <a:spcPts val="0"/>
-              </a:spcBef>
-              <a:spcAft>
-                <a:spcPts val="0"/>
-              </a:spcAft>
-              <a:buClrTx/>
-              <a:buSzTx/>
-              <a:buFontTx/>
-              <a:buNone/>
-              <a:tabLst/>
-              <a:defRPr/>
-            </a:pPr>
-            <a:r>
-              <a:rPr lang="en-US" dirty="0"/>
-              <a:t>Transcript:</a:t>
-            </a:r>
-          </a:p>
-          <a:p>
-            <a:pPr marL="571500" indent="-571500">
-              <a:spcBef>
-                <a:spcPts val="0"/>
-              </a:spcBef>
-              <a:buClrTx/>
-              <a:buSzTx/>
-              <a:defRPr/>
-            </a:pPr>
-            <a:r>
-              <a:rPr lang="en-US" dirty="0"/>
-              <a:t>User makes a request to a URL</a:t>
-            </a:r>
-          </a:p>
-          <a:p>
-            <a:pPr marL="571500" indent="-571500">
-              <a:spcBef>
-                <a:spcPts val="0"/>
-              </a:spcBef>
-              <a:buClrTx/>
-              <a:buSzTx/>
-              <a:defRPr/>
-            </a:pPr>
-            <a:r>
-              <a:rPr lang="en-US" dirty="0"/>
-              <a:t>DNS caches along the way</a:t>
-            </a:r>
-          </a:p>
-          <a:p>
-            <a:pPr marL="571500" indent="-571500">
-              <a:spcBef>
-                <a:spcPts val="0"/>
-              </a:spcBef>
-              <a:buClrTx/>
-              <a:buSzTx/>
-              <a:defRPr/>
-            </a:pPr>
-            <a:r>
-              <a:rPr lang="en-US" dirty="0"/>
-              <a:t>Local machine, network, and ISP have them</a:t>
-            </a:r>
-          </a:p>
-          <a:p>
-            <a:pPr marL="571500" indent="-571500">
-              <a:spcBef>
-                <a:spcPts val="0"/>
-              </a:spcBef>
-              <a:buClrTx/>
-              <a:buSzTx/>
-              <a:defRPr/>
-            </a:pPr>
-            <a:r>
-              <a:rPr lang="en-US" dirty="0"/>
-              <a:t>There are DNS lookup providers out there</a:t>
-            </a:r>
-          </a:p>
-          <a:p>
-            <a:pPr marL="571500" indent="-571500">
-              <a:spcBef>
-                <a:spcPts val="0"/>
-              </a:spcBef>
-              <a:buClrTx/>
-              <a:buSzTx/>
-              <a:defRPr/>
-            </a:pPr>
-            <a:r>
-              <a:rPr lang="en-US" dirty="0"/>
-              <a:t>Essentially what they are doing is mapping the domain name that you put in with the correct IP address that you're trying to go to.</a:t>
-            </a:r>
-          </a:p>
-          <a:p>
-            <a:pPr marL="0" marR="0" lvl="0" indent="0" defTabSz="914400" eaLnBrk="1" fontAlgn="auto" latinLnBrk="0" hangingPunct="1">
-              <a:lnSpc>
-                <a:spcPct val="100000"/>
-              </a:lnSpc>
-              <a:spcBef>
-                <a:spcPts val="0"/>
-              </a:spcBef>
-              <a:spcAft>
-                <a:spcPts val="0"/>
-              </a:spcAft>
-              <a:buClrTx/>
-              <a:buSzTx/>
-              <a:buFontTx/>
-              <a:buNone/>
-              <a:tabLst/>
-              <a:defRPr/>
-            </a:pPr>
-            <a:br>
-              <a:rPr lang="en-US" dirty="0"/>
-            </a:br>
-            <a:br>
-              <a:rPr lang="en-US" dirty="0"/>
-            </a:br>
-            <a:r>
-              <a:rPr lang="en-US" dirty="0"/>
-              <a:t>Impression: Covers basics, but lacks details </a:t>
-            </a:r>
-          </a:p>
-        </p:txBody>
-      </p:sp>
-    </p:spTree>
-    <p:extLst>
-      <p:ext uri="{BB962C8B-B14F-4D97-AF65-F5344CB8AC3E}">
-        <p14:creationId xmlns:p14="http://schemas.microsoft.com/office/powerpoint/2010/main" val="3935892684"/>
-      </p:ext>
-    </p:extLst>
-  </p:cSld>
-  <p:clrMapOvr>
-    <a:masterClrMapping/>
-  </p:clrMapOvr>
-</p:sld>
-</file>
-
-<file path=ppt/slides/slide16.xml><?xml version="1.0" encoding="utf-8"?>
-<p:sld xmlns:a="http://schemas.openxmlformats.org/drawingml/2006/main" xmlns:r="http://schemas.openxmlformats.org/officeDocument/2006/relationships" xmlns:p="http://schemas.openxmlformats.org/presentationml/2006/main">
-  <p:cSld>
-    <p:spTree>
-      <p:nvGrpSpPr>
-        <p:cNvPr id="1" name=""/>
-        <p:cNvGrpSpPr/>
-        <p:nvPr/>
-      </p:nvGrpSpPr>
-      <p:grpSpPr>
-        <a:xfrm>
-          <a:off x="0" y="0"/>
-          <a:ext cx="0" cy="0"/>
-          <a:chOff x="0" y="0"/>
-          <a:chExt cx="0" cy="0"/>
-        </a:xfrm>
-      </p:grpSpPr>
-      <p:sp>
-        <p:nvSpPr>
-          <p:cNvPr id="2" name="Title 1">
-            <a:extLst>
-              <a:ext uri="{FF2B5EF4-FFF2-40B4-BE49-F238E27FC236}">
-                <a16:creationId xmlns:a16="http://schemas.microsoft.com/office/drawing/2014/main" id="{0416B85F-4789-7349-885A-3A9736185D78}"/>
-              </a:ext>
-            </a:extLst>
-          </p:cNvPr>
-          <p:cNvSpPr>
-            <a:spLocks noGrp="1"/>
-          </p:cNvSpPr>
-          <p:nvPr>
-            <p:ph type="title"/>
-          </p:nvPr>
-        </p:nvSpPr>
-        <p:spPr/>
-        <p:txBody>
-          <a:bodyPr/>
-          <a:lstStyle/>
-          <a:p>
-            <a:r>
-              <a:rPr lang="en-US" dirty="0"/>
-              <a:t>Good or bad Transcript: Example 3</a:t>
+              <a:t>Transcript Example 3</a:t>
             </a:r>
           </a:p>
         </p:txBody>
@@ -8353,7 +7983,7 @@
 </p:sld>
 </file>
 
-<file path=ppt/slides/slide17.xml><?xml version="1.0" encoding="utf-8"?>
+<file path=ppt/slides/slide16.xml><?xml version="1.0" encoding="utf-8"?>
 <p:sld xmlns:a="http://schemas.openxmlformats.org/drawingml/2006/main" xmlns:r="http://schemas.openxmlformats.org/officeDocument/2006/relationships" xmlns:p="http://schemas.openxmlformats.org/presentationml/2006/main">
   <p:cSld>
     <p:spTree>
@@ -8393,14 +8023,7 @@
           <a:p>
             <a:r>
               <a:rPr lang="en-US" dirty="0"/>
-              <a:t>AFTER THE INTERVIEW:</a:t>
-            </a:r>
-            <a:br>
-              <a:rPr lang="en-US" dirty="0"/>
-            </a:br>
-            <a:r>
-              <a:rPr lang="en-US" dirty="0"/>
-              <a:t>Rating applicant responses</a:t>
+              <a:t>Proficiency determination</a:t>
             </a:r>
           </a:p>
         </p:txBody>
@@ -8418,86 +8041,7 @@
 </p:sld>
 </file>
 
-<file path=ppt/slides/slide18.xml><?xml version="1.0" encoding="utf-8"?>
-<p:sld xmlns:a="http://schemas.openxmlformats.org/drawingml/2006/main" xmlns:r="http://schemas.openxmlformats.org/officeDocument/2006/relationships" xmlns:p="http://schemas.openxmlformats.org/presentationml/2006/main">
-  <p:cSld>
-    <p:spTree>
-      <p:nvGrpSpPr>
-        <p:cNvPr id="1" name=""/>
-        <p:cNvGrpSpPr/>
-        <p:nvPr/>
-      </p:nvGrpSpPr>
-      <p:grpSpPr>
-        <a:xfrm>
-          <a:off x="0" y="0"/>
-          <a:ext cx="0" cy="0"/>
-          <a:chOff x="0" y="0"/>
-          <a:chExt cx="0" cy="0"/>
-        </a:xfrm>
-      </p:grpSpPr>
-      <p:sp>
-        <p:nvSpPr>
-          <p:cNvPr id="2" name="Title 1">
-            <a:extLst>
-              <a:ext uri="{FF2B5EF4-FFF2-40B4-BE49-F238E27FC236}">
-                <a16:creationId xmlns:a16="http://schemas.microsoft.com/office/drawing/2014/main" id="{6F62C4EB-5A15-DA40-8817-DF283295DEC1}"/>
-              </a:ext>
-            </a:extLst>
-          </p:cNvPr>
-          <p:cNvSpPr>
-            <a:spLocks noGrp="1"/>
-          </p:cNvSpPr>
-          <p:nvPr>
-            <p:ph type="title"/>
-          </p:nvPr>
-        </p:nvSpPr>
-        <p:spPr/>
-        <p:txBody>
-          <a:bodyPr/>
-          <a:lstStyle/>
-          <a:p>
-            <a:r>
-              <a:rPr lang="en-US" dirty="0"/>
-              <a:t>Ratings:</a:t>
-            </a:r>
-            <a:br>
-              <a:rPr lang="en-US" dirty="0"/>
-            </a:br>
-            <a:r>
-              <a:rPr lang="en-US" dirty="0"/>
-              <a:t>- Does not meet</a:t>
-            </a:r>
-            <a:br>
-              <a:rPr lang="en-US" dirty="0"/>
-            </a:br>
-            <a:r>
-              <a:rPr lang="en-US" dirty="0"/>
-              <a:t>- Meets</a:t>
-            </a:r>
-            <a:br>
-              <a:rPr lang="en-US" dirty="0"/>
-            </a:br>
-            <a:r>
-              <a:rPr lang="en-US" dirty="0"/>
-              <a:t>- Exceeds</a:t>
-            </a:r>
-          </a:p>
-        </p:txBody>
-      </p:sp>
-    </p:spTree>
-    <p:extLst>
-      <p:ext uri="{BB962C8B-B14F-4D97-AF65-F5344CB8AC3E}">
-        <p14:creationId xmlns:p14="http://schemas.microsoft.com/office/powerpoint/2010/main" val="3808926530"/>
-      </p:ext>
-    </p:extLst>
-  </p:cSld>
-  <p:clrMapOvr>
-    <a:masterClrMapping/>
-  </p:clrMapOvr>
-</p:sld>
-</file>
-
-<file path=ppt/slides/slide19.xml><?xml version="1.0" encoding="utf-8"?>
+<file path=ppt/slides/slide17.xml><?xml version="1.0" encoding="utf-8"?>
 <p:sld xmlns:a="http://schemas.openxmlformats.org/drawingml/2006/main" xmlns:r="http://schemas.openxmlformats.org/officeDocument/2006/relationships" xmlns:p="http://schemas.openxmlformats.org/presentationml/2006/main">
   <p:cSld>
     <p:spTree>
@@ -8539,7 +8083,7 @@
           <a:p>
             <a:r>
               <a:rPr lang="en-US" dirty="0"/>
-              <a:t>There is no quota for how many applicants should pass. </a:t>
+              <a:t>Reminder: Reference the competency and proficiency definitions.</a:t>
             </a:r>
           </a:p>
         </p:txBody>
@@ -8547,7 +8091,174 @@
     </p:spTree>
     <p:extLst>
       <p:ext uri="{BB962C8B-B14F-4D97-AF65-F5344CB8AC3E}">
-        <p14:creationId xmlns:p14="http://schemas.microsoft.com/office/powerpoint/2010/main" val="879723152"/>
+        <p14:creationId xmlns:p14="http://schemas.microsoft.com/office/powerpoint/2010/main" val="3246139380"/>
+      </p:ext>
+    </p:extLst>
+  </p:cSld>
+  <p:clrMapOvr>
+    <a:masterClrMapping/>
+  </p:clrMapOvr>
+</p:sld>
+</file>
+
+<file path=ppt/slides/slide18.xml><?xml version="1.0" encoding="utf-8"?>
+<p:sld xmlns:a="http://schemas.openxmlformats.org/drawingml/2006/main" xmlns:r="http://schemas.openxmlformats.org/officeDocument/2006/relationships" xmlns:p="http://schemas.openxmlformats.org/presentationml/2006/main">
+  <p:cSld>
+    <p:spTree>
+      <p:nvGrpSpPr>
+        <p:cNvPr id="1" name=""/>
+        <p:cNvGrpSpPr/>
+        <p:nvPr/>
+      </p:nvGrpSpPr>
+      <p:grpSpPr>
+        <a:xfrm>
+          <a:off x="0" y="0"/>
+          <a:ext cx="0" cy="0"/>
+          <a:chOff x="0" y="0"/>
+          <a:chExt cx="0" cy="0"/>
+        </a:xfrm>
+      </p:grpSpPr>
+      <p:sp>
+        <p:nvSpPr>
+          <p:cNvPr id="2" name="Title 1">
+            <a:extLst>
+              <a:ext uri="{FF2B5EF4-FFF2-40B4-BE49-F238E27FC236}">
+                <a16:creationId xmlns:a16="http://schemas.microsoft.com/office/drawing/2014/main" id="{499D8981-1C90-1B42-8D01-C7AB82A1A3C2}"/>
+              </a:ext>
+            </a:extLst>
+          </p:cNvPr>
+          <p:cNvSpPr>
+            <a:spLocks noGrp="1"/>
+          </p:cNvSpPr>
+          <p:nvPr>
+            <p:ph type="title"/>
+          </p:nvPr>
+        </p:nvSpPr>
+        <p:spPr/>
+        <p:txBody>
+          <a:bodyPr/>
+          <a:lstStyle/>
+          <a:p>
+            <a:r>
+              <a:rPr lang="en-US" dirty="0"/>
+              <a:t>Writing your analysis</a:t>
+            </a:r>
+          </a:p>
+        </p:txBody>
+      </p:sp>
+    </p:spTree>
+    <p:extLst>
+      <p:ext uri="{BB962C8B-B14F-4D97-AF65-F5344CB8AC3E}">
+        <p14:creationId xmlns:p14="http://schemas.microsoft.com/office/powerpoint/2010/main" val="1467090001"/>
+      </p:ext>
+    </p:extLst>
+  </p:cSld>
+  <p:clrMapOvr>
+    <a:masterClrMapping/>
+  </p:clrMapOvr>
+</p:sld>
+</file>
+
+<file path=ppt/slides/slide19.xml><?xml version="1.0" encoding="utf-8"?>
+<p:sld xmlns:a="http://schemas.openxmlformats.org/drawingml/2006/main" xmlns:r="http://schemas.openxmlformats.org/officeDocument/2006/relationships" xmlns:p="http://schemas.openxmlformats.org/presentationml/2006/main">
+  <p:cSld>
+    <p:spTree>
+      <p:nvGrpSpPr>
+        <p:cNvPr id="1" name="Shape 242"/>
+        <p:cNvGrpSpPr/>
+        <p:nvPr/>
+      </p:nvGrpSpPr>
+      <p:grpSpPr>
+        <a:xfrm>
+          <a:off x="0" y="0"/>
+          <a:ext cx="0" cy="0"/>
+          <a:chOff x="0" y="0"/>
+          <a:chExt cx="0" cy="0"/>
+        </a:xfrm>
+      </p:grpSpPr>
+      <p:sp>
+        <p:nvSpPr>
+          <p:cNvPr id="243" name="Google Shape;243;p45"/>
+          <p:cNvSpPr txBox="1">
+            <a:spLocks noGrp="1"/>
+          </p:cNvSpPr>
+          <p:nvPr>
+            <p:ph type="title"/>
+          </p:nvPr>
+        </p:nvSpPr>
+        <p:spPr>
+          <a:prstGeom prst="rect">
+            <a:avLst/>
+          </a:prstGeom>
+          <a:noFill/>
+          <a:ln>
+            <a:noFill/>
+          </a:ln>
+        </p:spPr>
+        <p:txBody>
+          <a:bodyPr spcFirstLastPara="1" wrap="square" lIns="121904" tIns="60935" rIns="121904" bIns="60935" anchor="t" anchorCtr="0">
+            <a:noAutofit/>
+          </a:bodyPr>
+          <a:lstStyle/>
+          <a:p>
+            <a:r>
+              <a:rPr lang="en-US" dirty="0"/>
+              <a:t>Example Interview Analysis</a:t>
+            </a:r>
+            <a:endParaRPr dirty="0">
+              <a:solidFill>
+                <a:srgbClr val="FF0000"/>
+              </a:solidFill>
+            </a:endParaRPr>
+          </a:p>
+        </p:txBody>
+      </p:sp>
+      <p:sp>
+        <p:nvSpPr>
+          <p:cNvPr id="2" name="Text Placeholder 1">
+            <a:extLst>
+              <a:ext uri="{FF2B5EF4-FFF2-40B4-BE49-F238E27FC236}">
+                <a16:creationId xmlns:a16="http://schemas.microsoft.com/office/drawing/2014/main" id="{0B6FBA02-17EB-9B44-9451-15D976348E1B}"/>
+              </a:ext>
+            </a:extLst>
+          </p:cNvPr>
+          <p:cNvSpPr>
+            <a:spLocks noGrp="1"/>
+          </p:cNvSpPr>
+          <p:nvPr>
+            <p:ph type="body" idx="1"/>
+          </p:nvPr>
+        </p:nvSpPr>
+        <p:spPr/>
+        <p:txBody>
+          <a:bodyPr>
+            <a:normAutofit/>
+          </a:bodyPr>
+          <a:lstStyle/>
+          <a:p>
+            <a:pPr marL="228611" indent="0">
+              <a:buNone/>
+            </a:pPr>
+            <a:r>
+              <a:rPr lang="en-US" dirty="0"/>
+              <a:t>“The applicant has done full-stack work ranging from cloud to front-end. Their implementation of agile, both at previous orgs and in their own startup (albeit a single-person org), shows they knows how to prioritize user needs during development. Seems like well-rounded individual contributor and a strong communicator.</a:t>
+            </a:r>
+          </a:p>
+          <a:p>
+            <a:pPr marL="228611" indent="0">
+              <a:buNone/>
+            </a:pPr>
+            <a:r>
+              <a:rPr lang="en-US" dirty="0"/>
+              <a:t>Minor concern: Knowledge on networking is on the weaker end.”</a:t>
+            </a:r>
+          </a:p>
+        </p:txBody>
+      </p:sp>
+    </p:spTree>
+    <p:extLst>
+      <p:ext uri="{BB962C8B-B14F-4D97-AF65-F5344CB8AC3E}">
+        <p14:creationId xmlns:p14="http://schemas.microsoft.com/office/powerpoint/2010/main" val="2158818839"/>
       </p:ext>
     </p:extLst>
   </p:cSld>
@@ -8700,7 +8411,7 @@
           <p:cNvPr id="2" name="Title 1">
             <a:extLst>
               <a:ext uri="{FF2B5EF4-FFF2-40B4-BE49-F238E27FC236}">
-                <a16:creationId xmlns:a16="http://schemas.microsoft.com/office/drawing/2014/main" id="{499D8981-1C90-1B42-8D01-C7AB82A1A3C2}"/>
+                <a16:creationId xmlns:a16="http://schemas.microsoft.com/office/drawing/2014/main" id="{B6628D00-F84F-B44E-B4E4-EDEACD125A1C}"/>
               </a:ext>
             </a:extLst>
           </p:cNvPr>
@@ -8711,21 +8422,18 @@
             <p:ph type="title"/>
           </p:nvPr>
         </p:nvSpPr>
-        <p:spPr/>
+        <p:spPr>
+          <a:prstGeom prst="rect">
+            <a:avLst/>
+          </a:prstGeom>
+        </p:spPr>
         <p:txBody>
           <a:bodyPr/>
           <a:lstStyle/>
           <a:p>
             <a:r>
               <a:rPr lang="en-US" dirty="0"/>
-              <a:t>AFTER THE INTERVIEW:</a:t>
-            </a:r>
-            <a:br>
-              <a:rPr lang="en-US" dirty="0"/>
-            </a:br>
-            <a:r>
-              <a:rPr lang="en-US" dirty="0"/>
-              <a:t>Writing your analysis</a:t>
+              <a:t>See an interview demo</a:t>
             </a:r>
           </a:p>
         </p:txBody>
@@ -8733,7 +8441,7 @@
     </p:spTree>
     <p:extLst>
       <p:ext uri="{BB962C8B-B14F-4D97-AF65-F5344CB8AC3E}">
-        <p14:creationId xmlns:p14="http://schemas.microsoft.com/office/powerpoint/2010/main" val="1467090001"/>
+        <p14:creationId xmlns:p14="http://schemas.microsoft.com/office/powerpoint/2010/main" val="687815027"/>
       </p:ext>
     </p:extLst>
   </p:cSld>
@@ -8787,122 +8495,6 @@
           <a:p>
             <a:r>
               <a:rPr lang="en-US" dirty="0"/>
-              <a:t>Example Interview Analysis</a:t>
-            </a:r>
-            <a:endParaRPr dirty="0">
-              <a:solidFill>
-                <a:srgbClr val="FF0000"/>
-              </a:solidFill>
-            </a:endParaRPr>
-          </a:p>
-        </p:txBody>
-      </p:sp>
-      <p:sp>
-        <p:nvSpPr>
-          <p:cNvPr id="2" name="Text Placeholder 1">
-            <a:extLst>
-              <a:ext uri="{FF2B5EF4-FFF2-40B4-BE49-F238E27FC236}">
-                <a16:creationId xmlns:a16="http://schemas.microsoft.com/office/drawing/2014/main" id="{0B6FBA02-17EB-9B44-9451-15D976348E1B}"/>
-              </a:ext>
-            </a:extLst>
-          </p:cNvPr>
-          <p:cNvSpPr>
-            <a:spLocks noGrp="1"/>
-          </p:cNvSpPr>
-          <p:nvPr>
-            <p:ph type="body" idx="1"/>
-          </p:nvPr>
-        </p:nvSpPr>
-        <p:spPr/>
-        <p:txBody>
-          <a:bodyPr>
-            <a:normAutofit/>
-          </a:bodyPr>
-          <a:lstStyle/>
-          <a:p>
-            <a:pPr marL="228611" indent="0">
-              <a:buNone/>
-            </a:pPr>
-            <a:r>
-              <a:rPr lang="en-US" dirty="0"/>
-              <a:t>“The applicant has done full-stack work ranging from cloud to front-end. Their implementation of agile, both at previous orgs and in their own startup (albeit a single-person org), shows they knows how to prioritize user needs during development. Seems like well-rounded individual contributor and a strong communicator.</a:t>
-            </a:r>
-          </a:p>
-          <a:p>
-            <a:pPr marL="228611" indent="0">
-              <a:buNone/>
-            </a:pPr>
-            <a:r>
-              <a:rPr lang="en-US" dirty="0"/>
-              <a:t>Minor concern: Knowledge on networking is on the weaker end.”</a:t>
-            </a:r>
-          </a:p>
-        </p:txBody>
-      </p:sp>
-    </p:spTree>
-    <p:extLst>
-      <p:ext uri="{BB962C8B-B14F-4D97-AF65-F5344CB8AC3E}">
-        <p14:creationId xmlns:p14="http://schemas.microsoft.com/office/powerpoint/2010/main" val="2158818839"/>
-      </p:ext>
-    </p:extLst>
-  </p:cSld>
-  <p:clrMapOvr>
-    <a:masterClrMapping/>
-  </p:clrMapOvr>
-</p:sld>
-</file>
-
-<file path=ppt/slides/slide22.xml><?xml version="1.0" encoding="utf-8"?>
-<p:sld xmlns:a="http://schemas.openxmlformats.org/drawingml/2006/main" xmlns:r="http://schemas.openxmlformats.org/officeDocument/2006/relationships" xmlns:p="http://schemas.openxmlformats.org/presentationml/2006/main">
-  <p:cSld>
-    <p:spTree>
-      <p:nvGrpSpPr>
-        <p:cNvPr id="1" name="Shape 242"/>
-        <p:cNvGrpSpPr/>
-        <p:nvPr/>
-      </p:nvGrpSpPr>
-      <p:grpSpPr>
-        <a:xfrm>
-          <a:off x="0" y="0"/>
-          <a:ext cx="0" cy="0"/>
-          <a:chOff x="0" y="0"/>
-          <a:chExt cx="0" cy="0"/>
-        </a:xfrm>
-      </p:grpSpPr>
-      <p:sp>
-        <p:nvSpPr>
-          <p:cNvPr id="243" name="Google Shape;243;p45"/>
-          <p:cNvSpPr txBox="1">
-            <a:spLocks noGrp="1"/>
-          </p:cNvSpPr>
-          <p:nvPr>
-            <p:ph type="title"/>
-          </p:nvPr>
-        </p:nvSpPr>
-        <p:spPr>
-          <a:prstGeom prst="rect">
-            <a:avLst/>
-          </a:prstGeom>
-          <a:noFill/>
-          <a:ln>
-            <a:noFill/>
-          </a:ln>
-        </p:spPr>
-        <p:txBody>
-          <a:bodyPr spcFirstLastPara="1" wrap="square" lIns="121904" tIns="60935" rIns="121904" bIns="60935" anchor="t" anchorCtr="0">
-            <a:noAutofit/>
-          </a:bodyPr>
-          <a:lstStyle/>
-          <a:p>
-            <a:r>
-              <a:rPr lang="en-US" dirty="0"/>
-              <a:t>AFTER THE INTERVIEW: </a:t>
-            </a:r>
-            <a:br>
-              <a:rPr lang="en-US" dirty="0"/>
-            </a:br>
-            <a:r>
-              <a:rPr lang="en-US" dirty="0"/>
               <a:t>Email your docs to:</a:t>
             </a:r>
             <a:br>
@@ -8933,7 +8525,7 @@
 </p:sld>
 </file>
 
-<file path=ppt/slides/slide23.xml><?xml version="1.0" encoding="utf-8"?>
+<file path=ppt/slides/slide22.xml><?xml version="1.0" encoding="utf-8"?>
 <p:sld xmlns:a="http://schemas.openxmlformats.org/drawingml/2006/main" xmlns:r="http://schemas.openxmlformats.org/officeDocument/2006/relationships" xmlns:p="http://schemas.openxmlformats.org/presentationml/2006/main">
   <p:cSld>
     <p:spTree>
@@ -9039,7 +8631,7 @@
 </p:sld>
 </file>
 
-<file path=ppt/slides/slide24.xml><?xml version="1.0" encoding="utf-8"?>
+<file path=ppt/slides/slide23.xml><?xml version="1.0" encoding="utf-8"?>
 <p:sld xmlns:a="http://schemas.openxmlformats.org/drawingml/2006/main" xmlns:r="http://schemas.openxmlformats.org/officeDocument/2006/relationships" xmlns:p="http://schemas.openxmlformats.org/presentationml/2006/main">
   <p:cSld>
     <p:spTree>
@@ -9143,7 +8735,7 @@
             </a:pPr>
             <a:r>
               <a:rPr lang="en-US" dirty="0"/>
-              <a:t>Make sure you block off the 4 time slots/day you provided to schedulers. </a:t>
+              <a:t>Make sure you block off the 4 timeslots/day you provided to schedulers. </a:t>
             </a:r>
           </a:p>
           <a:p>
@@ -9152,12 +8744,8 @@
               <a:buChar char="•"/>
             </a:pPr>
             <a:r>
-              <a:rPr lang="en-US"/>
-              <a:t>Schedule </a:t>
-            </a:r>
-            <a:r>
               <a:rPr lang="en-US" dirty="0"/>
-              <a:t>60 minutes per interview for yourself to set up/fill out/submit feedback that same day.</a:t>
+              <a:t>Schedule 30 minutes per interview for yourself to set up/fill out/submit feedback that same day.</a:t>
             </a:r>
           </a:p>
         </p:txBody>
@@ -9175,65 +8763,7 @@
 </p:sld>
 </file>
 
-<file path=ppt/slides/slide25.xml><?xml version="1.0" encoding="utf-8"?>
-<p:sld xmlns:a="http://schemas.openxmlformats.org/drawingml/2006/main" xmlns:r="http://schemas.openxmlformats.org/officeDocument/2006/relationships" xmlns:p="http://schemas.openxmlformats.org/presentationml/2006/main">
-  <p:cSld>
-    <p:spTree>
-      <p:nvGrpSpPr>
-        <p:cNvPr id="1" name=""/>
-        <p:cNvGrpSpPr/>
-        <p:nvPr/>
-      </p:nvGrpSpPr>
-      <p:grpSpPr>
-        <a:xfrm>
-          <a:off x="0" y="0"/>
-          <a:ext cx="0" cy="0"/>
-          <a:chOff x="0" y="0"/>
-          <a:chExt cx="0" cy="0"/>
-        </a:xfrm>
-      </p:grpSpPr>
-      <p:sp>
-        <p:nvSpPr>
-          <p:cNvPr id="2" name="Title 1">
-            <a:extLst>
-              <a:ext uri="{FF2B5EF4-FFF2-40B4-BE49-F238E27FC236}">
-                <a16:creationId xmlns:a16="http://schemas.microsoft.com/office/drawing/2014/main" id="{4D5CCF48-DC4B-DD49-88F7-241CFCA64AB0}"/>
-              </a:ext>
-            </a:extLst>
-          </p:cNvPr>
-          <p:cNvSpPr>
-            <a:spLocks noGrp="1"/>
-          </p:cNvSpPr>
-          <p:nvPr>
-            <p:ph type="title"/>
-          </p:nvPr>
-        </p:nvSpPr>
-        <p:spPr/>
-        <p:txBody>
-          <a:bodyPr/>
-          <a:lstStyle/>
-          <a:p>
-            <a:r>
-              <a:rPr lang="en-US" dirty="0"/>
-              <a:t>Submit interview guides within 1 business day. </a:t>
-            </a:r>
-          </a:p>
-        </p:txBody>
-      </p:sp>
-    </p:spTree>
-    <p:extLst>
-      <p:ext uri="{BB962C8B-B14F-4D97-AF65-F5344CB8AC3E}">
-        <p14:creationId xmlns:p14="http://schemas.microsoft.com/office/powerpoint/2010/main" val="3575110225"/>
-      </p:ext>
-    </p:extLst>
-  </p:cSld>
-  <p:clrMapOvr>
-    <a:masterClrMapping/>
-  </p:clrMapOvr>
-</p:sld>
-</file>
-
-<file path=ppt/slides/slide26.xml><?xml version="1.0" encoding="utf-8"?>
+<file path=ppt/slides/slide24.xml><?xml version="1.0" encoding="utf-8"?>
 <p:sld xmlns:a="http://schemas.openxmlformats.org/drawingml/2006/main" xmlns:r="http://schemas.openxmlformats.org/officeDocument/2006/relationships" xmlns:p="http://schemas.openxmlformats.org/presentationml/2006/main">
   <p:cSld>
     <p:spTree>
@@ -9352,26 +8882,22 @@
             <a:pPr lvl="1"/>
             <a:r>
               <a:rPr lang="en-US" dirty="0"/>
-              <a:t>Review interview guide</a:t>
+              <a:t>Review interview questions</a:t>
             </a:r>
           </a:p>
           <a:p>
             <a:pPr lvl="1"/>
             <a:r>
               <a:rPr lang="en-US" dirty="0"/>
-              <a:t>Conduct mock interview</a:t>
+              <a:t>Write transcripts and determine proficiency</a:t>
             </a:r>
           </a:p>
           <a:p>
             <a:pPr lvl="1"/>
             <a:r>
               <a:rPr lang="en-US" dirty="0"/>
-              <a:t>How to rate applicants</a:t>
-            </a:r>
-          </a:p>
-          <a:p>
-            <a:pPr lvl="1"/>
-            <a:endParaRPr lang="en-US" dirty="0"/>
+              <a:t>See a demo of a structured phone interview </a:t>
+            </a:r>
           </a:p>
         </p:txBody>
       </p:sp>
@@ -9607,7 +9133,7 @@
           <a:p>
             <a:r>
               <a:rPr lang="en-US" dirty="0"/>
-              <a:t>This is an examination. You are testing their knowledge of, and expertise in, the pre-defined competencies.</a:t>
+              <a:t>This is an examination. You are testing their knowledge of the pre-defined competencies.</a:t>
             </a:r>
           </a:p>
         </p:txBody>
@@ -9812,14 +9338,7 @@
           <a:p>
             <a:r>
               <a:rPr lang="en-US" dirty="0"/>
-              <a:t>OVERVIEW:</a:t>
-            </a:r>
-            <a:br>
-              <a:rPr lang="en-US" dirty="0"/>
-            </a:br>
-            <a:r>
-              <a:rPr lang="en-US" dirty="0"/>
-              <a:t>Briefly review the Interview Guide</a:t>
+              <a:t>Walk through the phone interview ratings template</a:t>
             </a:r>
           </a:p>
         </p:txBody>
@@ -9859,7 +9378,7 @@
           <p:cNvPr id="2" name="Title 1">
             <a:extLst>
               <a:ext uri="{FF2B5EF4-FFF2-40B4-BE49-F238E27FC236}">
-                <a16:creationId xmlns:a16="http://schemas.microsoft.com/office/drawing/2014/main" id="{A51D78B7-8582-3640-A7D1-3D4F1B885A1E}"/>
+                <a16:creationId xmlns:a16="http://schemas.microsoft.com/office/drawing/2014/main" id="{4D5CCF48-DC4B-DD49-88F7-241CFCA64AB0}"/>
               </a:ext>
             </a:extLst>
           </p:cNvPr>
@@ -9877,14 +9396,7 @@
           <a:p>
             <a:r>
               <a:rPr lang="en-US" dirty="0"/>
-              <a:t>ACTIVITY:</a:t>
-            </a:r>
-            <a:br>
-              <a:rPr lang="en-US" dirty="0"/>
-            </a:br>
-            <a:r>
-              <a:rPr lang="en-US" dirty="0"/>
-              <a:t>Group-based mock interview</a:t>
+              <a:t>The questions you ask have been defined in advance, but you can repeat and clarify questions if needed.</a:t>
             </a:r>
           </a:p>
         </p:txBody>
@@ -9892,7 +9404,7 @@
     </p:spTree>
     <p:extLst>
       <p:ext uri="{BB962C8B-B14F-4D97-AF65-F5344CB8AC3E}">
-        <p14:creationId xmlns:p14="http://schemas.microsoft.com/office/powerpoint/2010/main" val="2254419027"/>
+        <p14:creationId xmlns:p14="http://schemas.microsoft.com/office/powerpoint/2010/main" val="2642887974"/>
       </p:ext>
     </p:extLst>
   </p:cSld>
@@ -9965,41 +9477,18 @@
         </p:nvSpPr>
         <p:spPr/>
         <p:txBody>
-          <a:bodyPr>
-            <a:normAutofit/>
-          </a:bodyPr>
+          <a:bodyPr/>
           <a:lstStyle/>
           <a:p>
             <a:r>
               <a:rPr lang="en-US" dirty="0"/>
-              <a:t>Half the team read questions, the other half answers. Take turns</a:t>
+              <a:t>Read questions out loud as a team</a:t>
             </a:r>
           </a:p>
           <a:p>
             <a:r>
               <a:rPr lang="en-US" dirty="0"/>
-              <a:t>Get on the same page about:</a:t>
-            </a:r>
-          </a:p>
-          <a:p>
-            <a:pPr lvl="1"/>
-            <a:r>
-              <a:rPr lang="en-US" dirty="0"/>
-              <a:t>Questions and follow-ups</a:t>
-            </a:r>
-          </a:p>
-          <a:p>
-            <a:pPr lvl="1"/>
-            <a:r>
-              <a:rPr lang="en-US" dirty="0"/>
-              <a:t>Proficiency levels</a:t>
-            </a:r>
-          </a:p>
-          <a:p>
-            <a:pPr lvl="1"/>
-            <a:r>
-              <a:rPr lang="en-US" dirty="0"/>
-              <a:t>Sample responses</a:t>
+              <a:t>Clarify questions if needed</a:t>
             </a:r>
           </a:p>
         </p:txBody>

--- a/toolkit/phone-assessment-interviews/phone-interview-training-presentation.pptx
+++ b/toolkit/phone-assessment-interviews/phone-interview-training-presentation.pptx
@@ -5,65 +5,87 @@
     <p:sldMasterId id="2147483666" r:id="rId1"/>
   </p:sldMasterIdLst>
   <p:notesMasterIdLst>
-    <p:notesMasterId r:id="rId26"/>
+    <p:notesMasterId r:id="rId29"/>
   </p:notesMasterIdLst>
   <p:handoutMasterIdLst>
-    <p:handoutMasterId r:id="rId27"/>
+    <p:handoutMasterId r:id="rId30"/>
   </p:handoutMasterIdLst>
   <p:sldIdLst>
     <p:sldId id="256" r:id="rId2"/>
     <p:sldId id="344" r:id="rId3"/>
     <p:sldId id="257" r:id="rId4"/>
     <p:sldId id="261" r:id="rId5"/>
-    <p:sldId id="345" r:id="rId6"/>
-    <p:sldId id="298" r:id="rId7"/>
-    <p:sldId id="346" r:id="rId8"/>
-    <p:sldId id="347" r:id="rId9"/>
-    <p:sldId id="348" r:id="rId10"/>
-    <p:sldId id="349" r:id="rId11"/>
-    <p:sldId id="350" r:id="rId12"/>
-    <p:sldId id="351" r:id="rId13"/>
-    <p:sldId id="338" r:id="rId14"/>
-    <p:sldId id="352" r:id="rId15"/>
-    <p:sldId id="353" r:id="rId16"/>
-    <p:sldId id="354" r:id="rId17"/>
-    <p:sldId id="335" r:id="rId18"/>
-    <p:sldId id="355" r:id="rId19"/>
-    <p:sldId id="281" r:id="rId20"/>
-    <p:sldId id="331" r:id="rId21"/>
+    <p:sldId id="357" r:id="rId6"/>
+    <p:sldId id="345" r:id="rId7"/>
+    <p:sldId id="298" r:id="rId8"/>
+    <p:sldId id="346" r:id="rId9"/>
+    <p:sldId id="347" r:id="rId10"/>
+    <p:sldId id="348" r:id="rId11"/>
+    <p:sldId id="349" r:id="rId12"/>
+    <p:sldId id="350" r:id="rId13"/>
+    <p:sldId id="351" r:id="rId14"/>
+    <p:sldId id="338" r:id="rId15"/>
+    <p:sldId id="352" r:id="rId16"/>
+    <p:sldId id="353" r:id="rId17"/>
+    <p:sldId id="354" r:id="rId18"/>
+    <p:sldId id="335" r:id="rId19"/>
+    <p:sldId id="355" r:id="rId20"/>
+    <p:sldId id="281" r:id="rId21"/>
     <p:sldId id="333" r:id="rId22"/>
     <p:sldId id="356" r:id="rId23"/>
-    <p:sldId id="357" r:id="rId24"/>
-    <p:sldId id="291" r:id="rId25"/>
+    <p:sldId id="358" r:id="rId24"/>
+    <p:sldId id="359" r:id="rId25"/>
+    <p:sldId id="360" r:id="rId26"/>
+    <p:sldId id="331" r:id="rId27"/>
+    <p:sldId id="291" r:id="rId28"/>
   </p:sldIdLst>
   <p:sldSz cx="17340263" cy="9753600"/>
   <p:notesSz cx="6881813" cy="9296400"/>
   <p:embeddedFontLst>
     <p:embeddedFont>
-      <p:font typeface="Avenir" panose="02000503020000020003" pitchFamily="2" charset="0"/>
-      <p:regular r:id="rId28"/>
-      <p:italic r:id="rId29"/>
+      <p:font typeface="Merriweather" panose="00000500000000000000" pitchFamily="2" charset="0"/>
+      <p:regular r:id="rId31"/>
+      <p:bold r:id="rId32"/>
+      <p:italic r:id="rId33"/>
+      <p:boldItalic r:id="rId34"/>
     </p:embeddedFont>
     <p:embeddedFont>
-      <p:font typeface="Merriweather Sans" pitchFamily="2" charset="77"/>
-      <p:regular r:id="rId30"/>
-      <p:bold r:id="rId31"/>
-      <p:italic r:id="rId32"/>
-      <p:boldItalic r:id="rId33"/>
+      <p:font typeface="Source Sans Pro SemiBold" panose="020B0603030403020204" pitchFamily="34" charset="0"/>
+      <p:bold r:id="rId35"/>
+      <p:boldItalic r:id="rId36"/>
     </p:embeddedFont>
     <p:embeddedFont>
-      <p:font typeface="Rockwell" panose="02060603020205020403" pitchFamily="18" charset="77"/>
-      <p:regular r:id="rId34"/>
-      <p:bold r:id="rId35"/>
-      <p:italic r:id="rId36"/>
-      <p:boldItalic r:id="rId37"/>
+      <p:font typeface="Merriweather Sans"/>
+      <p:regular r:id="rId37"/>
+      <p:bold r:id="rId38"/>
+      <p:italic r:id="rId39"/>
+      <p:boldItalic r:id="rId40"/>
+    </p:embeddedFont>
+    <p:embeddedFont>
+      <p:font typeface="Avenir"/>
+      <p:regular r:id="rId41"/>
+      <p:italic r:id="rId42"/>
+    </p:embeddedFont>
+    <p:embeddedFont>
+      <p:font typeface="Cambria" panose="02040503050406030204" pitchFamily="18" charset="0"/>
+      <p:regular r:id="rId43"/>
+      <p:bold r:id="rId44"/>
+      <p:italic r:id="rId45"/>
+      <p:boldItalic r:id="rId46"/>
     </p:embeddedFont>
     <p:embeddedFont>
       <p:font typeface="Source Sans Pro" panose="020B0503030403020204" pitchFamily="34" charset="0"/>
-      <p:regular r:id="rId38"/>
-      <p:bold r:id="rId39"/>
-      <p:italic r:id="rId40"/>
-      <p:boldItalic r:id="rId41"/>
+      <p:regular r:id="rId47"/>
+      <p:bold r:id="rId48"/>
+      <p:italic r:id="rId49"/>
+      <p:boldItalic r:id="rId50"/>
+    </p:embeddedFont>
+    <p:embeddedFont>
+      <p:font typeface="Rockwell" panose="02060603020205020403" pitchFamily="18" charset="0"/>
+      <p:regular r:id="rId51"/>
+      <p:bold r:id="rId52"/>
+      <p:italic r:id="rId53"/>
+      <p:boldItalic r:id="rId54"/>
     </p:embeddedFont>
   </p:embeddedFontLst>
   <p:defaultTextStyle>
@@ -423,7 +445,7 @@
           <a:p>
             <a:fld id="{5F1244B9-655E-9143-8F11-143B7EBD7CDE}" type="datetimeFigureOut">
               <a:rPr lang="en-US" smtClean="0"/>
-              <a:t>9/6/19</a:t>
+              <a:t>4/22/2020</a:t>
             </a:fld>
             <a:endParaRPr lang="en-US"/>
           </a:p>
@@ -1311,19 +1333,12 @@
               <a:t>Can another SME make a determination? yes, because details are provided</a:t>
             </a:r>
           </a:p>
-          <a:p>
-            <a:pPr marL="571500" indent="-342900">
-              <a:buFontTx/>
-              <a:buChar char="-"/>
-            </a:pPr>
-            <a:endParaRPr lang="en-US" baseline="0" dirty="0"/>
-          </a:p>
         </p:txBody>
       </p:sp>
     </p:spTree>
     <p:extLst>
       <p:ext uri="{BB962C8B-B14F-4D97-AF65-F5344CB8AC3E}">
-        <p14:creationId xmlns:p14="http://schemas.microsoft.com/office/powerpoint/2010/main" val="2932580209"/>
+        <p14:creationId xmlns:p14="http://schemas.microsoft.com/office/powerpoint/2010/main" val="2191510207"/>
       </p:ext>
     </p:extLst>
   </p:cSld>
@@ -1379,6 +1394,134 @@
           <a:p>
             <a:r>
               <a:rPr lang="en-US" dirty="0"/>
+              <a:t>This is a good</a:t>
+            </a:r>
+            <a:r>
+              <a:rPr lang="en-US" baseline="0" dirty="0"/>
+              <a:t> example</a:t>
+            </a:r>
+            <a:r>
+              <a:rPr lang="en-US" dirty="0"/>
+              <a:t>.</a:t>
+            </a:r>
+            <a:r>
+              <a:rPr lang="en-US" baseline="0" dirty="0"/>
+              <a:t> Reasons:</a:t>
+            </a:r>
+          </a:p>
+          <a:p>
+            <a:pPr marL="571500" marR="0" indent="-342900" algn="l" defTabSz="914400" rtl="0" eaLnBrk="1" fontAlgn="auto" latinLnBrk="0" hangingPunct="1">
+              <a:lnSpc>
+                <a:spcPct val="100000"/>
+              </a:lnSpc>
+              <a:spcBef>
+                <a:spcPts val="0"/>
+              </a:spcBef>
+              <a:spcAft>
+                <a:spcPts val="0"/>
+              </a:spcAft>
+              <a:buClr>
+                <a:srgbClr val="000000"/>
+              </a:buClr>
+              <a:buSzPts val="1400"/>
+              <a:buFontTx/>
+              <a:buChar char="-"/>
+              <a:tabLst/>
+              <a:defRPr/>
+            </a:pPr>
+            <a:r>
+              <a:rPr lang="en-US" baseline="0" dirty="0"/>
+              <a:t>Transcription with details? Yes, this is a transcription</a:t>
+            </a:r>
+          </a:p>
+          <a:p>
+            <a:pPr marL="571500" indent="-342900">
+              <a:buFontTx/>
+              <a:buChar char="-"/>
+            </a:pPr>
+            <a:r>
+              <a:rPr lang="en-US" baseline="0" dirty="0"/>
+              <a:t>Analysis: yes. Short but separate</a:t>
+            </a:r>
+          </a:p>
+          <a:p>
+            <a:pPr marL="571500" indent="-342900">
+              <a:buFontTx/>
+              <a:buChar char="-"/>
+            </a:pPr>
+            <a:r>
+              <a:rPr lang="en-US" baseline="0" dirty="0"/>
+              <a:t>Can another SME make a determination? yes, because details are provided</a:t>
+            </a:r>
+          </a:p>
+          <a:p>
+            <a:pPr marL="571500" indent="-342900">
+              <a:buFontTx/>
+              <a:buChar char="-"/>
+            </a:pPr>
+            <a:endParaRPr lang="en-US" baseline="0" dirty="0"/>
+          </a:p>
+        </p:txBody>
+      </p:sp>
+    </p:spTree>
+    <p:extLst>
+      <p:ext uri="{BB962C8B-B14F-4D97-AF65-F5344CB8AC3E}">
+        <p14:creationId xmlns:p14="http://schemas.microsoft.com/office/powerpoint/2010/main" val="2932580209"/>
+      </p:ext>
+    </p:extLst>
+  </p:cSld>
+  <p:clrMapOvr>
+    <a:masterClrMapping/>
+  </p:clrMapOvr>
+</p:notes>
+</file>
+
+<file path=ppt/notesSlides/notesSlide12.xml><?xml version="1.0" encoding="utf-8"?>
+<p:notes xmlns:a="http://schemas.openxmlformats.org/drawingml/2006/main" xmlns:r="http://schemas.openxmlformats.org/officeDocument/2006/relationships" xmlns:p="http://schemas.openxmlformats.org/presentationml/2006/main">
+  <p:cSld>
+    <p:spTree>
+      <p:nvGrpSpPr>
+        <p:cNvPr id="1" name=""/>
+        <p:cNvGrpSpPr/>
+        <p:nvPr/>
+      </p:nvGrpSpPr>
+      <p:grpSpPr>
+        <a:xfrm>
+          <a:off x="0" y="0"/>
+          <a:ext cx="0" cy="0"/>
+          <a:chOff x="0" y="0"/>
+          <a:chExt cx="0" cy="0"/>
+        </a:xfrm>
+      </p:grpSpPr>
+      <p:sp>
+        <p:nvSpPr>
+          <p:cNvPr id="2" name="Slide Image Placeholder 1"/>
+          <p:cNvSpPr>
+            <a:spLocks noGrp="1" noRot="1" noChangeAspect="1"/>
+          </p:cNvSpPr>
+          <p:nvPr>
+            <p:ph type="sldImg"/>
+          </p:nvPr>
+        </p:nvSpPr>
+        <p:spPr/>
+      </p:sp>
+      <p:sp>
+        <p:nvSpPr>
+          <p:cNvPr id="3" name="Notes Placeholder 2"/>
+          <p:cNvSpPr>
+            <a:spLocks noGrp="1"/>
+          </p:cNvSpPr>
+          <p:nvPr>
+            <p:ph type="body" idx="1"/>
+          </p:nvPr>
+        </p:nvSpPr>
+        <p:spPr/>
+        <p:txBody>
+          <a:bodyPr/>
+          <a:lstStyle/>
+          <a:p>
+            <a:r>
+              <a:rPr lang="en-US" dirty="0"/>
               <a:t>Refer back to your interview transcript to determine proficiency level for each competency.</a:t>
             </a:r>
           </a:p>
@@ -1397,7 +1540,7 @@
 </p:notes>
 </file>
 
-<file path=ppt/notesSlides/notesSlide12.xml><?xml version="1.0" encoding="utf-8"?>
+<file path=ppt/notesSlides/notesSlide13.xml><?xml version="1.0" encoding="utf-8"?>
 <p:notes xmlns:a="http://schemas.openxmlformats.org/drawingml/2006/main" xmlns:r="http://schemas.openxmlformats.org/officeDocument/2006/relationships" xmlns:p="http://schemas.openxmlformats.org/presentationml/2006/main" showMasterSp="0" showMasterPhAnim="0">
   <p:cSld>
     <p:spTree>
@@ -1509,75 +1652,6 @@
     <p:extLst>
       <p:ext uri="{BB962C8B-B14F-4D97-AF65-F5344CB8AC3E}">
         <p14:creationId xmlns:p14="http://schemas.microsoft.com/office/powerpoint/2010/main" val="503579126"/>
-      </p:ext>
-    </p:extLst>
-  </p:cSld>
-  <p:clrMapOvr>
-    <a:masterClrMapping/>
-  </p:clrMapOvr>
-</p:notes>
-</file>
-
-<file path=ppt/notesSlides/notesSlide13.xml><?xml version="1.0" encoding="utf-8"?>
-<p:notes xmlns:a="http://schemas.openxmlformats.org/drawingml/2006/main" xmlns:r="http://schemas.openxmlformats.org/officeDocument/2006/relationships" xmlns:p="http://schemas.openxmlformats.org/presentationml/2006/main">
-  <p:cSld>
-    <p:spTree>
-      <p:nvGrpSpPr>
-        <p:cNvPr id="1" name=""/>
-        <p:cNvGrpSpPr/>
-        <p:nvPr/>
-      </p:nvGrpSpPr>
-      <p:grpSpPr>
-        <a:xfrm>
-          <a:off x="0" y="0"/>
-          <a:ext cx="0" cy="0"/>
-          <a:chOff x="0" y="0"/>
-          <a:chExt cx="0" cy="0"/>
-        </a:xfrm>
-      </p:grpSpPr>
-      <p:sp>
-        <p:nvSpPr>
-          <p:cNvPr id="2" name="Slide Image Placeholder 1"/>
-          <p:cNvSpPr>
-            <a:spLocks noGrp="1" noRot="1" noChangeAspect="1"/>
-          </p:cNvSpPr>
-          <p:nvPr>
-            <p:ph type="sldImg"/>
-          </p:nvPr>
-        </p:nvSpPr>
-        <p:spPr/>
-      </p:sp>
-      <p:sp>
-        <p:nvSpPr>
-          <p:cNvPr id="3" name="Notes Placeholder 2"/>
-          <p:cNvSpPr>
-            <a:spLocks noGrp="1"/>
-          </p:cNvSpPr>
-          <p:nvPr>
-            <p:ph type="body" idx="1"/>
-          </p:nvPr>
-        </p:nvSpPr>
-        <p:spPr/>
-        <p:txBody>
-          <a:bodyPr/>
-          <a:lstStyle/>
-          <a:p>
-            <a:r>
-              <a:rPr lang="en-US" dirty="0"/>
-              <a:t>TODO:</a:t>
-            </a:r>
-            <a:r>
-              <a:rPr lang="en-US" baseline="0" dirty="0"/>
-              <a:t> give a script to SMEs, or get a volunteer. </a:t>
-            </a:r>
-            <a:endParaRPr lang="en-US" dirty="0"/>
-          </a:p>
-        </p:txBody>
-      </p:sp>
-    </p:spTree>
-    <p:extLst>
-      <p:ext uri="{BB962C8B-B14F-4D97-AF65-F5344CB8AC3E}">
-        <p14:creationId xmlns:p14="http://schemas.microsoft.com/office/powerpoint/2010/main" val="1380038752"/>
       </p:ext>
     </p:extLst>
   </p:cSld>
@@ -1713,11 +1787,11 @@
 </file>
 
 <file path=ppt/notesSlides/notesSlide15.xml><?xml version="1.0" encoding="utf-8"?>
-<p:notes xmlns:a="http://schemas.openxmlformats.org/drawingml/2006/main" xmlns:r="http://schemas.openxmlformats.org/officeDocument/2006/relationships" xmlns:p="http://schemas.openxmlformats.org/presentationml/2006/main" showMasterSp="0" showMasterPhAnim="0">
+<p:notes xmlns:a="http://schemas.openxmlformats.org/drawingml/2006/main" xmlns:r="http://schemas.openxmlformats.org/officeDocument/2006/relationships" xmlns:p="http://schemas.openxmlformats.org/presentationml/2006/main">
   <p:cSld>
     <p:spTree>
       <p:nvGrpSpPr>
-        <p:cNvPr id="1" name="Shape 280"/>
+        <p:cNvPr id="1" name=""/>
         <p:cNvGrpSpPr/>
         <p:nvPr/>
       </p:nvGrpSpPr>
@@ -1731,138 +1805,53 @@
       </p:grpSpPr>
       <p:sp>
         <p:nvSpPr>
-          <p:cNvPr id="281" name="Google Shape;281;p30:notes"/>
-          <p:cNvSpPr txBox="1">
+          <p:cNvPr id="2" name="Slide Image Placeholder 1"/>
+          <p:cNvSpPr>
+            <a:spLocks noGrp="1" noRot="1" noChangeAspect="1"/>
+          </p:cNvSpPr>
+          <p:nvPr>
+            <p:ph type="sldImg"/>
+          </p:nvPr>
+        </p:nvSpPr>
+        <p:spPr/>
+      </p:sp>
+      <p:sp>
+        <p:nvSpPr>
+          <p:cNvPr id="3" name="Notes Placeholder 2"/>
+          <p:cNvSpPr>
             <a:spLocks noGrp="1"/>
           </p:cNvSpPr>
           <p:nvPr>
             <p:ph type="body" idx="1"/>
           </p:nvPr>
         </p:nvSpPr>
-        <p:spPr>
-          <a:xfrm>
-            <a:off x="917575" y="4415790"/>
-            <a:ext cx="5046663" cy="4183380"/>
-          </a:xfrm>
-          <a:prstGeom prst="rect">
-            <a:avLst/>
-          </a:prstGeom>
-          <a:noFill/>
-          <a:ln>
-            <a:noFill/>
-          </a:ln>
-        </p:spPr>
+        <p:spPr/>
         <p:txBody>
-          <a:bodyPr spcFirstLastPara="1" wrap="square" lIns="92425" tIns="46200" rIns="92425" bIns="46200" anchor="t" anchorCtr="0">
-            <a:noAutofit/>
-          </a:bodyPr>
+          <a:bodyPr/>
           <a:lstStyle/>
           <a:p>
-            <a:pPr marL="0" lvl="0" indent="0" algn="l" rtl="0">
-              <a:lnSpc>
-                <a:spcPct val="100000"/>
-              </a:lnSpc>
-              <a:spcBef>
-                <a:spcPts val="0"/>
-              </a:spcBef>
-              <a:spcAft>
-                <a:spcPts val="0"/>
-              </a:spcAft>
-              <a:buSzPts val="1400"/>
-              <a:buNone/>
-            </a:pPr>
-            <a:r>
-              <a:rPr lang="en-US" dirty="0"/>
-              <a:t>Replace variables on this slide with your details.</a:t>
-            </a:r>
-          </a:p>
-          <a:p>
-            <a:pPr marL="0" lvl="0" indent="0" algn="l" rtl="0">
-              <a:lnSpc>
-                <a:spcPct val="100000"/>
-              </a:lnSpc>
-              <a:spcBef>
-                <a:spcPts val="0"/>
-              </a:spcBef>
-              <a:spcAft>
-                <a:spcPts val="0"/>
-              </a:spcAft>
-              <a:buSzPts val="1400"/>
-              <a:buNone/>
-            </a:pPr>
+            <a:r>
+              <a:rPr lang="en-US" dirty="0" smtClean="0"/>
+              <a:t>Correct answer: B. Talk through the consequences</a:t>
+            </a:r>
+            <a:r>
+              <a:rPr lang="en-US" baseline="0" dirty="0" smtClean="0"/>
+              <a:t> of A- first of all, they may not pass the second interview, there may be veterans on top of them and the agency can’t reach them, and you can create the impression of being unfair and bias when applicants talk to each other raising flags for the inspector general. </a:t>
+            </a:r>
+          </a:p>
+          <a:p>
+            <a:r>
+              <a:rPr lang="en-US" baseline="0" dirty="0" smtClean="0"/>
+              <a:t> Do NOT tell them the results- you are just one part of the process and do not know what will happen.</a:t>
+            </a:r>
             <a:endParaRPr lang="en-US" dirty="0"/>
           </a:p>
-          <a:p>
-            <a:pPr marL="0" lvl="0" indent="0" algn="l" rtl="0">
-              <a:lnSpc>
-                <a:spcPct val="100000"/>
-              </a:lnSpc>
-              <a:spcBef>
-                <a:spcPts val="0"/>
-              </a:spcBef>
-              <a:spcAft>
-                <a:spcPts val="0"/>
-              </a:spcAft>
-              <a:buSzPts val="1400"/>
-              <a:buNone/>
-            </a:pPr>
-            <a:r>
-              <a:rPr lang="en-US" dirty="0"/>
-              <a:t>Details on this slide may change depending on request from HR. </a:t>
-            </a:r>
-            <a:endParaRPr dirty="0"/>
-          </a:p>
         </p:txBody>
-      </p:sp>
-      <p:sp>
-        <p:nvSpPr>
-          <p:cNvPr id="282" name="Google Shape;282;p30:notes"/>
-          <p:cNvSpPr>
-            <a:spLocks noGrp="1" noRot="1" noChangeAspect="1"/>
-          </p:cNvSpPr>
-          <p:nvPr>
-            <p:ph type="sldImg" idx="2"/>
-          </p:nvPr>
-        </p:nvSpPr>
-        <p:spPr>
-          <a:xfrm>
-            <a:off x="342900" y="696913"/>
-            <a:ext cx="6197600" cy="3486150"/>
-          </a:xfrm>
-          <a:custGeom>
-            <a:avLst/>
-            <a:gdLst/>
-            <a:ahLst/>
-            <a:cxnLst/>
-            <a:rect l="l" t="t" r="r" b="b"/>
-            <a:pathLst>
-              <a:path w="120000" h="120000" extrusionOk="0">
-                <a:moveTo>
-                  <a:pt x="0" y="0"/>
-                </a:moveTo>
-                <a:lnTo>
-                  <a:pt x="120000" y="0"/>
-                </a:lnTo>
-                <a:lnTo>
-                  <a:pt x="120000" y="120000"/>
-                </a:lnTo>
-                <a:lnTo>
-                  <a:pt x="0" y="120000"/>
-                </a:lnTo>
-                <a:close/>
-              </a:path>
-            </a:pathLst>
-          </a:custGeom>
-          <a:noFill/>
-          <a:ln>
-            <a:noFill/>
-          </a:ln>
-        </p:spPr>
       </p:sp>
     </p:spTree>
     <p:extLst>
       <p:ext uri="{BB962C8B-B14F-4D97-AF65-F5344CB8AC3E}">
-        <p14:creationId xmlns:p14="http://schemas.microsoft.com/office/powerpoint/2010/main" val="204323886"/>
+        <p14:creationId xmlns:p14="http://schemas.microsoft.com/office/powerpoint/2010/main" val="3381123028"/>
       </p:ext>
     </p:extLst>
   </p:cSld>
@@ -1873,6 +1862,213 @@
 </file>
 
 <file path=ppt/notesSlides/notesSlide16.xml><?xml version="1.0" encoding="utf-8"?>
+<p:notes xmlns:a="http://schemas.openxmlformats.org/drawingml/2006/main" xmlns:r="http://schemas.openxmlformats.org/officeDocument/2006/relationships" xmlns:p="http://schemas.openxmlformats.org/presentationml/2006/main">
+  <p:cSld>
+    <p:spTree>
+      <p:nvGrpSpPr>
+        <p:cNvPr id="1" name=""/>
+        <p:cNvGrpSpPr/>
+        <p:nvPr/>
+      </p:nvGrpSpPr>
+      <p:grpSpPr>
+        <a:xfrm>
+          <a:off x="0" y="0"/>
+          <a:ext cx="0" cy="0"/>
+          <a:chOff x="0" y="0"/>
+          <a:chExt cx="0" cy="0"/>
+        </a:xfrm>
+      </p:grpSpPr>
+      <p:sp>
+        <p:nvSpPr>
+          <p:cNvPr id="2" name="Slide Image Placeholder 1"/>
+          <p:cNvSpPr>
+            <a:spLocks noGrp="1" noRot="1" noChangeAspect="1"/>
+          </p:cNvSpPr>
+          <p:nvPr>
+            <p:ph type="sldImg"/>
+          </p:nvPr>
+        </p:nvSpPr>
+        <p:spPr/>
+      </p:sp>
+      <p:sp>
+        <p:nvSpPr>
+          <p:cNvPr id="3" name="Notes Placeholder 2"/>
+          <p:cNvSpPr>
+            <a:spLocks noGrp="1"/>
+          </p:cNvSpPr>
+          <p:nvPr>
+            <p:ph type="body" idx="1"/>
+          </p:nvPr>
+        </p:nvSpPr>
+        <p:spPr/>
+        <p:txBody>
+          <a:bodyPr/>
+          <a:lstStyle/>
+          <a:p>
+            <a:r>
+              <a:rPr lang="en-US" dirty="0" smtClean="0"/>
+              <a:t>Correct</a:t>
+            </a:r>
+            <a:r>
+              <a:rPr lang="en-US" baseline="0" dirty="0" smtClean="0"/>
+              <a:t> answer if C. This is a structured interview and though you can explain what you do for a few minutes at the beginning, ask them to hold questions for HR and/or the fit interview at the end.</a:t>
+            </a:r>
+            <a:endParaRPr lang="en-US" dirty="0"/>
+          </a:p>
+        </p:txBody>
+      </p:sp>
+    </p:spTree>
+    <p:extLst>
+      <p:ext uri="{BB962C8B-B14F-4D97-AF65-F5344CB8AC3E}">
+        <p14:creationId xmlns:p14="http://schemas.microsoft.com/office/powerpoint/2010/main" val="1491875684"/>
+      </p:ext>
+    </p:extLst>
+  </p:cSld>
+  <p:clrMapOvr>
+    <a:masterClrMapping/>
+  </p:clrMapOvr>
+</p:notes>
+</file>
+
+<file path=ppt/notesSlides/notesSlide17.xml><?xml version="1.0" encoding="utf-8"?>
+<p:notes xmlns:a="http://schemas.openxmlformats.org/drawingml/2006/main" xmlns:r="http://schemas.openxmlformats.org/officeDocument/2006/relationships" xmlns:p="http://schemas.openxmlformats.org/presentationml/2006/main">
+  <p:cSld>
+    <p:spTree>
+      <p:nvGrpSpPr>
+        <p:cNvPr id="1" name=""/>
+        <p:cNvGrpSpPr/>
+        <p:nvPr/>
+      </p:nvGrpSpPr>
+      <p:grpSpPr>
+        <a:xfrm>
+          <a:off x="0" y="0"/>
+          <a:ext cx="0" cy="0"/>
+          <a:chOff x="0" y="0"/>
+          <a:chExt cx="0" cy="0"/>
+        </a:xfrm>
+      </p:grpSpPr>
+      <p:sp>
+        <p:nvSpPr>
+          <p:cNvPr id="2" name="Slide Image Placeholder 1"/>
+          <p:cNvSpPr>
+            <a:spLocks noGrp="1" noRot="1" noChangeAspect="1"/>
+          </p:cNvSpPr>
+          <p:nvPr>
+            <p:ph type="sldImg"/>
+          </p:nvPr>
+        </p:nvSpPr>
+        <p:spPr/>
+      </p:sp>
+      <p:sp>
+        <p:nvSpPr>
+          <p:cNvPr id="3" name="Notes Placeholder 2"/>
+          <p:cNvSpPr>
+            <a:spLocks noGrp="1"/>
+          </p:cNvSpPr>
+          <p:nvPr>
+            <p:ph type="body" idx="1"/>
+          </p:nvPr>
+        </p:nvSpPr>
+        <p:spPr/>
+        <p:txBody>
+          <a:bodyPr/>
+          <a:lstStyle/>
+          <a:p>
+            <a:r>
+              <a:rPr lang="en-US" dirty="0" smtClean="0"/>
+              <a:t>Correct answer:</a:t>
+            </a:r>
+            <a:r>
+              <a:rPr lang="en-US" baseline="0" dirty="0" smtClean="0"/>
+              <a:t> C- they can still qualify if you can assess the final competency with the information from the other questions- you still have an hour’s worth of information. You cannot give different amounts of time to each applicant. That would invalidate all the test results. </a:t>
+            </a:r>
+            <a:endParaRPr lang="en-US" dirty="0"/>
+          </a:p>
+        </p:txBody>
+      </p:sp>
+    </p:spTree>
+    <p:extLst>
+      <p:ext uri="{BB962C8B-B14F-4D97-AF65-F5344CB8AC3E}">
+        <p14:creationId xmlns:p14="http://schemas.microsoft.com/office/powerpoint/2010/main" val="2611682559"/>
+      </p:ext>
+    </p:extLst>
+  </p:cSld>
+  <p:clrMapOvr>
+    <a:masterClrMapping/>
+  </p:clrMapOvr>
+</p:notes>
+</file>
+
+<file path=ppt/notesSlides/notesSlide18.xml><?xml version="1.0" encoding="utf-8"?>
+<p:notes xmlns:a="http://schemas.openxmlformats.org/drawingml/2006/main" xmlns:r="http://schemas.openxmlformats.org/officeDocument/2006/relationships" xmlns:p="http://schemas.openxmlformats.org/presentationml/2006/main">
+  <p:cSld>
+    <p:spTree>
+      <p:nvGrpSpPr>
+        <p:cNvPr id="1" name=""/>
+        <p:cNvGrpSpPr/>
+        <p:nvPr/>
+      </p:nvGrpSpPr>
+      <p:grpSpPr>
+        <a:xfrm>
+          <a:off x="0" y="0"/>
+          <a:ext cx="0" cy="0"/>
+          <a:chOff x="0" y="0"/>
+          <a:chExt cx="0" cy="0"/>
+        </a:xfrm>
+      </p:grpSpPr>
+      <p:sp>
+        <p:nvSpPr>
+          <p:cNvPr id="2" name="Slide Image Placeholder 1"/>
+          <p:cNvSpPr>
+            <a:spLocks noGrp="1" noRot="1" noChangeAspect="1"/>
+          </p:cNvSpPr>
+          <p:nvPr>
+            <p:ph type="sldImg"/>
+          </p:nvPr>
+        </p:nvSpPr>
+        <p:spPr/>
+      </p:sp>
+      <p:sp>
+        <p:nvSpPr>
+          <p:cNvPr id="3" name="Notes Placeholder 2"/>
+          <p:cNvSpPr>
+            <a:spLocks noGrp="1"/>
+          </p:cNvSpPr>
+          <p:nvPr>
+            <p:ph type="body" idx="1"/>
+          </p:nvPr>
+        </p:nvSpPr>
+        <p:spPr/>
+        <p:txBody>
+          <a:bodyPr/>
+          <a:lstStyle/>
+          <a:p>
+            <a:r>
+              <a:rPr lang="en-US" dirty="0"/>
+              <a:t>TODO:</a:t>
+            </a:r>
+            <a:r>
+              <a:rPr lang="en-US" baseline="0" dirty="0"/>
+              <a:t> give a script to SMEs, or get a volunteer. </a:t>
+            </a:r>
+            <a:endParaRPr lang="en-US" dirty="0"/>
+          </a:p>
+        </p:txBody>
+      </p:sp>
+    </p:spTree>
+    <p:extLst>
+      <p:ext uri="{BB962C8B-B14F-4D97-AF65-F5344CB8AC3E}">
+        <p14:creationId xmlns:p14="http://schemas.microsoft.com/office/powerpoint/2010/main" val="1380038752"/>
+      </p:ext>
+    </p:extLst>
+  </p:cSld>
+  <p:clrMapOvr>
+    <a:masterClrMapping/>
+  </p:clrMapOvr>
+</p:notes>
+</file>
+
+<file path=ppt/notesSlides/notesSlide19.xml><?xml version="1.0" encoding="utf-8"?>
 <p:notes xmlns:a="http://schemas.openxmlformats.org/drawingml/2006/main" xmlns:r="http://schemas.openxmlformats.org/officeDocument/2006/relationships" xmlns:p="http://schemas.openxmlformats.org/presentationml/2006/main" showMasterSp="0" showMasterPhAnim="0">
   <p:cSld>
     <p:spTree>
@@ -2412,6 +2608,166 @@
 </file>
 
 <file path=ppt/notesSlides/notesSlide4.xml><?xml version="1.0" encoding="utf-8"?>
+<p:notes xmlns:a="http://schemas.openxmlformats.org/drawingml/2006/main" xmlns:r="http://schemas.openxmlformats.org/officeDocument/2006/relationships" xmlns:p="http://schemas.openxmlformats.org/presentationml/2006/main" showMasterSp="0" showMasterPhAnim="0">
+  <p:cSld>
+    <p:spTree>
+      <p:nvGrpSpPr>
+        <p:cNvPr id="1" name="Shape 280"/>
+        <p:cNvGrpSpPr/>
+        <p:nvPr/>
+      </p:nvGrpSpPr>
+      <p:grpSpPr>
+        <a:xfrm>
+          <a:off x="0" y="0"/>
+          <a:ext cx="0" cy="0"/>
+          <a:chOff x="0" y="0"/>
+          <a:chExt cx="0" cy="0"/>
+        </a:xfrm>
+      </p:grpSpPr>
+      <p:sp>
+        <p:nvSpPr>
+          <p:cNvPr id="281" name="Google Shape;281;p30:notes"/>
+          <p:cNvSpPr txBox="1">
+            <a:spLocks noGrp="1"/>
+          </p:cNvSpPr>
+          <p:nvPr>
+            <p:ph type="body" idx="1"/>
+          </p:nvPr>
+        </p:nvSpPr>
+        <p:spPr>
+          <a:xfrm>
+            <a:off x="917575" y="4415790"/>
+            <a:ext cx="5046663" cy="4183380"/>
+          </a:xfrm>
+          <a:prstGeom prst="rect">
+            <a:avLst/>
+          </a:prstGeom>
+          <a:noFill/>
+          <a:ln>
+            <a:noFill/>
+          </a:ln>
+        </p:spPr>
+        <p:txBody>
+          <a:bodyPr spcFirstLastPara="1" wrap="square" lIns="92425" tIns="46200" rIns="92425" bIns="46200" anchor="t" anchorCtr="0">
+            <a:noAutofit/>
+          </a:bodyPr>
+          <a:lstStyle/>
+          <a:p>
+            <a:pPr marL="0" lvl="0" indent="0" algn="l" rtl="0">
+              <a:lnSpc>
+                <a:spcPct val="100000"/>
+              </a:lnSpc>
+              <a:spcBef>
+                <a:spcPts val="0"/>
+              </a:spcBef>
+              <a:spcAft>
+                <a:spcPts val="0"/>
+              </a:spcAft>
+              <a:buSzPts val="1400"/>
+              <a:buNone/>
+            </a:pPr>
+            <a:r>
+              <a:rPr lang="en-US" dirty="0"/>
+              <a:t>Replace variables on this slide with your details.</a:t>
+            </a:r>
+          </a:p>
+          <a:p>
+            <a:pPr marL="0" lvl="0" indent="0" algn="l" rtl="0">
+              <a:lnSpc>
+                <a:spcPct val="100000"/>
+              </a:lnSpc>
+              <a:spcBef>
+                <a:spcPts val="0"/>
+              </a:spcBef>
+              <a:spcAft>
+                <a:spcPts val="0"/>
+              </a:spcAft>
+              <a:buSzPts val="1400"/>
+              <a:buNone/>
+            </a:pPr>
+            <a:endParaRPr lang="en-US" dirty="0"/>
+          </a:p>
+          <a:p>
+            <a:pPr marL="0" lvl="0" indent="0" algn="l" rtl="0">
+              <a:lnSpc>
+                <a:spcPct val="100000"/>
+              </a:lnSpc>
+              <a:spcBef>
+                <a:spcPts val="0"/>
+              </a:spcBef>
+              <a:spcAft>
+                <a:spcPts val="0"/>
+              </a:spcAft>
+              <a:buSzPts val="1400"/>
+              <a:buNone/>
+            </a:pPr>
+            <a:r>
+              <a:rPr lang="en-US" dirty="0"/>
+              <a:t>Details on this slide may change depending on request from HR. </a:t>
+            </a:r>
+            <a:endParaRPr dirty="0"/>
+          </a:p>
+        </p:txBody>
+      </p:sp>
+      <p:sp>
+        <p:nvSpPr>
+          <p:cNvPr id="282" name="Google Shape;282;p30:notes"/>
+          <p:cNvSpPr>
+            <a:spLocks noGrp="1" noRot="1" noChangeAspect="1"/>
+          </p:cNvSpPr>
+          <p:nvPr>
+            <p:ph type="sldImg" idx="2"/>
+          </p:nvPr>
+        </p:nvSpPr>
+        <p:spPr>
+          <a:xfrm>
+            <a:off x="342900" y="696913"/>
+            <a:ext cx="6197600" cy="3486150"/>
+          </a:xfrm>
+          <a:custGeom>
+            <a:avLst/>
+            <a:gdLst/>
+            <a:ahLst/>
+            <a:cxnLst/>
+            <a:rect l="l" t="t" r="r" b="b"/>
+            <a:pathLst>
+              <a:path w="120000" h="120000" extrusionOk="0">
+                <a:moveTo>
+                  <a:pt x="0" y="0"/>
+                </a:moveTo>
+                <a:lnTo>
+                  <a:pt x="120000" y="0"/>
+                </a:lnTo>
+                <a:lnTo>
+                  <a:pt x="120000" y="120000"/>
+                </a:lnTo>
+                <a:lnTo>
+                  <a:pt x="0" y="120000"/>
+                </a:lnTo>
+                <a:close/>
+              </a:path>
+            </a:pathLst>
+          </a:custGeom>
+          <a:noFill/>
+          <a:ln>
+            <a:noFill/>
+          </a:ln>
+        </p:spPr>
+      </p:sp>
+    </p:spTree>
+    <p:extLst>
+      <p:ext uri="{BB962C8B-B14F-4D97-AF65-F5344CB8AC3E}">
+        <p14:creationId xmlns:p14="http://schemas.microsoft.com/office/powerpoint/2010/main" val="204323886"/>
+      </p:ext>
+    </p:extLst>
+  </p:cSld>
+  <p:clrMapOvr>
+    <a:masterClrMapping/>
+  </p:clrMapOvr>
+</p:notes>
+</file>
+
+<file path=ppt/notesSlides/notesSlide5.xml><?xml version="1.0" encoding="utf-8"?>
 <p:notes xmlns:a="http://schemas.openxmlformats.org/drawingml/2006/main" xmlns:r="http://schemas.openxmlformats.org/officeDocument/2006/relationships" xmlns:p="http://schemas.openxmlformats.org/presentationml/2006/main">
   <p:cSld>
     <p:spTree>
@@ -2485,7 +2841,7 @@
             <a:fld id="{861E858E-FC7F-4A5E-A224-2E688F070283}" type="slidenum">
               <a:rPr lang="en-US" smtClean="0"/>
               <a:pPr/>
-              <a:t>6</a:t>
+              <a:t>7</a:t>
             </a:fld>
             <a:endParaRPr lang="en-US"/>
           </a:p>
@@ -2495,70 +2851,6 @@
     <p:extLst>
       <p:ext uri="{BB962C8B-B14F-4D97-AF65-F5344CB8AC3E}">
         <p14:creationId xmlns:p14="http://schemas.microsoft.com/office/powerpoint/2010/main" val="2278644454"/>
-      </p:ext>
-    </p:extLst>
-  </p:cSld>
-  <p:clrMapOvr>
-    <a:masterClrMapping/>
-  </p:clrMapOvr>
-</p:notes>
-</file>
-
-<file path=ppt/notesSlides/notesSlide5.xml><?xml version="1.0" encoding="utf-8"?>
-<p:notes xmlns:a="http://schemas.openxmlformats.org/drawingml/2006/main" xmlns:r="http://schemas.openxmlformats.org/officeDocument/2006/relationships" xmlns:p="http://schemas.openxmlformats.org/presentationml/2006/main">
-  <p:cSld>
-    <p:spTree>
-      <p:nvGrpSpPr>
-        <p:cNvPr id="1" name=""/>
-        <p:cNvGrpSpPr/>
-        <p:nvPr/>
-      </p:nvGrpSpPr>
-      <p:grpSpPr>
-        <a:xfrm>
-          <a:off x="0" y="0"/>
-          <a:ext cx="0" cy="0"/>
-          <a:chOff x="0" y="0"/>
-          <a:chExt cx="0" cy="0"/>
-        </a:xfrm>
-      </p:grpSpPr>
-      <p:sp>
-        <p:nvSpPr>
-          <p:cNvPr id="2" name="Slide Image Placeholder 1"/>
-          <p:cNvSpPr>
-            <a:spLocks noGrp="1" noRot="1" noChangeAspect="1"/>
-          </p:cNvSpPr>
-          <p:nvPr>
-            <p:ph type="sldImg"/>
-          </p:nvPr>
-        </p:nvSpPr>
-        <p:spPr/>
-      </p:sp>
-      <p:sp>
-        <p:nvSpPr>
-          <p:cNvPr id="3" name="Notes Placeholder 2"/>
-          <p:cNvSpPr>
-            <a:spLocks noGrp="1"/>
-          </p:cNvSpPr>
-          <p:nvPr>
-            <p:ph type="body" idx="1"/>
-          </p:nvPr>
-        </p:nvSpPr>
-        <p:spPr/>
-        <p:txBody>
-          <a:bodyPr/>
-          <a:lstStyle/>
-          <a:p>
-            <a:r>
-              <a:rPr lang="en-US" dirty="0"/>
-              <a:t>This should take about an hour to review the template in-depth. </a:t>
-            </a:r>
-          </a:p>
-        </p:txBody>
-      </p:sp>
-    </p:spTree>
-    <p:extLst>
-      <p:ext uri="{BB962C8B-B14F-4D97-AF65-F5344CB8AC3E}">
-        <p14:creationId xmlns:p14="http://schemas.microsoft.com/office/powerpoint/2010/main" val="3457735509"/>
       </p:ext>
     </p:extLst>
   </p:cSld>
@@ -2614,6 +2906,70 @@
           <a:p>
             <a:r>
               <a:rPr lang="en-US" dirty="0"/>
+              <a:t>This should take about an hour to review the template in-depth. </a:t>
+            </a:r>
+          </a:p>
+        </p:txBody>
+      </p:sp>
+    </p:spTree>
+    <p:extLst>
+      <p:ext uri="{BB962C8B-B14F-4D97-AF65-F5344CB8AC3E}">
+        <p14:creationId xmlns:p14="http://schemas.microsoft.com/office/powerpoint/2010/main" val="3457735509"/>
+      </p:ext>
+    </p:extLst>
+  </p:cSld>
+  <p:clrMapOvr>
+    <a:masterClrMapping/>
+  </p:clrMapOvr>
+</p:notes>
+</file>
+
+<file path=ppt/notesSlides/notesSlide7.xml><?xml version="1.0" encoding="utf-8"?>
+<p:notes xmlns:a="http://schemas.openxmlformats.org/drawingml/2006/main" xmlns:r="http://schemas.openxmlformats.org/officeDocument/2006/relationships" xmlns:p="http://schemas.openxmlformats.org/presentationml/2006/main">
+  <p:cSld>
+    <p:spTree>
+      <p:nvGrpSpPr>
+        <p:cNvPr id="1" name=""/>
+        <p:cNvGrpSpPr/>
+        <p:nvPr/>
+      </p:nvGrpSpPr>
+      <p:grpSpPr>
+        <a:xfrm>
+          <a:off x="0" y="0"/>
+          <a:ext cx="0" cy="0"/>
+          <a:chOff x="0" y="0"/>
+          <a:chExt cx="0" cy="0"/>
+        </a:xfrm>
+      </p:grpSpPr>
+      <p:sp>
+        <p:nvSpPr>
+          <p:cNvPr id="2" name="Slide Image Placeholder 1"/>
+          <p:cNvSpPr>
+            <a:spLocks noGrp="1" noRot="1" noChangeAspect="1"/>
+          </p:cNvSpPr>
+          <p:nvPr>
+            <p:ph type="sldImg"/>
+          </p:nvPr>
+        </p:nvSpPr>
+        <p:spPr/>
+      </p:sp>
+      <p:sp>
+        <p:nvSpPr>
+          <p:cNvPr id="3" name="Notes Placeholder 2"/>
+          <p:cNvSpPr>
+            <a:spLocks noGrp="1"/>
+          </p:cNvSpPr>
+          <p:nvPr>
+            <p:ph type="body" idx="1"/>
+          </p:nvPr>
+        </p:nvSpPr>
+        <p:spPr/>
+        <p:txBody>
+          <a:bodyPr/>
+          <a:lstStyle/>
+          <a:p>
+            <a:r>
+              <a:rPr lang="en-US" dirty="0"/>
               <a:t>Reference the competency/target</a:t>
             </a:r>
             <a:r>
@@ -2646,7 +3002,7 @@
 </p:notes>
 </file>
 
-<file path=ppt/notesSlides/notesSlide7.xml><?xml version="1.0" encoding="utf-8"?>
+<file path=ppt/notesSlides/notesSlide8.xml><?xml version="1.0" encoding="utf-8"?>
 <p:notes xmlns:a="http://schemas.openxmlformats.org/drawingml/2006/main" xmlns:r="http://schemas.openxmlformats.org/officeDocument/2006/relationships" xmlns:p="http://schemas.openxmlformats.org/presentationml/2006/main" showMasterSp="0" showMasterPhAnim="0">
   <p:cSld>
     <p:spTree>
@@ -2767,218 +3123,6 @@
 </p:notes>
 </file>
 
-<file path=ppt/notesSlides/notesSlide8.xml><?xml version="1.0" encoding="utf-8"?>
-<p:notes xmlns:a="http://schemas.openxmlformats.org/drawingml/2006/main" xmlns:r="http://schemas.openxmlformats.org/officeDocument/2006/relationships" xmlns:p="http://schemas.openxmlformats.org/presentationml/2006/main">
-  <p:cSld>
-    <p:spTree>
-      <p:nvGrpSpPr>
-        <p:cNvPr id="1" name=""/>
-        <p:cNvGrpSpPr/>
-        <p:nvPr/>
-      </p:nvGrpSpPr>
-      <p:grpSpPr>
-        <a:xfrm>
-          <a:off x="0" y="0"/>
-          <a:ext cx="0" cy="0"/>
-          <a:chOff x="0" y="0"/>
-          <a:chExt cx="0" cy="0"/>
-        </a:xfrm>
-      </p:grpSpPr>
-      <p:sp>
-        <p:nvSpPr>
-          <p:cNvPr id="2" name="Slide Image Placeholder 1"/>
-          <p:cNvSpPr>
-            <a:spLocks noGrp="1" noRot="1" noChangeAspect="1"/>
-          </p:cNvSpPr>
-          <p:nvPr>
-            <p:ph type="sldImg"/>
-          </p:nvPr>
-        </p:nvSpPr>
-        <p:spPr/>
-      </p:sp>
-      <p:sp>
-        <p:nvSpPr>
-          <p:cNvPr id="3" name="Notes Placeholder 2"/>
-          <p:cNvSpPr>
-            <a:spLocks noGrp="1"/>
-          </p:cNvSpPr>
-          <p:nvPr>
-            <p:ph type="body" idx="1"/>
-          </p:nvPr>
-        </p:nvSpPr>
-        <p:spPr/>
-        <p:txBody>
-          <a:bodyPr/>
-          <a:lstStyle/>
-          <a:p>
-            <a:pPr marL="457200" marR="0" indent="-228600" algn="l" defTabSz="914400" rtl="0" eaLnBrk="1" fontAlgn="auto" latinLnBrk="0" hangingPunct="1">
-              <a:lnSpc>
-                <a:spcPct val="100000"/>
-              </a:lnSpc>
-              <a:spcBef>
-                <a:spcPts val="0"/>
-              </a:spcBef>
-              <a:spcAft>
-                <a:spcPts val="0"/>
-              </a:spcAft>
-              <a:buClr>
-                <a:srgbClr val="000000"/>
-              </a:buClr>
-              <a:buSzPts val="1400"/>
-              <a:buFont typeface="Arial"/>
-              <a:buNone/>
-              <a:tabLst/>
-              <a:defRPr/>
-            </a:pPr>
-            <a:r>
-              <a:rPr lang="en-US" sz="2200" b="0" i="0" u="none" strike="noStrike" cap="none" baseline="0" dirty="0">
-                <a:solidFill>
-                  <a:srgbClr val="000000"/>
-                </a:solidFill>
-                <a:effectLst/>
-                <a:latin typeface="Merriweather Sans"/>
-                <a:ea typeface="Merriweather Sans"/>
-                <a:cs typeface="Merriweather Sans"/>
-                <a:sym typeface="Merriweather Sans"/>
-              </a:rPr>
-              <a:t>This is not a good example. Reasons:</a:t>
-            </a:r>
-          </a:p>
-          <a:p>
-            <a:pPr marL="457200" marR="0" indent="-228600" algn="l" defTabSz="914400" rtl="0" eaLnBrk="1" fontAlgn="auto" latinLnBrk="0" hangingPunct="1">
-              <a:lnSpc>
-                <a:spcPct val="100000"/>
-              </a:lnSpc>
-              <a:spcBef>
-                <a:spcPts val="0"/>
-              </a:spcBef>
-              <a:spcAft>
-                <a:spcPts val="0"/>
-              </a:spcAft>
-              <a:buClr>
-                <a:srgbClr val="000000"/>
-              </a:buClr>
-              <a:buSzPts val="1400"/>
-              <a:buFont typeface="Arial"/>
-              <a:buNone/>
-              <a:tabLst/>
-              <a:defRPr/>
-            </a:pPr>
-            <a:r>
-              <a:rPr lang="en-US" sz="2200" b="0" i="0" u="none" strike="noStrike" cap="none" baseline="0" dirty="0">
-                <a:solidFill>
-                  <a:srgbClr val="000000"/>
-                </a:solidFill>
-                <a:effectLst/>
-                <a:latin typeface="Merriweather Sans"/>
-                <a:ea typeface="Merriweather Sans"/>
-                <a:cs typeface="Merriweather Sans"/>
-                <a:sym typeface="Merriweather Sans"/>
-              </a:rPr>
-              <a:t>- Transcription with details? no -- the notes are high-level and overly summarized.</a:t>
-            </a:r>
-          </a:p>
-          <a:p>
-            <a:pPr marL="457200" marR="0" indent="-228600" algn="l" defTabSz="914400" rtl="0" eaLnBrk="1" fontAlgn="auto" latinLnBrk="0" hangingPunct="1">
-              <a:lnSpc>
-                <a:spcPct val="100000"/>
-              </a:lnSpc>
-              <a:spcBef>
-                <a:spcPts val="0"/>
-              </a:spcBef>
-              <a:spcAft>
-                <a:spcPts val="0"/>
-              </a:spcAft>
-              <a:buClr>
-                <a:srgbClr val="000000"/>
-              </a:buClr>
-              <a:buSzPts val="1400"/>
-              <a:buFont typeface="Arial"/>
-              <a:buNone/>
-              <a:tabLst/>
-              <a:defRPr/>
-            </a:pPr>
-            <a:r>
-              <a:rPr lang="en-US" sz="2200" b="0" i="0" u="none" strike="noStrike" cap="none" baseline="0" dirty="0">
-                <a:solidFill>
-                  <a:srgbClr val="000000"/>
-                </a:solidFill>
-                <a:effectLst/>
-                <a:latin typeface="Merriweather Sans"/>
-                <a:ea typeface="Merriweather Sans"/>
-                <a:cs typeface="Merriweather Sans"/>
-                <a:sym typeface="Merriweather Sans"/>
-              </a:rPr>
-              <a:t>- Analysis at the end? yes</a:t>
-            </a:r>
-          </a:p>
-          <a:p>
-            <a:pPr marL="457200" marR="0" indent="-228600" algn="l" defTabSz="914400" rtl="0" eaLnBrk="1" fontAlgn="auto" latinLnBrk="0" hangingPunct="1">
-              <a:lnSpc>
-                <a:spcPct val="100000"/>
-              </a:lnSpc>
-              <a:spcBef>
-                <a:spcPts val="0"/>
-              </a:spcBef>
-              <a:spcAft>
-                <a:spcPts val="0"/>
-              </a:spcAft>
-              <a:buClr>
-                <a:srgbClr val="000000"/>
-              </a:buClr>
-              <a:buSzPts val="1400"/>
-              <a:buFont typeface="Arial"/>
-              <a:buNone/>
-              <a:tabLst/>
-              <a:defRPr/>
-            </a:pPr>
-            <a:r>
-              <a:rPr lang="en-US" sz="2200" b="0" i="0" u="none" strike="noStrike" cap="none" baseline="0" dirty="0">
-                <a:solidFill>
-                  <a:srgbClr val="000000"/>
-                </a:solidFill>
-                <a:effectLst/>
-                <a:latin typeface="Merriweather Sans"/>
-                <a:ea typeface="Merriweather Sans"/>
-                <a:cs typeface="Merriweather Sans"/>
-                <a:sym typeface="Merriweather Sans"/>
-              </a:rPr>
-              <a:t>- </a:t>
-            </a:r>
-            <a:r>
-              <a:rPr lang="en-US" baseline="0" dirty="0"/>
-              <a:t>Can another SME make a determination?</a:t>
-            </a:r>
-            <a:r>
-              <a:rPr lang="en-US" sz="2200" b="0" i="0" u="none" strike="noStrike" cap="none" baseline="0" dirty="0">
-                <a:solidFill>
-                  <a:srgbClr val="000000"/>
-                </a:solidFill>
-                <a:effectLst/>
-                <a:latin typeface="Merriweather Sans"/>
-                <a:ea typeface="Merriweather Sans"/>
-                <a:cs typeface="Merriweather Sans"/>
-                <a:sym typeface="Merriweather Sans"/>
-              </a:rPr>
-              <a:t> no, not without details</a:t>
-            </a:r>
-            <a:endParaRPr lang="en-US" dirty="0"/>
-          </a:p>
-        </p:txBody>
-      </p:sp>
-    </p:spTree>
-    <p:extLst>
-      <p:ext uri="{BB962C8B-B14F-4D97-AF65-F5344CB8AC3E}">
-        <p14:creationId xmlns:p14="http://schemas.microsoft.com/office/powerpoint/2010/main" val="344949007"/>
-      </p:ext>
-    </p:extLst>
-  </p:cSld>
-  <p:clrMapOvr>
-    <a:masterClrMapping/>
-  </p:clrMapOvr>
-</p:notes>
-</file>
-
 <file path=ppt/notesSlides/notesSlide9.xml><?xml version="1.0" encoding="utf-8"?>
 <p:notes xmlns:a="http://schemas.openxmlformats.org/drawingml/2006/main" xmlns:r="http://schemas.openxmlformats.org/officeDocument/2006/relationships" xmlns:p="http://schemas.openxmlformats.org/presentationml/2006/main">
   <p:cSld>
@@ -3023,25 +3167,7 @@
           <a:bodyPr/>
           <a:lstStyle/>
           <a:p>
-            <a:r>
-              <a:rPr lang="en-US" dirty="0"/>
-              <a:t>This is a good</a:t>
-            </a:r>
-            <a:r>
-              <a:rPr lang="en-US" baseline="0" dirty="0"/>
-              <a:t> example</a:t>
-            </a:r>
-            <a:r>
-              <a:rPr lang="en-US" dirty="0"/>
-              <a:t>.</a:t>
-            </a:r>
-            <a:r>
-              <a:rPr lang="en-US" baseline="0" dirty="0"/>
-              <a:t> Reasons:</a:t>
-            </a:r>
-          </a:p>
-          <a:p>
-            <a:pPr marL="571500" marR="0" indent="-342900" algn="l" defTabSz="914400" rtl="0" eaLnBrk="1" fontAlgn="auto" latinLnBrk="0" hangingPunct="1">
+            <a:pPr marL="457200" marR="0" indent="-228600" algn="l" defTabSz="914400" rtl="0" eaLnBrk="1" fontAlgn="auto" latinLnBrk="0" hangingPunct="1">
               <a:lnSpc>
                 <a:spcPct val="100000"/>
               </a:lnSpc>
@@ -3055,42 +3181,151 @@
                 <a:srgbClr val="000000"/>
               </a:buClr>
               <a:buSzPts val="1400"/>
-              <a:buFontTx/>
-              <a:buChar char="-"/>
+              <a:buFont typeface="Arial"/>
+              <a:buNone/>
               <a:tabLst/>
               <a:defRPr/>
             </a:pPr>
             <a:r>
+              <a:rPr lang="en-US" sz="2200" b="0" i="0" u="none" strike="noStrike" cap="none" baseline="0" dirty="0">
+                <a:solidFill>
+                  <a:srgbClr val="000000"/>
+                </a:solidFill>
+                <a:effectLst/>
+                <a:latin typeface="Merriweather Sans"/>
+                <a:ea typeface="Merriweather Sans"/>
+                <a:cs typeface="Merriweather Sans"/>
+                <a:sym typeface="Merriweather Sans"/>
+              </a:rPr>
+              <a:t>This is not a good example. Reasons:</a:t>
+            </a:r>
+          </a:p>
+          <a:p>
+            <a:pPr marL="457200" marR="0" indent="-228600" algn="l" defTabSz="914400" rtl="0" eaLnBrk="1" fontAlgn="auto" latinLnBrk="0" hangingPunct="1">
+              <a:lnSpc>
+                <a:spcPct val="100000"/>
+              </a:lnSpc>
+              <a:spcBef>
+                <a:spcPts val="0"/>
+              </a:spcBef>
+              <a:spcAft>
+                <a:spcPts val="0"/>
+              </a:spcAft>
+              <a:buClr>
+                <a:srgbClr val="000000"/>
+              </a:buClr>
+              <a:buSzPts val="1400"/>
+              <a:buFont typeface="Arial"/>
+              <a:buNone/>
+              <a:tabLst/>
+              <a:defRPr/>
+            </a:pPr>
+            <a:r>
+              <a:rPr lang="en-US" sz="2200" b="0" i="0" u="none" strike="noStrike" cap="none" baseline="0" dirty="0">
+                <a:solidFill>
+                  <a:srgbClr val="000000"/>
+                </a:solidFill>
+                <a:effectLst/>
+                <a:latin typeface="Merriweather Sans"/>
+                <a:ea typeface="Merriweather Sans"/>
+                <a:cs typeface="Merriweather Sans"/>
+                <a:sym typeface="Merriweather Sans"/>
+              </a:rPr>
+              <a:t>- Transcription with details? no -- the notes are high-level and overly summarized.</a:t>
+            </a:r>
+          </a:p>
+          <a:p>
+            <a:pPr marL="457200" marR="0" indent="-228600" algn="l" defTabSz="914400" rtl="0" eaLnBrk="1" fontAlgn="auto" latinLnBrk="0" hangingPunct="1">
+              <a:lnSpc>
+                <a:spcPct val="100000"/>
+              </a:lnSpc>
+              <a:spcBef>
+                <a:spcPts val="0"/>
+              </a:spcBef>
+              <a:spcAft>
+                <a:spcPts val="0"/>
+              </a:spcAft>
+              <a:buClr>
+                <a:srgbClr val="000000"/>
+              </a:buClr>
+              <a:buSzPts val="1400"/>
+              <a:buFont typeface="Arial"/>
+              <a:buNone/>
+              <a:tabLst/>
+              <a:defRPr/>
+            </a:pPr>
+            <a:r>
+              <a:rPr lang="en-US" sz="2200" b="0" i="0" u="none" strike="noStrike" cap="none" baseline="0" dirty="0">
+                <a:solidFill>
+                  <a:srgbClr val="000000"/>
+                </a:solidFill>
+                <a:effectLst/>
+                <a:latin typeface="Merriweather Sans"/>
+                <a:ea typeface="Merriweather Sans"/>
+                <a:cs typeface="Merriweather Sans"/>
+                <a:sym typeface="Merriweather Sans"/>
+              </a:rPr>
+              <a:t>- Analysis at the end? yes</a:t>
+            </a:r>
+          </a:p>
+          <a:p>
+            <a:pPr marL="457200" marR="0" indent="-228600" algn="l" defTabSz="914400" rtl="0" eaLnBrk="1" fontAlgn="auto" latinLnBrk="0" hangingPunct="1">
+              <a:lnSpc>
+                <a:spcPct val="100000"/>
+              </a:lnSpc>
+              <a:spcBef>
+                <a:spcPts val="0"/>
+              </a:spcBef>
+              <a:spcAft>
+                <a:spcPts val="0"/>
+              </a:spcAft>
+              <a:buClr>
+                <a:srgbClr val="000000"/>
+              </a:buClr>
+              <a:buSzPts val="1400"/>
+              <a:buFont typeface="Arial"/>
+              <a:buNone/>
+              <a:tabLst/>
+              <a:defRPr/>
+            </a:pPr>
+            <a:r>
+              <a:rPr lang="en-US" sz="2200" b="0" i="0" u="none" strike="noStrike" cap="none" baseline="0" dirty="0">
+                <a:solidFill>
+                  <a:srgbClr val="000000"/>
+                </a:solidFill>
+                <a:effectLst/>
+                <a:latin typeface="Merriweather Sans"/>
+                <a:ea typeface="Merriweather Sans"/>
+                <a:cs typeface="Merriweather Sans"/>
+                <a:sym typeface="Merriweather Sans"/>
+              </a:rPr>
+              <a:t>- </a:t>
+            </a:r>
+            <a:r>
               <a:rPr lang="en-US" baseline="0" dirty="0"/>
-              <a:t>Transcription with details? Yes, this is a transcription</a:t>
-            </a:r>
-          </a:p>
-          <a:p>
-            <a:pPr marL="571500" indent="-342900">
-              <a:buFontTx/>
-              <a:buChar char="-"/>
-            </a:pPr>
-            <a:r>
-              <a:rPr lang="en-US" baseline="0" dirty="0"/>
-              <a:t>Analysis: yes. Short but separate</a:t>
-            </a:r>
-          </a:p>
-          <a:p>
-            <a:pPr marL="571500" indent="-342900">
-              <a:buFontTx/>
-              <a:buChar char="-"/>
-            </a:pPr>
-            <a:r>
-              <a:rPr lang="en-US" baseline="0" dirty="0"/>
-              <a:t>Can another SME make a determination? yes, because details are provided</a:t>
-            </a:r>
+              <a:t>Can another SME make a determination?</a:t>
+            </a:r>
+            <a:r>
+              <a:rPr lang="en-US" sz="2200" b="0" i="0" u="none" strike="noStrike" cap="none" baseline="0" dirty="0">
+                <a:solidFill>
+                  <a:srgbClr val="000000"/>
+                </a:solidFill>
+                <a:effectLst/>
+                <a:latin typeface="Merriweather Sans"/>
+                <a:ea typeface="Merriweather Sans"/>
+                <a:cs typeface="Merriweather Sans"/>
+                <a:sym typeface="Merriweather Sans"/>
+              </a:rPr>
+              <a:t> no, not without details</a:t>
+            </a:r>
+            <a:endParaRPr lang="en-US" dirty="0"/>
           </a:p>
         </p:txBody>
       </p:sp>
     </p:spTree>
     <p:extLst>
       <p:ext uri="{BB962C8B-B14F-4D97-AF65-F5344CB8AC3E}">
-        <p14:creationId xmlns:p14="http://schemas.microsoft.com/office/powerpoint/2010/main" val="2191510207"/>
+        <p14:creationId xmlns:p14="http://schemas.microsoft.com/office/powerpoint/2010/main" val="344949007"/>
       </p:ext>
     </p:extLst>
   </p:cSld>
@@ -5138,7 +5373,7 @@
             <a:fld id="{42D41BD8-F932-40AA-8DAC-647898DB09A3}" type="datetime1">
               <a:rPr lang="en-US" smtClean="0"/>
               <a:pPr/>
-              <a:t>9/6/19</a:t>
+              <a:t>4/22/2020</a:t>
             </a:fld>
             <a:endParaRPr lang="en-US" dirty="0"/>
           </a:p>
@@ -6846,6 +7081,98 @@
           <p:cNvPr id="2" name="Title 1">
             <a:extLst>
               <a:ext uri="{FF2B5EF4-FFF2-40B4-BE49-F238E27FC236}">
+                <a16:creationId xmlns:a16="http://schemas.microsoft.com/office/drawing/2014/main" id="{73A05252-8126-B046-A1A1-0003084BBD81}"/>
+              </a:ext>
+            </a:extLst>
+          </p:cNvPr>
+          <p:cNvSpPr>
+            <a:spLocks noGrp="1"/>
+          </p:cNvSpPr>
+          <p:nvPr>
+            <p:ph type="title"/>
+          </p:nvPr>
+        </p:nvSpPr>
+        <p:spPr/>
+        <p:txBody>
+          <a:bodyPr/>
+          <a:lstStyle/>
+          <a:p>
+            <a:r>
+              <a:rPr lang="en-US" dirty="0"/>
+              <a:t>Review interview questions</a:t>
+            </a:r>
+          </a:p>
+        </p:txBody>
+      </p:sp>
+      <p:sp>
+        <p:nvSpPr>
+          <p:cNvPr id="3" name="Text Placeholder 2">
+            <a:extLst>
+              <a:ext uri="{FF2B5EF4-FFF2-40B4-BE49-F238E27FC236}">
+                <a16:creationId xmlns:a16="http://schemas.microsoft.com/office/drawing/2014/main" id="{B9066279-FCA9-384B-9086-7DFA7B337C4F}"/>
+              </a:ext>
+            </a:extLst>
+          </p:cNvPr>
+          <p:cNvSpPr>
+            <a:spLocks noGrp="1"/>
+          </p:cNvSpPr>
+          <p:nvPr>
+            <p:ph type="body" idx="1"/>
+          </p:nvPr>
+        </p:nvSpPr>
+        <p:spPr/>
+        <p:txBody>
+          <a:bodyPr/>
+          <a:lstStyle/>
+          <a:p>
+            <a:r>
+              <a:rPr lang="en-US" dirty="0"/>
+              <a:t>Read questions out loud as a team</a:t>
+            </a:r>
+          </a:p>
+          <a:p>
+            <a:r>
+              <a:rPr lang="en-US" dirty="0"/>
+              <a:t>Clarify questions if needed</a:t>
+            </a:r>
+          </a:p>
+        </p:txBody>
+      </p:sp>
+    </p:spTree>
+    <p:extLst>
+      <p:ext uri="{BB962C8B-B14F-4D97-AF65-F5344CB8AC3E}">
+        <p14:creationId xmlns:p14="http://schemas.microsoft.com/office/powerpoint/2010/main" val="2901491240"/>
+      </p:ext>
+    </p:extLst>
+  </p:cSld>
+  <p:clrMapOvr>
+    <a:masterClrMapping/>
+  </p:clrMapOvr>
+</p:sld>
+</file>
+
+<file path=ppt/slides/slide11.xml><?xml version="1.0" encoding="utf-8"?>
+<p:sld xmlns:a="http://schemas.openxmlformats.org/drawingml/2006/main" xmlns:r="http://schemas.openxmlformats.org/officeDocument/2006/relationships" xmlns:p="http://schemas.openxmlformats.org/presentationml/2006/main">
+  <p:cSld>
+    <p:spTree>
+      <p:nvGrpSpPr>
+        <p:cNvPr id="1" name=""/>
+        <p:cNvGrpSpPr/>
+        <p:nvPr/>
+      </p:nvGrpSpPr>
+      <p:grpSpPr>
+        <a:xfrm>
+          <a:off x="0" y="0"/>
+          <a:ext cx="0" cy="0"/>
+          <a:chOff x="0" y="0"/>
+          <a:chExt cx="0" cy="0"/>
+        </a:xfrm>
+      </p:grpSpPr>
+      <p:sp>
+        <p:nvSpPr>
+          <p:cNvPr id="2" name="Title 1">
+            <a:extLst>
+              <a:ext uri="{FF2B5EF4-FFF2-40B4-BE49-F238E27FC236}">
                 <a16:creationId xmlns:a16="http://schemas.microsoft.com/office/drawing/2014/main" id="{7DA0374D-F5D3-0A43-8539-D4FEAF6E0214}"/>
               </a:ext>
             </a:extLst>
@@ -6882,7 +7209,7 @@
 </p:sld>
 </file>
 
-<file path=ppt/slides/slide11.xml><?xml version="1.0" encoding="utf-8"?>
+<file path=ppt/slides/slide12.xml><?xml version="1.0" encoding="utf-8"?>
 <p:sld xmlns:a="http://schemas.openxmlformats.org/drawingml/2006/main" xmlns:r="http://schemas.openxmlformats.org/officeDocument/2006/relationships" xmlns:p="http://schemas.openxmlformats.org/presentationml/2006/main">
   <p:cSld>
     <p:spTree>
@@ -6987,7 +7314,7 @@
 </p:sld>
 </file>
 
-<file path=ppt/slides/slide12.xml><?xml version="1.0" encoding="utf-8"?>
+<file path=ppt/slides/slide13.xml><?xml version="1.0" encoding="utf-8"?>
 <p:sld xmlns:a="http://schemas.openxmlformats.org/drawingml/2006/main" xmlns:r="http://schemas.openxmlformats.org/officeDocument/2006/relationships" xmlns:p="http://schemas.openxmlformats.org/presentationml/2006/main">
   <p:cSld>
     <p:spTree>
@@ -7092,271 +7419,6 @@
     <p:extLst>
       <p:ext uri="{BB962C8B-B14F-4D97-AF65-F5344CB8AC3E}">
         <p14:creationId xmlns:p14="http://schemas.microsoft.com/office/powerpoint/2010/main" val="1789250179"/>
-      </p:ext>
-    </p:extLst>
-  </p:cSld>
-  <p:clrMapOvr>
-    <a:masterClrMapping/>
-  </p:clrMapOvr>
-</p:sld>
-</file>
-
-<file path=ppt/slides/slide13.xml><?xml version="1.0" encoding="utf-8"?>
-<p:sld xmlns:a="http://schemas.openxmlformats.org/drawingml/2006/main" xmlns:r="http://schemas.openxmlformats.org/officeDocument/2006/relationships" xmlns:p="http://schemas.openxmlformats.org/presentationml/2006/main">
-  <p:cSld>
-    <p:spTree>
-      <p:nvGrpSpPr>
-        <p:cNvPr id="1" name=""/>
-        <p:cNvGrpSpPr/>
-        <p:nvPr/>
-      </p:nvGrpSpPr>
-      <p:grpSpPr>
-        <a:xfrm>
-          <a:off x="0" y="0"/>
-          <a:ext cx="0" cy="0"/>
-          <a:chOff x="0" y="0"/>
-          <a:chExt cx="0" cy="0"/>
-        </a:xfrm>
-      </p:grpSpPr>
-      <p:sp>
-        <p:nvSpPr>
-          <p:cNvPr id="2" name="Title 1">
-            <a:extLst>
-              <a:ext uri="{FF2B5EF4-FFF2-40B4-BE49-F238E27FC236}">
-                <a16:creationId xmlns:a16="http://schemas.microsoft.com/office/drawing/2014/main" id="{0416B85F-4789-7349-885A-3A9736185D78}"/>
-              </a:ext>
-            </a:extLst>
-          </p:cNvPr>
-          <p:cNvSpPr>
-            <a:spLocks noGrp="1"/>
-          </p:cNvSpPr>
-          <p:nvPr>
-            <p:ph type="title"/>
-          </p:nvPr>
-        </p:nvSpPr>
-        <p:spPr/>
-        <p:txBody>
-          <a:bodyPr/>
-          <a:lstStyle/>
-          <a:p>
-            <a:r>
-              <a:rPr lang="en-US" dirty="0"/>
-              <a:t>Transcript Example 1</a:t>
-            </a:r>
-          </a:p>
-        </p:txBody>
-      </p:sp>
-      <p:sp>
-        <p:nvSpPr>
-          <p:cNvPr id="3" name="Text Placeholder 2">
-            <a:extLst>
-              <a:ext uri="{FF2B5EF4-FFF2-40B4-BE49-F238E27FC236}">
-                <a16:creationId xmlns:a16="http://schemas.microsoft.com/office/drawing/2014/main" id="{66BF03FA-C93D-B241-A6A3-12292798BBE4}"/>
-              </a:ext>
-            </a:extLst>
-          </p:cNvPr>
-          <p:cNvSpPr>
-            <a:spLocks noGrp="1"/>
-          </p:cNvSpPr>
-          <p:nvPr>
-            <p:ph type="body" idx="1"/>
-          </p:nvPr>
-        </p:nvSpPr>
-        <p:spPr/>
-        <p:txBody>
-          <a:bodyPr>
-            <a:normAutofit lnSpcReduction="10000"/>
-          </a:bodyPr>
-          <a:lstStyle/>
-          <a:p>
-            <a:pPr marL="0" indent="0">
-              <a:spcBef>
-                <a:spcPts val="0"/>
-              </a:spcBef>
-              <a:buClrTx/>
-              <a:buSzTx/>
-              <a:buNone/>
-            </a:pPr>
-            <a:r>
-              <a:rPr lang="en-US" dirty="0"/>
-              <a:t>Question (Communication and Collaboration): </a:t>
-            </a:r>
-          </a:p>
-          <a:p>
-            <a:pPr marL="0" indent="0">
-              <a:spcBef>
-                <a:spcPts val="0"/>
-              </a:spcBef>
-              <a:buClrTx/>
-              <a:buSzTx/>
-              <a:buNone/>
-            </a:pPr>
-            <a:r>
-              <a:rPr lang="en-US" b="1" dirty="0"/>
-              <a:t>Tell me about a time you worked with a team to solve a technical issue? How was the problem identified and how did your group communicate your findings?</a:t>
-            </a:r>
-          </a:p>
-          <a:p>
-            <a:pPr marL="0" marR="0" lvl="0" indent="0" defTabSz="914400" eaLnBrk="1" fontAlgn="auto" latinLnBrk="0" hangingPunct="1">
-              <a:lnSpc>
-                <a:spcPct val="100000"/>
-              </a:lnSpc>
-              <a:spcBef>
-                <a:spcPts val="0"/>
-              </a:spcBef>
-              <a:spcAft>
-                <a:spcPts val="0"/>
-              </a:spcAft>
-              <a:buClrTx/>
-              <a:buSzTx/>
-              <a:buFontTx/>
-              <a:buNone/>
-              <a:tabLst/>
-              <a:defRPr/>
-            </a:pPr>
-            <a:endParaRPr lang="en-US" dirty="0"/>
-          </a:p>
-          <a:p>
-            <a:pPr marL="0" marR="0" lvl="0" indent="0" defTabSz="914400" eaLnBrk="1" fontAlgn="auto" latinLnBrk="0" hangingPunct="1">
-              <a:lnSpc>
-                <a:spcPct val="100000"/>
-              </a:lnSpc>
-              <a:spcBef>
-                <a:spcPts val="0"/>
-              </a:spcBef>
-              <a:spcAft>
-                <a:spcPts val="0"/>
-              </a:spcAft>
-              <a:buClrTx/>
-              <a:buSzTx/>
-              <a:buFontTx/>
-              <a:buNone/>
-              <a:tabLst/>
-              <a:defRPr/>
-            </a:pPr>
-            <a:endParaRPr lang="en-US" dirty="0"/>
-          </a:p>
-          <a:p>
-            <a:pPr marL="0" marR="0" lvl="0" indent="0" defTabSz="914400" eaLnBrk="1" fontAlgn="auto" latinLnBrk="0" hangingPunct="1">
-              <a:lnSpc>
-                <a:spcPct val="100000"/>
-              </a:lnSpc>
-              <a:spcBef>
-                <a:spcPts val="0"/>
-              </a:spcBef>
-              <a:spcAft>
-                <a:spcPts val="0"/>
-              </a:spcAft>
-              <a:buClrTx/>
-              <a:buSzTx/>
-              <a:buFontTx/>
-              <a:buNone/>
-              <a:tabLst/>
-              <a:defRPr/>
-            </a:pPr>
-            <a:r>
-              <a:rPr lang="en-US" dirty="0"/>
-              <a:t>Transcript:</a:t>
-            </a:r>
-          </a:p>
-          <a:p>
-            <a:pPr marL="571500" marR="0" lvl="0" indent="-571500" defTabSz="914400" eaLnBrk="1" fontAlgn="auto" latinLnBrk="0" hangingPunct="1">
-              <a:lnSpc>
-                <a:spcPct val="100000"/>
-              </a:lnSpc>
-              <a:spcBef>
-                <a:spcPts val="0"/>
-              </a:spcBef>
-              <a:spcAft>
-                <a:spcPts val="0"/>
-              </a:spcAft>
-              <a:buClrTx/>
-              <a:buSzTx/>
-              <a:buFontTx/>
-              <a:buChar char="-"/>
-              <a:tabLst/>
-              <a:defRPr/>
-            </a:pPr>
-            <a:r>
-              <a:rPr lang="en-US" dirty="0"/>
-              <a:t>Able to give a detailed description of an issue and its resolution</a:t>
-            </a:r>
-          </a:p>
-          <a:p>
-            <a:pPr marL="571500" marR="0" lvl="0" indent="-571500" defTabSz="914400" eaLnBrk="1" fontAlgn="auto" latinLnBrk="0" hangingPunct="1">
-              <a:lnSpc>
-                <a:spcPct val="100000"/>
-              </a:lnSpc>
-              <a:spcBef>
-                <a:spcPts val="0"/>
-              </a:spcBef>
-              <a:spcAft>
-                <a:spcPts val="0"/>
-              </a:spcAft>
-              <a:buClrTx/>
-              <a:buSzTx/>
-              <a:buFontTx/>
-              <a:buChar char="-"/>
-              <a:tabLst/>
-              <a:defRPr/>
-            </a:pPr>
-            <a:r>
-              <a:rPr lang="en-US" dirty="0"/>
-              <a:t>Describes that they played an active role in finding and mitigating the risk (vs watching their team find and solve the problem)</a:t>
-            </a:r>
-          </a:p>
-          <a:p>
-            <a:pPr marL="571500" marR="0" lvl="0" indent="-571500" defTabSz="914400" eaLnBrk="1" fontAlgn="auto" latinLnBrk="0" hangingPunct="1">
-              <a:lnSpc>
-                <a:spcPct val="100000"/>
-              </a:lnSpc>
-              <a:spcBef>
-                <a:spcPts val="0"/>
-              </a:spcBef>
-              <a:spcAft>
-                <a:spcPts val="0"/>
-              </a:spcAft>
-              <a:buClrTx/>
-              <a:buSzTx/>
-              <a:buFontTx/>
-              <a:buChar char="-"/>
-              <a:tabLst/>
-              <a:defRPr/>
-            </a:pPr>
-            <a:r>
-              <a:rPr lang="en-US" dirty="0"/>
-              <a:t>Candidate identified size and scope of risk and how it would affect users</a:t>
-            </a:r>
-          </a:p>
-          <a:p>
-            <a:pPr marL="571500" marR="0" lvl="0" indent="-571500" defTabSz="914400" eaLnBrk="1" fontAlgn="auto" latinLnBrk="0" hangingPunct="1">
-              <a:lnSpc>
-                <a:spcPct val="100000"/>
-              </a:lnSpc>
-              <a:spcBef>
-                <a:spcPts val="0"/>
-              </a:spcBef>
-              <a:spcAft>
-                <a:spcPts val="0"/>
-              </a:spcAft>
-              <a:buClrTx/>
-              <a:buSzTx/>
-              <a:buFontTx/>
-              <a:buChar char="-"/>
-              <a:tabLst/>
-              <a:defRPr/>
-            </a:pPr>
-            <a:r>
-              <a:rPr lang="en-US" dirty="0"/>
-              <a:t>Candidate mentioned informing stakeholders</a:t>
-            </a:r>
-          </a:p>
-        </p:txBody>
-      </p:sp>
-    </p:spTree>
-    <p:extLst>
-      <p:ext uri="{BB962C8B-B14F-4D97-AF65-F5344CB8AC3E}">
-        <p14:creationId xmlns:p14="http://schemas.microsoft.com/office/powerpoint/2010/main" val="4208729609"/>
       </p:ext>
     </p:extLst>
   </p:cSld>
@@ -7406,7 +7468,7 @@
           <a:p>
             <a:r>
               <a:rPr lang="en-US" dirty="0"/>
-              <a:t>Transcript Example 2</a:t>
+              <a:t>Transcript Example 1</a:t>
             </a:r>
           </a:p>
         </p:txBody>
@@ -7444,7 +7506,7 @@
             </a:pPr>
             <a:r>
               <a:rPr lang="en-US" dirty="0"/>
-              <a:t>Question (Active Directory): </a:t>
+              <a:t>Question (Communication and Collaboration): </a:t>
             </a:r>
           </a:p>
           <a:p>
@@ -7458,7 +7520,7 @@
             </a:pPr>
             <a:r>
               <a:rPr lang="en-US" b="1" dirty="0"/>
-              <a:t>How does DNS resolution work?</a:t>
+              <a:t>Tell me about a time you worked with a team to solve a technical issue? How was the problem identified and how did your group communicate your findings?</a:t>
             </a:r>
           </a:p>
           <a:p>
@@ -7525,77 +7587,7 @@
             </a:r>
           </a:p>
           <a:p>
-            <a:pPr marL="571500" indent="-571500">
-              <a:spcBef>
-                <a:spcPts val="0"/>
-              </a:spcBef>
-              <a:buClrTx/>
-              <a:buSzTx/>
-              <a:defRPr/>
-            </a:pPr>
-            <a:r>
-              <a:rPr lang="en-US" dirty="0"/>
-              <a:t>User makes a request to a URL</a:t>
-            </a:r>
-          </a:p>
-          <a:p>
-            <a:pPr marL="571500" indent="-571500">
-              <a:spcBef>
-                <a:spcPts val="0"/>
-              </a:spcBef>
-              <a:buClrTx/>
-              <a:buSzTx/>
-              <a:defRPr/>
-            </a:pPr>
-            <a:r>
-              <a:rPr lang="en-US" dirty="0"/>
-              <a:t>DNS caches along the way</a:t>
-            </a:r>
-          </a:p>
-          <a:p>
-            <a:pPr marL="571500" indent="-571500">
-              <a:spcBef>
-                <a:spcPts val="0"/>
-              </a:spcBef>
-              <a:buClrTx/>
-              <a:buSzTx/>
-              <a:defRPr/>
-            </a:pPr>
-            <a:r>
-              <a:rPr lang="en-US" dirty="0"/>
-              <a:t>Local machine, network, and ISP have them</a:t>
-            </a:r>
-          </a:p>
-          <a:p>
-            <a:pPr marL="571500" indent="-571500">
-              <a:spcBef>
-                <a:spcPts val="0"/>
-              </a:spcBef>
-              <a:buClrTx/>
-              <a:buSzTx/>
-              <a:defRPr/>
-            </a:pPr>
-            <a:r>
-              <a:rPr lang="en-US" dirty="0"/>
-              <a:t>There are DNS lookup providers out there</a:t>
-            </a:r>
-          </a:p>
-          <a:p>
-            <a:pPr marL="571500" indent="-571500">
-              <a:spcBef>
-                <a:spcPts val="0"/>
-              </a:spcBef>
-              <a:buClrTx/>
-              <a:buSzTx/>
-              <a:defRPr/>
-            </a:pPr>
-            <a:r>
-              <a:rPr lang="en-US" dirty="0"/>
-              <a:t>Essentially what they are doing is mapping the domain name that you put in with the correct IP address that you're trying to go to.</a:t>
-            </a:r>
-          </a:p>
-          <a:p>
-            <a:pPr marL="0" marR="0" lvl="0" indent="0" defTabSz="914400" eaLnBrk="1" fontAlgn="auto" latinLnBrk="0" hangingPunct="1">
+            <a:pPr marL="571500" marR="0" lvl="0" indent="-571500" defTabSz="914400" eaLnBrk="1" fontAlgn="auto" latinLnBrk="0" hangingPunct="1">
               <a:lnSpc>
                 <a:spcPct val="100000"/>
               </a:lnSpc>
@@ -7608,19 +7600,82 @@
               <a:buClrTx/>
               <a:buSzTx/>
               <a:buFontTx/>
-              <a:buNone/>
+              <a:buChar char="-"/>
               <a:tabLst/>
               <a:defRPr/>
             </a:pPr>
-            <a:br>
+            <a:r>
               <a:rPr lang="en-US" dirty="0"/>
-            </a:br>
-            <a:br>
+              <a:t>Able to give a detailed description of an issue and its resolution</a:t>
+            </a:r>
+          </a:p>
+          <a:p>
+            <a:pPr marL="571500" marR="0" lvl="0" indent="-571500" defTabSz="914400" eaLnBrk="1" fontAlgn="auto" latinLnBrk="0" hangingPunct="1">
+              <a:lnSpc>
+                <a:spcPct val="100000"/>
+              </a:lnSpc>
+              <a:spcBef>
+                <a:spcPts val="0"/>
+              </a:spcBef>
+              <a:spcAft>
+                <a:spcPts val="0"/>
+              </a:spcAft>
+              <a:buClrTx/>
+              <a:buSzTx/>
+              <a:buFontTx/>
+              <a:buChar char="-"/>
+              <a:tabLst/>
+              <a:defRPr/>
+            </a:pPr>
+            <a:r>
               <a:rPr lang="en-US" dirty="0"/>
-            </a:br>
+              <a:t>Describes that they played an active role in finding and mitigating the risk (vs watching their team find and solve the problem)</a:t>
+            </a:r>
+          </a:p>
+          <a:p>
+            <a:pPr marL="571500" marR="0" lvl="0" indent="-571500" defTabSz="914400" eaLnBrk="1" fontAlgn="auto" latinLnBrk="0" hangingPunct="1">
+              <a:lnSpc>
+                <a:spcPct val="100000"/>
+              </a:lnSpc>
+              <a:spcBef>
+                <a:spcPts val="0"/>
+              </a:spcBef>
+              <a:spcAft>
+                <a:spcPts val="0"/>
+              </a:spcAft>
+              <a:buClrTx/>
+              <a:buSzTx/>
+              <a:buFontTx/>
+              <a:buChar char="-"/>
+              <a:tabLst/>
+              <a:defRPr/>
+            </a:pPr>
             <a:r>
               <a:rPr lang="en-US" dirty="0"/>
-              <a:t>Impression: Covers basics, but lacks details </a:t>
+              <a:t>Candidate identified size and scope of risk and how it would affect users</a:t>
+            </a:r>
+          </a:p>
+          <a:p>
+            <a:pPr marL="571500" marR="0" lvl="0" indent="-571500" defTabSz="914400" eaLnBrk="1" fontAlgn="auto" latinLnBrk="0" hangingPunct="1">
+              <a:lnSpc>
+                <a:spcPct val="100000"/>
+              </a:lnSpc>
+              <a:spcBef>
+                <a:spcPts val="0"/>
+              </a:spcBef>
+              <a:spcAft>
+                <a:spcPts val="0"/>
+              </a:spcAft>
+              <a:buClrTx/>
+              <a:buSzTx/>
+              <a:buFontTx/>
+              <a:buChar char="-"/>
+              <a:tabLst/>
+              <a:defRPr/>
+            </a:pPr>
+            <a:r>
+              <a:rPr lang="en-US" dirty="0"/>
+              <a:t>Candidate mentioned informing stakeholders</a:t>
             </a:r>
           </a:p>
         </p:txBody>
@@ -7628,7 +7683,7 @@
     </p:spTree>
     <p:extLst>
       <p:ext uri="{BB962C8B-B14F-4D97-AF65-F5344CB8AC3E}">
-        <p14:creationId xmlns:p14="http://schemas.microsoft.com/office/powerpoint/2010/main" val="3935892684"/>
+        <p14:creationId xmlns:p14="http://schemas.microsoft.com/office/powerpoint/2010/main" val="4208729609"/>
       </p:ext>
     </p:extLst>
   </p:cSld>
@@ -7678,6 +7733,286 @@
           <a:p>
             <a:r>
               <a:rPr lang="en-US" dirty="0"/>
+              <a:t>Transcript Example 2</a:t>
+            </a:r>
+          </a:p>
+        </p:txBody>
+      </p:sp>
+      <p:sp>
+        <p:nvSpPr>
+          <p:cNvPr id="3" name="Text Placeholder 2">
+            <a:extLst>
+              <a:ext uri="{FF2B5EF4-FFF2-40B4-BE49-F238E27FC236}">
+                <a16:creationId xmlns:a16="http://schemas.microsoft.com/office/drawing/2014/main" id="{66BF03FA-C93D-B241-A6A3-12292798BBE4}"/>
+              </a:ext>
+            </a:extLst>
+          </p:cNvPr>
+          <p:cNvSpPr>
+            <a:spLocks noGrp="1"/>
+          </p:cNvSpPr>
+          <p:nvPr>
+            <p:ph type="body" idx="1"/>
+          </p:nvPr>
+        </p:nvSpPr>
+        <p:spPr/>
+        <p:txBody>
+          <a:bodyPr>
+            <a:normAutofit lnSpcReduction="10000"/>
+          </a:bodyPr>
+          <a:lstStyle/>
+          <a:p>
+            <a:pPr marL="0" indent="0">
+              <a:spcBef>
+                <a:spcPts val="0"/>
+              </a:spcBef>
+              <a:buClrTx/>
+              <a:buSzTx/>
+              <a:buNone/>
+            </a:pPr>
+            <a:r>
+              <a:rPr lang="en-US" dirty="0"/>
+              <a:t>Question (Active Directory): </a:t>
+            </a:r>
+          </a:p>
+          <a:p>
+            <a:pPr marL="0" indent="0">
+              <a:spcBef>
+                <a:spcPts val="0"/>
+              </a:spcBef>
+              <a:buClrTx/>
+              <a:buSzTx/>
+              <a:buNone/>
+            </a:pPr>
+            <a:r>
+              <a:rPr lang="en-US" b="1" dirty="0"/>
+              <a:t>How does DNS resolution work?</a:t>
+            </a:r>
+          </a:p>
+          <a:p>
+            <a:pPr marL="0" marR="0" lvl="0" indent="0" defTabSz="914400" eaLnBrk="1" fontAlgn="auto" latinLnBrk="0" hangingPunct="1">
+              <a:lnSpc>
+                <a:spcPct val="100000"/>
+              </a:lnSpc>
+              <a:spcBef>
+                <a:spcPts val="0"/>
+              </a:spcBef>
+              <a:spcAft>
+                <a:spcPts val="0"/>
+              </a:spcAft>
+              <a:buClrTx/>
+              <a:buSzTx/>
+              <a:buFontTx/>
+              <a:buNone/>
+              <a:tabLst/>
+              <a:defRPr/>
+            </a:pPr>
+            <a:endParaRPr lang="en-US" dirty="0"/>
+          </a:p>
+          <a:p>
+            <a:pPr marL="0" marR="0" lvl="0" indent="0" defTabSz="914400" eaLnBrk="1" fontAlgn="auto" latinLnBrk="0" hangingPunct="1">
+              <a:lnSpc>
+                <a:spcPct val="100000"/>
+              </a:lnSpc>
+              <a:spcBef>
+                <a:spcPts val="0"/>
+              </a:spcBef>
+              <a:spcAft>
+                <a:spcPts val="0"/>
+              </a:spcAft>
+              <a:buClrTx/>
+              <a:buSzTx/>
+              <a:buFontTx/>
+              <a:buNone/>
+              <a:tabLst/>
+              <a:defRPr/>
+            </a:pPr>
+            <a:endParaRPr lang="en-US" dirty="0"/>
+          </a:p>
+          <a:p>
+            <a:pPr marL="0" marR="0" lvl="0" indent="0" defTabSz="914400" eaLnBrk="1" fontAlgn="auto" latinLnBrk="0" hangingPunct="1">
+              <a:lnSpc>
+                <a:spcPct val="100000"/>
+              </a:lnSpc>
+              <a:spcBef>
+                <a:spcPts val="0"/>
+              </a:spcBef>
+              <a:spcAft>
+                <a:spcPts val="0"/>
+              </a:spcAft>
+              <a:buClrTx/>
+              <a:buSzTx/>
+              <a:buFontTx/>
+              <a:buNone/>
+              <a:tabLst/>
+              <a:defRPr/>
+            </a:pPr>
+            <a:r>
+              <a:rPr lang="en-US" dirty="0"/>
+              <a:t>Transcript:</a:t>
+            </a:r>
+          </a:p>
+          <a:p>
+            <a:pPr marL="571500" indent="-571500">
+              <a:spcBef>
+                <a:spcPts val="0"/>
+              </a:spcBef>
+              <a:buClrTx/>
+              <a:buSzTx/>
+              <a:defRPr/>
+            </a:pPr>
+            <a:r>
+              <a:rPr lang="en-US" dirty="0"/>
+              <a:t>User makes a request to a URL</a:t>
+            </a:r>
+          </a:p>
+          <a:p>
+            <a:pPr marL="571500" indent="-571500">
+              <a:spcBef>
+                <a:spcPts val="0"/>
+              </a:spcBef>
+              <a:buClrTx/>
+              <a:buSzTx/>
+              <a:defRPr/>
+            </a:pPr>
+            <a:r>
+              <a:rPr lang="en-US" dirty="0"/>
+              <a:t>DNS caches along the way</a:t>
+            </a:r>
+          </a:p>
+          <a:p>
+            <a:pPr marL="571500" indent="-571500">
+              <a:spcBef>
+                <a:spcPts val="0"/>
+              </a:spcBef>
+              <a:buClrTx/>
+              <a:buSzTx/>
+              <a:defRPr/>
+            </a:pPr>
+            <a:r>
+              <a:rPr lang="en-US" dirty="0"/>
+              <a:t>Local machine, network, and ISP have them</a:t>
+            </a:r>
+          </a:p>
+          <a:p>
+            <a:pPr marL="571500" indent="-571500">
+              <a:spcBef>
+                <a:spcPts val="0"/>
+              </a:spcBef>
+              <a:buClrTx/>
+              <a:buSzTx/>
+              <a:defRPr/>
+            </a:pPr>
+            <a:r>
+              <a:rPr lang="en-US" dirty="0"/>
+              <a:t>There are DNS lookup providers out there</a:t>
+            </a:r>
+          </a:p>
+          <a:p>
+            <a:pPr marL="571500" indent="-571500">
+              <a:spcBef>
+                <a:spcPts val="0"/>
+              </a:spcBef>
+              <a:buClrTx/>
+              <a:buSzTx/>
+              <a:defRPr/>
+            </a:pPr>
+            <a:r>
+              <a:rPr lang="en-US" dirty="0"/>
+              <a:t>Essentially what they are doing is mapping the domain name that you put in with the correct IP address that you're trying to go to.</a:t>
+            </a:r>
+          </a:p>
+          <a:p>
+            <a:pPr marL="0" marR="0" lvl="0" indent="0" defTabSz="914400" eaLnBrk="1" fontAlgn="auto" latinLnBrk="0" hangingPunct="1">
+              <a:lnSpc>
+                <a:spcPct val="100000"/>
+              </a:lnSpc>
+              <a:spcBef>
+                <a:spcPts val="0"/>
+              </a:spcBef>
+              <a:spcAft>
+                <a:spcPts val="0"/>
+              </a:spcAft>
+              <a:buClrTx/>
+              <a:buSzTx/>
+              <a:buFontTx/>
+              <a:buNone/>
+              <a:tabLst/>
+              <a:defRPr/>
+            </a:pPr>
+            <a:r>
+              <a:rPr lang="en-US" dirty="0"/>
+              <a:t/>
+            </a:r>
+            <a:br>
+              <a:rPr lang="en-US" dirty="0"/>
+            </a:br>
+            <a:r>
+              <a:rPr lang="en-US" dirty="0"/>
+              <a:t/>
+            </a:r>
+            <a:br>
+              <a:rPr lang="en-US" dirty="0"/>
+            </a:br>
+            <a:r>
+              <a:rPr lang="en-US" dirty="0"/>
+              <a:t>Impression: Covers basics, but lacks details </a:t>
+            </a:r>
+          </a:p>
+        </p:txBody>
+      </p:sp>
+    </p:spTree>
+    <p:extLst>
+      <p:ext uri="{BB962C8B-B14F-4D97-AF65-F5344CB8AC3E}">
+        <p14:creationId xmlns:p14="http://schemas.microsoft.com/office/powerpoint/2010/main" val="3935892684"/>
+      </p:ext>
+    </p:extLst>
+  </p:cSld>
+  <p:clrMapOvr>
+    <a:masterClrMapping/>
+  </p:clrMapOvr>
+</p:sld>
+</file>
+
+<file path=ppt/slides/slide16.xml><?xml version="1.0" encoding="utf-8"?>
+<p:sld xmlns:a="http://schemas.openxmlformats.org/drawingml/2006/main" xmlns:r="http://schemas.openxmlformats.org/officeDocument/2006/relationships" xmlns:p="http://schemas.openxmlformats.org/presentationml/2006/main">
+  <p:cSld>
+    <p:spTree>
+      <p:nvGrpSpPr>
+        <p:cNvPr id="1" name=""/>
+        <p:cNvGrpSpPr/>
+        <p:nvPr/>
+      </p:nvGrpSpPr>
+      <p:grpSpPr>
+        <a:xfrm>
+          <a:off x="0" y="0"/>
+          <a:ext cx="0" cy="0"/>
+          <a:chOff x="0" y="0"/>
+          <a:chExt cx="0" cy="0"/>
+        </a:xfrm>
+      </p:grpSpPr>
+      <p:sp>
+        <p:nvSpPr>
+          <p:cNvPr id="2" name="Title 1">
+            <a:extLst>
+              <a:ext uri="{FF2B5EF4-FFF2-40B4-BE49-F238E27FC236}">
+                <a16:creationId xmlns:a16="http://schemas.microsoft.com/office/drawing/2014/main" id="{0416B85F-4789-7349-885A-3A9736185D78}"/>
+              </a:ext>
+            </a:extLst>
+          </p:cNvPr>
+          <p:cNvSpPr>
+            <a:spLocks noGrp="1"/>
+          </p:cNvSpPr>
+          <p:nvPr>
+            <p:ph type="title"/>
+          </p:nvPr>
+        </p:nvSpPr>
+        <p:spPr/>
+        <p:txBody>
+          <a:bodyPr/>
+          <a:lstStyle/>
+          <a:p>
+            <a:r>
+              <a:rPr lang="en-US" dirty="0"/>
               <a:t>Transcript Example 3</a:t>
             </a:r>
           </a:p>
@@ -7983,7 +8318,7 @@
 </p:sld>
 </file>
 
-<file path=ppt/slides/slide16.xml><?xml version="1.0" encoding="utf-8"?>
+<file path=ppt/slides/slide17.xml><?xml version="1.0" encoding="utf-8"?>
 <p:sld xmlns:a="http://schemas.openxmlformats.org/drawingml/2006/main" xmlns:r="http://schemas.openxmlformats.org/officeDocument/2006/relationships" xmlns:p="http://schemas.openxmlformats.org/presentationml/2006/main">
   <p:cSld>
     <p:spTree>
@@ -8041,7 +8376,7 @@
 </p:sld>
 </file>
 
-<file path=ppt/slides/slide17.xml><?xml version="1.0" encoding="utf-8"?>
+<file path=ppt/slides/slide18.xml><?xml version="1.0" encoding="utf-8"?>
 <p:sld xmlns:a="http://schemas.openxmlformats.org/drawingml/2006/main" xmlns:r="http://schemas.openxmlformats.org/officeDocument/2006/relationships" xmlns:p="http://schemas.openxmlformats.org/presentationml/2006/main">
   <p:cSld>
     <p:spTree>
@@ -8101,7 +8436,7 @@
 </p:sld>
 </file>
 
-<file path=ppt/slides/slide18.xml><?xml version="1.0" encoding="utf-8"?>
+<file path=ppt/slides/slide19.xml><?xml version="1.0" encoding="utf-8"?>
 <p:sld xmlns:a="http://schemas.openxmlformats.org/drawingml/2006/main" xmlns:r="http://schemas.openxmlformats.org/officeDocument/2006/relationships" xmlns:p="http://schemas.openxmlformats.org/presentationml/2006/main">
   <p:cSld>
     <p:spTree>
@@ -8150,115 +8485,6 @@
     <p:extLst>
       <p:ext uri="{BB962C8B-B14F-4D97-AF65-F5344CB8AC3E}">
         <p14:creationId xmlns:p14="http://schemas.microsoft.com/office/powerpoint/2010/main" val="1467090001"/>
-      </p:ext>
-    </p:extLst>
-  </p:cSld>
-  <p:clrMapOvr>
-    <a:masterClrMapping/>
-  </p:clrMapOvr>
-</p:sld>
-</file>
-
-<file path=ppt/slides/slide19.xml><?xml version="1.0" encoding="utf-8"?>
-<p:sld xmlns:a="http://schemas.openxmlformats.org/drawingml/2006/main" xmlns:r="http://schemas.openxmlformats.org/officeDocument/2006/relationships" xmlns:p="http://schemas.openxmlformats.org/presentationml/2006/main">
-  <p:cSld>
-    <p:spTree>
-      <p:nvGrpSpPr>
-        <p:cNvPr id="1" name="Shape 242"/>
-        <p:cNvGrpSpPr/>
-        <p:nvPr/>
-      </p:nvGrpSpPr>
-      <p:grpSpPr>
-        <a:xfrm>
-          <a:off x="0" y="0"/>
-          <a:ext cx="0" cy="0"/>
-          <a:chOff x="0" y="0"/>
-          <a:chExt cx="0" cy="0"/>
-        </a:xfrm>
-      </p:grpSpPr>
-      <p:sp>
-        <p:nvSpPr>
-          <p:cNvPr id="243" name="Google Shape;243;p45"/>
-          <p:cNvSpPr txBox="1">
-            <a:spLocks noGrp="1"/>
-          </p:cNvSpPr>
-          <p:nvPr>
-            <p:ph type="title"/>
-          </p:nvPr>
-        </p:nvSpPr>
-        <p:spPr>
-          <a:prstGeom prst="rect">
-            <a:avLst/>
-          </a:prstGeom>
-          <a:noFill/>
-          <a:ln>
-            <a:noFill/>
-          </a:ln>
-        </p:spPr>
-        <p:txBody>
-          <a:bodyPr spcFirstLastPara="1" wrap="square" lIns="121904" tIns="60935" rIns="121904" bIns="60935" anchor="t" anchorCtr="0">
-            <a:noAutofit/>
-          </a:bodyPr>
-          <a:lstStyle/>
-          <a:p>
-            <a:r>
-              <a:rPr lang="en-US" dirty="0"/>
-              <a:t>Example Interview Analysis</a:t>
-            </a:r>
-            <a:endParaRPr dirty="0">
-              <a:solidFill>
-                <a:srgbClr val="FF0000"/>
-              </a:solidFill>
-            </a:endParaRPr>
-          </a:p>
-        </p:txBody>
-      </p:sp>
-      <p:sp>
-        <p:nvSpPr>
-          <p:cNvPr id="2" name="Text Placeholder 1">
-            <a:extLst>
-              <a:ext uri="{FF2B5EF4-FFF2-40B4-BE49-F238E27FC236}">
-                <a16:creationId xmlns:a16="http://schemas.microsoft.com/office/drawing/2014/main" id="{0B6FBA02-17EB-9B44-9451-15D976348E1B}"/>
-              </a:ext>
-            </a:extLst>
-          </p:cNvPr>
-          <p:cNvSpPr>
-            <a:spLocks noGrp="1"/>
-          </p:cNvSpPr>
-          <p:nvPr>
-            <p:ph type="body" idx="1"/>
-          </p:nvPr>
-        </p:nvSpPr>
-        <p:spPr/>
-        <p:txBody>
-          <a:bodyPr>
-            <a:normAutofit/>
-          </a:bodyPr>
-          <a:lstStyle/>
-          <a:p>
-            <a:pPr marL="228611" indent="0">
-              <a:buNone/>
-            </a:pPr>
-            <a:r>
-              <a:rPr lang="en-US" dirty="0"/>
-              <a:t>“The applicant has done full-stack work ranging from cloud to front-end. Their implementation of agile, both at previous orgs and in their own startup (albeit a single-person org), shows they knows how to prioritize user needs during development. Seems like well-rounded individual contributor and a strong communicator.</a:t>
-            </a:r>
-          </a:p>
-          <a:p>
-            <a:pPr marL="228611" indent="0">
-              <a:buNone/>
-            </a:pPr>
-            <a:r>
-              <a:rPr lang="en-US" dirty="0"/>
-              <a:t>Minor concern: Knowledge on networking is on the weaker end.”</a:t>
-            </a:r>
-          </a:p>
-        </p:txBody>
-      </p:sp>
-    </p:spTree>
-    <p:extLst>
-      <p:ext uri="{BB962C8B-B14F-4D97-AF65-F5344CB8AC3E}">
-        <p14:creationId xmlns:p14="http://schemas.microsoft.com/office/powerpoint/2010/main" val="2158818839"/>
       </p:ext>
     </p:extLst>
   </p:cSld>
@@ -8394,7 +8620,7 @@
   <p:cSld>
     <p:spTree>
       <p:nvGrpSpPr>
-        <p:cNvPr id="1" name=""/>
+        <p:cNvPr id="1" name="Shape 242"/>
         <p:cNvGrpSpPr/>
         <p:nvPr/>
       </p:nvGrpSpPr>
@@ -8408,14 +8634,8 @@
       </p:grpSpPr>
       <p:sp>
         <p:nvSpPr>
-          <p:cNvPr id="2" name="Title 1">
-            <a:extLst>
-              <a:ext uri="{FF2B5EF4-FFF2-40B4-BE49-F238E27FC236}">
-                <a16:creationId xmlns:a16="http://schemas.microsoft.com/office/drawing/2014/main" id="{B6628D00-F84F-B44E-B4E4-EDEACD125A1C}"/>
-              </a:ext>
-            </a:extLst>
-          </p:cNvPr>
-          <p:cNvSpPr>
+          <p:cNvPr id="243" name="Google Shape;243;p45"/>
+          <p:cNvSpPr txBox="1">
             <a:spLocks noGrp="1"/>
           </p:cNvSpPr>
           <p:nvPr>
@@ -8426,14 +8646,67 @@
           <a:prstGeom prst="rect">
             <a:avLst/>
           </a:prstGeom>
+          <a:noFill/>
+          <a:ln>
+            <a:noFill/>
+          </a:ln>
         </p:spPr>
         <p:txBody>
-          <a:bodyPr/>
+          <a:bodyPr spcFirstLastPara="1" wrap="square" lIns="121904" tIns="60935" rIns="121904" bIns="60935" anchor="t" anchorCtr="0">
+            <a:noAutofit/>
+          </a:bodyPr>
           <a:lstStyle/>
           <a:p>
             <a:r>
               <a:rPr lang="en-US" dirty="0"/>
-              <a:t>See an interview demo</a:t>
+              <a:t>Example Interview Analysis</a:t>
+            </a:r>
+            <a:endParaRPr dirty="0">
+              <a:solidFill>
+                <a:srgbClr val="FF0000"/>
+              </a:solidFill>
+            </a:endParaRPr>
+          </a:p>
+        </p:txBody>
+      </p:sp>
+      <p:sp>
+        <p:nvSpPr>
+          <p:cNvPr id="2" name="Text Placeholder 1">
+            <a:extLst>
+              <a:ext uri="{FF2B5EF4-FFF2-40B4-BE49-F238E27FC236}">
+                <a16:creationId xmlns:a16="http://schemas.microsoft.com/office/drawing/2014/main" id="{0B6FBA02-17EB-9B44-9451-15D976348E1B}"/>
+              </a:ext>
+            </a:extLst>
+          </p:cNvPr>
+          <p:cNvSpPr>
+            <a:spLocks noGrp="1"/>
+          </p:cNvSpPr>
+          <p:nvPr>
+            <p:ph type="body" idx="1"/>
+          </p:nvPr>
+        </p:nvSpPr>
+        <p:spPr/>
+        <p:txBody>
+          <a:bodyPr>
+            <a:normAutofit/>
+          </a:bodyPr>
+          <a:lstStyle/>
+          <a:p>
+            <a:pPr marL="228611" indent="0">
+              <a:buNone/>
+            </a:pPr>
+            <a:r>
+              <a:rPr lang="en-US" dirty="0"/>
+              <a:t>“The applicant has done full-stack work ranging from cloud to front-end. Their implementation of agile, both at previous orgs and in their own startup (albeit a single-person org), shows they knows how to prioritize user needs during development. Seems like well-rounded individual contributor and a strong communicator.</a:t>
+            </a:r>
+          </a:p>
+          <a:p>
+            <a:pPr marL="228611" indent="0">
+              <a:buNone/>
+            </a:pPr>
+            <a:r>
+              <a:rPr lang="en-US" dirty="0"/>
+              <a:t>Minor concern: Knowledge on networking is on the weaker end.”</a:t>
             </a:r>
           </a:p>
         </p:txBody>
@@ -8441,7 +8714,7 @@
     </p:spTree>
     <p:extLst>
       <p:ext uri="{BB962C8B-B14F-4D97-AF65-F5344CB8AC3E}">
-        <p14:creationId xmlns:p14="http://schemas.microsoft.com/office/powerpoint/2010/main" val="687815027"/>
+        <p14:creationId xmlns:p14="http://schemas.microsoft.com/office/powerpoint/2010/main" val="2158818839"/>
       </p:ext>
     </p:extLst>
   </p:cSld>
@@ -8636,7 +8909,7 @@
   <p:cSld>
     <p:spTree>
       <p:nvGrpSpPr>
-        <p:cNvPr id="1" name="Shape 283"/>
+        <p:cNvPr id="1" name=""/>
         <p:cNvGrpSpPr/>
         <p:nvPr/>
       </p:nvGrpSpPr>
@@ -8650,8 +8923,14 @@
       </p:grpSpPr>
       <p:sp>
         <p:nvSpPr>
-          <p:cNvPr id="284" name="Google Shape;284;p51"/>
-          <p:cNvSpPr txBox="1">
+          <p:cNvPr id="2" name="Title 1">
+            <a:extLst>
+              <a:ext uri="{FF2B5EF4-FFF2-40B4-BE49-F238E27FC236}">
+                <a16:creationId xmlns:a16="http://schemas.microsoft.com/office/drawing/2014/main" id="{F54C41CC-D989-A64B-8C29-7B0676418672}"/>
+              </a:ext>
+            </a:extLst>
+          </p:cNvPr>
+          <p:cNvSpPr>
             <a:spLocks noGrp="1"/>
           </p:cNvSpPr>
           <p:nvPr>
@@ -8663,20 +8942,20 @@
           <a:bodyPr/>
           <a:lstStyle/>
           <a:p>
-            <a:pPr lvl="0"/>
-            <a:r>
-              <a:rPr lang="en-US" dirty="0"/>
-              <a:t>Timeline and Hours Required – {NUMBER} interviews</a:t>
-            </a:r>
+            <a:r>
+              <a:rPr lang="en-US" dirty="0" smtClean="0"/>
+              <a:t>What do you do</a:t>
+            </a:r>
+            <a:endParaRPr lang="en-US" dirty="0"/>
           </a:p>
         </p:txBody>
       </p:sp>
       <p:sp>
         <p:nvSpPr>
-          <p:cNvPr id="11" name="Text Placeholder 10">
+          <p:cNvPr id="3" name="Text Placeholder 2">
             <a:extLst>
               <a:ext uri="{FF2B5EF4-FFF2-40B4-BE49-F238E27FC236}">
-                <a16:creationId xmlns:a16="http://schemas.microsoft.com/office/drawing/2014/main" id="{A35CA4F9-BD7F-8747-B8C5-97794B155E72}"/>
+                <a16:creationId xmlns:a16="http://schemas.microsoft.com/office/drawing/2014/main" id="{7E58DAAB-0E38-0D44-BD87-12513DC86B18}"/>
               </a:ext>
             </a:extLst>
           </p:cNvPr>
@@ -8684,76 +8963,55 @@
             <a:spLocks noGrp="1"/>
           </p:cNvSpPr>
           <p:nvPr>
-            <p:ph type="body" idx="13"/>
+            <p:ph type="body" idx="1"/>
           </p:nvPr>
         </p:nvSpPr>
-        <p:spPr>
-          <a:xfrm>
-            <a:off x="1192143" y="1442720"/>
-            <a:ext cx="14956057" cy="8087360"/>
-          </a:xfrm>
-        </p:spPr>
+        <p:spPr/>
         <p:txBody>
           <a:bodyPr>
             <a:normAutofit/>
           </a:bodyPr>
           <a:lstStyle/>
           <a:p>
-            <a:pPr marL="800111" indent="-571500">
-              <a:buFont typeface="Arial" panose="020B0604020202020204" pitchFamily="34" charset="0"/>
-              <a:buChar char="•"/>
+            <a:pPr marL="171467" indent="0">
+              <a:buNone/>
             </a:pPr>
             <a:r>
-              <a:rPr lang="en-US" dirty="0"/>
-              <a:t>{NUMBER} SMEs will be doing {NUMBER} interviews each between {DATES}</a:t>
-            </a:r>
-          </a:p>
-          <a:p>
-            <a:pPr marL="800111" indent="-571500">
-              <a:buFont typeface="Arial" panose="020B0604020202020204" pitchFamily="34" charset="0"/>
-              <a:buChar char="•"/>
+              <a:rPr lang="en-US" dirty="0" smtClean="0"/>
+              <a:t>The applicant was outstanding. Do you say:</a:t>
+            </a:r>
+          </a:p>
+          <a:p>
+            <a:pPr marL="171467" indent="0">
+              <a:buNone/>
             </a:pPr>
-            <a:r>
-              <a:rPr lang="en-US" dirty="0"/>
-              <a:t>Interviews will be scheduled for up to 1 hour. </a:t>
-            </a:r>
-          </a:p>
-          <a:p>
-            <a:pPr marL="800111" indent="-571500">
-              <a:buFont typeface="Arial" panose="020B0604020202020204" pitchFamily="34" charset="0"/>
-              <a:buChar char="•"/>
+            <a:endParaRPr lang="en-US" dirty="0" smtClean="0"/>
+          </a:p>
+          <a:p>
+            <a:pPr marL="914417" indent="-742950">
+              <a:buAutoNum type="alphaUcParenR"/>
             </a:pPr>
             <a:r>
-              <a:rPr lang="en-US" dirty="0"/>
-              <a:t>Email docs to HR by end of day of that interview.</a:t>
-            </a:r>
-          </a:p>
-          <a:p>
-            <a:pPr marL="800111" indent="-571500">
-              <a:buFont typeface="Arial" panose="020B0604020202020204" pitchFamily="34" charset="0"/>
-              <a:buChar char="•"/>
+              <a:rPr lang="en-US" dirty="0" smtClean="0"/>
+              <a:t>You were one of the best- you will be qualified for sure.</a:t>
+            </a:r>
+          </a:p>
+          <a:p>
+            <a:pPr marL="914417" indent="-742950">
+              <a:buAutoNum type="alphaUcParenR"/>
             </a:pPr>
             <a:r>
-              <a:rPr lang="en-US" dirty="0"/>
-              <a:t>Make sure you block off the 4 timeslots/day you provided to schedulers. </a:t>
-            </a:r>
-          </a:p>
-          <a:p>
-            <a:pPr marL="800111" indent="-571500">
-              <a:buFont typeface="Arial" panose="020B0604020202020204" pitchFamily="34" charset="0"/>
-              <a:buChar char="•"/>
-            </a:pPr>
-            <a:r>
-              <a:rPr lang="en-US" dirty="0"/>
-              <a:t>Schedule 30 minutes per interview for yourself to set up/fill out/submit feedback that same day.</a:t>
-            </a:r>
+              <a:rPr lang="en-US" dirty="0" smtClean="0"/>
+              <a:t>Thank you for your time- you should hear back from HR soon.</a:t>
+            </a:r>
+            <a:endParaRPr lang="en-US" dirty="0"/>
           </a:p>
         </p:txBody>
       </p:sp>
     </p:spTree>
     <p:extLst>
       <p:ext uri="{BB962C8B-B14F-4D97-AF65-F5344CB8AC3E}">
-        <p14:creationId xmlns:p14="http://schemas.microsoft.com/office/powerpoint/2010/main" val="4159876948"/>
+        <p14:creationId xmlns:p14="http://schemas.microsoft.com/office/powerpoint/2010/main" val="3089228242"/>
       </p:ext>
     </p:extLst>
   </p:cSld>
@@ -8764,6 +9022,323 @@
 </file>
 
 <file path=ppt/slides/slide24.xml><?xml version="1.0" encoding="utf-8"?>
+<p:sld xmlns:a="http://schemas.openxmlformats.org/drawingml/2006/main" xmlns:r="http://schemas.openxmlformats.org/officeDocument/2006/relationships" xmlns:p="http://schemas.openxmlformats.org/presentationml/2006/main">
+  <p:cSld>
+    <p:spTree>
+      <p:nvGrpSpPr>
+        <p:cNvPr id="1" name=""/>
+        <p:cNvGrpSpPr/>
+        <p:nvPr/>
+      </p:nvGrpSpPr>
+      <p:grpSpPr>
+        <a:xfrm>
+          <a:off x="0" y="0"/>
+          <a:ext cx="0" cy="0"/>
+          <a:chOff x="0" y="0"/>
+          <a:chExt cx="0" cy="0"/>
+        </a:xfrm>
+      </p:grpSpPr>
+      <p:sp>
+        <p:nvSpPr>
+          <p:cNvPr id="2" name="Title 1">
+            <a:extLst>
+              <a:ext uri="{FF2B5EF4-FFF2-40B4-BE49-F238E27FC236}">
+                <a16:creationId xmlns:a16="http://schemas.microsoft.com/office/drawing/2014/main" id="{F54C41CC-D989-A64B-8C29-7B0676418672}"/>
+              </a:ext>
+            </a:extLst>
+          </p:cNvPr>
+          <p:cNvSpPr>
+            <a:spLocks noGrp="1"/>
+          </p:cNvSpPr>
+          <p:nvPr>
+            <p:ph type="title"/>
+          </p:nvPr>
+        </p:nvSpPr>
+        <p:spPr/>
+        <p:txBody>
+          <a:bodyPr/>
+          <a:lstStyle/>
+          <a:p>
+            <a:r>
+              <a:rPr lang="en-US" dirty="0" smtClean="0"/>
+              <a:t>What do you do</a:t>
+            </a:r>
+            <a:endParaRPr lang="en-US" dirty="0"/>
+          </a:p>
+        </p:txBody>
+      </p:sp>
+      <p:sp>
+        <p:nvSpPr>
+          <p:cNvPr id="3" name="Text Placeholder 2">
+            <a:extLst>
+              <a:ext uri="{FF2B5EF4-FFF2-40B4-BE49-F238E27FC236}">
+                <a16:creationId xmlns:a16="http://schemas.microsoft.com/office/drawing/2014/main" id="{7E58DAAB-0E38-0D44-BD87-12513DC86B18}"/>
+              </a:ext>
+            </a:extLst>
+          </p:cNvPr>
+          <p:cNvSpPr>
+            <a:spLocks noGrp="1"/>
+          </p:cNvSpPr>
+          <p:nvPr>
+            <p:ph type="body" idx="1"/>
+          </p:nvPr>
+        </p:nvSpPr>
+        <p:spPr/>
+        <p:txBody>
+          <a:bodyPr>
+            <a:normAutofit fontScale="92500" lnSpcReduction="10000"/>
+          </a:bodyPr>
+          <a:lstStyle/>
+          <a:p>
+            <a:pPr marL="171467" indent="0">
+              <a:buNone/>
+            </a:pPr>
+            <a:r>
+              <a:rPr lang="en-US" dirty="0" smtClean="0"/>
+              <a:t>The applicant has a lot of questions for you about the process and the position. How much time should you take to answer them?</a:t>
+            </a:r>
+          </a:p>
+          <a:p>
+            <a:pPr marL="171467" indent="0">
+              <a:buNone/>
+            </a:pPr>
+            <a:endParaRPr lang="en-US" dirty="0" smtClean="0"/>
+          </a:p>
+          <a:p>
+            <a:pPr marL="914417" indent="-742950">
+              <a:buAutoNum type="alphaUcParenR"/>
+            </a:pPr>
+            <a:r>
+              <a:rPr lang="en-US" dirty="0" smtClean="0"/>
+              <a:t>Take as much time as needed- we need to recruit and this is a two way street.</a:t>
+            </a:r>
+          </a:p>
+          <a:p>
+            <a:pPr marL="914417" indent="-742950">
+              <a:buAutoNum type="alphaUcParenR"/>
+            </a:pPr>
+            <a:r>
+              <a:rPr lang="en-US" dirty="0" smtClean="0"/>
+              <a:t>Leave 5 minutes at the end for questions.</a:t>
+            </a:r>
+          </a:p>
+          <a:p>
+            <a:pPr marL="914417" indent="-742950">
+              <a:buAutoNum type="alphaUcParenR"/>
+            </a:pPr>
+            <a:r>
+              <a:rPr lang="en-US" dirty="0" smtClean="0"/>
+              <a:t>Do not answer questions about the process or job- refer them to HR so every applicant has the same information. Tell them they can ask  more specific questions during a final fit interview with the hiring manger.</a:t>
+            </a:r>
+            <a:endParaRPr lang="en-US" dirty="0"/>
+          </a:p>
+        </p:txBody>
+      </p:sp>
+    </p:spTree>
+    <p:extLst>
+      <p:ext uri="{BB962C8B-B14F-4D97-AF65-F5344CB8AC3E}">
+        <p14:creationId xmlns:p14="http://schemas.microsoft.com/office/powerpoint/2010/main" val="3843651098"/>
+      </p:ext>
+    </p:extLst>
+  </p:cSld>
+  <p:clrMapOvr>
+    <a:masterClrMapping/>
+  </p:clrMapOvr>
+</p:sld>
+</file>
+
+<file path=ppt/slides/slide25.xml><?xml version="1.0" encoding="utf-8"?>
+<p:sld xmlns:a="http://schemas.openxmlformats.org/drawingml/2006/main" xmlns:r="http://schemas.openxmlformats.org/officeDocument/2006/relationships" xmlns:p="http://schemas.openxmlformats.org/presentationml/2006/main">
+  <p:cSld>
+    <p:spTree>
+      <p:nvGrpSpPr>
+        <p:cNvPr id="1" name=""/>
+        <p:cNvGrpSpPr/>
+        <p:nvPr/>
+      </p:nvGrpSpPr>
+      <p:grpSpPr>
+        <a:xfrm>
+          <a:off x="0" y="0"/>
+          <a:ext cx="0" cy="0"/>
+          <a:chOff x="0" y="0"/>
+          <a:chExt cx="0" cy="0"/>
+        </a:xfrm>
+      </p:grpSpPr>
+      <p:sp>
+        <p:nvSpPr>
+          <p:cNvPr id="2" name="Title 1">
+            <a:extLst>
+              <a:ext uri="{FF2B5EF4-FFF2-40B4-BE49-F238E27FC236}">
+                <a16:creationId xmlns:a16="http://schemas.microsoft.com/office/drawing/2014/main" id="{F54C41CC-D989-A64B-8C29-7B0676418672}"/>
+              </a:ext>
+            </a:extLst>
+          </p:cNvPr>
+          <p:cNvSpPr>
+            <a:spLocks noGrp="1"/>
+          </p:cNvSpPr>
+          <p:nvPr>
+            <p:ph type="title"/>
+          </p:nvPr>
+        </p:nvSpPr>
+        <p:spPr/>
+        <p:txBody>
+          <a:bodyPr/>
+          <a:lstStyle/>
+          <a:p>
+            <a:r>
+              <a:rPr lang="en-US" dirty="0" smtClean="0"/>
+              <a:t>What do you do</a:t>
+            </a:r>
+            <a:endParaRPr lang="en-US" dirty="0"/>
+          </a:p>
+        </p:txBody>
+      </p:sp>
+      <p:sp>
+        <p:nvSpPr>
+          <p:cNvPr id="3" name="Text Placeholder 2">
+            <a:extLst>
+              <a:ext uri="{FF2B5EF4-FFF2-40B4-BE49-F238E27FC236}">
+                <a16:creationId xmlns:a16="http://schemas.microsoft.com/office/drawing/2014/main" id="{7E58DAAB-0E38-0D44-BD87-12513DC86B18}"/>
+              </a:ext>
+            </a:extLst>
+          </p:cNvPr>
+          <p:cNvSpPr>
+            <a:spLocks noGrp="1"/>
+          </p:cNvSpPr>
+          <p:nvPr>
+            <p:ph type="body" idx="1"/>
+          </p:nvPr>
+        </p:nvSpPr>
+        <p:spPr/>
+        <p:txBody>
+          <a:bodyPr>
+            <a:normAutofit fontScale="92500" lnSpcReduction="20000"/>
+          </a:bodyPr>
+          <a:lstStyle/>
+          <a:p>
+            <a:pPr marL="171467" indent="0">
+              <a:buNone/>
+            </a:pPr>
+            <a:r>
+              <a:rPr lang="en-US" dirty="0" smtClean="0"/>
+              <a:t>The applicant took so much time going through the first several questions that you run out of time for the last one! So there is no way they can qualify because you weren’t able to assess one of the competencies. </a:t>
+            </a:r>
+          </a:p>
+          <a:p>
+            <a:pPr marL="914417" indent="-742950">
+              <a:buAutoNum type="alphaUcParenR"/>
+            </a:pPr>
+            <a:r>
+              <a:rPr lang="en-US" dirty="0" smtClean="0"/>
+              <a:t>Give the applicant an extra 30 minutes at the end of the hour.</a:t>
+            </a:r>
+          </a:p>
+          <a:p>
+            <a:pPr marL="914417" indent="-742950">
+              <a:buAutoNum type="alphaUcParenR"/>
+            </a:pPr>
+            <a:r>
+              <a:rPr lang="en-US" dirty="0" smtClean="0"/>
+              <a:t>Schedule a follow up call to finish later.</a:t>
+            </a:r>
+          </a:p>
+          <a:p>
+            <a:pPr marL="914417" indent="-742950">
+              <a:buAutoNum type="alphaUcParenR"/>
+            </a:pPr>
+            <a:r>
+              <a:rPr lang="en-US" dirty="0" smtClean="0"/>
+              <a:t>Use the information you collected from the other questions to see if you feel they meet the missing competencies. Next time try to manage your time better and cut the applicant off if they’re taking too long with one question.</a:t>
+            </a:r>
+          </a:p>
+          <a:p>
+            <a:pPr marL="914417" indent="-742950">
+              <a:buAutoNum type="alphaUcParenR"/>
+            </a:pPr>
+            <a:r>
+              <a:rPr lang="en-US" dirty="0" smtClean="0"/>
+              <a:t>The applicant must be unqualified because you weren’t able to ask the last question.</a:t>
+            </a:r>
+            <a:endParaRPr lang="en-US" dirty="0"/>
+          </a:p>
+        </p:txBody>
+      </p:sp>
+    </p:spTree>
+    <p:extLst>
+      <p:ext uri="{BB962C8B-B14F-4D97-AF65-F5344CB8AC3E}">
+        <p14:creationId xmlns:p14="http://schemas.microsoft.com/office/powerpoint/2010/main" val="1322322072"/>
+      </p:ext>
+    </p:extLst>
+  </p:cSld>
+  <p:clrMapOvr>
+    <a:masterClrMapping/>
+  </p:clrMapOvr>
+</p:sld>
+</file>
+
+<file path=ppt/slides/slide26.xml><?xml version="1.0" encoding="utf-8"?>
+<p:sld xmlns:a="http://schemas.openxmlformats.org/drawingml/2006/main" xmlns:r="http://schemas.openxmlformats.org/officeDocument/2006/relationships" xmlns:p="http://schemas.openxmlformats.org/presentationml/2006/main">
+  <p:cSld>
+    <p:spTree>
+      <p:nvGrpSpPr>
+        <p:cNvPr id="1" name=""/>
+        <p:cNvGrpSpPr/>
+        <p:nvPr/>
+      </p:nvGrpSpPr>
+      <p:grpSpPr>
+        <a:xfrm>
+          <a:off x="0" y="0"/>
+          <a:ext cx="0" cy="0"/>
+          <a:chOff x="0" y="0"/>
+          <a:chExt cx="0" cy="0"/>
+        </a:xfrm>
+      </p:grpSpPr>
+      <p:sp>
+        <p:nvSpPr>
+          <p:cNvPr id="2" name="Title 1">
+            <a:extLst>
+              <a:ext uri="{FF2B5EF4-FFF2-40B4-BE49-F238E27FC236}">
+                <a16:creationId xmlns:a16="http://schemas.microsoft.com/office/drawing/2014/main" id="{B6628D00-F84F-B44E-B4E4-EDEACD125A1C}"/>
+              </a:ext>
+            </a:extLst>
+          </p:cNvPr>
+          <p:cNvSpPr>
+            <a:spLocks noGrp="1"/>
+          </p:cNvSpPr>
+          <p:nvPr>
+            <p:ph type="title"/>
+          </p:nvPr>
+        </p:nvSpPr>
+        <p:spPr>
+          <a:prstGeom prst="rect">
+            <a:avLst/>
+          </a:prstGeom>
+        </p:spPr>
+        <p:txBody>
+          <a:bodyPr/>
+          <a:lstStyle/>
+          <a:p>
+            <a:r>
+              <a:rPr lang="en-US" dirty="0"/>
+              <a:t>See an interview demo</a:t>
+            </a:r>
+          </a:p>
+        </p:txBody>
+      </p:sp>
+    </p:spTree>
+    <p:extLst>
+      <p:ext uri="{BB962C8B-B14F-4D97-AF65-F5344CB8AC3E}">
+        <p14:creationId xmlns:p14="http://schemas.microsoft.com/office/powerpoint/2010/main" val="687815027"/>
+      </p:ext>
+    </p:extLst>
+  </p:cSld>
+  <p:clrMapOvr>
+    <a:masterClrMapping/>
+  </p:clrMapOvr>
+</p:sld>
+</file>
+
+<file path=ppt/slides/slide27.xml><?xml version="1.0" encoding="utf-8"?>
 <p:sld xmlns:a="http://schemas.openxmlformats.org/drawingml/2006/main" xmlns:r="http://schemas.openxmlformats.org/officeDocument/2006/relationships" xmlns:p="http://schemas.openxmlformats.org/presentationml/2006/main">
   <p:cSld>
     <p:spTree>
@@ -9098,6 +9673,138 @@
   <p:cSld>
     <p:spTree>
       <p:nvGrpSpPr>
+        <p:cNvPr id="1" name="Shape 283"/>
+        <p:cNvGrpSpPr/>
+        <p:nvPr/>
+      </p:nvGrpSpPr>
+      <p:grpSpPr>
+        <a:xfrm>
+          <a:off x="0" y="0"/>
+          <a:ext cx="0" cy="0"/>
+          <a:chOff x="0" y="0"/>
+          <a:chExt cx="0" cy="0"/>
+        </a:xfrm>
+      </p:grpSpPr>
+      <p:sp>
+        <p:nvSpPr>
+          <p:cNvPr id="284" name="Google Shape;284;p51"/>
+          <p:cNvSpPr txBox="1">
+            <a:spLocks noGrp="1"/>
+          </p:cNvSpPr>
+          <p:nvPr>
+            <p:ph type="title"/>
+          </p:nvPr>
+        </p:nvSpPr>
+        <p:spPr/>
+        <p:txBody>
+          <a:bodyPr/>
+          <a:lstStyle/>
+          <a:p>
+            <a:pPr lvl="0"/>
+            <a:r>
+              <a:rPr lang="en-US" dirty="0"/>
+              <a:t>Timeline and Hours Required – {NUMBER} interviews</a:t>
+            </a:r>
+          </a:p>
+        </p:txBody>
+      </p:sp>
+      <p:sp>
+        <p:nvSpPr>
+          <p:cNvPr id="11" name="Text Placeholder 10">
+            <a:extLst>
+              <a:ext uri="{FF2B5EF4-FFF2-40B4-BE49-F238E27FC236}">
+                <a16:creationId xmlns:a16="http://schemas.microsoft.com/office/drawing/2014/main" id="{A35CA4F9-BD7F-8747-B8C5-97794B155E72}"/>
+              </a:ext>
+            </a:extLst>
+          </p:cNvPr>
+          <p:cNvSpPr>
+            <a:spLocks noGrp="1"/>
+          </p:cNvSpPr>
+          <p:nvPr>
+            <p:ph type="body" idx="13"/>
+          </p:nvPr>
+        </p:nvSpPr>
+        <p:spPr>
+          <a:xfrm>
+            <a:off x="1192143" y="1442720"/>
+            <a:ext cx="14956057" cy="8087360"/>
+          </a:xfrm>
+        </p:spPr>
+        <p:txBody>
+          <a:bodyPr>
+            <a:normAutofit/>
+          </a:bodyPr>
+          <a:lstStyle/>
+          <a:p>
+            <a:pPr marL="800111" indent="-571500">
+              <a:buFont typeface="Arial" panose="020B0604020202020204" pitchFamily="34" charset="0"/>
+              <a:buChar char="•"/>
+            </a:pPr>
+            <a:r>
+              <a:rPr lang="en-US" dirty="0"/>
+              <a:t>{NUMBER} SMEs will be doing {NUMBER} interviews each between {DATES}</a:t>
+            </a:r>
+          </a:p>
+          <a:p>
+            <a:pPr marL="800111" indent="-571500">
+              <a:buFont typeface="Arial" panose="020B0604020202020204" pitchFamily="34" charset="0"/>
+              <a:buChar char="•"/>
+            </a:pPr>
+            <a:r>
+              <a:rPr lang="en-US" dirty="0"/>
+              <a:t>Interviews will be scheduled for up to 1 hour. </a:t>
+            </a:r>
+          </a:p>
+          <a:p>
+            <a:pPr marL="800111" indent="-571500">
+              <a:buFont typeface="Arial" panose="020B0604020202020204" pitchFamily="34" charset="0"/>
+              <a:buChar char="•"/>
+            </a:pPr>
+            <a:r>
+              <a:rPr lang="en-US" dirty="0"/>
+              <a:t>Email docs to HR by end of day of that interview.</a:t>
+            </a:r>
+          </a:p>
+          <a:p>
+            <a:pPr marL="800111" indent="-571500">
+              <a:buFont typeface="Arial" panose="020B0604020202020204" pitchFamily="34" charset="0"/>
+              <a:buChar char="•"/>
+            </a:pPr>
+            <a:r>
+              <a:rPr lang="en-US" dirty="0"/>
+              <a:t>Make sure you block off the 4 timeslots/day you provided to schedulers. </a:t>
+            </a:r>
+          </a:p>
+          <a:p>
+            <a:pPr marL="800111" indent="-571500">
+              <a:buFont typeface="Arial" panose="020B0604020202020204" pitchFamily="34" charset="0"/>
+              <a:buChar char="•"/>
+            </a:pPr>
+            <a:r>
+              <a:rPr lang="en-US" dirty="0"/>
+              <a:t>Schedule 30 minutes per interview for yourself to set up/fill out/submit feedback that same day.</a:t>
+            </a:r>
+          </a:p>
+        </p:txBody>
+      </p:sp>
+    </p:spTree>
+    <p:extLst>
+      <p:ext uri="{BB962C8B-B14F-4D97-AF65-F5344CB8AC3E}">
+        <p14:creationId xmlns:p14="http://schemas.microsoft.com/office/powerpoint/2010/main" val="4159876948"/>
+      </p:ext>
+    </p:extLst>
+  </p:cSld>
+  <p:clrMapOvr>
+    <a:masterClrMapping/>
+  </p:clrMapOvr>
+</p:sld>
+</file>
+
+<file path=ppt/slides/slide6.xml><?xml version="1.0" encoding="utf-8"?>
+<p:sld xmlns:a="http://schemas.openxmlformats.org/drawingml/2006/main" xmlns:r="http://schemas.openxmlformats.org/officeDocument/2006/relationships" xmlns:p="http://schemas.openxmlformats.org/presentationml/2006/main">
+  <p:cSld>
+    <p:spTree>
+      <p:nvGrpSpPr>
         <p:cNvPr id="1" name=""/>
         <p:cNvGrpSpPr/>
         <p:nvPr/>
@@ -9151,7 +9858,7 @@
 </p:sld>
 </file>
 
-<file path=ppt/slides/slide6.xml><?xml version="1.0" encoding="utf-8"?>
+<file path=ppt/slides/slide7.xml><?xml version="1.0" encoding="utf-8"?>
 <p:sld xmlns:a="http://schemas.openxmlformats.org/drawingml/2006/main" xmlns:r="http://schemas.openxmlformats.org/officeDocument/2006/relationships" xmlns:p="http://schemas.openxmlformats.org/presentationml/2006/main">
   <p:cSld>
     <p:spTree>
@@ -9279,7 +9986,7 @@
             <a:fld id="{9A130CC6-AF16-4E75-B386-B0184CCD31FF}" type="slidenum">
               <a:rPr lang="en-US" smtClean="0"/>
               <a:pPr/>
-              <a:t>6</a:t>
+              <a:t>7</a:t>
             </a:fld>
             <a:endParaRPr lang="en-US" dirty="0"/>
           </a:p>
@@ -9298,7 +10005,7 @@
 </p:sld>
 </file>
 
-<file path=ppt/slides/slide7.xml><?xml version="1.0" encoding="utf-8"?>
+<file path=ppt/slides/slide8.xml><?xml version="1.0" encoding="utf-8"?>
 <p:sld xmlns:a="http://schemas.openxmlformats.org/drawingml/2006/main" xmlns:r="http://schemas.openxmlformats.org/officeDocument/2006/relationships" xmlns:p="http://schemas.openxmlformats.org/presentationml/2006/main">
   <p:cSld>
     <p:spTree>
@@ -9356,7 +10063,7 @@
 </p:sld>
 </file>
 
-<file path=ppt/slides/slide8.xml><?xml version="1.0" encoding="utf-8"?>
+<file path=ppt/slides/slide9.xml><?xml version="1.0" encoding="utf-8"?>
 <p:sld xmlns:a="http://schemas.openxmlformats.org/drawingml/2006/main" xmlns:r="http://schemas.openxmlformats.org/officeDocument/2006/relationships" xmlns:p="http://schemas.openxmlformats.org/presentationml/2006/main">
   <p:cSld>
     <p:spTree>
@@ -9405,98 +10112,6 @@
     <p:extLst>
       <p:ext uri="{BB962C8B-B14F-4D97-AF65-F5344CB8AC3E}">
         <p14:creationId xmlns:p14="http://schemas.microsoft.com/office/powerpoint/2010/main" val="2642887974"/>
-      </p:ext>
-    </p:extLst>
-  </p:cSld>
-  <p:clrMapOvr>
-    <a:masterClrMapping/>
-  </p:clrMapOvr>
-</p:sld>
-</file>
-
-<file path=ppt/slides/slide9.xml><?xml version="1.0" encoding="utf-8"?>
-<p:sld xmlns:a="http://schemas.openxmlformats.org/drawingml/2006/main" xmlns:r="http://schemas.openxmlformats.org/officeDocument/2006/relationships" xmlns:p="http://schemas.openxmlformats.org/presentationml/2006/main">
-  <p:cSld>
-    <p:spTree>
-      <p:nvGrpSpPr>
-        <p:cNvPr id="1" name=""/>
-        <p:cNvGrpSpPr/>
-        <p:nvPr/>
-      </p:nvGrpSpPr>
-      <p:grpSpPr>
-        <a:xfrm>
-          <a:off x="0" y="0"/>
-          <a:ext cx="0" cy="0"/>
-          <a:chOff x="0" y="0"/>
-          <a:chExt cx="0" cy="0"/>
-        </a:xfrm>
-      </p:grpSpPr>
-      <p:sp>
-        <p:nvSpPr>
-          <p:cNvPr id="2" name="Title 1">
-            <a:extLst>
-              <a:ext uri="{FF2B5EF4-FFF2-40B4-BE49-F238E27FC236}">
-                <a16:creationId xmlns:a16="http://schemas.microsoft.com/office/drawing/2014/main" id="{73A05252-8126-B046-A1A1-0003084BBD81}"/>
-              </a:ext>
-            </a:extLst>
-          </p:cNvPr>
-          <p:cNvSpPr>
-            <a:spLocks noGrp="1"/>
-          </p:cNvSpPr>
-          <p:nvPr>
-            <p:ph type="title"/>
-          </p:nvPr>
-        </p:nvSpPr>
-        <p:spPr/>
-        <p:txBody>
-          <a:bodyPr/>
-          <a:lstStyle/>
-          <a:p>
-            <a:r>
-              <a:rPr lang="en-US" dirty="0"/>
-              <a:t>Review interview questions</a:t>
-            </a:r>
-          </a:p>
-        </p:txBody>
-      </p:sp>
-      <p:sp>
-        <p:nvSpPr>
-          <p:cNvPr id="3" name="Text Placeholder 2">
-            <a:extLst>
-              <a:ext uri="{FF2B5EF4-FFF2-40B4-BE49-F238E27FC236}">
-                <a16:creationId xmlns:a16="http://schemas.microsoft.com/office/drawing/2014/main" id="{B9066279-FCA9-384B-9086-7DFA7B337C4F}"/>
-              </a:ext>
-            </a:extLst>
-          </p:cNvPr>
-          <p:cNvSpPr>
-            <a:spLocks noGrp="1"/>
-          </p:cNvSpPr>
-          <p:nvPr>
-            <p:ph type="body" idx="1"/>
-          </p:nvPr>
-        </p:nvSpPr>
-        <p:spPr/>
-        <p:txBody>
-          <a:bodyPr/>
-          <a:lstStyle/>
-          <a:p>
-            <a:r>
-              <a:rPr lang="en-US" dirty="0"/>
-              <a:t>Read questions out loud as a team</a:t>
-            </a:r>
-          </a:p>
-          <a:p>
-            <a:r>
-              <a:rPr lang="en-US" dirty="0"/>
-              <a:t>Clarify questions if needed</a:t>
-            </a:r>
-          </a:p>
-        </p:txBody>
-      </p:sp>
-    </p:spTree>
-    <p:extLst>
-      <p:ext uri="{BB962C8B-B14F-4D97-AF65-F5344CB8AC3E}">
-        <p14:creationId xmlns:p14="http://schemas.microsoft.com/office/powerpoint/2010/main" val="2901491240"/>
       </p:ext>
     </p:extLst>
   </p:cSld>

--- a/toolkit/phone-assessment-interviews/phone-interview-training-presentation.pptx
+++ b/toolkit/phone-assessment-interviews/phone-interview-training-presentation.pptx
@@ -33,9 +33,9 @@
     <p:sldId id="281" r:id="rId21"/>
     <p:sldId id="333" r:id="rId22"/>
     <p:sldId id="356" r:id="rId23"/>
-    <p:sldId id="358" r:id="rId24"/>
-    <p:sldId id="359" r:id="rId25"/>
-    <p:sldId id="360" r:id="rId26"/>
+    <p:sldId id="365" r:id="rId24"/>
+    <p:sldId id="364" r:id="rId25"/>
+    <p:sldId id="362" r:id="rId26"/>
     <p:sldId id="331" r:id="rId27"/>
     <p:sldId id="291" r:id="rId28"/>
   </p:sldIdLst>
@@ -43,49 +43,30 @@
   <p:notesSz cx="6881813" cy="9296400"/>
   <p:embeddedFontLst>
     <p:embeddedFont>
-      <p:font typeface="Merriweather" panose="00000500000000000000" pitchFamily="2" charset="0"/>
+      <p:font typeface="Avenir" panose="02000503020000020003" pitchFamily="2" charset="0"/>
       <p:regular r:id="rId31"/>
-      <p:bold r:id="rId32"/>
-      <p:italic r:id="rId33"/>
-      <p:boldItalic r:id="rId34"/>
+      <p:italic r:id="rId32"/>
     </p:embeddedFont>
     <p:embeddedFont>
-      <p:font typeface="Source Sans Pro SemiBold" panose="020B0603030403020204" pitchFamily="34" charset="0"/>
-      <p:bold r:id="rId35"/>
+      <p:font typeface="Merriweather Sans" panose="02060503050406030704" pitchFamily="18" charset="0"/>
+      <p:regular r:id="rId33"/>
+      <p:bold r:id="rId34"/>
+      <p:italic r:id="rId35"/>
       <p:boldItalic r:id="rId36"/>
     </p:embeddedFont>
     <p:embeddedFont>
-      <p:font typeface="Merriweather Sans"/>
+      <p:font typeface="Rockwell" panose="02060603020205020403" pitchFamily="18" charset="77"/>
       <p:regular r:id="rId37"/>
       <p:bold r:id="rId38"/>
       <p:italic r:id="rId39"/>
       <p:boldItalic r:id="rId40"/>
     </p:embeddedFont>
     <p:embeddedFont>
-      <p:font typeface="Avenir"/>
+      <p:font typeface="Source Sans Pro" panose="020B0503030403020204" pitchFamily="34" charset="77"/>
       <p:regular r:id="rId41"/>
-      <p:italic r:id="rId42"/>
-    </p:embeddedFont>
-    <p:embeddedFont>
-      <p:font typeface="Cambria" panose="02040503050406030204" pitchFamily="18" charset="0"/>
-      <p:regular r:id="rId43"/>
-      <p:bold r:id="rId44"/>
-      <p:italic r:id="rId45"/>
-      <p:boldItalic r:id="rId46"/>
-    </p:embeddedFont>
-    <p:embeddedFont>
-      <p:font typeface="Source Sans Pro" panose="020B0503030403020204" pitchFamily="34" charset="0"/>
-      <p:regular r:id="rId47"/>
-      <p:bold r:id="rId48"/>
-      <p:italic r:id="rId49"/>
-      <p:boldItalic r:id="rId50"/>
-    </p:embeddedFont>
-    <p:embeddedFont>
-      <p:font typeface="Rockwell" panose="02060603020205020403" pitchFamily="18" charset="0"/>
-      <p:regular r:id="rId51"/>
-      <p:bold r:id="rId52"/>
-      <p:italic r:id="rId53"/>
-      <p:boldItalic r:id="rId54"/>
+      <p:bold r:id="rId42"/>
+      <p:italic r:id="rId43"/>
+      <p:boldItalic r:id="rId44"/>
     </p:embeddedFont>
   </p:embeddedFontLst>
   <p:defaultTextStyle>
@@ -445,7 +426,7 @@
           <a:p>
             <a:fld id="{5F1244B9-655E-9143-8F11-143B7EBD7CDE}" type="datetimeFigureOut">
               <a:rPr lang="en-US" smtClean="0"/>
-              <a:t>4/22/2020</a:t>
+              <a:t>4/24/20</a:t>
             </a:fld>
             <a:endParaRPr lang="en-US"/>
           </a:p>
@@ -1830,20 +1811,66 @@
           <a:bodyPr/>
           <a:lstStyle/>
           <a:p>
-            <a:r>
-              <a:rPr lang="en-US" dirty="0" smtClean="0"/>
-              <a:t>Correct answer: B. Talk through the consequences</a:t>
-            </a:r>
-            <a:r>
-              <a:rPr lang="en-US" baseline="0" dirty="0" smtClean="0"/>
-              <a:t> of A- first of all, they may not pass the second interview, there may be veterans on top of them and the agency can’t reach them, and you can create the impression of being unfair and bias when applicants talk to each other raising flags for the inspector general. </a:t>
-            </a:r>
-          </a:p>
-          <a:p>
-            <a:r>
-              <a:rPr lang="en-US" baseline="0" dirty="0" smtClean="0"/>
-              <a:t> Do NOT tell them the results- you are just one part of the process and do not know what will happen.</a:t>
-            </a:r>
+            <a:pPr marL="0" indent="0" algn="l"/>
+            <a:r>
+              <a:rPr lang="en-US" sz="2200" b="0" i="0" u="none" strike="noStrike" cap="none" dirty="0">
+                <a:solidFill>
+                  <a:srgbClr val="000000"/>
+                </a:solidFill>
+                <a:latin typeface="Merriweather Sans"/>
+                <a:sym typeface="Merriweather Sans"/>
+              </a:rPr>
+              <a:t>Correct answer: B</a:t>
+            </a:r>
+          </a:p>
+          <a:p>
+            <a:pPr marL="0" indent="0" algn="l"/>
+            <a:endParaRPr lang="en-US" sz="2200" b="0" i="0" u="none" strike="noStrike" cap="none" dirty="0">
+              <a:solidFill>
+                <a:srgbClr val="000000"/>
+              </a:solidFill>
+              <a:latin typeface="Merriweather Sans"/>
+              <a:sym typeface="Merriweather Sans"/>
+            </a:endParaRPr>
+          </a:p>
+          <a:p>
+            <a:pPr marL="0" indent="0" algn="l"/>
+            <a:r>
+              <a:rPr lang="en-US" sz="2200" b="0" i="0" u="none" strike="noStrike" cap="none" dirty="0">
+                <a:solidFill>
+                  <a:srgbClr val="000000"/>
+                </a:solidFill>
+                <a:latin typeface="Merriweather Sans"/>
+                <a:sym typeface="Merriweather Sans"/>
+              </a:rPr>
+              <a:t>Talk through the consequences of A - first of all, they may not pass the second interview, there may be veterans on top of them and the agency can’t reach them, and you can create the impression of being unfair and bias when applicants talk to each other raising flags for the inspector general. </a:t>
+            </a:r>
+          </a:p>
+          <a:p>
+            <a:pPr marL="0" indent="0" algn="l"/>
+            <a:endParaRPr lang="en-US" sz="2200" b="0" i="0" u="none" strike="noStrike" cap="none" dirty="0">
+              <a:solidFill>
+                <a:srgbClr val="000000"/>
+              </a:solidFill>
+              <a:latin typeface="Merriweather Sans"/>
+              <a:sym typeface="Merriweather Sans"/>
+            </a:endParaRPr>
+          </a:p>
+          <a:p>
+            <a:pPr marL="0" indent="0" algn="l"/>
+            <a:r>
+              <a:rPr lang="en-US" sz="2200" b="0" i="0" u="none" strike="noStrike" cap="none" dirty="0">
+                <a:solidFill>
+                  <a:srgbClr val="000000"/>
+                </a:solidFill>
+                <a:latin typeface="Merriweather Sans"/>
+                <a:sym typeface="Merriweather Sans"/>
+              </a:rPr>
+              <a:t>Do NOT tell them the results - you are just one part of the process and do not know what will happen.</a:t>
+            </a:r>
+          </a:p>
+          <a:p>
+            <a:pPr marL="0" indent="0" algn="l"/>
             <a:endParaRPr lang="en-US" dirty="0"/>
           </a:p>
         </p:txBody>
@@ -1851,7 +1878,7 @@
     </p:spTree>
     <p:extLst>
       <p:ext uri="{BB962C8B-B14F-4D97-AF65-F5344CB8AC3E}">
-        <p14:creationId xmlns:p14="http://schemas.microsoft.com/office/powerpoint/2010/main" val="3381123028"/>
+        <p14:creationId xmlns:p14="http://schemas.microsoft.com/office/powerpoint/2010/main" val="1354904067"/>
       </p:ext>
     </p:extLst>
   </p:cSld>
@@ -1905,14 +1932,30 @@
           <a:bodyPr/>
           <a:lstStyle/>
           <a:p>
-            <a:r>
-              <a:rPr lang="en-US" dirty="0" smtClean="0"/>
-              <a:t>Correct</a:t>
-            </a:r>
-            <a:r>
-              <a:rPr lang="en-US" baseline="0" dirty="0" smtClean="0"/>
-              <a:t> answer if C. This is a structured interview and though you can explain what you do for a few minutes at the beginning, ask them to hold questions for HR and/or the fit interview at the end.</a:t>
-            </a:r>
+            <a:pPr marL="0"/>
+            <a:r>
+              <a:rPr lang="en-US" dirty="0"/>
+              <a:t>Correct answer:</a:t>
+            </a:r>
+            <a:r>
+              <a:rPr lang="en-US" baseline="0" dirty="0"/>
+              <a:t> C</a:t>
+            </a:r>
+          </a:p>
+          <a:p>
+            <a:pPr marL="0"/>
+            <a:endParaRPr lang="en-US" baseline="0" dirty="0"/>
+          </a:p>
+          <a:p>
+            <a:pPr marL="0" indent="0" algn="l"/>
+            <a:r>
+              <a:rPr lang="en-US" baseline="0" dirty="0"/>
+              <a:t>This is a structured interview and though you can explain what you do for a few minutes at the beginning, ask them to hold questions for HR and/or the fit interview at the end.</a:t>
+            </a:r>
+            <a:endParaRPr lang="en-US" dirty="0"/>
+          </a:p>
+          <a:p>
+            <a:pPr marL="0" indent="0" algn="l"/>
             <a:endParaRPr lang="en-US" dirty="0"/>
           </a:p>
         </p:txBody>
@@ -1920,7 +1963,7 @@
     </p:spTree>
     <p:extLst>
       <p:ext uri="{BB962C8B-B14F-4D97-AF65-F5344CB8AC3E}">
-        <p14:creationId xmlns:p14="http://schemas.microsoft.com/office/powerpoint/2010/main" val="1491875684"/>
+        <p14:creationId xmlns:p14="http://schemas.microsoft.com/office/powerpoint/2010/main" val="606626383"/>
       </p:ext>
     </p:extLst>
   </p:cSld>
@@ -1974,13 +2017,25 @@
           <a:bodyPr/>
           <a:lstStyle/>
           <a:p>
-            <a:r>
-              <a:rPr lang="en-US" dirty="0" smtClean="0"/>
+            <a:pPr marL="0"/>
+            <a:r>
+              <a:rPr lang="en-US" dirty="0"/>
               <a:t>Correct answer:</a:t>
             </a:r>
             <a:r>
-              <a:rPr lang="en-US" baseline="0" dirty="0" smtClean="0"/>
-              <a:t> C- they can still qualify if you can assess the final competency with the information from the other questions- you still have an hour’s worth of information. You cannot give different amounts of time to each applicant. That would invalidate all the test results. </a:t>
+              <a:rPr lang="en-US" baseline="0" dirty="0"/>
+              <a:t> C</a:t>
+            </a:r>
+          </a:p>
+          <a:p>
+            <a:pPr marL="0"/>
+            <a:endParaRPr lang="en-US" baseline="0" dirty="0"/>
+          </a:p>
+          <a:p>
+            <a:pPr marL="0" indent="0" algn="l"/>
+            <a:r>
+              <a:rPr lang="en-US" baseline="0" dirty="0"/>
+              <a:t>They can still qualify if you can assess the final competency with the information from the other questions - you still have an hour’s worth of information. You cannot give different amounts of time to each applicant. That would invalidate all the interview results. </a:t>
             </a:r>
             <a:endParaRPr lang="en-US" dirty="0"/>
           </a:p>
@@ -1989,7 +2044,7 @@
     </p:spTree>
     <p:extLst>
       <p:ext uri="{BB962C8B-B14F-4D97-AF65-F5344CB8AC3E}">
-        <p14:creationId xmlns:p14="http://schemas.microsoft.com/office/powerpoint/2010/main" val="2611682559"/>
+        <p14:creationId xmlns:p14="http://schemas.microsoft.com/office/powerpoint/2010/main" val="3905172068"/>
       </p:ext>
     </p:extLst>
   </p:cSld>
@@ -5373,7 +5428,7 @@
             <a:fld id="{42D41BD8-F932-40AA-8DAC-647898DB09A3}" type="datetime1">
               <a:rPr lang="en-US" smtClean="0"/>
               <a:pPr/>
-              <a:t>4/22/2020</a:t>
+              <a:t>4/24/20</a:t>
             </a:fld>
             <a:endParaRPr lang="en-US" dirty="0"/>
           </a:p>
@@ -7939,17 +7994,9 @@
               <a:tabLst/>
               <a:defRPr/>
             </a:pPr>
-            <a:r>
-              <a:rPr lang="en-US" dirty="0"/>
-              <a:t/>
-            </a:r>
             <a:br>
               <a:rPr lang="en-US" dirty="0"/>
             </a:br>
-            <a:r>
-              <a:rPr lang="en-US" dirty="0"/>
-              <a:t/>
-            </a:r>
             <a:br>
               <a:rPr lang="en-US" dirty="0"/>
             </a:br>
@@ -8943,10 +8990,9 @@
           <a:lstStyle/>
           <a:p>
             <a:r>
-              <a:rPr lang="en-US" dirty="0" smtClean="0"/>
-              <a:t>What do you do</a:t>
-            </a:r>
-            <a:endParaRPr lang="en-US" dirty="0"/>
+              <a:rPr lang="en-US" dirty="0"/>
+              <a:t>QUESTION 1 – WHAT DO YOU DO?</a:t>
+            </a:r>
           </a:p>
         </p:txBody>
       </p:sp>
@@ -8966,52 +9012,91 @@
             <p:ph type="body" idx="1"/>
           </p:nvPr>
         </p:nvSpPr>
-        <p:spPr/>
+        <p:spPr>
+          <a:xfrm>
+            <a:off x="1192143" y="3523782"/>
+            <a:ext cx="14956057" cy="5375984"/>
+          </a:xfrm>
+        </p:spPr>
         <p:txBody>
           <a:bodyPr>
             <a:normAutofit/>
           </a:bodyPr>
           <a:lstStyle/>
           <a:p>
-            <a:pPr marL="171467" indent="0">
+            <a:pPr marL="914417" indent="-742950">
+              <a:spcBef>
+                <a:spcPts val="3000"/>
+              </a:spcBef>
+              <a:buSzPct val="100000"/>
+              <a:buFont typeface="Arial" panose="020B0604020202020204" pitchFamily="34" charset="0"/>
+              <a:buAutoNum type="alphaUcParenR"/>
+            </a:pPr>
+            <a:r>
+              <a:rPr lang="en-US" dirty="0"/>
+              <a:t>You were one of the best – you will be qualified for sure.</a:t>
+            </a:r>
+          </a:p>
+          <a:p>
+            <a:pPr marL="914417" indent="-742950">
+              <a:spcBef>
+                <a:spcPts val="3000"/>
+              </a:spcBef>
+              <a:buSzPct val="100000"/>
+              <a:buAutoNum type="alphaUcParenR"/>
+            </a:pPr>
+            <a:r>
+              <a:rPr lang="en-US" dirty="0"/>
+              <a:t>Thank you for your time – you should hear back from HR soon.</a:t>
+            </a:r>
+          </a:p>
+        </p:txBody>
+      </p:sp>
+      <p:sp>
+        <p:nvSpPr>
+          <p:cNvPr id="4" name="Rectangle 3">
+            <a:extLst>
+              <a:ext uri="{FF2B5EF4-FFF2-40B4-BE49-F238E27FC236}">
+                <a16:creationId xmlns:a16="http://schemas.microsoft.com/office/drawing/2014/main" id="{962F66C0-8CDD-1543-BFB5-66E9154907FA}"/>
+              </a:ext>
+            </a:extLst>
+          </p:cNvPr>
+          <p:cNvSpPr/>
+          <p:nvPr/>
+        </p:nvSpPr>
+        <p:spPr>
+          <a:xfrm>
+            <a:off x="1192063" y="2261685"/>
+            <a:ext cx="14956057" cy="1200329"/>
+          </a:xfrm>
+          <a:prstGeom prst="rect">
+            <a:avLst/>
+          </a:prstGeom>
+        </p:spPr>
+        <p:txBody>
+          <a:bodyPr wrap="square">
+            <a:spAutoFit/>
+          </a:bodyPr>
+          <a:lstStyle/>
+          <a:p>
+            <a:pPr marL="22225">
               <a:buNone/>
             </a:pPr>
             <a:r>
-              <a:rPr lang="en-US" dirty="0" smtClean="0"/>
-              <a:t>The applicant was outstanding. Do you say:</a:t>
-            </a:r>
-          </a:p>
-          <a:p>
-            <a:pPr marL="171467" indent="0">
-              <a:buNone/>
-            </a:pPr>
-            <a:endParaRPr lang="en-US" dirty="0" smtClean="0"/>
-          </a:p>
-          <a:p>
-            <a:pPr marL="914417" indent="-742950">
-              <a:buAutoNum type="alphaUcParenR"/>
-            </a:pPr>
-            <a:r>
-              <a:rPr lang="en-US" dirty="0" smtClean="0"/>
-              <a:t>You were one of the best- you will be qualified for sure.</a:t>
-            </a:r>
-          </a:p>
-          <a:p>
-            <a:pPr marL="914417" indent="-742950">
-              <a:buAutoNum type="alphaUcParenR"/>
-            </a:pPr>
-            <a:r>
-              <a:rPr lang="en-US" dirty="0" smtClean="0"/>
-              <a:t>Thank you for your time- you should hear back from HR soon.</a:t>
-            </a:r>
-            <a:endParaRPr lang="en-US" dirty="0"/>
+              <a:rPr lang="en-US" sz="3600" dirty="0">
+                <a:solidFill>
+                  <a:schemeClr val="tx2"/>
+                </a:solidFill>
+              </a:rPr>
+              <a:t>The applicant was outstanding and it is now the end of the interview. What do you say to them?</a:t>
+            </a:r>
           </a:p>
         </p:txBody>
       </p:sp>
     </p:spTree>
     <p:extLst>
       <p:ext uri="{BB962C8B-B14F-4D97-AF65-F5344CB8AC3E}">
-        <p14:creationId xmlns:p14="http://schemas.microsoft.com/office/powerpoint/2010/main" val="3089228242"/>
+        <p14:creationId xmlns:p14="http://schemas.microsoft.com/office/powerpoint/2010/main" val="830341722"/>
       </p:ext>
     </p:extLst>
   </p:cSld>
@@ -9060,10 +9145,9 @@
           <a:lstStyle/>
           <a:p>
             <a:r>
-              <a:rPr lang="en-US" dirty="0" smtClean="0"/>
-              <a:t>What do you do</a:t>
-            </a:r>
-            <a:endParaRPr lang="en-US" dirty="0"/>
+              <a:rPr lang="en-US" dirty="0"/>
+              <a:t>QUESTION 2 – WHAT DO YOU DO?</a:t>
+            </a:r>
           </a:p>
         </p:txBody>
       </p:sp>
@@ -9083,61 +9167,103 @@
             <p:ph type="body" idx="1"/>
           </p:nvPr>
         </p:nvSpPr>
-        <p:spPr/>
+        <p:spPr>
+          <a:xfrm>
+            <a:off x="1192143" y="3523782"/>
+            <a:ext cx="14956057" cy="5375984"/>
+          </a:xfrm>
+        </p:spPr>
         <p:txBody>
           <a:bodyPr>
-            <a:normAutofit fontScale="92500" lnSpcReduction="10000"/>
+            <a:normAutofit/>
           </a:bodyPr>
           <a:lstStyle/>
           <a:p>
-            <a:pPr marL="171467" indent="0">
+            <a:pPr marL="914417" indent="-742950">
+              <a:spcBef>
+                <a:spcPts val="3000"/>
+              </a:spcBef>
+              <a:buSzPct val="100000"/>
+              <a:buAutoNum type="alphaUcParenR"/>
+            </a:pPr>
+            <a:r>
+              <a:rPr lang="en-US" dirty="0"/>
+              <a:t>Take as much time as needed – we need to recruit and this is a two way street.</a:t>
+            </a:r>
+          </a:p>
+          <a:p>
+            <a:pPr marL="914417" indent="-742950">
+              <a:spcBef>
+                <a:spcPts val="3000"/>
+              </a:spcBef>
+              <a:buSzPct val="100000"/>
+              <a:buAutoNum type="alphaUcParenR"/>
+            </a:pPr>
+            <a:r>
+              <a:rPr lang="en-US" dirty="0"/>
+              <a:t>Leave 5 minutes at the end for questions.</a:t>
+            </a:r>
+          </a:p>
+          <a:p>
+            <a:pPr marL="914417" indent="-742950">
+              <a:spcBef>
+                <a:spcPts val="3000"/>
+              </a:spcBef>
+              <a:buSzPct val="100000"/>
+              <a:buAutoNum type="alphaUcParenR"/>
+            </a:pPr>
+            <a:r>
+              <a:rPr lang="en-US" dirty="0"/>
+              <a:t>Do not answer questions about the process or job – refer them to HR so every applicant has the same information. Tell them they can ask more specific questions during a final fit interview with the hiring manger.</a:t>
+            </a:r>
+          </a:p>
+        </p:txBody>
+      </p:sp>
+      <p:sp>
+        <p:nvSpPr>
+          <p:cNvPr id="4" name="Rectangle 3">
+            <a:extLst>
+              <a:ext uri="{FF2B5EF4-FFF2-40B4-BE49-F238E27FC236}">
+                <a16:creationId xmlns:a16="http://schemas.microsoft.com/office/drawing/2014/main" id="{962F66C0-8CDD-1543-BFB5-66E9154907FA}"/>
+              </a:ext>
+            </a:extLst>
+          </p:cNvPr>
+          <p:cNvSpPr/>
+          <p:nvPr/>
+        </p:nvSpPr>
+        <p:spPr>
+          <a:xfrm>
+            <a:off x="1192063" y="2261685"/>
+            <a:ext cx="14956057" cy="1200329"/>
+          </a:xfrm>
+          <a:prstGeom prst="rect">
+            <a:avLst/>
+          </a:prstGeom>
+        </p:spPr>
+        <p:txBody>
+          <a:bodyPr wrap="square">
+            <a:spAutoFit/>
+          </a:bodyPr>
+          <a:lstStyle/>
+          <a:p>
+            <a:pPr marL="22225">
               <a:buNone/>
             </a:pPr>
             <a:r>
-              <a:rPr lang="en-US" dirty="0" smtClean="0"/>
+              <a:rPr lang="en-US" sz="3600" dirty="0">
+                <a:solidFill>
+                  <a:schemeClr val="tx2"/>
+                </a:solidFill>
+              </a:rPr>
               <a:t>The applicant has a lot of questions for you about the process and the position. How much time should you take to answer them?</a:t>
             </a:r>
-          </a:p>
-          <a:p>
-            <a:pPr marL="171467" indent="0">
-              <a:buNone/>
-            </a:pPr>
-            <a:endParaRPr lang="en-US" dirty="0" smtClean="0"/>
-          </a:p>
-          <a:p>
-            <a:pPr marL="914417" indent="-742950">
-              <a:buAutoNum type="alphaUcParenR"/>
-            </a:pPr>
-            <a:r>
-              <a:rPr lang="en-US" dirty="0" smtClean="0"/>
-              <a:t>Take as much time as needed- we need to recruit and this is a two way street.</a:t>
-            </a:r>
-          </a:p>
-          <a:p>
-            <a:pPr marL="914417" indent="-742950">
-              <a:buAutoNum type="alphaUcParenR"/>
-            </a:pPr>
-            <a:r>
-              <a:rPr lang="en-US" dirty="0" smtClean="0"/>
-              <a:t>Leave 5 minutes at the end for questions.</a:t>
-            </a:r>
-          </a:p>
-          <a:p>
-            <a:pPr marL="914417" indent="-742950">
-              <a:buAutoNum type="alphaUcParenR"/>
-            </a:pPr>
-            <a:r>
-              <a:rPr lang="en-US" dirty="0" smtClean="0"/>
-              <a:t>Do not answer questions about the process or job- refer them to HR so every applicant has the same information. Tell them they can ask  more specific questions during a final fit interview with the hiring manger.</a:t>
-            </a:r>
-            <a:endParaRPr lang="en-US" dirty="0"/>
           </a:p>
         </p:txBody>
       </p:sp>
     </p:spTree>
     <p:extLst>
       <p:ext uri="{BB962C8B-B14F-4D97-AF65-F5344CB8AC3E}">
-        <p14:creationId xmlns:p14="http://schemas.microsoft.com/office/powerpoint/2010/main" val="3843651098"/>
+        <p14:creationId xmlns:p14="http://schemas.microsoft.com/office/powerpoint/2010/main" val="3256412582"/>
       </p:ext>
     </p:extLst>
   </p:cSld>
@@ -9186,10 +9312,9 @@
           <a:lstStyle/>
           <a:p>
             <a:r>
-              <a:rPr lang="en-US" dirty="0" smtClean="0"/>
-              <a:t>What do you do</a:t>
-            </a:r>
-            <a:endParaRPr lang="en-US" dirty="0"/>
+              <a:rPr lang="en-US" dirty="0"/>
+              <a:t>QUESTION 3 – WHAT DO YOU DO?</a:t>
+            </a:r>
           </a:p>
         </p:txBody>
       </p:sp>
@@ -9209,64 +9334,116 @@
             <p:ph type="body" idx="1"/>
           </p:nvPr>
         </p:nvSpPr>
-        <p:spPr/>
+        <p:spPr>
+          <a:xfrm>
+            <a:off x="1192143" y="3523782"/>
+            <a:ext cx="14956057" cy="5375984"/>
+          </a:xfrm>
+        </p:spPr>
         <p:txBody>
           <a:bodyPr>
-            <a:normAutofit fontScale="92500" lnSpcReduction="20000"/>
+            <a:normAutofit/>
           </a:bodyPr>
           <a:lstStyle/>
           <a:p>
-            <a:pPr marL="171467" indent="0">
+            <a:pPr marL="914417" indent="-742950">
+              <a:spcBef>
+                <a:spcPts val="3000"/>
+              </a:spcBef>
+              <a:buSzPct val="100000"/>
+              <a:buAutoNum type="alphaUcParenR"/>
+            </a:pPr>
+            <a:r>
+              <a:rPr lang="en-US" sz="3300" dirty="0"/>
+              <a:t>Give the applicant an extra 30 minutes at the end of the hour.</a:t>
+            </a:r>
+          </a:p>
+          <a:p>
+            <a:pPr marL="914417" indent="-742950">
+              <a:spcBef>
+                <a:spcPts val="3000"/>
+              </a:spcBef>
+              <a:buSzPct val="100000"/>
+              <a:buAutoNum type="alphaUcParenR"/>
+            </a:pPr>
+            <a:r>
+              <a:rPr lang="en-US" sz="3300" dirty="0"/>
+              <a:t>Schedule a follow up call to finish later.</a:t>
+            </a:r>
+          </a:p>
+          <a:p>
+            <a:pPr marL="914417" indent="-742950">
+              <a:spcBef>
+                <a:spcPts val="3000"/>
+              </a:spcBef>
+              <a:buSzPct val="100000"/>
+              <a:buAutoNum type="alphaUcParenR"/>
+            </a:pPr>
+            <a:r>
+              <a:rPr lang="en-US" sz="3300" dirty="0"/>
+              <a:t>Use the information you collected from the other questions to see if you feel they meet the missing competencies. Next time try to manage your time better and cut the applicant off if they’re taking too long with one question.</a:t>
+            </a:r>
+          </a:p>
+          <a:p>
+            <a:pPr marL="914417" indent="-742950">
+              <a:spcBef>
+                <a:spcPts val="3000"/>
+              </a:spcBef>
+              <a:buSzPct val="100000"/>
+              <a:buAutoNum type="alphaUcParenR"/>
+            </a:pPr>
+            <a:r>
+              <a:rPr lang="en-US" sz="3300" dirty="0"/>
+              <a:t>The applicant must be unqualified because you weren’t able to ask the last question.</a:t>
+            </a:r>
+          </a:p>
+        </p:txBody>
+      </p:sp>
+      <p:sp>
+        <p:nvSpPr>
+          <p:cNvPr id="4" name="Rectangle 3">
+            <a:extLst>
+              <a:ext uri="{FF2B5EF4-FFF2-40B4-BE49-F238E27FC236}">
+                <a16:creationId xmlns:a16="http://schemas.microsoft.com/office/drawing/2014/main" id="{962F66C0-8CDD-1543-BFB5-66E9154907FA}"/>
+              </a:ext>
+            </a:extLst>
+          </p:cNvPr>
+          <p:cNvSpPr/>
+          <p:nvPr/>
+        </p:nvSpPr>
+        <p:spPr>
+          <a:xfrm>
+            <a:off x="1192063" y="1707688"/>
+            <a:ext cx="14956057" cy="1754326"/>
+          </a:xfrm>
+          <a:prstGeom prst="rect">
+            <a:avLst/>
+          </a:prstGeom>
+        </p:spPr>
+        <p:txBody>
+          <a:bodyPr wrap="square">
+            <a:spAutoFit/>
+          </a:bodyPr>
+          <a:lstStyle/>
+          <a:p>
+            <a:pPr marL="22225">
               <a:buNone/>
             </a:pPr>
             <a:r>
-              <a:rPr lang="en-US" dirty="0" smtClean="0"/>
-              <a:t>The applicant took so much time going through the first several questions that you run out of time for the last one! So there is no way they can qualify because you weren’t able to assess one of the competencies. </a:t>
-            </a:r>
-          </a:p>
-          <a:p>
-            <a:pPr marL="914417" indent="-742950">
-              <a:buAutoNum type="alphaUcParenR"/>
-            </a:pPr>
-            <a:r>
-              <a:rPr lang="en-US" dirty="0" smtClean="0"/>
-              <a:t>Give the applicant an extra 30 minutes at the end of the hour.</a:t>
-            </a:r>
-          </a:p>
-          <a:p>
-            <a:pPr marL="914417" indent="-742950">
-              <a:buAutoNum type="alphaUcParenR"/>
-            </a:pPr>
-            <a:r>
-              <a:rPr lang="en-US" dirty="0" smtClean="0"/>
-              <a:t>Schedule a follow up call to finish later.</a:t>
-            </a:r>
-          </a:p>
-          <a:p>
-            <a:pPr marL="914417" indent="-742950">
-              <a:buAutoNum type="alphaUcParenR"/>
-            </a:pPr>
-            <a:r>
-              <a:rPr lang="en-US" dirty="0" smtClean="0"/>
-              <a:t>Use the information you collected from the other questions to see if you feel they meet the missing competencies. Next time try to manage your time better and cut the applicant off if they’re taking too long with one question.</a:t>
-            </a:r>
-          </a:p>
-          <a:p>
-            <a:pPr marL="914417" indent="-742950">
-              <a:buAutoNum type="alphaUcParenR"/>
-            </a:pPr>
-            <a:r>
-              <a:rPr lang="en-US" dirty="0" smtClean="0"/>
-              <a:t>The applicant must be unqualified because you weren’t able to ask the last question.</a:t>
-            </a:r>
-            <a:endParaRPr lang="en-US" dirty="0"/>
+              <a:rPr lang="en-US" sz="3600" dirty="0">
+                <a:solidFill>
+                  <a:schemeClr val="tx2"/>
+                </a:solidFill>
+              </a:rPr>
+              <a:t>It is now the end of the allotted time for the interview. The applicant took a lot of time answering the first several questions that you run out of time for the last one.</a:t>
+            </a:r>
           </a:p>
         </p:txBody>
       </p:sp>
     </p:spTree>
     <p:extLst>
       <p:ext uri="{BB962C8B-B14F-4D97-AF65-F5344CB8AC3E}">
-        <p14:creationId xmlns:p14="http://schemas.microsoft.com/office/powerpoint/2010/main" val="1322322072"/>
+        <p14:creationId xmlns:p14="http://schemas.microsoft.com/office/powerpoint/2010/main" val="809445666"/>
       </p:ext>
     </p:extLst>
   </p:cSld>

--- a/toolkit/phone-assessment-interviews/phone-interview-training-presentation.pptx
+++ b/toolkit/phone-assessment-interviews/phone-interview-training-presentation.pptx
@@ -1,6 +1,6 @@
 
 <file path=ppt/presentation.xml><?xml version="1.0" encoding="utf-8"?>
-<p:presentation xmlns:a="http://schemas.openxmlformats.org/drawingml/2006/main" xmlns:r="http://schemas.openxmlformats.org/officeDocument/2006/relationships" xmlns:p="http://schemas.openxmlformats.org/presentationml/2006/main" showSpecialPlsOnTitleSld="0" strictFirstAndLastChars="0" embedTrueTypeFonts="1" saveSubsetFonts="1" autoCompressPictures="0">
+<p:presentation xmlns:a="http://schemas.openxmlformats.org/drawingml/2006/main" xmlns:r="http://schemas.openxmlformats.org/officeDocument/2006/relationships" xmlns:p="http://schemas.openxmlformats.org/presentationml/2006/main" showSpecialPlsOnTitleSld="0" strictFirstAndLastChars="0" embedTrueTypeFonts="1" autoCompressPictures="0">
   <p:sldMasterIdLst>
     <p:sldMasterId id="2147483666" r:id="rId1"/>
   </p:sldMasterIdLst>
@@ -23,7 +23,7 @@
     <p:sldId id="298" r:id="rId11"/>
     <p:sldId id="370" r:id="rId12"/>
     <p:sldId id="349" r:id="rId13"/>
-    <p:sldId id="369" r:id="rId14"/>
+    <p:sldId id="388" r:id="rId14"/>
     <p:sldId id="371" r:id="rId15"/>
     <p:sldId id="372" r:id="rId16"/>
     <p:sldId id="373" r:id="rId17"/>
@@ -47,48 +47,48 @@
   <p:notesSz cx="6881813" cy="9296400"/>
   <p:embeddedFontLst>
     <p:embeddedFont>
-      <p:font typeface="Avenir" panose="020B0604020202020204" charset="0"/>
+      <p:font typeface="Avenir" panose="02000503020000020003" pitchFamily="2" charset="0"/>
       <p:regular r:id="rId35"/>
       <p:italic r:id="rId36"/>
     </p:embeddedFont>
     <p:embeddedFont>
-      <p:font typeface="Rockwell" panose="02060603020205020403" pitchFamily="18" charset="0"/>
+      <p:font typeface="Cambria" panose="02040503050406030204" pitchFamily="18" charset="0"/>
       <p:regular r:id="rId37"/>
       <p:bold r:id="rId38"/>
       <p:italic r:id="rId39"/>
       <p:boldItalic r:id="rId40"/>
     </p:embeddedFont>
     <p:embeddedFont>
-      <p:font typeface="Source Sans Pro" panose="020B0503030403020204" pitchFamily="34" charset="0"/>
+      <p:font typeface="Merriweather" pitchFamily="2" charset="77"/>
       <p:regular r:id="rId41"/>
       <p:bold r:id="rId42"/>
       <p:italic r:id="rId43"/>
       <p:boldItalic r:id="rId44"/>
     </p:embeddedFont>
     <p:embeddedFont>
-      <p:font typeface="Source Sans Pro SemiBold" panose="020B0603030403020204" pitchFamily="34" charset="0"/>
-      <p:bold r:id="rId45"/>
-      <p:boldItalic r:id="rId46"/>
+      <p:font typeface="Merriweather Sans" pitchFamily="2" charset="77"/>
+      <p:regular r:id="rId45"/>
+      <p:bold r:id="rId46"/>
+      <p:italic r:id="rId47"/>
+      <p:boldItalic r:id="rId48"/>
     </p:embeddedFont>
     <p:embeddedFont>
-      <p:font typeface="Cambria" panose="02040503050406030204" pitchFamily="18" charset="0"/>
-      <p:regular r:id="rId47"/>
-      <p:bold r:id="rId48"/>
-      <p:italic r:id="rId49"/>
-      <p:boldItalic r:id="rId50"/>
+      <p:font typeface="Rockwell" panose="02060603020205020403" pitchFamily="18" charset="77"/>
+      <p:regular r:id="rId49"/>
+      <p:bold r:id="rId50"/>
+      <p:italic r:id="rId51"/>
+      <p:boldItalic r:id="rId52"/>
     </p:embeddedFont>
     <p:embeddedFont>
-      <p:font typeface="Merriweather Sans" panose="020B0604020202020204" charset="0"/>
-      <p:regular r:id="rId51"/>
-      <p:bold r:id="rId52"/>
-      <p:italic r:id="rId53"/>
-      <p:boldItalic r:id="rId54"/>
+      <p:font typeface="Source Sans Pro" panose="020B0503030403020204" pitchFamily="34" charset="0"/>
+      <p:regular r:id="rId53"/>
+      <p:bold r:id="rId54"/>
+      <p:italic r:id="rId55"/>
+      <p:boldItalic r:id="rId56"/>
     </p:embeddedFont>
     <p:embeddedFont>
-      <p:font typeface="Merriweather" panose="00000500000000000000" pitchFamily="2" charset="0"/>
-      <p:regular r:id="rId55"/>
-      <p:bold r:id="rId56"/>
-      <p:italic r:id="rId57"/>
+      <p:font typeface="Source Sans Pro SemiBold" panose="020B0603030403020204" pitchFamily="34" charset="0"/>
+      <p:bold r:id="rId57"/>
       <p:boldItalic r:id="rId58"/>
     </p:embeddedFont>
   </p:embeddedFontLst>
@@ -449,7 +449,7 @@
           <a:p>
             <a:fld id="{5F1244B9-655E-9143-8F11-143B7EBD7CDE}" type="datetimeFigureOut">
               <a:rPr lang="en-US" smtClean="0"/>
-              <a:t>6/11/2020</a:t>
+              <a:t>6/19/20</a:t>
             </a:fld>
             <a:endParaRPr lang="en-US"/>
           </a:p>
@@ -1822,11 +1822,11 @@
           <a:lstStyle/>
           <a:p>
             <a:r>
-              <a:rPr lang="en-US" dirty="0" smtClean="0"/>
+              <a:rPr lang="en-US" dirty="0"/>
               <a:t>Need a generic slide about proficiency determinations record every proficiency determinate reflecting the competency levels –</a:t>
             </a:r>
             <a:r>
-              <a:rPr lang="en-US" baseline="0" dirty="0" smtClean="0"/>
+              <a:rPr lang="en-US" baseline="0" dirty="0"/>
               <a:t> make a slide here  - go the slide deck </a:t>
             </a:r>
             <a:endParaRPr lang="en-US" dirty="0"/>
@@ -2805,11 +2805,10 @@
               <a:rPr lang="en-US" baseline="0" dirty="0"/>
               <a:t>They can still qualify if you can assess the final competency with the information from the other questions - you still have an hour’s worth of information. You cannot give different amounts of time to each applicant. That would invalidate all the interview results. </a:t>
             </a:r>
-            <a:endParaRPr lang="en-US" baseline="0" dirty="0" smtClean="0"/>
           </a:p>
           <a:p>
             <a:pPr marL="0" indent="0" algn="l"/>
-            <a:endParaRPr lang="en-US" baseline="0" dirty="0" smtClean="0">
+            <a:endParaRPr lang="en-US" baseline="0" dirty="0">
               <a:solidFill>
                 <a:srgbClr val="FF0000"/>
               </a:solidFill>
@@ -2818,7 +2817,7 @@
           <a:p>
             <a:pPr marL="0" indent="0" algn="l"/>
             <a:r>
-              <a:rPr lang="en-US" baseline="0" dirty="0" smtClean="0">
+              <a:rPr lang="en-US" baseline="0" dirty="0">
                 <a:solidFill>
                   <a:srgbClr val="FF0000"/>
                 </a:solidFill>
@@ -3510,11 +3509,10 @@
               <a:rPr lang="en-US" baseline="0" dirty="0"/>
               <a:t> questions and follow up questions- if not already answered; probes are optional- you can keep repeating “can you tell me more about that” if you want. </a:t>
             </a:r>
-            <a:endParaRPr lang="en-US" baseline="0" dirty="0" smtClean="0"/>
-          </a:p>
-          <a:p>
-            <a:r>
-              <a:rPr lang="en-US" baseline="0" dirty="0" smtClean="0"/>
+          </a:p>
+          <a:p>
+            <a:r>
+              <a:rPr lang="en-US" baseline="0" dirty="0"/>
               <a:t>Organizer: replace with one of your questions to be used as an example. You can be more specific in this case. </a:t>
             </a:r>
             <a:endParaRPr lang="en-US" dirty="0"/>
@@ -3772,14 +3770,6 @@
           <a:bodyPr/>
           <a:lstStyle/>
           <a:p>
-            <a:r>
-              <a:rPr lang="en-US" dirty="0" smtClean="0"/>
-              <a:t>Did</a:t>
-            </a:r>
-            <a:r>
-              <a:rPr lang="en-US" baseline="0" dirty="0" smtClean="0"/>
-              <a:t> they read the required proficiency for each competency? </a:t>
-            </a:r>
             <a:endParaRPr lang="en-US" dirty="0"/>
           </a:p>
         </p:txBody>
@@ -3787,7 +3777,7 @@
     </p:spTree>
     <p:extLst>
       <p:ext uri="{BB962C8B-B14F-4D97-AF65-F5344CB8AC3E}">
-        <p14:creationId xmlns:p14="http://schemas.microsoft.com/office/powerpoint/2010/main" val="3642137064"/>
+        <p14:creationId xmlns:p14="http://schemas.microsoft.com/office/powerpoint/2010/main" val="1797249047"/>
       </p:ext>
     </p:extLst>
   </p:cSld>
@@ -5835,7 +5825,7 @@
             <a:fld id="{42D41BD8-F932-40AA-8DAC-647898DB09A3}" type="datetime1">
               <a:rPr lang="en-US" smtClean="0"/>
               <a:pPr/>
-              <a:t>6/11/2020</a:t>
+              <a:t>6/19/20</a:t>
             </a:fld>
             <a:endParaRPr lang="en-US" dirty="0"/>
           </a:p>
@@ -7459,19 +7449,7 @@
               <a:rPr lang="en-US" dirty="0">
                 <a:sym typeface="Cambria"/>
               </a:rPr>
-              <a:t>&lt;</a:t>
-            </a:r>
-            <a:r>
-              <a:rPr lang="en-US" dirty="0" smtClean="0">
-                <a:sym typeface="Cambria"/>
-              </a:rPr>
-              <a:t>Agency Name</a:t>
-            </a:r>
-            <a:r>
-              <a:rPr lang="en-US" dirty="0">
-                <a:sym typeface="Cambria"/>
-              </a:rPr>
-              <a:t>&gt;</a:t>
+              <a:t>&lt;Agency Name&gt;</a:t>
             </a:r>
             <a:br>
               <a:rPr lang="en-US" dirty="0">
@@ -7943,7 +7921,13 @@
       </p:grpSpPr>
       <p:sp>
         <p:nvSpPr>
-          <p:cNvPr id="2" name="Title 1"/>
+          <p:cNvPr id="2" name="Title 1">
+            <a:extLst>
+              <a:ext uri="{FF2B5EF4-FFF2-40B4-BE49-F238E27FC236}">
+                <a16:creationId xmlns:a16="http://schemas.microsoft.com/office/drawing/2014/main" id="{BF8031E5-EB57-9049-BE52-DBF1A846D494}"/>
+              </a:ext>
+            </a:extLst>
+          </p:cNvPr>
           <p:cNvSpPr>
             <a:spLocks noGrp="1"/>
           </p:cNvSpPr>
@@ -7951,12 +7935,7 @@
             <p:ph type="title"/>
           </p:nvPr>
         </p:nvSpPr>
-        <p:spPr>
-          <a:xfrm>
-            <a:off x="1732021" y="972036"/>
-            <a:ext cx="13953626" cy="1114342"/>
-          </a:xfrm>
-        </p:spPr>
+        <p:spPr/>
         <p:txBody>
           <a:bodyPr/>
           <a:lstStyle/>
@@ -7968,13 +7947,68 @@
             <a:br>
               <a:rPr lang="en-US" dirty="0"/>
             </a:br>
-            <a:endParaRPr lang="en-US" dirty="0"/>
+            <a:endParaRPr lang="en-US" dirty="0">
+              <a:solidFill>
+                <a:srgbClr val="FF0000"/>
+              </a:solidFill>
+            </a:endParaRPr>
           </a:p>
         </p:txBody>
       </p:sp>
       <p:sp>
         <p:nvSpPr>
-          <p:cNvPr id="3" name="Title 1"/>
+          <p:cNvPr id="3" name="Text Placeholder 2">
+            <a:extLst>
+              <a:ext uri="{FF2B5EF4-FFF2-40B4-BE49-F238E27FC236}">
+                <a16:creationId xmlns:a16="http://schemas.microsoft.com/office/drawing/2014/main" id="{FD03A124-FDED-5044-B367-5AD42873107B}"/>
+              </a:ext>
+            </a:extLst>
+          </p:cNvPr>
+          <p:cNvSpPr>
+            <a:spLocks noGrp="1"/>
+          </p:cNvSpPr>
+          <p:nvPr>
+            <p:ph type="body" idx="1"/>
+          </p:nvPr>
+        </p:nvSpPr>
+        <p:spPr>
+          <a:xfrm>
+            <a:off x="1192144" y="1841500"/>
+            <a:ext cx="5854116" cy="7131050"/>
+          </a:xfrm>
+        </p:spPr>
+        <p:txBody>
+          <a:bodyPr>
+            <a:normAutofit/>
+          </a:bodyPr>
+          <a:lstStyle/>
+          <a:p>
+            <a:pPr marL="171467" indent="0">
+              <a:buNone/>
+            </a:pPr>
+            <a:r>
+              <a:rPr lang="en-US" sz="4800" dirty="0"/>
+              <a:t>First Interview</a:t>
+            </a:r>
+            <a:endParaRPr lang="en-US" dirty="0"/>
+          </a:p>
+          <a:p>
+            <a:r>
+              <a:rPr lang="en-US" dirty="0"/>
+              <a:t>Which proficiency level is met for each of the competencies? </a:t>
+            </a:r>
+          </a:p>
+        </p:txBody>
+      </p:sp>
+      <p:sp>
+        <p:nvSpPr>
+          <p:cNvPr id="4" name="Text Placeholder 2">
+            <a:extLst>
+              <a:ext uri="{FF2B5EF4-FFF2-40B4-BE49-F238E27FC236}">
+                <a16:creationId xmlns:a16="http://schemas.microsoft.com/office/drawing/2014/main" id="{5C88F4D3-5E64-B049-A6CE-2DE84A0D948B}"/>
+              </a:ext>
+            </a:extLst>
+          </p:cNvPr>
           <p:cNvSpPr txBox="1">
             <a:spLocks/>
           </p:cNvSpPr>
@@ -7982,8 +8016,323 @@
         </p:nvSpPr>
         <p:spPr>
           <a:xfrm>
-            <a:off x="1732021" y="3043387"/>
-            <a:ext cx="5171054" cy="4954393"/>
+            <a:off x="9520356" y="1841500"/>
+            <a:ext cx="5854116" cy="7131050"/>
+          </a:xfrm>
+          <a:prstGeom prst="rect">
+            <a:avLst/>
+          </a:prstGeom>
+          <a:noFill/>
+          <a:ln>
+            <a:noFill/>
+          </a:ln>
+        </p:spPr>
+        <p:txBody>
+          <a:bodyPr spcFirstLastPara="1" wrap="square" lIns="0" tIns="0" rIns="0" bIns="0" anchor="t" anchorCtr="0">
+            <a:normAutofit/>
+          </a:bodyPr>
+          <a:lstStyle>
+            <a:defPPr marR="0" lvl="0" algn="l" rtl="0">
+              <a:lnSpc>
+                <a:spcPct val="100000"/>
+              </a:lnSpc>
+              <a:spcBef>
+                <a:spcPts val="0"/>
+              </a:spcBef>
+              <a:spcAft>
+                <a:spcPts val="0"/>
+              </a:spcAft>
+            </a:defPPr>
+            <a:lvl1pPr marL="457246" marR="0" lvl="0" indent="-285779" algn="l" rtl="0">
+              <a:lnSpc>
+                <a:spcPct val="100000"/>
+              </a:lnSpc>
+              <a:spcBef>
+                <a:spcPts val="4200"/>
+              </a:spcBef>
+              <a:spcAft>
+                <a:spcPts val="0"/>
+              </a:spcAft>
+              <a:buClr>
+                <a:schemeClr val="tx2"/>
+              </a:buClr>
+              <a:buSzPct val="112000"/>
+              <a:buFont typeface="Arial" panose="020B0604020202020204" pitchFamily="34" charset="0"/>
+              <a:buChar char="•"/>
+              <a:defRPr sz="3600" b="0" i="0" u="none" strike="noStrike" cap="none">
+                <a:solidFill>
+                  <a:schemeClr val="tx2"/>
+                </a:solidFill>
+                <a:latin typeface="+mn-lt"/>
+                <a:ea typeface="Source Sans Pro" panose="020B0503030403020204" pitchFamily="34" charset="0"/>
+                <a:cs typeface="Avenir"/>
+                <a:sym typeface="Avenir"/>
+              </a:defRPr>
+            </a:lvl1pPr>
+            <a:lvl2pPr marL="914492" marR="0" lvl="1" indent="-285779" algn="l" rtl="0">
+              <a:lnSpc>
+                <a:spcPct val="100000"/>
+              </a:lnSpc>
+              <a:spcBef>
+                <a:spcPts val="4200"/>
+              </a:spcBef>
+              <a:spcAft>
+                <a:spcPts val="0"/>
+              </a:spcAft>
+              <a:buClr>
+                <a:schemeClr val="tx2"/>
+              </a:buClr>
+              <a:buSzPct val="112000"/>
+              <a:buFont typeface="Arial" panose="020B0604020202020204" pitchFamily="34" charset="0"/>
+              <a:buChar char="•"/>
+              <a:defRPr sz="3600" b="0" i="0" u="none" strike="noStrike" cap="none">
+                <a:solidFill>
+                  <a:schemeClr val="tx2"/>
+                </a:solidFill>
+                <a:latin typeface="+mn-lt"/>
+                <a:ea typeface="Source Sans Pro" panose="020B0503030403020204" pitchFamily="34" charset="0"/>
+                <a:cs typeface="Avenir"/>
+                <a:sym typeface="Avenir"/>
+              </a:defRPr>
+            </a:lvl2pPr>
+            <a:lvl3pPr marL="1371737" marR="0" lvl="2" indent="-314357" algn="l" rtl="0">
+              <a:lnSpc>
+                <a:spcPct val="100000"/>
+              </a:lnSpc>
+              <a:spcBef>
+                <a:spcPts val="4200"/>
+              </a:spcBef>
+              <a:spcAft>
+                <a:spcPts val="0"/>
+              </a:spcAft>
+              <a:buClr>
+                <a:schemeClr val="tx2"/>
+              </a:buClr>
+              <a:buSzPct val="112000"/>
+              <a:buFont typeface="Arial" panose="020B0604020202020204" pitchFamily="34" charset="0"/>
+              <a:buChar char="•"/>
+              <a:defRPr sz="3600" b="0" i="0" u="none" strike="noStrike" cap="none">
+                <a:solidFill>
+                  <a:schemeClr val="tx2"/>
+                </a:solidFill>
+                <a:latin typeface="+mn-lt"/>
+                <a:ea typeface="Source Sans Pro" panose="020B0503030403020204" pitchFamily="34" charset="0"/>
+                <a:cs typeface="Avenir"/>
+                <a:sym typeface="Avenir"/>
+              </a:defRPr>
+            </a:lvl3pPr>
+            <a:lvl4pPr marL="1828984" marR="0" lvl="3" indent="-314357" algn="l" rtl="0">
+              <a:lnSpc>
+                <a:spcPct val="100000"/>
+              </a:lnSpc>
+              <a:spcBef>
+                <a:spcPts val="4200"/>
+              </a:spcBef>
+              <a:spcAft>
+                <a:spcPts val="0"/>
+              </a:spcAft>
+              <a:buClr>
+                <a:schemeClr val="tx2"/>
+              </a:buClr>
+              <a:buSzPct val="112000"/>
+              <a:buFont typeface="Arial" panose="020B0604020202020204" pitchFamily="34" charset="0"/>
+              <a:buChar char="•"/>
+              <a:defRPr sz="3600" b="0" i="0" u="none" strike="noStrike" cap="none">
+                <a:solidFill>
+                  <a:schemeClr val="tx2"/>
+                </a:solidFill>
+                <a:latin typeface="+mn-lt"/>
+                <a:ea typeface="Source Sans Pro" panose="020B0503030403020204" pitchFamily="34" charset="0"/>
+                <a:cs typeface="Avenir"/>
+                <a:sym typeface="Avenir"/>
+              </a:defRPr>
+            </a:lvl4pPr>
+            <a:lvl5pPr marL="2286228" marR="0" lvl="4" indent="-314357" algn="l" rtl="0">
+              <a:lnSpc>
+                <a:spcPct val="100000"/>
+              </a:lnSpc>
+              <a:spcBef>
+                <a:spcPts val="4200"/>
+              </a:spcBef>
+              <a:spcAft>
+                <a:spcPts val="0"/>
+              </a:spcAft>
+              <a:buClr>
+                <a:schemeClr val="tx2"/>
+              </a:buClr>
+              <a:buSzPct val="112000"/>
+              <a:buFont typeface="Arial" panose="020B0604020202020204" pitchFamily="34" charset="0"/>
+              <a:buChar char="•"/>
+              <a:defRPr sz="3600" b="0" i="0" u="none" strike="noStrike" cap="none">
+                <a:solidFill>
+                  <a:schemeClr val="tx2"/>
+                </a:solidFill>
+                <a:latin typeface="+mn-lt"/>
+                <a:ea typeface="Source Sans Pro" panose="020B0503030403020204" pitchFamily="34" charset="0"/>
+                <a:cs typeface="Avenir"/>
+                <a:sym typeface="Avenir"/>
+              </a:defRPr>
+            </a:lvl5pPr>
+            <a:lvl6pPr marL="2743475" marR="0" lvl="5" indent="-314357" algn="l" rtl="0">
+              <a:lnSpc>
+                <a:spcPct val="100000"/>
+              </a:lnSpc>
+              <a:spcBef>
+                <a:spcPts val="4200"/>
+              </a:spcBef>
+              <a:spcAft>
+                <a:spcPts val="0"/>
+              </a:spcAft>
+              <a:buClr>
+                <a:srgbClr val="000000"/>
+              </a:buClr>
+              <a:buSzPts val="1350"/>
+              <a:buFont typeface="Rockwell"/>
+              <a:buChar char="•"/>
+              <a:defRPr sz="3600" b="0" i="0" u="none" strike="noStrike" cap="none">
+                <a:solidFill>
+                  <a:srgbClr val="000000"/>
+                </a:solidFill>
+                <a:latin typeface="Rockwell"/>
+                <a:ea typeface="Rockwell"/>
+                <a:cs typeface="Rockwell"/>
+                <a:sym typeface="Rockwell"/>
+              </a:defRPr>
+            </a:lvl6pPr>
+            <a:lvl7pPr marL="3200720" marR="0" lvl="6" indent="-314357" algn="l" rtl="0">
+              <a:lnSpc>
+                <a:spcPct val="100000"/>
+              </a:lnSpc>
+              <a:spcBef>
+                <a:spcPts val="4200"/>
+              </a:spcBef>
+              <a:spcAft>
+                <a:spcPts val="0"/>
+              </a:spcAft>
+              <a:buClr>
+                <a:srgbClr val="000000"/>
+              </a:buClr>
+              <a:buSzPts val="1350"/>
+              <a:buFont typeface="Rockwell"/>
+              <a:buChar char="•"/>
+              <a:defRPr sz="3600" b="0" i="0" u="none" strike="noStrike" cap="none">
+                <a:solidFill>
+                  <a:srgbClr val="000000"/>
+                </a:solidFill>
+                <a:latin typeface="Rockwell"/>
+                <a:ea typeface="Rockwell"/>
+                <a:cs typeface="Rockwell"/>
+                <a:sym typeface="Rockwell"/>
+              </a:defRPr>
+            </a:lvl7pPr>
+            <a:lvl8pPr marL="3657966" marR="0" lvl="7" indent="-314357" algn="l" rtl="0">
+              <a:lnSpc>
+                <a:spcPct val="100000"/>
+              </a:lnSpc>
+              <a:spcBef>
+                <a:spcPts val="4200"/>
+              </a:spcBef>
+              <a:spcAft>
+                <a:spcPts val="0"/>
+              </a:spcAft>
+              <a:buClr>
+                <a:srgbClr val="000000"/>
+              </a:buClr>
+              <a:buSzPts val="1350"/>
+              <a:buFont typeface="Rockwell"/>
+              <a:buChar char="•"/>
+              <a:defRPr sz="3600" b="0" i="0" u="none" strike="noStrike" cap="none">
+                <a:solidFill>
+                  <a:srgbClr val="000000"/>
+                </a:solidFill>
+                <a:latin typeface="Rockwell"/>
+                <a:ea typeface="Rockwell"/>
+                <a:cs typeface="Rockwell"/>
+                <a:sym typeface="Rockwell"/>
+              </a:defRPr>
+            </a:lvl8pPr>
+            <a:lvl9pPr marL="4115212" marR="0" lvl="8" indent="-314357" algn="l" rtl="0">
+              <a:lnSpc>
+                <a:spcPct val="100000"/>
+              </a:lnSpc>
+              <a:spcBef>
+                <a:spcPts val="4200"/>
+              </a:spcBef>
+              <a:spcAft>
+                <a:spcPts val="0"/>
+              </a:spcAft>
+              <a:buClr>
+                <a:srgbClr val="000000"/>
+              </a:buClr>
+              <a:buSzPts val="1350"/>
+              <a:buFont typeface="Rockwell"/>
+              <a:buChar char="•"/>
+              <a:defRPr sz="3600" b="0" i="0" u="none" strike="noStrike" cap="none">
+                <a:solidFill>
+                  <a:srgbClr val="000000"/>
+                </a:solidFill>
+                <a:latin typeface="Rockwell"/>
+                <a:ea typeface="Rockwell"/>
+                <a:cs typeface="Rockwell"/>
+                <a:sym typeface="Rockwell"/>
+              </a:defRPr>
+            </a:lvl9pPr>
+          </a:lstStyle>
+          <a:p>
+            <a:pPr marL="171467" lvl="0" indent="0">
+              <a:buClr>
+                <a:srgbClr val="454545"/>
+              </a:buClr>
+              <a:buNone/>
+            </a:pPr>
+            <a:r>
+              <a:rPr lang="en-US" sz="4800" dirty="0">
+                <a:solidFill>
+                  <a:srgbClr val="454545"/>
+                </a:solidFill>
+              </a:rPr>
+              <a:t>Second Interview</a:t>
+            </a:r>
+          </a:p>
+          <a:p>
+            <a:r>
+              <a:rPr lang="en-US" dirty="0"/>
+              <a:t>Which proficiency level is met for each of the competencies? </a:t>
+            </a:r>
+          </a:p>
+          <a:p>
+            <a:pPr marL="171467" lvl="0" indent="0">
+              <a:buClr>
+                <a:srgbClr val="454545"/>
+              </a:buClr>
+              <a:buNone/>
+            </a:pPr>
+            <a:endParaRPr lang="en-US" sz="4800" dirty="0">
+              <a:solidFill>
+                <a:srgbClr val="454545"/>
+              </a:solidFill>
+            </a:endParaRPr>
+          </a:p>
+        </p:txBody>
+      </p:sp>
+      <p:sp>
+        <p:nvSpPr>
+          <p:cNvPr id="5" name="Title 1">
+            <a:extLst>
+              <a:ext uri="{FF2B5EF4-FFF2-40B4-BE49-F238E27FC236}">
+                <a16:creationId xmlns:a16="http://schemas.microsoft.com/office/drawing/2014/main" id="{48382B66-7FE4-D04C-A1F1-0C5115A2EFA7}"/>
+              </a:ext>
+            </a:extLst>
+          </p:cNvPr>
+          <p:cNvSpPr txBox="1">
+            <a:spLocks/>
+          </p:cNvSpPr>
+          <p:nvPr/>
+        </p:nvSpPr>
+        <p:spPr>
+          <a:xfrm>
+            <a:off x="949287" y="6938682"/>
+            <a:ext cx="15441768" cy="2521503"/>
           </a:xfrm>
           <a:prstGeom prst="rect">
             <a:avLst/>
@@ -8243,7 +8592,7 @@
             </a:lvl9pPr>
           </a:lstStyle>
           <a:p>
-            <a:pPr marL="0" marR="0" lvl="0" indent="0" algn="l" defTabSz="914400" rtl="0" eaLnBrk="1" fontAlgn="auto" latinLnBrk="0" hangingPunct="1">
+            <a:pPr marL="0" marR="0" lvl="0" indent="0" algn="ctr" defTabSz="914400" rtl="0" eaLnBrk="1" fontAlgn="auto" latinLnBrk="0" hangingPunct="1">
               <a:lnSpc>
                 <a:spcPct val="100000"/>
               </a:lnSpc>
@@ -8263,7 +8612,7 @@
               <a:defRPr/>
             </a:pPr>
             <a:r>
-              <a:rPr kumimoji="0" lang="en-US" sz="6000" b="0" i="0" u="none" strike="noStrike" kern="0" cap="none" spc="0" normalizeH="0" baseline="0" noProof="0" dirty="0">
+              <a:rPr kumimoji="0" lang="en-US" sz="4000" b="1" i="0" u="none" strike="noStrike" kern="0" cap="none" spc="0" normalizeH="0" baseline="0" noProof="0" dirty="0">
                 <a:ln>
                   <a:noFill/>
                 </a:ln>
@@ -8277,30 +8626,25 @@
                 <a:ea typeface="Source Sans Pro" panose="020B0503030403020204" pitchFamily="34" charset="0"/>
                 <a:sym typeface="Avenir"/>
               </a:rPr>
-              <a:t>First Interview</a:t>
-            </a:r>
-          </a:p>
-          <a:p>
-            <a:pPr marL="0" marR="0" lvl="0" indent="0" algn="l" defTabSz="914400" rtl="0" eaLnBrk="1" fontAlgn="auto" latinLnBrk="0" hangingPunct="1">
-              <a:lnSpc>
-                <a:spcPct val="100000"/>
-              </a:lnSpc>
-              <a:spcBef>
-                <a:spcPts val="0"/>
-              </a:spcBef>
-              <a:spcAft>
-                <a:spcPts val="0"/>
-              </a:spcAft>
-              <a:buClr>
-                <a:srgbClr val="000000"/>
-              </a:buClr>
-              <a:buSzPts val="1400"/>
-              <a:buFont typeface="Arial"/>
-              <a:buNone/>
-              <a:tabLst/>
-              <a:defRPr/>
-            </a:pPr>
-            <a:endParaRPr kumimoji="0" lang="en-US" sz="6000" b="0" i="0" u="none" strike="noStrike" kern="0" cap="none" spc="0" normalizeH="0" baseline="0" noProof="0" dirty="0">
+              <a:t>Make sure you are not the same reviewer for both interviews for the same applicant. </a:t>
+            </a:r>
+            <a:br>
+              <a:rPr kumimoji="0" lang="en-US" sz="4800" b="1" i="0" u="none" strike="noStrike" kern="0" cap="none" spc="0" normalizeH="0" baseline="0" noProof="0" dirty="0">
+                <a:ln>
+                  <a:noFill/>
+                </a:ln>
+                <a:solidFill>
+                  <a:srgbClr val="2C608A"/>
+                </a:solidFill>
+                <a:effectLst/>
+                <a:uLnTx/>
+                <a:uFillTx/>
+                <a:latin typeface="Arial"/>
+                <a:ea typeface="Source Sans Pro" panose="020B0503030403020204" pitchFamily="34" charset="0"/>
+                <a:sym typeface="Avenir"/>
+              </a:rPr>
+            </a:br>
+            <a:endParaRPr kumimoji="0" lang="en-US" sz="4800" b="1" i="0" u="none" strike="noStrike" kern="0" cap="none" spc="0" normalizeH="0" baseline="0" noProof="0" dirty="0">
               <a:ln>
                 <a:noFill/>
               </a:ln>
@@ -8315,917 +8659,68 @@
               <a:sym typeface="Avenir"/>
             </a:endParaRPr>
           </a:p>
-          <a:p>
-            <a:pPr marL="0" marR="0" lvl="0" indent="0" algn="l" defTabSz="914400" rtl="0" eaLnBrk="1" fontAlgn="auto" latinLnBrk="0" hangingPunct="1">
-              <a:lnSpc>
-                <a:spcPct val="100000"/>
-              </a:lnSpc>
-              <a:spcBef>
-                <a:spcPts val="0"/>
-              </a:spcBef>
-              <a:spcAft>
-                <a:spcPts val="0"/>
-              </a:spcAft>
-              <a:buClr>
-                <a:srgbClr val="000000"/>
-              </a:buClr>
-              <a:buSzPts val="1400"/>
-              <a:buFont typeface="Arial"/>
-              <a:buNone/>
-              <a:tabLst/>
-              <a:defRPr/>
-            </a:pPr>
-            <a:r>
-              <a:rPr kumimoji="0" lang="en-US" sz="3600" b="0" i="0" u="none" strike="noStrike" kern="0" cap="none" spc="0" normalizeH="0" baseline="0" noProof="0" dirty="0">
-                <a:ln>
-                  <a:noFill/>
-                </a:ln>
-                <a:solidFill>
-                  <a:srgbClr val="2C608A"/>
-                </a:solidFill>
-                <a:effectLst/>
-                <a:uLnTx/>
-                <a:uFillTx/>
-                <a:latin typeface="Arial"/>
-                <a:ea typeface="Source Sans Pro" panose="020B0503030403020204" pitchFamily="34" charset="0"/>
-                <a:sym typeface="Avenir"/>
-              </a:rPr>
-              <a:t>Did the applicant meet the required proficiency </a:t>
-            </a:r>
-            <a:r>
-              <a:rPr kumimoji="0" lang="en-US" sz="3600" b="0" i="0" u="none" strike="noStrike" kern="0" cap="none" spc="0" normalizeH="0" baseline="0" noProof="0" dirty="0" smtClean="0">
-                <a:ln>
-                  <a:noFill/>
-                </a:ln>
-                <a:solidFill>
-                  <a:srgbClr val="2C608A"/>
-                </a:solidFill>
-                <a:effectLst/>
-                <a:uLnTx/>
-                <a:uFillTx/>
-                <a:latin typeface="Arial"/>
-                <a:ea typeface="Source Sans Pro" panose="020B0503030403020204" pitchFamily="34" charset="0"/>
-                <a:sym typeface="Avenir"/>
-              </a:rPr>
-              <a:t>for </a:t>
-            </a:r>
-            <a:r>
-              <a:rPr kumimoji="0" lang="en-US" sz="3600" b="0" i="0" u="none" strike="noStrike" kern="0" cap="none" spc="0" normalizeH="0" baseline="0" noProof="0" dirty="0">
-                <a:ln>
-                  <a:noFill/>
-                </a:ln>
-                <a:solidFill>
-                  <a:srgbClr val="2C608A"/>
-                </a:solidFill>
-                <a:effectLst/>
-                <a:uLnTx/>
-                <a:uFillTx/>
-                <a:latin typeface="Arial"/>
-                <a:ea typeface="Source Sans Pro" panose="020B0503030403020204" pitchFamily="34" charset="0"/>
-                <a:sym typeface="Avenir"/>
-              </a:rPr>
-              <a:t>each competency?</a:t>
-            </a:r>
-            <a:br>
-              <a:rPr kumimoji="0" lang="en-US" sz="3600" b="0" i="0" u="none" strike="noStrike" kern="0" cap="none" spc="0" normalizeH="0" baseline="0" noProof="0" dirty="0">
-                <a:ln>
-                  <a:noFill/>
-                </a:ln>
-                <a:solidFill>
-                  <a:srgbClr val="2C608A"/>
-                </a:solidFill>
-                <a:effectLst/>
-                <a:uLnTx/>
-                <a:uFillTx/>
-                <a:latin typeface="Arial"/>
-                <a:ea typeface="Source Sans Pro" panose="020B0503030403020204" pitchFamily="34" charset="0"/>
-                <a:sym typeface="Avenir"/>
-              </a:rPr>
-            </a:br>
-            <a:endParaRPr kumimoji="0" lang="en-US" sz="3600" b="0" i="0" u="none" strike="noStrike" kern="0" cap="none" spc="0" normalizeH="0" baseline="0" noProof="0" dirty="0">
-              <a:ln>
-                <a:noFill/>
-              </a:ln>
-              <a:solidFill>
-                <a:srgbClr val="2C608A"/>
-              </a:solidFill>
-              <a:effectLst/>
-              <a:uLnTx/>
-              <a:uFillTx/>
-              <a:latin typeface="Arial"/>
-              <a:ea typeface="Source Sans Pro" panose="020B0503030403020204" pitchFamily="34" charset="0"/>
-              <a:sym typeface="Avenir"/>
-            </a:endParaRPr>
-          </a:p>
         </p:txBody>
       </p:sp>
       <p:sp>
         <p:nvSpPr>
-          <p:cNvPr id="4" name="Title 1"/>
-          <p:cNvSpPr txBox="1">
-            <a:spLocks/>
-          </p:cNvSpPr>
+          <p:cNvPr id="6" name="Rectangle 5">
+            <a:extLst>
+              <a:ext uri="{FF2B5EF4-FFF2-40B4-BE49-F238E27FC236}">
+                <a16:creationId xmlns:a16="http://schemas.microsoft.com/office/drawing/2014/main" id="{6924DB25-BD8E-E749-B886-0DD85B0DFFAC}"/>
+              </a:ext>
+            </a:extLst>
+          </p:cNvPr>
+          <p:cNvSpPr/>
           <p:nvPr/>
         </p:nvSpPr>
         <p:spPr>
           <a:xfrm>
-            <a:off x="8528529" y="3043386"/>
-            <a:ext cx="7441274" cy="4954393"/>
+            <a:off x="7765822" y="438210"/>
+            <a:ext cx="8382378" cy="1831310"/>
           </a:xfrm>
           <a:prstGeom prst="rect">
             <a:avLst/>
           </a:prstGeom>
-          <a:noFill/>
-          <a:ln>
-            <a:noFill/>
-          </a:ln>
+          <a:solidFill>
+            <a:srgbClr val="FFFF00"/>
+          </a:solidFill>
         </p:spPr>
+        <p:style>
+          <a:lnRef idx="2">
+            <a:schemeClr val="accent1">
+              <a:shade val="50000"/>
+            </a:schemeClr>
+          </a:lnRef>
+          <a:fillRef idx="1">
+            <a:schemeClr val="accent1"/>
+          </a:fillRef>
+          <a:effectRef idx="0">
+            <a:schemeClr val="accent1"/>
+          </a:effectRef>
+          <a:fontRef idx="minor">
+            <a:schemeClr val="lt1"/>
+          </a:fontRef>
+        </p:style>
         <p:txBody>
-          <a:bodyPr spcFirstLastPara="1" wrap="square" lIns="91425" tIns="45700" rIns="91425" bIns="45700" anchor="t" anchorCtr="0"/>
-          <a:lstStyle>
-            <a:defPPr marR="0" lvl="0" algn="l" rtl="0">
-              <a:lnSpc>
-                <a:spcPct val="100000"/>
-              </a:lnSpc>
-              <a:spcBef>
-                <a:spcPts val="0"/>
-              </a:spcBef>
-              <a:spcAft>
-                <a:spcPts val="0"/>
-              </a:spcAft>
-            </a:defPPr>
-            <a:lvl1pPr marR="0" lvl="0" algn="l" rtl="0">
-              <a:lnSpc>
-                <a:spcPct val="100000"/>
-              </a:lnSpc>
-              <a:spcBef>
-                <a:spcPts val="0"/>
-              </a:spcBef>
-              <a:spcAft>
-                <a:spcPts val="0"/>
-              </a:spcAft>
-              <a:buClr>
-                <a:srgbClr val="000000"/>
-              </a:buClr>
-              <a:buSzPts val="1400"/>
-              <a:buFont typeface="Arial"/>
-              <a:buNone/>
-              <a:defRPr sz="6000" b="0" i="0" u="none" strike="noStrike" cap="none">
-                <a:solidFill>
-                  <a:schemeClr val="tx1"/>
-                </a:solidFill>
-                <a:latin typeface="+mj-lt"/>
-                <a:ea typeface="Source Sans Pro" panose="020B0503030403020204" pitchFamily="34" charset="0"/>
-                <a:cs typeface="Merriweather" pitchFamily="2" charset="77"/>
-                <a:sym typeface="Avenir"/>
-              </a:defRPr>
-            </a:lvl1pPr>
-            <a:lvl2pPr marR="0" lvl="1" algn="ctr" rtl="0">
-              <a:lnSpc>
-                <a:spcPct val="100000"/>
-              </a:lnSpc>
-              <a:spcBef>
-                <a:spcPts val="0"/>
-              </a:spcBef>
-              <a:spcAft>
-                <a:spcPts val="0"/>
-              </a:spcAft>
-              <a:buClr>
-                <a:srgbClr val="000000"/>
-              </a:buClr>
-              <a:buSzPts val="1400"/>
-              <a:buFont typeface="Arial"/>
-              <a:buNone/>
-              <a:defRPr sz="8000" b="0" i="0" u="none" strike="noStrike" cap="none">
-                <a:solidFill>
-                  <a:srgbClr val="000000"/>
-                </a:solidFill>
-                <a:latin typeface="Rockwell"/>
-                <a:ea typeface="Rockwell"/>
-                <a:cs typeface="Rockwell"/>
-                <a:sym typeface="Rockwell"/>
-              </a:defRPr>
-            </a:lvl2pPr>
-            <a:lvl3pPr marR="0" lvl="2" algn="ctr" rtl="0">
-              <a:lnSpc>
-                <a:spcPct val="100000"/>
-              </a:lnSpc>
-              <a:spcBef>
-                <a:spcPts val="0"/>
-              </a:spcBef>
-              <a:spcAft>
-                <a:spcPts val="0"/>
-              </a:spcAft>
-              <a:buClr>
-                <a:srgbClr val="000000"/>
-              </a:buClr>
-              <a:buSzPts val="1400"/>
-              <a:buFont typeface="Arial"/>
-              <a:buNone/>
-              <a:defRPr sz="8000" b="0" i="0" u="none" strike="noStrike" cap="none">
-                <a:solidFill>
-                  <a:srgbClr val="000000"/>
-                </a:solidFill>
-                <a:latin typeface="Rockwell"/>
-                <a:ea typeface="Rockwell"/>
-                <a:cs typeface="Rockwell"/>
-                <a:sym typeface="Rockwell"/>
-              </a:defRPr>
-            </a:lvl3pPr>
-            <a:lvl4pPr marR="0" lvl="3" algn="ctr" rtl="0">
-              <a:lnSpc>
-                <a:spcPct val="100000"/>
-              </a:lnSpc>
-              <a:spcBef>
-                <a:spcPts val="0"/>
-              </a:spcBef>
-              <a:spcAft>
-                <a:spcPts val="0"/>
-              </a:spcAft>
-              <a:buClr>
-                <a:srgbClr val="000000"/>
-              </a:buClr>
-              <a:buSzPts val="1400"/>
-              <a:buFont typeface="Arial"/>
-              <a:buNone/>
-              <a:defRPr sz="8000" b="0" i="0" u="none" strike="noStrike" cap="none">
-                <a:solidFill>
-                  <a:srgbClr val="000000"/>
-                </a:solidFill>
-                <a:latin typeface="Rockwell"/>
-                <a:ea typeface="Rockwell"/>
-                <a:cs typeface="Rockwell"/>
-                <a:sym typeface="Rockwell"/>
-              </a:defRPr>
-            </a:lvl4pPr>
-            <a:lvl5pPr marR="0" lvl="4" algn="ctr" rtl="0">
-              <a:lnSpc>
-                <a:spcPct val="100000"/>
-              </a:lnSpc>
-              <a:spcBef>
-                <a:spcPts val="0"/>
-              </a:spcBef>
-              <a:spcAft>
-                <a:spcPts val="0"/>
-              </a:spcAft>
-              <a:buClr>
-                <a:srgbClr val="000000"/>
-              </a:buClr>
-              <a:buSzPts val="1400"/>
-              <a:buFont typeface="Arial"/>
-              <a:buNone/>
-              <a:defRPr sz="8000" b="0" i="0" u="none" strike="noStrike" cap="none">
-                <a:solidFill>
-                  <a:srgbClr val="000000"/>
-                </a:solidFill>
-                <a:latin typeface="Rockwell"/>
-                <a:ea typeface="Rockwell"/>
-                <a:cs typeface="Rockwell"/>
-                <a:sym typeface="Rockwell"/>
-              </a:defRPr>
-            </a:lvl5pPr>
-            <a:lvl6pPr marR="0" lvl="5" algn="ctr" rtl="0">
-              <a:lnSpc>
-                <a:spcPct val="100000"/>
-              </a:lnSpc>
-              <a:spcBef>
-                <a:spcPts val="0"/>
-              </a:spcBef>
-              <a:spcAft>
-                <a:spcPts val="0"/>
-              </a:spcAft>
-              <a:buClr>
-                <a:srgbClr val="000000"/>
-              </a:buClr>
-              <a:buSzPts val="1400"/>
-              <a:buFont typeface="Arial"/>
-              <a:buNone/>
-              <a:defRPr sz="8000" b="0" i="0" u="none" strike="noStrike" cap="none">
-                <a:solidFill>
-                  <a:srgbClr val="000000"/>
-                </a:solidFill>
-                <a:latin typeface="Rockwell"/>
-                <a:ea typeface="Rockwell"/>
-                <a:cs typeface="Rockwell"/>
-                <a:sym typeface="Rockwell"/>
-              </a:defRPr>
-            </a:lvl6pPr>
-            <a:lvl7pPr marR="0" lvl="6" algn="ctr" rtl="0">
-              <a:lnSpc>
-                <a:spcPct val="100000"/>
-              </a:lnSpc>
-              <a:spcBef>
-                <a:spcPts val="0"/>
-              </a:spcBef>
-              <a:spcAft>
-                <a:spcPts val="0"/>
-              </a:spcAft>
-              <a:buClr>
-                <a:srgbClr val="000000"/>
-              </a:buClr>
-              <a:buSzPts val="1400"/>
-              <a:buFont typeface="Arial"/>
-              <a:buNone/>
-              <a:defRPr sz="8000" b="0" i="0" u="none" strike="noStrike" cap="none">
-                <a:solidFill>
-                  <a:srgbClr val="000000"/>
-                </a:solidFill>
-                <a:latin typeface="Rockwell"/>
-                <a:ea typeface="Rockwell"/>
-                <a:cs typeface="Rockwell"/>
-                <a:sym typeface="Rockwell"/>
-              </a:defRPr>
-            </a:lvl7pPr>
-            <a:lvl8pPr marR="0" lvl="7" algn="ctr" rtl="0">
-              <a:lnSpc>
-                <a:spcPct val="100000"/>
-              </a:lnSpc>
-              <a:spcBef>
-                <a:spcPts val="0"/>
-              </a:spcBef>
-              <a:spcAft>
-                <a:spcPts val="0"/>
-              </a:spcAft>
-              <a:buClr>
-                <a:srgbClr val="000000"/>
-              </a:buClr>
-              <a:buSzPts val="1400"/>
-              <a:buFont typeface="Arial"/>
-              <a:buNone/>
-              <a:defRPr sz="8000" b="0" i="0" u="none" strike="noStrike" cap="none">
-                <a:solidFill>
-                  <a:srgbClr val="000000"/>
-                </a:solidFill>
-                <a:latin typeface="Rockwell"/>
-                <a:ea typeface="Rockwell"/>
-                <a:cs typeface="Rockwell"/>
-                <a:sym typeface="Rockwell"/>
-              </a:defRPr>
-            </a:lvl8pPr>
-            <a:lvl9pPr marR="0" lvl="8" algn="ctr" rtl="0">
-              <a:lnSpc>
-                <a:spcPct val="100000"/>
-              </a:lnSpc>
-              <a:spcBef>
-                <a:spcPts val="0"/>
-              </a:spcBef>
-              <a:spcAft>
-                <a:spcPts val="0"/>
-              </a:spcAft>
-              <a:buClr>
-                <a:srgbClr val="000000"/>
-              </a:buClr>
-              <a:buSzPts val="1400"/>
-              <a:buFont typeface="Arial"/>
-              <a:buNone/>
-              <a:defRPr sz="8000" b="0" i="0" u="none" strike="noStrike" cap="none">
-                <a:solidFill>
-                  <a:srgbClr val="000000"/>
-                </a:solidFill>
-                <a:latin typeface="Rockwell"/>
-                <a:ea typeface="Rockwell"/>
-                <a:cs typeface="Rockwell"/>
-                <a:sym typeface="Rockwell"/>
-              </a:defRPr>
-            </a:lvl9pPr>
-          </a:lstStyle>
-          <a:p>
-            <a:pPr marL="0" marR="0" lvl="0" indent="0" algn="l" defTabSz="914400" rtl="0" eaLnBrk="1" fontAlgn="auto" latinLnBrk="0" hangingPunct="1">
-              <a:lnSpc>
-                <a:spcPct val="100000"/>
-              </a:lnSpc>
-              <a:spcBef>
-                <a:spcPts val="0"/>
-              </a:spcBef>
-              <a:spcAft>
-                <a:spcPts val="0"/>
-              </a:spcAft>
-              <a:buClr>
-                <a:srgbClr val="000000"/>
-              </a:buClr>
-              <a:buSzPts val="1400"/>
-              <a:buFont typeface="Arial"/>
-              <a:buNone/>
-              <a:tabLst/>
-              <a:defRPr/>
-            </a:pPr>
-            <a:r>
-              <a:rPr kumimoji="0" lang="en-US" sz="6000" b="0" i="0" u="none" strike="noStrike" kern="0" cap="none" spc="0" normalizeH="0" baseline="0" noProof="0" dirty="0">
-                <a:ln>
-                  <a:noFill/>
-                </a:ln>
-                <a:solidFill>
-                  <a:srgbClr val="2C608A"/>
-                </a:solidFill>
-                <a:effectLst/>
-                <a:uLnTx/>
-                <a:uFillTx/>
-                <a:latin typeface="Arial"/>
-                <a:ea typeface="Source Sans Pro" panose="020B0503030403020204" pitchFamily="34" charset="0"/>
-                <a:sym typeface="Avenir"/>
+          <a:bodyPr rtlCol="0" anchor="ctr"/>
+          <a:lstStyle/>
+          <a:p>
+            <a:pPr algn="ctr"/>
+            <a:r>
+              <a:rPr lang="en-US" sz="3600" dirty="0">
+                <a:solidFill>
+                  <a:schemeClr val="tx2"/>
+                </a:solidFill>
               </a:rPr>
-              <a:t>Second Interview</a:t>
-            </a:r>
-          </a:p>
-          <a:p>
-            <a:pPr marL="0" marR="0" lvl="0" indent="0" algn="l" defTabSz="914400" rtl="0" eaLnBrk="1" fontAlgn="auto" latinLnBrk="0" hangingPunct="1">
-              <a:lnSpc>
-                <a:spcPct val="100000"/>
-              </a:lnSpc>
-              <a:spcBef>
-                <a:spcPts val="0"/>
-              </a:spcBef>
-              <a:spcAft>
-                <a:spcPts val="0"/>
-              </a:spcAft>
-              <a:buClr>
-                <a:srgbClr val="000000"/>
-              </a:buClr>
-              <a:buSzPts val="1400"/>
-              <a:buFont typeface="Arial"/>
-              <a:buNone/>
-              <a:tabLst/>
-              <a:defRPr/>
-            </a:pPr>
-            <a:r>
-              <a:rPr kumimoji="0" lang="en-US" sz="6000" b="0" i="0" u="none" strike="noStrike" kern="0" cap="none" spc="0" normalizeH="0" baseline="0" noProof="0" dirty="0">
-                <a:ln>
-                  <a:noFill/>
-                </a:ln>
-                <a:solidFill>
-                  <a:srgbClr val="2C608A"/>
-                </a:solidFill>
-                <a:effectLst/>
-                <a:uLnTx/>
-                <a:uFillTx/>
-                <a:latin typeface="Arial"/>
-                <a:ea typeface="Source Sans Pro" panose="020B0503030403020204" pitchFamily="34" charset="0"/>
-                <a:sym typeface="Avenir"/>
-              </a:rPr>
-              <a:t/>
-            </a:r>
-            <a:br>
-              <a:rPr kumimoji="0" lang="en-US" sz="6000" b="0" i="0" u="none" strike="noStrike" kern="0" cap="none" spc="0" normalizeH="0" baseline="0" noProof="0" dirty="0">
-                <a:ln>
-                  <a:noFill/>
-                </a:ln>
-                <a:solidFill>
-                  <a:srgbClr val="2C608A"/>
-                </a:solidFill>
-                <a:effectLst/>
-                <a:uLnTx/>
-                <a:uFillTx/>
-                <a:latin typeface="Arial"/>
-                <a:ea typeface="Source Sans Pro" panose="020B0503030403020204" pitchFamily="34" charset="0"/>
-                <a:sym typeface="Avenir"/>
-              </a:rPr>
-            </a:br>
-            <a:r>
-              <a:rPr kumimoji="0" lang="en-US" sz="3600" b="0" i="0" u="none" strike="noStrike" kern="0" cap="none" spc="0" normalizeH="0" baseline="0" noProof="0" dirty="0">
-                <a:ln>
-                  <a:noFill/>
-                </a:ln>
-                <a:solidFill>
-                  <a:srgbClr val="2C608A"/>
-                </a:solidFill>
-                <a:effectLst/>
-                <a:uLnTx/>
-                <a:uFillTx/>
-                <a:latin typeface="Arial"/>
-                <a:ea typeface="Source Sans Pro" panose="020B0503030403020204" pitchFamily="34" charset="0"/>
-                <a:sym typeface="Avenir"/>
-              </a:rPr>
-              <a:t>Which proficiency level is met for each of the competencies? </a:t>
-            </a:r>
-            <a:r>
-              <a:rPr kumimoji="0" lang="en-US" sz="3600" b="0" i="0" u="none" strike="noStrike" kern="0" cap="none" spc="0" normalizeH="0" baseline="0" noProof="0" dirty="0" smtClean="0">
-                <a:ln>
-                  <a:noFill/>
-                </a:ln>
-                <a:solidFill>
-                  <a:srgbClr val="2C608A"/>
-                </a:solidFill>
-                <a:effectLst/>
-                <a:uLnTx/>
-                <a:uFillTx/>
-                <a:latin typeface="Arial"/>
-                <a:ea typeface="Source Sans Pro" panose="020B0503030403020204" pitchFamily="34" charset="0"/>
-                <a:sym typeface="Avenir"/>
-              </a:rPr>
-              <a:t>Are they minimally </a:t>
-            </a:r>
-            <a:r>
-              <a:rPr kumimoji="0" lang="en-US" sz="3600" b="0" i="0" u="none" strike="noStrike" kern="0" cap="none" spc="0" normalizeH="0" baseline="0" noProof="0" dirty="0">
-                <a:ln>
-                  <a:noFill/>
-                </a:ln>
-                <a:solidFill>
-                  <a:srgbClr val="2C608A"/>
-                </a:solidFill>
-                <a:effectLst/>
-                <a:uLnTx/>
-                <a:uFillTx/>
-                <a:latin typeface="Arial"/>
-                <a:ea typeface="Source Sans Pro" panose="020B0503030403020204" pitchFamily="34" charset="0"/>
-                <a:sym typeface="Avenir"/>
-              </a:rPr>
-              <a:t>qualified or best </a:t>
-            </a:r>
-            <a:r>
-              <a:rPr kumimoji="0" lang="en-US" sz="3600" b="0" i="0" u="none" strike="noStrike" kern="0" cap="none" spc="0" normalizeH="0" baseline="0" noProof="0" dirty="0" smtClean="0">
-                <a:ln>
-                  <a:noFill/>
-                </a:ln>
-                <a:solidFill>
-                  <a:srgbClr val="2C608A"/>
-                </a:solidFill>
-                <a:effectLst/>
-                <a:uLnTx/>
-                <a:uFillTx/>
-                <a:latin typeface="Arial"/>
-                <a:ea typeface="Source Sans Pro" panose="020B0503030403020204" pitchFamily="34" charset="0"/>
-                <a:sym typeface="Avenir"/>
-              </a:rPr>
-              <a:t>qualified?</a:t>
-            </a:r>
-            <a:endParaRPr kumimoji="0" lang="en-US" sz="3600" b="0" i="0" u="none" strike="noStrike" kern="0" cap="none" spc="0" normalizeH="0" baseline="0" noProof="0" dirty="0">
-              <a:ln>
-                <a:noFill/>
-              </a:ln>
-              <a:solidFill>
-                <a:srgbClr val="2C608A"/>
-              </a:solidFill>
-              <a:effectLst/>
-              <a:uLnTx/>
-              <a:uFillTx/>
-              <a:latin typeface="Arial"/>
-              <a:ea typeface="Source Sans Pro" panose="020B0503030403020204" pitchFamily="34" charset="0"/>
-              <a:sym typeface="Avenir"/>
-            </a:endParaRPr>
-          </a:p>
-        </p:txBody>
-      </p:sp>
-      <p:sp>
-        <p:nvSpPr>
-          <p:cNvPr id="5" name="Title 1"/>
-          <p:cNvSpPr txBox="1">
-            <a:spLocks/>
-          </p:cNvSpPr>
-          <p:nvPr/>
-        </p:nvSpPr>
-        <p:spPr>
-          <a:xfrm>
-            <a:off x="1513080" y="8476283"/>
-            <a:ext cx="15441768" cy="957008"/>
-          </a:xfrm>
-          <a:prstGeom prst="rect">
-            <a:avLst/>
-          </a:prstGeom>
-          <a:noFill/>
-          <a:ln>
-            <a:noFill/>
-          </a:ln>
-        </p:spPr>
-        <p:txBody>
-          <a:bodyPr spcFirstLastPara="1" wrap="square" lIns="91425" tIns="45700" rIns="91425" bIns="45700" anchor="t" anchorCtr="0"/>
-          <a:lstStyle>
-            <a:defPPr marR="0" lvl="0" algn="l" rtl="0">
-              <a:lnSpc>
-                <a:spcPct val="100000"/>
-              </a:lnSpc>
-              <a:spcBef>
-                <a:spcPts val="0"/>
-              </a:spcBef>
-              <a:spcAft>
-                <a:spcPts val="0"/>
-              </a:spcAft>
-            </a:defPPr>
-            <a:lvl1pPr marR="0" lvl="0" algn="l" rtl="0">
-              <a:lnSpc>
-                <a:spcPct val="100000"/>
-              </a:lnSpc>
-              <a:spcBef>
-                <a:spcPts val="0"/>
-              </a:spcBef>
-              <a:spcAft>
-                <a:spcPts val="0"/>
-              </a:spcAft>
-              <a:buClr>
-                <a:srgbClr val="000000"/>
-              </a:buClr>
-              <a:buSzPts val="1400"/>
-              <a:buFont typeface="Arial"/>
-              <a:buNone/>
-              <a:defRPr sz="6000" b="0" i="0" u="none" strike="noStrike" cap="none">
-                <a:solidFill>
-                  <a:schemeClr val="tx1"/>
-                </a:solidFill>
-                <a:latin typeface="+mj-lt"/>
-                <a:ea typeface="Source Sans Pro" panose="020B0503030403020204" pitchFamily="34" charset="0"/>
-                <a:cs typeface="Merriweather" pitchFamily="2" charset="77"/>
-                <a:sym typeface="Avenir"/>
-              </a:defRPr>
-            </a:lvl1pPr>
-            <a:lvl2pPr marR="0" lvl="1" algn="ctr" rtl="0">
-              <a:lnSpc>
-                <a:spcPct val="100000"/>
-              </a:lnSpc>
-              <a:spcBef>
-                <a:spcPts val="0"/>
-              </a:spcBef>
-              <a:spcAft>
-                <a:spcPts val="0"/>
-              </a:spcAft>
-              <a:buClr>
-                <a:srgbClr val="000000"/>
-              </a:buClr>
-              <a:buSzPts val="1400"/>
-              <a:buFont typeface="Arial"/>
-              <a:buNone/>
-              <a:defRPr sz="8000" b="0" i="0" u="none" strike="noStrike" cap="none">
-                <a:solidFill>
-                  <a:srgbClr val="000000"/>
-                </a:solidFill>
-                <a:latin typeface="Rockwell"/>
-                <a:ea typeface="Rockwell"/>
-                <a:cs typeface="Rockwell"/>
-                <a:sym typeface="Rockwell"/>
-              </a:defRPr>
-            </a:lvl2pPr>
-            <a:lvl3pPr marR="0" lvl="2" algn="ctr" rtl="0">
-              <a:lnSpc>
-                <a:spcPct val="100000"/>
-              </a:lnSpc>
-              <a:spcBef>
-                <a:spcPts val="0"/>
-              </a:spcBef>
-              <a:spcAft>
-                <a:spcPts val="0"/>
-              </a:spcAft>
-              <a:buClr>
-                <a:srgbClr val="000000"/>
-              </a:buClr>
-              <a:buSzPts val="1400"/>
-              <a:buFont typeface="Arial"/>
-              <a:buNone/>
-              <a:defRPr sz="8000" b="0" i="0" u="none" strike="noStrike" cap="none">
-                <a:solidFill>
-                  <a:srgbClr val="000000"/>
-                </a:solidFill>
-                <a:latin typeface="Rockwell"/>
-                <a:ea typeface="Rockwell"/>
-                <a:cs typeface="Rockwell"/>
-                <a:sym typeface="Rockwell"/>
-              </a:defRPr>
-            </a:lvl3pPr>
-            <a:lvl4pPr marR="0" lvl="3" algn="ctr" rtl="0">
-              <a:lnSpc>
-                <a:spcPct val="100000"/>
-              </a:lnSpc>
-              <a:spcBef>
-                <a:spcPts val="0"/>
-              </a:spcBef>
-              <a:spcAft>
-                <a:spcPts val="0"/>
-              </a:spcAft>
-              <a:buClr>
-                <a:srgbClr val="000000"/>
-              </a:buClr>
-              <a:buSzPts val="1400"/>
-              <a:buFont typeface="Arial"/>
-              <a:buNone/>
-              <a:defRPr sz="8000" b="0" i="0" u="none" strike="noStrike" cap="none">
-                <a:solidFill>
-                  <a:srgbClr val="000000"/>
-                </a:solidFill>
-                <a:latin typeface="Rockwell"/>
-                <a:ea typeface="Rockwell"/>
-                <a:cs typeface="Rockwell"/>
-                <a:sym typeface="Rockwell"/>
-              </a:defRPr>
-            </a:lvl4pPr>
-            <a:lvl5pPr marR="0" lvl="4" algn="ctr" rtl="0">
-              <a:lnSpc>
-                <a:spcPct val="100000"/>
-              </a:lnSpc>
-              <a:spcBef>
-                <a:spcPts val="0"/>
-              </a:spcBef>
-              <a:spcAft>
-                <a:spcPts val="0"/>
-              </a:spcAft>
-              <a:buClr>
-                <a:srgbClr val="000000"/>
-              </a:buClr>
-              <a:buSzPts val="1400"/>
-              <a:buFont typeface="Arial"/>
-              <a:buNone/>
-              <a:defRPr sz="8000" b="0" i="0" u="none" strike="noStrike" cap="none">
-                <a:solidFill>
-                  <a:srgbClr val="000000"/>
-                </a:solidFill>
-                <a:latin typeface="Rockwell"/>
-                <a:ea typeface="Rockwell"/>
-                <a:cs typeface="Rockwell"/>
-                <a:sym typeface="Rockwell"/>
-              </a:defRPr>
-            </a:lvl5pPr>
-            <a:lvl6pPr marR="0" lvl="5" algn="ctr" rtl="0">
-              <a:lnSpc>
-                <a:spcPct val="100000"/>
-              </a:lnSpc>
-              <a:spcBef>
-                <a:spcPts val="0"/>
-              </a:spcBef>
-              <a:spcAft>
-                <a:spcPts val="0"/>
-              </a:spcAft>
-              <a:buClr>
-                <a:srgbClr val="000000"/>
-              </a:buClr>
-              <a:buSzPts val="1400"/>
-              <a:buFont typeface="Arial"/>
-              <a:buNone/>
-              <a:defRPr sz="8000" b="0" i="0" u="none" strike="noStrike" cap="none">
-                <a:solidFill>
-                  <a:srgbClr val="000000"/>
-                </a:solidFill>
-                <a:latin typeface="Rockwell"/>
-                <a:ea typeface="Rockwell"/>
-                <a:cs typeface="Rockwell"/>
-                <a:sym typeface="Rockwell"/>
-              </a:defRPr>
-            </a:lvl6pPr>
-            <a:lvl7pPr marR="0" lvl="6" algn="ctr" rtl="0">
-              <a:lnSpc>
-                <a:spcPct val="100000"/>
-              </a:lnSpc>
-              <a:spcBef>
-                <a:spcPts val="0"/>
-              </a:spcBef>
-              <a:spcAft>
-                <a:spcPts val="0"/>
-              </a:spcAft>
-              <a:buClr>
-                <a:srgbClr val="000000"/>
-              </a:buClr>
-              <a:buSzPts val="1400"/>
-              <a:buFont typeface="Arial"/>
-              <a:buNone/>
-              <a:defRPr sz="8000" b="0" i="0" u="none" strike="noStrike" cap="none">
-                <a:solidFill>
-                  <a:srgbClr val="000000"/>
-                </a:solidFill>
-                <a:latin typeface="Rockwell"/>
-                <a:ea typeface="Rockwell"/>
-                <a:cs typeface="Rockwell"/>
-                <a:sym typeface="Rockwell"/>
-              </a:defRPr>
-            </a:lvl7pPr>
-            <a:lvl8pPr marR="0" lvl="7" algn="ctr" rtl="0">
-              <a:lnSpc>
-                <a:spcPct val="100000"/>
-              </a:lnSpc>
-              <a:spcBef>
-                <a:spcPts val="0"/>
-              </a:spcBef>
-              <a:spcAft>
-                <a:spcPts val="0"/>
-              </a:spcAft>
-              <a:buClr>
-                <a:srgbClr val="000000"/>
-              </a:buClr>
-              <a:buSzPts val="1400"/>
-              <a:buFont typeface="Arial"/>
-              <a:buNone/>
-              <a:defRPr sz="8000" b="0" i="0" u="none" strike="noStrike" cap="none">
-                <a:solidFill>
-                  <a:srgbClr val="000000"/>
-                </a:solidFill>
-                <a:latin typeface="Rockwell"/>
-                <a:ea typeface="Rockwell"/>
-                <a:cs typeface="Rockwell"/>
-                <a:sym typeface="Rockwell"/>
-              </a:defRPr>
-            </a:lvl8pPr>
-            <a:lvl9pPr marR="0" lvl="8" algn="ctr" rtl="0">
-              <a:lnSpc>
-                <a:spcPct val="100000"/>
-              </a:lnSpc>
-              <a:spcBef>
-                <a:spcPts val="0"/>
-              </a:spcBef>
-              <a:spcAft>
-                <a:spcPts val="0"/>
-              </a:spcAft>
-              <a:buClr>
-                <a:srgbClr val="000000"/>
-              </a:buClr>
-              <a:buSzPts val="1400"/>
-              <a:buFont typeface="Arial"/>
-              <a:buNone/>
-              <a:defRPr sz="8000" b="0" i="0" u="none" strike="noStrike" cap="none">
-                <a:solidFill>
-                  <a:srgbClr val="000000"/>
-                </a:solidFill>
-                <a:latin typeface="Rockwell"/>
-                <a:ea typeface="Rockwell"/>
-                <a:cs typeface="Rockwell"/>
-                <a:sym typeface="Rockwell"/>
-              </a:defRPr>
-            </a:lvl9pPr>
-          </a:lstStyle>
-          <a:p>
-            <a:pPr marL="0" marR="0" lvl="0" indent="0" algn="l" defTabSz="914400" rtl="0" eaLnBrk="1" fontAlgn="auto" latinLnBrk="0" hangingPunct="1">
-              <a:lnSpc>
-                <a:spcPct val="100000"/>
-              </a:lnSpc>
-              <a:spcBef>
-                <a:spcPts val="0"/>
-              </a:spcBef>
-              <a:spcAft>
-                <a:spcPts val="0"/>
-              </a:spcAft>
-              <a:buClr>
-                <a:srgbClr val="000000"/>
-              </a:buClr>
-              <a:buSzPts val="1400"/>
-              <a:buFont typeface="Arial"/>
-              <a:buNone/>
-              <a:tabLst/>
-              <a:defRPr/>
-            </a:pPr>
-            <a:r>
-              <a:rPr kumimoji="0" lang="en-US" sz="2800" b="1" i="0" u="none" strike="noStrike" kern="0" cap="none" spc="0" normalizeH="0" baseline="0" noProof="0" dirty="0">
-                <a:ln>
-                  <a:noFill/>
-                </a:ln>
-                <a:solidFill>
-                  <a:srgbClr val="2C608A"/>
-                </a:solidFill>
-                <a:effectLst/>
-                <a:uLnTx/>
-                <a:uFillTx/>
-                <a:latin typeface="Arial"/>
-                <a:ea typeface="Source Sans Pro" panose="020B0503030403020204" pitchFamily="34" charset="0"/>
-                <a:sym typeface="Avenir"/>
-              </a:rPr>
-              <a:t>Make sure you are not the same reviewer for both interviews for the same applicant. </a:t>
-            </a:r>
-            <a:r>
-              <a:rPr kumimoji="0" lang="en-US" sz="3600" b="1" i="0" u="none" strike="noStrike" kern="0" cap="none" spc="0" normalizeH="0" baseline="0" noProof="0" dirty="0">
-                <a:ln>
-                  <a:noFill/>
-                </a:ln>
-                <a:solidFill>
-                  <a:srgbClr val="2C608A"/>
-                </a:solidFill>
-                <a:effectLst/>
-                <a:uLnTx/>
-                <a:uFillTx/>
-                <a:latin typeface="Arial"/>
-                <a:ea typeface="Source Sans Pro" panose="020B0503030403020204" pitchFamily="34" charset="0"/>
-                <a:sym typeface="Avenir"/>
-              </a:rPr>
-              <a:t/>
-            </a:r>
-            <a:br>
-              <a:rPr kumimoji="0" lang="en-US" sz="3600" b="1" i="0" u="none" strike="noStrike" kern="0" cap="none" spc="0" normalizeH="0" baseline="0" noProof="0" dirty="0">
-                <a:ln>
-                  <a:noFill/>
-                </a:ln>
-                <a:solidFill>
-                  <a:srgbClr val="2C608A"/>
-                </a:solidFill>
-                <a:effectLst/>
-                <a:uLnTx/>
-                <a:uFillTx/>
-                <a:latin typeface="Arial"/>
-                <a:ea typeface="Source Sans Pro" panose="020B0503030403020204" pitchFamily="34" charset="0"/>
-                <a:sym typeface="Avenir"/>
-              </a:rPr>
-            </a:br>
-            <a:endParaRPr kumimoji="0" lang="en-US" sz="3600" b="1" i="0" u="none" strike="noStrike" kern="0" cap="none" spc="0" normalizeH="0" baseline="0" noProof="0" dirty="0">
-              <a:ln>
-                <a:noFill/>
-              </a:ln>
-              <a:solidFill>
-                <a:srgbClr val="2C608A"/>
-              </a:solidFill>
-              <a:effectLst/>
-              <a:uLnTx/>
-              <a:uFillTx/>
-              <a:latin typeface="Arial"/>
-              <a:ea typeface="Source Sans Pro" panose="020B0503030403020204" pitchFamily="34" charset="0"/>
-              <a:sym typeface="Avenir"/>
-            </a:endParaRPr>
+              <a:t>Update if doing one interview only, or if interviews are fundamentally different</a:t>
+            </a:r>
           </a:p>
         </p:txBody>
       </p:sp>
     </p:spTree>
     <p:extLst>
       <p:ext uri="{BB962C8B-B14F-4D97-AF65-F5344CB8AC3E}">
-        <p14:creationId xmlns:p14="http://schemas.microsoft.com/office/powerpoint/2010/main" val="3826011075"/>
+        <p14:creationId xmlns:p14="http://schemas.microsoft.com/office/powerpoint/2010/main" val="3292707094"/>
       </p:ext>
     </p:extLst>
   </p:cSld>
@@ -9778,10 +9273,6 @@
             <a:br>
               <a:rPr lang="en-US" dirty="0"/>
             </a:br>
-            <a:r>
-              <a:rPr lang="en-US" dirty="0"/>
-              <a:t/>
-            </a:r>
             <a:br>
               <a:rPr lang="en-US" dirty="0"/>
             </a:br>
@@ -10112,48 +9603,20 @@
           <a:bodyPr/>
           <a:lstStyle/>
           <a:p>
-            <a:r>
-              <a:rPr lang="en-US" dirty="0"/>
-              <a:t/>
-            </a:r>
             <a:br>
               <a:rPr lang="en-US" dirty="0"/>
             </a:br>
             <a:r>
-              <a:rPr lang="en-US" dirty="0" smtClean="0"/>
+              <a:rPr lang="en-US" dirty="0"/>
               <a:t>Record every </a:t>
             </a:r>
             <a:r>
-              <a:rPr lang="en-US" dirty="0" smtClean="0">
+              <a:rPr lang="en-US" dirty="0">
                 <a:solidFill>
                   <a:srgbClr val="2C608A"/>
                 </a:solidFill>
               </a:rPr>
-              <a:t>proficiency </a:t>
-            </a:r>
-            <a:r>
-              <a:rPr lang="en-US" dirty="0">
-                <a:solidFill>
-                  <a:srgbClr val="2C608A"/>
-                </a:solidFill>
-              </a:rPr>
-              <a:t>level </a:t>
-            </a:r>
-            <a:r>
-              <a:rPr lang="en-US" dirty="0" smtClean="0">
-                <a:solidFill>
-                  <a:srgbClr val="2C608A"/>
-                </a:solidFill>
-              </a:rPr>
-              <a:t>reflecting competencies to determine their qualifications. </a:t>
-            </a:r>
-            <a:r>
-              <a:rPr lang="en-US" dirty="0">
-                <a:solidFill>
-                  <a:srgbClr val="2C608A"/>
-                </a:solidFill>
-              </a:rPr>
-              <a:t/>
+              <a:t>proficiency level reflecting competencies to determine their qualifications. </a:t>
             </a:r>
             <a:br>
               <a:rPr lang="en-US" dirty="0">
@@ -10279,11 +9742,7 @@
             </a:pPr>
             <a:r>
               <a:rPr lang="en-US" dirty="0"/>
-              <a:t>Optional: copies of SME Background Info Sheet if they haven’t all submitted them </a:t>
-            </a:r>
-            <a:r>
-              <a:rPr lang="en-US" dirty="0" smtClean="0"/>
-              <a:t>already</a:t>
+              <a:t>Optional: copies of SME Background Info Sheet if they haven’t all submitted them already</a:t>
             </a:r>
           </a:p>
           <a:p>
@@ -10521,25 +9980,16 @@
             <a:br>
               <a:rPr lang="en-US" dirty="0"/>
             </a:br>
-            <a:r>
-              <a:rPr lang="en-US" dirty="0"/>
-              <a:t>(Send practice transcripts + rating to </a:t>
-            </a:r>
-            <a:r>
-              <a:rPr lang="en-US" dirty="0" smtClean="0"/>
-              <a:t>name of POC)</a:t>
-            </a:r>
-            <a:r>
-              <a:rPr lang="en-US" dirty="0"/>
-              <a:t/>
-            </a:r>
             <a:br>
               <a:rPr lang="en-US" dirty="0"/>
             </a:br>
             <a:r>
-              <a:rPr lang="en-US" b="0" dirty="0"/>
-              <a:t/>
-            </a:r>
+              <a:rPr lang="en-US" sz="4900" dirty="0"/>
+              <a:t>(Send practice transcripts + rating to {insert name of trainer/HR specialist})</a:t>
+            </a:r>
+            <a:br>
+              <a:rPr lang="en-US" dirty="0"/>
+            </a:br>
             <a:br>
               <a:rPr lang="en-US" b="0" dirty="0"/>
             </a:br>
@@ -10550,17 +10000,9 @@
             <a:br>
               <a:rPr lang="en-US" sz="9602" dirty="0"/>
             </a:br>
-            <a:r>
-              <a:rPr lang="en-US" sz="9602" dirty="0"/>
-              <a:t/>
-            </a:r>
             <a:br>
               <a:rPr lang="en-US" sz="9602" dirty="0"/>
             </a:br>
-            <a:r>
-              <a:rPr lang="en-US" dirty="0"/>
-              <a:t/>
-            </a:r>
             <a:br>
               <a:rPr lang="en-US" dirty="0"/>
             </a:br>
@@ -10901,7 +10343,7 @@
             </a:pPr>
             <a:r>
               <a:rPr lang="en-US" dirty="0"/>
-              <a:t>This was a very string interview; thanks for your time!</a:t>
+              <a:t>This was a very strong interview; thanks for your time!</a:t>
             </a:r>
           </a:p>
           <a:p>
@@ -11377,7 +10819,7 @@
                 <a:cs typeface="Arial"/>
                 <a:sym typeface="Arial"/>
               </a:rPr>
-              <a:t>It is now the end of the allotted time for the interview. The applicant took a lot of time answering the first several questions that you run out of time for the last one.</a:t>
+              <a:t>It is now the end of the allotted time for the interview. The applicant took a lot of time answering the first several questions, such that you run out of time for the last one.</a:t>
             </a:r>
           </a:p>
         </p:txBody>
@@ -11512,23 +10954,7 @@
                   <a:srgbClr val="FF0000"/>
                 </a:solidFill>
               </a:rPr>
-              <a:t>Emphasis: giving a single applicant extra time threatens the entire selection process. Do </a:t>
-            </a:r>
-            <a:r>
-              <a:rPr lang="en-US" sz="4800" dirty="0" smtClean="0">
-                <a:solidFill>
-                  <a:srgbClr val="FF0000"/>
-                </a:solidFill>
-              </a:rPr>
-              <a:t>not </a:t>
-            </a:r>
-            <a:r>
-              <a:rPr lang="en-US" sz="4800" dirty="0">
-                <a:solidFill>
-                  <a:srgbClr val="FF0000"/>
-                </a:solidFill>
-              </a:rPr>
-              <a:t>do this.</a:t>
+              <a:t>Emphasis: giving a single applicant extra time threatens the entire selection process. Do not do this.</a:t>
             </a:r>
           </a:p>
         </p:txBody>
@@ -11560,41 +10986,16 @@
           </a:bodyPr>
           <a:lstStyle/>
           <a:p>
-            <a:pPr marL="22225" marR="0" lvl="0" indent="0" algn="l" defTabSz="914400" rtl="0" eaLnBrk="1" fontAlgn="auto" latinLnBrk="0" hangingPunct="1">
-              <a:lnSpc>
-                <a:spcPct val="100000"/>
-              </a:lnSpc>
-              <a:spcBef>
-                <a:spcPts val="0"/>
-              </a:spcBef>
-              <a:spcAft>
-                <a:spcPts val="0"/>
-              </a:spcAft>
-              <a:buClr>
-                <a:srgbClr val="000000"/>
-              </a:buClr>
-              <a:buSzTx/>
-              <a:buFont typeface="Arial"/>
-              <a:buNone/>
-              <a:tabLst/>
+            <a:pPr marL="22225" lvl="0">
               <a:defRPr/>
             </a:pPr>
             <a:r>
-              <a:rPr kumimoji="0" lang="en-US" sz="3600" b="0" i="0" u="none" strike="noStrike" kern="0" cap="none" spc="0" normalizeH="0" baseline="0" noProof="0" dirty="0">
-                <a:ln>
-                  <a:noFill/>
-                </a:ln>
+              <a:rPr lang="en-US" sz="3600" dirty="0">
                 <a:solidFill>
                   <a:srgbClr val="454545"/>
                 </a:solidFill>
-                <a:effectLst/>
-                <a:uLnTx/>
-                <a:uFillTx/>
-                <a:latin typeface="Arial"/>
-                <a:cs typeface="Arial"/>
-                <a:sym typeface="Arial"/>
               </a:rPr>
-              <a:t>It is now the end of the allotted time for the interview. The applicant took a lot of time answering the first several questions that you run out of time for the last one.</a:t>
+              <a:t>It is now the end of the allotted time for the interview. The applicant took a lot of time answering the first several questions, such that you run out of time for the last one.</a:t>
             </a:r>
           </a:p>
         </p:txBody>
@@ -11656,20 +11057,9 @@
           <a:p>
             <a:r>
               <a:rPr lang="en-US" dirty="0"/>
-              <a:t>Email your docs to:</a:t>
-            </a:r>
-            <a:br>
-              <a:rPr lang="en-US" dirty="0"/>
-            </a:br>
-            <a:r>
-              <a:rPr lang="en-US" dirty="0" smtClean="0"/>
-              <a:t>[</a:t>
-            </a:r>
-            <a:r>
-              <a:rPr lang="en-US" u="sng" dirty="0" smtClean="0"/>
-              <a:t>Name of POC email]</a:t>
-            </a:r>
-            <a:endParaRPr u="sng" dirty="0">
+              <a:t>E-mail your transcripts to: {Name of HR specialist}</a:t>
+            </a:r>
+            <a:endParaRPr dirty="0">
               <a:solidFill>
                 <a:schemeClr val="bg1"/>
               </a:solidFill>
@@ -11762,25 +11152,23 @@
           <a:p>
             <a:pPr lvl="1"/>
             <a:r>
-              <a:rPr lang="en-US" dirty="0" smtClean="0"/>
+              <a:rPr lang="en-US" dirty="0"/>
               <a:t>Practice the interview transcripts</a:t>
             </a:r>
-            <a:endParaRPr lang="en-US" dirty="0"/>
           </a:p>
           <a:p>
             <a:pPr lvl="1"/>
             <a:r>
-              <a:rPr lang="en-US" dirty="0" smtClean="0"/>
+              <a:rPr lang="en-US" dirty="0"/>
               <a:t>Tips </a:t>
             </a:r>
           </a:p>
           <a:p>
             <a:pPr lvl="1"/>
             <a:r>
-              <a:rPr lang="en-US" dirty="0" smtClean="0"/>
+              <a:rPr lang="en-US" dirty="0"/>
               <a:t>Wrap up discussion</a:t>
             </a:r>
-            <a:endParaRPr lang="en-US" dirty="0"/>
           </a:p>
         </p:txBody>
       </p:sp>
@@ -11831,10 +11219,9 @@
           <a:lstStyle/>
           <a:p>
             <a:r>
-              <a:rPr lang="en-US" dirty="0" smtClean="0"/>
+              <a:rPr lang="en-US" dirty="0"/>
               <a:t>What’s next</a:t>
             </a:r>
-            <a:endParaRPr lang="en-US" dirty="0"/>
           </a:p>
         </p:txBody>
       </p:sp>
@@ -11885,7 +11272,7 @@
               <a:defRPr/>
             </a:pPr>
             <a:r>
-              <a:rPr kumimoji="0" lang="en-US" sz="3600" b="0" i="0" u="none" strike="noStrike" kern="0" cap="none" spc="0" normalizeH="0" baseline="0" noProof="0" dirty="0" smtClean="0">
+              <a:rPr kumimoji="0" lang="en-US" sz="3600" b="0" i="0" u="none" strike="noStrike" kern="0" cap="none" spc="0" normalizeH="0" baseline="0" noProof="0" dirty="0">
                 <a:ln>
                   <a:noFill/>
                 </a:ln>
@@ -11922,7 +11309,7 @@
               <a:tabLst/>
               <a:defRPr/>
             </a:pPr>
-            <a:endParaRPr kumimoji="0" lang="en-US" sz="3600" b="0" i="0" u="none" strike="noStrike" kern="0" cap="none" spc="0" normalizeH="0" baseline="0" noProof="0" dirty="0" smtClean="0">
+            <a:endParaRPr kumimoji="0" lang="en-US" sz="3600" b="0" i="0" u="none" strike="noStrike" kern="0" cap="none" spc="0" normalizeH="0" baseline="0" noProof="0" dirty="0">
               <a:ln>
                 <a:noFill/>
               </a:ln>
@@ -11958,7 +11345,7 @@
               <a:defRPr/>
             </a:pPr>
             <a:r>
-              <a:rPr kumimoji="0" lang="en-US" sz="3600" b="0" i="0" u="none" strike="noStrike" kern="0" cap="none" spc="0" normalizeH="0" baseline="0" noProof="0" dirty="0" smtClean="0">
+              <a:rPr kumimoji="0" lang="en-US" sz="3600" b="0" i="0" u="none" strike="noStrike" kern="0" cap="none" spc="0" normalizeH="0" baseline="0" noProof="0" dirty="0">
                 <a:ln>
                   <a:noFill/>
                 </a:ln>
@@ -11995,7 +11382,7 @@
               <a:tabLst/>
               <a:defRPr/>
             </a:pPr>
-            <a:endParaRPr kumimoji="0" lang="en-US" sz="3600" b="0" i="0" u="none" strike="noStrike" kern="0" cap="none" spc="0" normalizeH="0" baseline="0" noProof="0" dirty="0" smtClean="0">
+            <a:endParaRPr kumimoji="0" lang="en-US" sz="3600" b="0" i="0" u="none" strike="noStrike" kern="0" cap="none" spc="0" normalizeH="0" baseline="0" noProof="0" dirty="0">
               <a:ln>
                 <a:noFill/>
               </a:ln>
@@ -12031,7 +11418,7 @@
               <a:defRPr/>
             </a:pPr>
             <a:r>
-              <a:rPr lang="en-US" sz="3600" dirty="0" smtClean="0">
+              <a:rPr lang="en-US" sz="3600" dirty="0">
                 <a:solidFill>
                   <a:srgbClr val="454545"/>
                 </a:solidFill>
@@ -12039,7 +11426,7 @@
               <a:t>[POC] </a:t>
             </a:r>
             <a:r>
-              <a:rPr kumimoji="0" lang="en-US" sz="3600" b="0" i="0" u="none" strike="noStrike" kern="0" cap="none" spc="0" normalizeH="0" baseline="0" noProof="0" dirty="0" smtClean="0">
+              <a:rPr kumimoji="0" lang="en-US" sz="3600" b="0" i="0" u="none" strike="noStrike" kern="0" cap="none" spc="0" normalizeH="0" baseline="0" noProof="0" dirty="0">
                 <a:ln>
                   <a:noFill/>
                 </a:ln>
@@ -12076,7 +11463,7 @@
               <a:tabLst/>
               <a:defRPr/>
             </a:pPr>
-            <a:endParaRPr kumimoji="0" lang="en-US" sz="3600" b="0" i="0" u="none" strike="noStrike" kern="0" cap="none" spc="0" normalizeH="0" baseline="0" noProof="0" dirty="0" smtClean="0">
+            <a:endParaRPr kumimoji="0" lang="en-US" sz="3600" b="0" i="0" u="none" strike="noStrike" kern="0" cap="none" spc="0" normalizeH="0" baseline="0" noProof="0" dirty="0">
               <a:ln>
                 <a:noFill/>
               </a:ln>
@@ -12112,7 +11499,7 @@
               <a:defRPr/>
             </a:pPr>
             <a:r>
-              <a:rPr kumimoji="0" lang="en-US" sz="3600" b="0" i="0" u="none" strike="noStrike" kern="0" cap="none" spc="0" normalizeH="0" baseline="0" noProof="0" dirty="0" smtClean="0">
+              <a:rPr kumimoji="0" lang="en-US" sz="3600" b="0" i="0" u="none" strike="noStrike" kern="0" cap="none" spc="0" normalizeH="0" baseline="0" noProof="0" dirty="0">
                 <a:ln>
                   <a:noFill/>
                 </a:ln>
@@ -12149,7 +11536,7 @@
               <a:tabLst/>
               <a:defRPr/>
             </a:pPr>
-            <a:endParaRPr kumimoji="0" lang="en-US" sz="3600" b="0" i="0" u="none" strike="noStrike" kern="0" cap="none" spc="0" normalizeH="0" baseline="0" noProof="0" dirty="0" smtClean="0">
+            <a:endParaRPr kumimoji="0" lang="en-US" sz="3600" b="0" i="0" u="none" strike="noStrike" kern="0" cap="none" spc="0" normalizeH="0" baseline="0" noProof="0" dirty="0">
               <a:ln>
                 <a:noFill/>
               </a:ln>
@@ -12185,7 +11572,7 @@
               <a:defRPr/>
             </a:pPr>
             <a:r>
-              <a:rPr kumimoji="0" lang="en-US" sz="3600" b="0" i="0" u="none" strike="noStrike" kern="0" cap="none" spc="0" normalizeH="0" baseline="0" noProof="0" dirty="0" smtClean="0">
+              <a:rPr kumimoji="0" lang="en-US" sz="3600" b="0" i="0" u="none" strike="noStrike" kern="0" cap="none" spc="0" normalizeH="0" baseline="0" noProof="0" dirty="0">
                 <a:ln>
                   <a:noFill/>
                 </a:ln>
@@ -12211,20 +11598,12 @@
           </a:p>
           <a:p>
             <a:r>
-              <a:rPr lang="en-US" sz="3600" dirty="0" smtClean="0">
+              <a:rPr lang="en-US" sz="3600" dirty="0">
                 <a:solidFill>
                   <a:srgbClr val="FF0000"/>
                 </a:solidFill>
               </a:rPr>
-              <a:t>Customize information </a:t>
-            </a:r>
-            <a:r>
-              <a:rPr lang="en-US" sz="3600" dirty="0">
-                <a:solidFill>
-                  <a:srgbClr val="FF0000"/>
-                </a:solidFill>
-              </a:rPr>
-              <a:t>based on your logistics </a:t>
+              <a:t>Customize information based on your logistics </a:t>
             </a:r>
           </a:p>
           <a:p>
@@ -12316,10 +11695,9 @@
           <a:lstStyle/>
           <a:p>
             <a:r>
-              <a:rPr lang="en-US" dirty="0" smtClean="0"/>
+              <a:rPr lang="en-US" dirty="0"/>
               <a:t>Questions?</a:t>
             </a:r>
-            <a:endParaRPr lang="en-US" dirty="0"/>
           </a:p>
         </p:txBody>
       </p:sp>
@@ -12734,25 +12112,7 @@
                 <a:cs typeface="+mn-cs"/>
                 <a:sym typeface="Arial"/>
               </a:rPr>
-              <a:t>~</a:t>
-            </a:r>
-            <a:r>
-              <a:rPr kumimoji="0" lang="en-US" sz="2800" b="0" i="0" u="none" strike="noStrike" kern="0" cap="none" spc="0" normalizeH="0" baseline="0" noProof="0" dirty="0" smtClean="0">
-                <a:ln>
-                  <a:noFill/>
-                </a:ln>
-                <a:solidFill>
-                  <a:srgbClr val="454545"/>
-                </a:solidFill>
-                <a:effectLst/>
-                <a:uLnTx/>
-                <a:uFillTx/>
-                <a:latin typeface="Arial"/>
-                <a:ea typeface="+mn-ea"/>
-                <a:cs typeface="+mn-cs"/>
-                <a:sym typeface="Arial"/>
-              </a:rPr>
-              <a:t>120</a:t>
+              <a:t>~120</a:t>
             </a:r>
             <a:endParaRPr kumimoji="0" lang="en-US" sz="1600" b="0" i="0" u="none" strike="noStrike" kern="0" cap="none" spc="0" normalizeH="0" baseline="0" noProof="0" dirty="0">
               <a:ln>
@@ -13169,20 +12529,12 @@
               <a:buChar char="•"/>
             </a:pPr>
             <a:r>
-              <a:rPr lang="en-US" dirty="0" smtClean="0">
+              <a:rPr lang="en-US" dirty="0">
                 <a:solidFill>
                   <a:srgbClr val="454545"/>
                 </a:solidFill>
               </a:rPr>
-              <a:t>Commit </a:t>
-            </a:r>
-            <a:r>
-              <a:rPr lang="en-US" dirty="0">
-                <a:solidFill>
-                  <a:srgbClr val="454545"/>
-                </a:solidFill>
-              </a:rPr>
-              <a:t>to {NUMBER of hours}/{NUMBER} interviews each for round one.</a:t>
+              <a:t>Commit to {NUMBER of hours}/{NUMBER} interviews each for round one.</a:t>
             </a:r>
           </a:p>
           <a:p>
@@ -13212,31 +12564,15 @@
                   <a:srgbClr val="454545"/>
                 </a:solidFill>
               </a:rPr>
-              <a:t>, second interviews </a:t>
-            </a:r>
-            <a:r>
-              <a:rPr lang="en-US" dirty="0" smtClean="0">
+              <a:t>, second interviews {X}</a:t>
+            </a:r>
+            <a:r>
+              <a:rPr lang="en-US" b="1" dirty="0">
                 <a:solidFill>
                   <a:srgbClr val="454545"/>
                 </a:solidFill>
               </a:rPr>
-              <a:t>{X}</a:t>
-            </a:r>
-            <a:r>
-              <a:rPr lang="en-US" b="1" dirty="0" smtClean="0">
-                <a:solidFill>
-                  <a:srgbClr val="454545"/>
-                </a:solidFill>
-              </a:rPr>
-              <a:t> </a:t>
-            </a:r>
-            <a:r>
-              <a:rPr lang="en-US" b="1" dirty="0">
-                <a:solidFill>
-                  <a:srgbClr val="454545"/>
-                </a:solidFill>
-              </a:rPr>
-              <a:t>minutes</a:t>
+              <a:t> minutes</a:t>
             </a:r>
             <a:r>
               <a:rPr lang="en-US" dirty="0">
@@ -13267,7 +12603,7 @@
               <a:buChar char="•"/>
             </a:pPr>
             <a:r>
-              <a:rPr lang="en-US" dirty="0" smtClean="0"/>
+              <a:rPr lang="en-US" dirty="0"/>
               <a:t>Plan </a:t>
             </a:r>
             <a:r>
@@ -13467,7 +12803,7 @@
               <a:defRPr/>
             </a:pPr>
             <a:r>
-              <a:rPr kumimoji="0" lang="en-US" sz="3600" b="0" i="0" u="none" strike="noStrike" kern="0" cap="none" spc="0" normalizeH="0" baseline="0" noProof="0" dirty="0" smtClean="0">
+              <a:rPr kumimoji="0" lang="en-US" sz="3600" b="0" i="0" u="none" strike="noStrike" kern="0" cap="none" spc="0" normalizeH="0" baseline="0" noProof="0" dirty="0">
                 <a:ln>
                   <a:noFill/>
                 </a:ln>
@@ -13484,7 +12820,7 @@
               <a:t>Make</a:t>
             </a:r>
             <a:r>
-              <a:rPr kumimoji="0" lang="en-US" sz="3600" b="0" i="0" u="none" strike="noStrike" kern="0" cap="none" spc="0" normalizeH="0" noProof="0" dirty="0" smtClean="0">
+              <a:rPr kumimoji="0" lang="en-US" sz="3600" b="0" i="0" u="none" strike="noStrike" kern="0" cap="none" spc="0" normalizeH="0" noProof="0" dirty="0">
                 <a:ln>
                   <a:noFill/>
                 </a:ln>
@@ -13571,7 +12907,7 @@
               <a:defRPr/>
             </a:pPr>
             <a:r>
-              <a:rPr kumimoji="0" lang="en-US" sz="3600" b="0" i="0" u="none" strike="noStrike" kern="0" cap="none" spc="0" normalizeH="0" baseline="0" noProof="0" dirty="0" smtClean="0">
+              <a:rPr kumimoji="0" lang="en-US" sz="3600" b="0" i="0" u="none" strike="noStrike" kern="0" cap="none" spc="0" normalizeH="0" baseline="0" noProof="0" dirty="0">
                 <a:ln>
                   <a:noFill/>
                 </a:ln>
@@ -13585,58 +12921,7 @@
                 <a:cs typeface="Arial"/>
                 <a:sym typeface="Arial"/>
               </a:rPr>
-              <a:t>[Name of POC] </a:t>
-            </a:r>
-            <a:r>
-              <a:rPr kumimoji="0" lang="en-US" sz="3600" b="0" i="0" u="none" strike="noStrike" kern="0" cap="none" spc="0" normalizeH="0" baseline="0" noProof="0" dirty="0">
-                <a:ln>
-                  <a:noFill/>
-                </a:ln>
-                <a:solidFill>
-                  <a:srgbClr val="454545"/>
-                </a:solidFill>
-                <a:effectLst/>
-                <a:uLnTx/>
-                <a:uFillTx/>
-                <a:latin typeface="Arial"/>
-                <a:cs typeface="Arial"/>
-                <a:sym typeface="Arial"/>
-              </a:rPr>
-              <a:t>will mark your calendar with the confirmed interview. Once all interviews been </a:t>
-            </a:r>
-            <a:r>
-              <a:rPr kumimoji="0" lang="en-US" sz="3600" b="0" i="0" u="none" strike="noStrike" kern="0" cap="none" spc="0" normalizeH="0" baseline="0" noProof="0" dirty="0" smtClean="0">
-                <a:ln>
-                  <a:noFill/>
-                </a:ln>
-                <a:solidFill>
-                  <a:srgbClr val="454545"/>
-                </a:solidFill>
-                <a:effectLst/>
-                <a:uLnTx/>
-                <a:uFillTx/>
-                <a:latin typeface="Arial"/>
-                <a:cs typeface="Arial"/>
-                <a:sym typeface="Arial"/>
-              </a:rPr>
-              <a:t>scheduled with ‘interview 1’  or ‘interview 2’, </a:t>
-            </a:r>
-            <a:r>
-              <a:rPr kumimoji="0" lang="en-US" sz="3600" b="0" i="0" u="none" strike="noStrike" kern="0" cap="none" spc="0" normalizeH="0" baseline="0" noProof="0" dirty="0">
-                <a:ln>
-                  <a:noFill/>
-                </a:ln>
-                <a:solidFill>
-                  <a:srgbClr val="454545"/>
-                </a:solidFill>
-                <a:effectLst/>
-                <a:uLnTx/>
-                <a:uFillTx/>
-                <a:latin typeface="Arial"/>
-                <a:cs typeface="Arial"/>
-                <a:sym typeface="Arial"/>
-              </a:rPr>
-              <a:t>you can release the rest of your calendar holds. </a:t>
+              <a:t>[Name of POC] will mark your calendar with the confirmed interview. Once all interviews been scheduled with ‘interview 1’  or ‘interview 2’, you can release the rest of your calendar holds. </a:t>
             </a:r>
           </a:p>
         </p:txBody>
@@ -13694,27 +12979,18 @@
           <a:p>
             <a:r>
               <a:rPr lang="en-US" dirty="0"/>
-              <a:t>This is an examination. You are testing their knowledge of the pre-defined competencies</a:t>
-            </a:r>
-            <a:r>
-              <a:rPr lang="en-US" dirty="0" smtClean="0"/>
-              <a:t>.</a:t>
-            </a:r>
-            <a:br>
-              <a:rPr lang="en-US" dirty="0" smtClean="0"/>
-            </a:br>
-            <a:r>
-              <a:rPr lang="en-US" dirty="0"/>
-              <a:t/>
+              <a:t>This is an examination. You are testing their knowledge of the pre-defined competencies.</a:t>
             </a:r>
             <a:br>
               <a:rPr lang="en-US" dirty="0"/>
             </a:br>
-            <a:r>
-              <a:rPr lang="en-US" dirty="0" smtClean="0"/>
+            <a:br>
+              <a:rPr lang="en-US" dirty="0"/>
+            </a:br>
+            <a:r>
+              <a:rPr lang="en-US" dirty="0"/>
               <a:t>Everyone must get the same script and the same time. </a:t>
             </a:r>
-            <a:endParaRPr lang="en-US" dirty="0"/>
           </a:p>
         </p:txBody>
       </p:sp>
@@ -13835,29 +13111,7 @@
                 <a:ea typeface="Source Sans Pro SemiBold" panose="020B0503030403020204" pitchFamily="34" charset="0"/>
                 <a:cs typeface="Arial" panose="020B0604020202020204" pitchFamily="34" charset="0"/>
               </a:rPr>
-              <a:t>Follow-Up vs Probe </a:t>
-            </a:r>
-            <a:r>
-              <a:rPr lang="en-US" sz="3600" b="1" cap="all" dirty="0" smtClean="0">
-                <a:solidFill>
-                  <a:schemeClr val="tx2"/>
-                </a:solidFill>
-                <a:latin typeface="Arial" panose="020B0604020202020204" pitchFamily="34" charset="0"/>
-                <a:ea typeface="Source Sans Pro SemiBold" panose="020B0503030403020204" pitchFamily="34" charset="0"/>
-                <a:cs typeface="Arial" panose="020B0604020202020204" pitchFamily="34" charset="0"/>
-              </a:rPr>
-              <a:t>Question</a:t>
-            </a:r>
-            <a:r>
-              <a:rPr lang="en-US" sz="3600" b="1" cap="all" dirty="0">
-                <a:solidFill>
-                  <a:schemeClr val="tx2"/>
-                </a:solidFill>
-                <a:latin typeface="Arial" panose="020B0604020202020204" pitchFamily="34" charset="0"/>
-                <a:ea typeface="Source Sans Pro SemiBold" panose="020B0503030403020204" pitchFamily="34" charset="0"/>
-                <a:cs typeface="Arial" panose="020B0604020202020204" pitchFamily="34" charset="0"/>
-              </a:rPr>
-              <a:t/>
+              <a:t>Follow-Up vs Probe Question</a:t>
             </a:r>
             <a:br>
               <a:rPr lang="en-US" sz="3600" b="1" cap="all" dirty="0">
@@ -13869,17 +13123,6 @@
                 <a:cs typeface="Arial" panose="020B0604020202020204" pitchFamily="34" charset="0"/>
               </a:rPr>
             </a:br>
-            <a:r>
-              <a:rPr lang="en-US" sz="3600" b="1" cap="all" dirty="0">
-                <a:solidFill>
-                  <a:schemeClr val="tx2"/>
-                </a:solidFill>
-                <a:latin typeface="Arial" panose="020B0604020202020204" pitchFamily="34" charset="0"/>
-                <a:ea typeface="Source Sans Pro SemiBold" panose="020B0503030403020204" pitchFamily="34" charset="0"/>
-                <a:cs typeface="Arial" panose="020B0604020202020204" pitchFamily="34" charset="0"/>
-              </a:rPr>
-              <a:t/>
-            </a:r>
             <a:br>
               <a:rPr lang="en-US" sz="3600" b="1" cap="all" dirty="0">
                 <a:solidFill>
@@ -13891,7 +13134,7 @@
               </a:rPr>
             </a:br>
             <a:r>
-              <a:rPr lang="en-US" sz="2700" b="1" dirty="0" err="1" smtClean="0">
+              <a:rPr lang="en-US" sz="2700" b="1" dirty="0" err="1">
                 <a:solidFill>
                   <a:srgbClr val="000000"/>
                 </a:solidFill>
@@ -13899,20 +13142,12 @@
               <a:t>Question</a:t>
             </a:r>
             <a:r>
-              <a:rPr lang="en-US" sz="2700" b="1" dirty="0" smtClean="0">
+              <a:rPr lang="en-US" sz="2700" b="1" dirty="0">
                 <a:solidFill>
                   <a:srgbClr val="000000"/>
                 </a:solidFill>
               </a:rPr>
-              <a:t> </a:t>
-            </a:r>
-            <a:r>
-              <a:rPr lang="en-US" sz="2700" b="1" dirty="0">
-                <a:solidFill>
-                  <a:srgbClr val="000000"/>
-                </a:solidFill>
-              </a:rPr>
-              <a:t>1: </a:t>
+              <a:t> 1: </a:t>
             </a:r>
             <a:r>
               <a:rPr lang="en-US" sz="2700" b="1" i="1" dirty="0">
@@ -13922,14 +13157,6 @@
               </a:rPr>
               <a:t>(Required)</a:t>
             </a:r>
-            <a:r>
-              <a:rPr lang="en-US" sz="2700" dirty="0">
-                <a:solidFill>
-                  <a:srgbClr val="000000"/>
-                </a:solidFill>
-              </a:rPr>
-              <a:t/>
-            </a:r>
             <a:br>
               <a:rPr lang="en-US" sz="2700" dirty="0">
                 <a:solidFill>
@@ -13937,14 +13164,6 @@
                 </a:solidFill>
               </a:rPr>
             </a:br>
-            <a:r>
-              <a:rPr lang="en-US" sz="2700" dirty="0">
-                <a:solidFill>
-                  <a:srgbClr val="000000"/>
-                </a:solidFill>
-              </a:rPr>
-              <a:t/>
-            </a:r>
             <a:br>
               <a:rPr lang="en-US" sz="2700" dirty="0">
                 <a:solidFill>
@@ -13953,36 +13172,12 @@
               </a:rPr>
             </a:br>
             <a:r>
-              <a:rPr lang="en-US" sz="2700" dirty="0" smtClean="0">
+              <a:rPr lang="en-US" sz="2700" dirty="0">
                 <a:solidFill>
                   <a:srgbClr val="000000"/>
                 </a:solidFill>
               </a:rPr>
-              <a:t>	Tell </a:t>
-            </a:r>
-            <a:r>
-              <a:rPr lang="en-US" sz="2700" dirty="0">
-                <a:solidFill>
-                  <a:srgbClr val="000000"/>
-                </a:solidFill>
-              </a:rPr>
-              <a:t>me about a time you had to overcome a stakeholder </a:t>
-            </a:r>
-            <a:r>
-              <a:rPr lang="en-US" sz="2700" dirty="0" smtClean="0">
-                <a:solidFill>
-                  <a:srgbClr val="000000"/>
-                </a:solidFill>
-              </a:rPr>
-              <a:t>challenge.</a:t>
-            </a:r>
-            <a:r>
-              <a:rPr lang="en-US" sz="2700" dirty="0">
-                <a:solidFill>
-                  <a:srgbClr val="000000"/>
-                </a:solidFill>
-              </a:rPr>
-              <a:t/>
+              <a:t>	Tell me about a time you had to overcome a stakeholder challenge.</a:t>
             </a:r>
             <a:br>
               <a:rPr lang="en-US" sz="2700" dirty="0">
@@ -13991,14 +13186,6 @@
                 </a:solidFill>
               </a:rPr>
             </a:br>
-            <a:r>
-              <a:rPr lang="en-US" sz="2700" dirty="0">
-                <a:solidFill>
-                  <a:srgbClr val="000000"/>
-                </a:solidFill>
-              </a:rPr>
-              <a:t/>
-            </a:r>
             <a:br>
               <a:rPr lang="en-US" sz="2700" dirty="0">
                 <a:solidFill>
@@ -14022,14 +13209,6 @@
               </a:rPr>
               <a:t>(required if not covered in the response):</a:t>
             </a:r>
-            <a:r>
-              <a:rPr lang="en-US" sz="2700" dirty="0">
-                <a:solidFill>
-                  <a:srgbClr val="000000"/>
-                </a:solidFill>
-              </a:rPr>
-              <a:t/>
-            </a:r>
             <a:br>
               <a:rPr lang="en-US" sz="2700" dirty="0">
                 <a:solidFill>
@@ -14053,36 +13232,12 @@
               </a:rPr>
             </a:br>
             <a:r>
-              <a:rPr lang="en-US" sz="2700" dirty="0" smtClean="0">
+              <a:rPr lang="en-US" sz="2700" dirty="0">
                 <a:solidFill>
                   <a:srgbClr val="000000"/>
                 </a:solidFill>
               </a:rPr>
-              <a:t>	What </a:t>
-            </a:r>
-            <a:r>
-              <a:rPr lang="en-US" sz="2700" dirty="0">
-                <a:solidFill>
-                  <a:srgbClr val="000000"/>
-                </a:solidFill>
-              </a:rPr>
-              <a:t>were the results</a:t>
-            </a:r>
-            <a:r>
-              <a:rPr lang="en-US" sz="2700" dirty="0" smtClean="0">
-                <a:solidFill>
-                  <a:srgbClr val="000000"/>
-                </a:solidFill>
-              </a:rPr>
-              <a:t>? </a:t>
-            </a:r>
-            <a:r>
-              <a:rPr lang="en-US" sz="2700" dirty="0">
-                <a:solidFill>
-                  <a:srgbClr val="000000"/>
-                </a:solidFill>
-              </a:rPr>
-              <a:t/>
+              <a:t>	What were the results? </a:t>
             </a:r>
             <a:br>
               <a:rPr lang="en-US" sz="2700" dirty="0">
@@ -14091,14 +13246,6 @@
                 </a:solidFill>
               </a:rPr>
             </a:br>
-            <a:r>
-              <a:rPr lang="en-US" sz="2700" dirty="0">
-                <a:solidFill>
-                  <a:srgbClr val="000000"/>
-                </a:solidFill>
-              </a:rPr>
-              <a:t/>
-            </a:r>
             <a:br>
               <a:rPr lang="en-US" sz="2700" dirty="0">
                 <a:solidFill>
@@ -14114,14 +13261,6 @@
               </a:rPr>
               <a:t>Probe questions (Optional): </a:t>
             </a:r>
-            <a:r>
-              <a:rPr lang="en-US" sz="2700" dirty="0">
-                <a:solidFill>
-                  <a:srgbClr val="000000"/>
-                </a:solidFill>
-              </a:rPr>
-              <a:t/>
-            </a:r>
             <a:br>
               <a:rPr lang="en-US" sz="2700" dirty="0">
                 <a:solidFill>
@@ -14220,16 +13359,8 @@
               </a:rPr>
               <a:t>	</a:t>
             </a:r>
-            <a:r>
-              <a:rPr lang="en-US" sz="2700" dirty="0" smtClean="0">
-                <a:solidFill>
-                  <a:srgbClr val="000000"/>
-                </a:solidFill>
-              </a:rPr>
-              <a:t/>
-            </a:r>
             <a:br>
-              <a:rPr lang="en-US" sz="2700" dirty="0" smtClean="0">
+              <a:rPr lang="en-US" sz="2700" dirty="0">
                 <a:solidFill>
                   <a:srgbClr val="000000"/>
                 </a:solidFill>
@@ -14242,19 +13373,8 @@
             <a:br>
               <a:rPr lang="en-US" sz="3600" dirty="0"/>
             </a:br>
-            <a:r>
-              <a:rPr lang="en-US" sz="3600" b="1" cap="all" dirty="0" smtClean="0">
-                <a:solidFill>
-                  <a:schemeClr val="tx2"/>
-                </a:solidFill>
-                <a:latin typeface="Arial" panose="020B0604020202020204" pitchFamily="34" charset="0"/>
-                <a:ea typeface="Source Sans Pro SemiBold" panose="020B0503030403020204" pitchFamily="34" charset="0"/>
-                <a:cs typeface="Arial" panose="020B0604020202020204" pitchFamily="34" charset="0"/>
-              </a:rPr>
-              <a:t/>
-            </a:r>
             <a:br>
-              <a:rPr lang="en-US" sz="3600" b="1" cap="all" dirty="0" smtClean="0">
+              <a:rPr lang="en-US" sz="3600" b="1" cap="all" dirty="0">
                 <a:solidFill>
                   <a:schemeClr val="tx2"/>
                 </a:solidFill>
